--- a/Presentations/P1.3 - Introducció a GIT.pptx
+++ b/Presentations/P1.3 - Introducció a GIT.pptx
@@ -26,16 +26,17 @@
     <p:sldId id="271" r:id="rId20"/>
     <p:sldId id="272" r:id="rId21"/>
     <p:sldId id="273" r:id="rId22"/>
+    <p:sldId id="274" r:id="rId23"/>
   </p:sldIdLst>
   <p:sldSz cy="6858000" cx="9144000"/>
   <p:notesSz cx="6858000" cy="9144000"/>
   <p:embeddedFontLst>
     <p:embeddedFont>
       <p:font typeface="Open Sans"/>
-      <p:regular r:id="rId23"/>
-      <p:bold r:id="rId24"/>
-      <p:italic r:id="rId25"/>
-      <p:boldItalic r:id="rId26"/>
+      <p:regular r:id="rId24"/>
+      <p:bold r:id="rId25"/>
+      <p:italic r:id="rId26"/>
+      <p:boldItalic r:id="rId27"/>
     </p:embeddedFont>
   </p:embeddedFontLst>
   <p:defaultTextStyle>
@@ -533,8 +534,8 @@
         </p:nvSpPr>
         <p:spPr>
           <a:xfrm>
-            <a:off x="1143309" y="685800"/>
-            <a:ext cx="4572000" cy="3429000"/>
+            <a:off x="1143210" y="685800"/>
+            <a:ext cx="4572299" cy="3429000"/>
           </a:xfrm>
           <a:custGeom>
             <a:pathLst>
@@ -616,7 +617,7 @@
   <p:cSld>
     <p:spTree>
       <p:nvGrpSpPr>
-        <p:cNvPr id="152" name="Shape 152"/>
+        <p:cNvPr id="153" name="Shape 153"/>
         <p:cNvGrpSpPr/>
         <p:nvPr/>
       </p:nvGrpSpPr>
@@ -630,7 +631,7 @@
       </p:grpSpPr>
       <p:sp>
         <p:nvSpPr>
-          <p:cNvPr id="153" name="Shape 153"/>
+          <p:cNvPr id="154" name="Shape 154"/>
           <p:cNvSpPr/>
           <p:nvPr>
             <p:ph idx="2" type="sldImg"/>
@@ -674,7 +675,7 @@
       </p:sp>
       <p:sp>
         <p:nvSpPr>
-          <p:cNvPr id="154" name="Shape 154"/>
+          <p:cNvPr id="155" name="Shape 155"/>
           <p:cNvSpPr txBox="1"/>
           <p:nvPr>
             <p:ph idx="1" type="body"/>
@@ -721,7 +722,7 @@
   <p:cSld>
     <p:spTree>
       <p:nvGrpSpPr>
-        <p:cNvPr id="158" name="Shape 158"/>
+        <p:cNvPr id="161" name="Shape 161"/>
         <p:cNvGrpSpPr/>
         <p:nvPr/>
       </p:nvGrpSpPr>
@@ -735,7 +736,7 @@
       </p:grpSpPr>
       <p:sp>
         <p:nvSpPr>
-          <p:cNvPr id="159" name="Shape 159"/>
+          <p:cNvPr id="162" name="Shape 162"/>
           <p:cNvSpPr/>
           <p:nvPr>
             <p:ph idx="2" type="sldImg"/>
@@ -779,7 +780,7 @@
       </p:sp>
       <p:sp>
         <p:nvSpPr>
-          <p:cNvPr id="160" name="Shape 160"/>
+          <p:cNvPr id="163" name="Shape 163"/>
           <p:cNvSpPr txBox="1"/>
           <p:nvPr>
             <p:ph idx="1" type="body"/>
@@ -826,7 +827,7 @@
   <p:cSld>
     <p:spTree>
       <p:nvGrpSpPr>
-        <p:cNvPr id="166" name="Shape 166"/>
+        <p:cNvPr id="167" name="Shape 167"/>
         <p:cNvGrpSpPr/>
         <p:nvPr/>
       </p:nvGrpSpPr>
@@ -840,7 +841,7 @@
       </p:grpSpPr>
       <p:sp>
         <p:nvSpPr>
-          <p:cNvPr id="167" name="Shape 167"/>
+          <p:cNvPr id="168" name="Shape 168"/>
           <p:cNvSpPr/>
           <p:nvPr>
             <p:ph idx="2" type="sldImg"/>
@@ -884,7 +885,7 @@
       </p:sp>
       <p:sp>
         <p:nvSpPr>
-          <p:cNvPr id="168" name="Shape 168"/>
+          <p:cNvPr id="169" name="Shape 169"/>
           <p:cNvSpPr txBox="1"/>
           <p:nvPr>
             <p:ph idx="1" type="body"/>
@@ -931,7 +932,7 @@
   <p:cSld>
     <p:spTree>
       <p:nvGrpSpPr>
-        <p:cNvPr id="172" name="Shape 172"/>
+        <p:cNvPr id="175" name="Shape 175"/>
         <p:cNvGrpSpPr/>
         <p:nvPr/>
       </p:nvGrpSpPr>
@@ -945,7 +946,7 @@
       </p:grpSpPr>
       <p:sp>
         <p:nvSpPr>
-          <p:cNvPr id="173" name="Shape 173"/>
+          <p:cNvPr id="176" name="Shape 176"/>
           <p:cNvSpPr/>
           <p:nvPr>
             <p:ph idx="2" type="sldImg"/>
@@ -989,7 +990,7 @@
       </p:sp>
       <p:sp>
         <p:nvSpPr>
-          <p:cNvPr id="174" name="Shape 174"/>
+          <p:cNvPr id="177" name="Shape 177"/>
           <p:cNvSpPr txBox="1"/>
           <p:nvPr>
             <p:ph idx="1" type="body"/>
@@ -1036,7 +1037,7 @@
   <p:cSld>
     <p:spTree>
       <p:nvGrpSpPr>
-        <p:cNvPr id="182" name="Shape 182"/>
+        <p:cNvPr id="181" name="Shape 181"/>
         <p:cNvGrpSpPr/>
         <p:nvPr/>
       </p:nvGrpSpPr>
@@ -1050,7 +1051,7 @@
       </p:grpSpPr>
       <p:sp>
         <p:nvSpPr>
-          <p:cNvPr id="183" name="Shape 183"/>
+          <p:cNvPr id="182" name="Shape 182"/>
           <p:cNvSpPr/>
           <p:nvPr>
             <p:ph idx="2" type="sldImg"/>
@@ -1094,7 +1095,7 @@
       </p:sp>
       <p:sp>
         <p:nvSpPr>
-          <p:cNvPr id="184" name="Shape 184"/>
+          <p:cNvPr id="183" name="Shape 183"/>
           <p:cNvSpPr txBox="1"/>
           <p:nvPr>
             <p:ph idx="1" type="body"/>
@@ -1246,7 +1247,7 @@
   <p:cSld>
     <p:spTree>
       <p:nvGrpSpPr>
-        <p:cNvPr id="201" name="Shape 201"/>
+        <p:cNvPr id="200" name="Shape 200"/>
         <p:cNvGrpSpPr/>
         <p:nvPr/>
       </p:nvGrpSpPr>
@@ -1260,7 +1261,7 @@
       </p:grpSpPr>
       <p:sp>
         <p:nvSpPr>
-          <p:cNvPr id="202" name="Shape 202"/>
+          <p:cNvPr id="201" name="Shape 201"/>
           <p:cNvSpPr/>
           <p:nvPr>
             <p:ph idx="2" type="sldImg"/>
@@ -1268,8 +1269,8 @@
         </p:nvSpPr>
         <p:spPr>
           <a:xfrm>
-            <a:off x="1143210" y="685800"/>
-            <a:ext cx="4572225" cy="3429000"/>
+            <a:off x="1143309" y="685800"/>
+            <a:ext cx="4572000" cy="3429000"/>
           </a:xfrm>
           <a:custGeom>
             <a:pathLst>
@@ -1304,7 +1305,7 @@
       </p:sp>
       <p:sp>
         <p:nvSpPr>
-          <p:cNvPr id="203" name="Shape 203"/>
+          <p:cNvPr id="202" name="Shape 202"/>
           <p:cNvSpPr txBox="1"/>
           <p:nvPr>
             <p:ph idx="1" type="body"/>
@@ -1325,16 +1326,16 @@
           </a:bodyPr>
           <a:lstStyle/>
           <a:p>
-            <a:pPr lvl="0">
-              <a:spcBef>
-                <a:spcPts val="0"/>
-              </a:spcBef>
-              <a:buNone/>
-            </a:pPr>
-            <a:r>
-              <a:rPr lang="ca"/>
-              <a:t>Presentación de Gavi!</a:t>
-            </a:r>
+            <a:pPr lvl="0" rtl="0">
+              <a:spcBef>
+                <a:spcPts val="0"/>
+              </a:spcBef>
+              <a:buNone/>
+            </a:pPr>
+            <a:r>
+              <a:t/>
+            </a:r>
+            <a:endParaRPr/>
           </a:p>
         </p:txBody>
       </p:sp>
@@ -1351,7 +1352,7 @@
   <p:cSld>
     <p:spTree>
       <p:nvGrpSpPr>
-        <p:cNvPr id="207" name="Shape 207"/>
+        <p:cNvPr id="210" name="Shape 210"/>
         <p:cNvGrpSpPr/>
         <p:nvPr/>
       </p:nvGrpSpPr>
@@ -1365,7 +1366,7 @@
       </p:grpSpPr>
       <p:sp>
         <p:nvSpPr>
-          <p:cNvPr id="208" name="Shape 208"/>
+          <p:cNvPr id="211" name="Shape 211"/>
           <p:cNvSpPr/>
           <p:nvPr>
             <p:ph idx="2" type="sldImg"/>
@@ -1373,8 +1374,8 @@
         </p:nvSpPr>
         <p:spPr>
           <a:xfrm>
-            <a:off x="1143309" y="685800"/>
-            <a:ext cx="4572000" cy="3429000"/>
+            <a:off x="1143210" y="685800"/>
+            <a:ext cx="4572225" cy="3429000"/>
           </a:xfrm>
           <a:custGeom>
             <a:pathLst>
@@ -1409,7 +1410,7 @@
       </p:sp>
       <p:sp>
         <p:nvSpPr>
-          <p:cNvPr id="209" name="Shape 209"/>
+          <p:cNvPr id="212" name="Shape 212"/>
           <p:cNvSpPr txBox="1"/>
           <p:nvPr>
             <p:ph idx="1" type="body"/>
@@ -1437,9 +1438,9 @@
               <a:buNone/>
             </a:pPr>
             <a:r>
-              <a:t/>
-            </a:r>
-            <a:endParaRPr/>
+              <a:rPr lang="ca"/>
+              <a:t>Presentación de Gavi!</a:t>
+            </a:r>
           </a:p>
         </p:txBody>
       </p:sp>
@@ -1451,12 +1452,12 @@
 </p:notes>
 </file>
 
-<file path=ppt/notesSlides/notesSlide2.xml><?xml version="1.0" encoding="utf-8"?>
+<file path=ppt/notesSlides/notesSlide18.xml><?xml version="1.0" encoding="utf-8"?>
 <p:notes xmlns:a="http://schemas.openxmlformats.org/drawingml/2006/main" xmlns:r="http://schemas.openxmlformats.org/officeDocument/2006/relationships" xmlns:mc="http://schemas.openxmlformats.org/markup-compatibility/2006" xmlns:mv="urn:schemas-microsoft-com:mac:vml" xmlns:p="http://schemas.openxmlformats.org/presentationml/2006/main" xmlns:c="http://schemas.openxmlformats.org/drawingml/2006/chart" xmlns:dgm="http://schemas.openxmlformats.org/drawingml/2006/diagram" xmlns:o="urn:schemas-microsoft-com:office:office" xmlns:v="urn:schemas-microsoft-com:vml" xmlns:pvml="urn:schemas-microsoft-com:office:powerpoint" xmlns:com="http://schemas.openxmlformats.org/drawingml/2006/compatibility" xmlns:p14="http://schemas.microsoft.com/office/powerpoint/2010/main" showMasterPhAnim="0" showMasterSp="0">
   <p:cSld>
     <p:spTree>
       <p:nvGrpSpPr>
-        <p:cNvPr id="72" name="Shape 72"/>
+        <p:cNvPr id="216" name="Shape 216"/>
         <p:cNvGrpSpPr/>
         <p:nvPr/>
       </p:nvGrpSpPr>
@@ -1470,7 +1471,7 @@
       </p:grpSpPr>
       <p:sp>
         <p:nvSpPr>
-          <p:cNvPr id="73" name="Shape 73"/>
+          <p:cNvPr id="217" name="Shape 217"/>
           <p:cNvSpPr/>
           <p:nvPr>
             <p:ph idx="2" type="sldImg"/>
@@ -1514,7 +1515,7 @@
       </p:sp>
       <p:sp>
         <p:nvSpPr>
-          <p:cNvPr id="74" name="Shape 74"/>
+          <p:cNvPr id="218" name="Shape 218"/>
           <p:cNvSpPr txBox="1"/>
           <p:nvPr>
             <p:ph idx="1" type="body"/>
@@ -1556,12 +1557,12 @@
 </p:notes>
 </file>
 
-<file path=ppt/notesSlides/notesSlide3.xml><?xml version="1.0" encoding="utf-8"?>
+<file path=ppt/notesSlides/notesSlide2.xml><?xml version="1.0" encoding="utf-8"?>
 <p:notes xmlns:a="http://schemas.openxmlformats.org/drawingml/2006/main" xmlns:r="http://schemas.openxmlformats.org/officeDocument/2006/relationships" xmlns:mc="http://schemas.openxmlformats.org/markup-compatibility/2006" xmlns:mv="urn:schemas-microsoft-com:mac:vml" xmlns:p="http://schemas.openxmlformats.org/presentationml/2006/main" xmlns:c="http://schemas.openxmlformats.org/drawingml/2006/chart" xmlns:dgm="http://schemas.openxmlformats.org/drawingml/2006/diagram" xmlns:o="urn:schemas-microsoft-com:office:office" xmlns:v="urn:schemas-microsoft-com:vml" xmlns:pvml="urn:schemas-microsoft-com:office:powerpoint" xmlns:com="http://schemas.openxmlformats.org/drawingml/2006/compatibility" xmlns:p14="http://schemas.microsoft.com/office/powerpoint/2010/main" showMasterPhAnim="0" showMasterSp="0">
   <p:cSld>
     <p:spTree>
       <p:nvGrpSpPr>
-        <p:cNvPr id="78" name="Shape 78"/>
+        <p:cNvPr id="73" name="Shape 73"/>
         <p:cNvGrpSpPr/>
         <p:nvPr/>
       </p:nvGrpSpPr>
@@ -1575,7 +1576,7 @@
       </p:grpSpPr>
       <p:sp>
         <p:nvSpPr>
-          <p:cNvPr id="79" name="Shape 79"/>
+          <p:cNvPr id="74" name="Shape 74"/>
           <p:cNvSpPr/>
           <p:nvPr>
             <p:ph idx="2" type="sldImg"/>
@@ -1619,7 +1620,7 @@
       </p:sp>
       <p:sp>
         <p:nvSpPr>
-          <p:cNvPr id="80" name="Shape 80"/>
+          <p:cNvPr id="75" name="Shape 75"/>
           <p:cNvSpPr txBox="1"/>
           <p:nvPr>
             <p:ph idx="1" type="body"/>
@@ -1639,457 +1640,6 @@
             <a:noAutofit/>
           </a:bodyPr>
           <a:lstStyle/>
-          <a:p>
-            <a:pPr indent="-311150" lvl="0" marL="457200" rtl="0">
-              <a:lnSpc>
-                <a:spcPct val="160000"/>
-              </a:lnSpc>
-              <a:spcBef>
-                <a:spcPts val="0"/>
-              </a:spcBef>
-              <a:buClr>
-                <a:schemeClr val="dk1"/>
-              </a:buClr>
-              <a:buSzPct val="100000"/>
-              <a:buFont typeface="Georgia"/>
-            </a:pPr>
-            <a:r>
-              <a:rPr b="1" lang="ca" sz="1300">
-                <a:solidFill>
-                  <a:schemeClr val="dk1"/>
-                </a:solidFill>
-                <a:highlight>
-                  <a:srgbClr val="FFFFFF"/>
-                </a:highlight>
-                <a:latin typeface="Georgia"/>
-                <a:ea typeface="Georgia"/>
-                <a:cs typeface="Georgia"/>
-                <a:sym typeface="Georgia"/>
-              </a:rPr>
-              <a:t>Backup and Restore.</a:t>
-            </a:r>
-            <a:r>
-              <a:rPr lang="ca" sz="1300">
-                <a:solidFill>
-                  <a:schemeClr val="dk1"/>
-                </a:solidFill>
-                <a:highlight>
-                  <a:srgbClr val="FFFFFF"/>
-                </a:highlight>
-                <a:latin typeface="Georgia"/>
-                <a:ea typeface="Georgia"/>
-                <a:cs typeface="Georgia"/>
-                <a:sym typeface="Georgia"/>
-              </a:rPr>
-              <a:t> Files are saved as they are edited, and you can jump to any moment in time. Need that file as it was on Feb 23, 2007? No problem.</a:t>
-            </a:r>
-          </a:p>
-          <a:p>
-            <a:pPr indent="-311150" lvl="0" marL="457200" rtl="0">
-              <a:lnSpc>
-                <a:spcPct val="160000"/>
-              </a:lnSpc>
-              <a:spcBef>
-                <a:spcPts val="0"/>
-              </a:spcBef>
-              <a:buClr>
-                <a:schemeClr val="dk1"/>
-              </a:buClr>
-              <a:buSzPct val="100000"/>
-              <a:buFont typeface="Georgia"/>
-            </a:pPr>
-            <a:r>
-              <a:rPr b="1" lang="ca" sz="1300">
-                <a:solidFill>
-                  <a:schemeClr val="dk1"/>
-                </a:solidFill>
-                <a:highlight>
-                  <a:srgbClr val="FFFFFF"/>
-                </a:highlight>
-                <a:latin typeface="Georgia"/>
-                <a:ea typeface="Georgia"/>
-                <a:cs typeface="Georgia"/>
-                <a:sym typeface="Georgia"/>
-              </a:rPr>
-              <a:t>Synchronization.</a:t>
-            </a:r>
-            <a:r>
-              <a:rPr lang="ca" sz="1300">
-                <a:solidFill>
-                  <a:schemeClr val="dk1"/>
-                </a:solidFill>
-                <a:highlight>
-                  <a:srgbClr val="FFFFFF"/>
-                </a:highlight>
-                <a:latin typeface="Georgia"/>
-                <a:ea typeface="Georgia"/>
-                <a:cs typeface="Georgia"/>
-                <a:sym typeface="Georgia"/>
-              </a:rPr>
-              <a:t> Lets people share files and stay up-to-date with the latest version.</a:t>
-            </a:r>
-          </a:p>
-          <a:p>
-            <a:pPr indent="-311150" lvl="0" marL="457200" rtl="0">
-              <a:lnSpc>
-                <a:spcPct val="160000"/>
-              </a:lnSpc>
-              <a:spcBef>
-                <a:spcPts val="0"/>
-              </a:spcBef>
-              <a:buClr>
-                <a:schemeClr val="dk1"/>
-              </a:buClr>
-              <a:buSzPct val="100000"/>
-              <a:buFont typeface="Georgia"/>
-            </a:pPr>
-            <a:r>
-              <a:rPr b="1" lang="ca" sz="1300">
-                <a:solidFill>
-                  <a:schemeClr val="dk1"/>
-                </a:solidFill>
-                <a:highlight>
-                  <a:srgbClr val="FFFFFF"/>
-                </a:highlight>
-                <a:latin typeface="Georgia"/>
-                <a:ea typeface="Georgia"/>
-                <a:cs typeface="Georgia"/>
-                <a:sym typeface="Georgia"/>
-              </a:rPr>
-              <a:t>Short-term undo.</a:t>
-            </a:r>
-            <a:r>
-              <a:rPr lang="ca" sz="1300">
-                <a:solidFill>
-                  <a:schemeClr val="dk1"/>
-                </a:solidFill>
-                <a:highlight>
-                  <a:srgbClr val="FFFFFF"/>
-                </a:highlight>
-                <a:latin typeface="Georgia"/>
-                <a:ea typeface="Georgia"/>
-                <a:cs typeface="Georgia"/>
-                <a:sym typeface="Georgia"/>
-              </a:rPr>
-              <a:t> Monkeying with a file and messed it up? (That’s just like you, isn’t it?). Throw away your changes and go back to the “last known good” version in the database.</a:t>
-            </a:r>
-          </a:p>
-          <a:p>
-            <a:pPr indent="-311150" lvl="0" marL="457200" rtl="0">
-              <a:lnSpc>
-                <a:spcPct val="160000"/>
-              </a:lnSpc>
-              <a:spcBef>
-                <a:spcPts val="0"/>
-              </a:spcBef>
-              <a:buClr>
-                <a:schemeClr val="dk1"/>
-              </a:buClr>
-              <a:buSzPct val="100000"/>
-              <a:buFont typeface="Georgia"/>
-            </a:pPr>
-            <a:r>
-              <a:rPr b="1" lang="ca" sz="1300">
-                <a:solidFill>
-                  <a:schemeClr val="dk1"/>
-                </a:solidFill>
-                <a:highlight>
-                  <a:srgbClr val="FFFFFF"/>
-                </a:highlight>
-                <a:latin typeface="Georgia"/>
-                <a:ea typeface="Georgia"/>
-                <a:cs typeface="Georgia"/>
-                <a:sym typeface="Georgia"/>
-              </a:rPr>
-              <a:t>Long-term undo.</a:t>
-            </a:r>
-            <a:r>
-              <a:rPr lang="ca" sz="1300">
-                <a:solidFill>
-                  <a:schemeClr val="dk1"/>
-                </a:solidFill>
-                <a:highlight>
-                  <a:srgbClr val="FFFFFF"/>
-                </a:highlight>
-                <a:latin typeface="Georgia"/>
-                <a:ea typeface="Georgia"/>
-                <a:cs typeface="Georgia"/>
-                <a:sym typeface="Georgia"/>
-              </a:rPr>
-              <a:t> Sometimes we mess up bad. Suppose you made a change a year ago, and it had a bug. Jump back to the old version, and see what change was made that day.</a:t>
-            </a:r>
-          </a:p>
-          <a:p>
-            <a:pPr indent="-311150" lvl="0" marL="457200" rtl="0">
-              <a:lnSpc>
-                <a:spcPct val="160000"/>
-              </a:lnSpc>
-              <a:spcBef>
-                <a:spcPts val="0"/>
-              </a:spcBef>
-              <a:buClr>
-                <a:schemeClr val="dk1"/>
-              </a:buClr>
-              <a:buSzPct val="100000"/>
-              <a:buFont typeface="Georgia"/>
-            </a:pPr>
-            <a:r>
-              <a:rPr b="1" lang="ca" sz="1300">
-                <a:solidFill>
-                  <a:schemeClr val="dk1"/>
-                </a:solidFill>
-                <a:highlight>
-                  <a:srgbClr val="FFFFFF"/>
-                </a:highlight>
-                <a:latin typeface="Georgia"/>
-                <a:ea typeface="Georgia"/>
-                <a:cs typeface="Georgia"/>
-                <a:sym typeface="Georgia"/>
-              </a:rPr>
-              <a:t>Track Changes</a:t>
-            </a:r>
-            <a:r>
-              <a:rPr lang="ca" sz="1300">
-                <a:solidFill>
-                  <a:schemeClr val="dk1"/>
-                </a:solidFill>
-                <a:highlight>
-                  <a:srgbClr val="FFFFFF"/>
-                </a:highlight>
-                <a:latin typeface="Georgia"/>
-                <a:ea typeface="Georgia"/>
-                <a:cs typeface="Georgia"/>
-                <a:sym typeface="Georgia"/>
-              </a:rPr>
-              <a:t>. As files are updated, you can leave messages explaining why the change happened (stored in the VCS, not the file). This makes it easy to see how a file is evolving over time, and why.</a:t>
-            </a:r>
-          </a:p>
-          <a:p>
-            <a:pPr indent="-311150" lvl="0" marL="457200" rtl="0">
-              <a:lnSpc>
-                <a:spcPct val="160000"/>
-              </a:lnSpc>
-              <a:spcBef>
-                <a:spcPts val="0"/>
-              </a:spcBef>
-              <a:buClr>
-                <a:schemeClr val="dk1"/>
-              </a:buClr>
-              <a:buSzPct val="100000"/>
-              <a:buFont typeface="Georgia"/>
-            </a:pPr>
-            <a:r>
-              <a:rPr b="1" lang="ca" sz="1300">
-                <a:solidFill>
-                  <a:schemeClr val="dk1"/>
-                </a:solidFill>
-                <a:highlight>
-                  <a:srgbClr val="FFFFFF"/>
-                </a:highlight>
-                <a:latin typeface="Georgia"/>
-                <a:ea typeface="Georgia"/>
-                <a:cs typeface="Georgia"/>
-                <a:sym typeface="Georgia"/>
-              </a:rPr>
-              <a:t>Track Ownership.</a:t>
-            </a:r>
-            <a:r>
-              <a:rPr lang="ca" sz="1300">
-                <a:solidFill>
-                  <a:schemeClr val="dk1"/>
-                </a:solidFill>
-                <a:highlight>
-                  <a:srgbClr val="FFFFFF"/>
-                </a:highlight>
-                <a:latin typeface="Georgia"/>
-                <a:ea typeface="Georgia"/>
-                <a:cs typeface="Georgia"/>
-                <a:sym typeface="Georgia"/>
-              </a:rPr>
-              <a:t> A VCS tags every change with the name of the person who made it. Helpful for </a:t>
-            </a:r>
-            <a:r>
-              <a:rPr lang="ca" sz="1300">
-                <a:solidFill>
-                  <a:srgbClr val="551A8B"/>
-                </a:solidFill>
-                <a:highlight>
-                  <a:srgbClr val="FFFFFF"/>
-                </a:highlight>
-                <a:latin typeface="Georgia"/>
-                <a:ea typeface="Georgia"/>
-                <a:cs typeface="Georgia"/>
-                <a:sym typeface="Georgia"/>
-                <a:hlinkClick r:id="rId2"/>
-              </a:rPr>
-              <a:t>blamestorming</a:t>
-            </a:r>
-            <a:r>
-              <a:rPr lang="ca" sz="1300">
-                <a:solidFill>
-                  <a:schemeClr val="dk1"/>
-                </a:solidFill>
-                <a:highlight>
-                  <a:srgbClr val="FFFFFF"/>
-                </a:highlight>
-                <a:latin typeface="Georgia"/>
-                <a:ea typeface="Georgia"/>
-                <a:cs typeface="Georgia"/>
-                <a:sym typeface="Georgia"/>
-              </a:rPr>
-              <a:t> giving credit.</a:t>
-            </a:r>
-          </a:p>
-          <a:p>
-            <a:pPr indent="-311150" lvl="0" marL="457200" rtl="0">
-              <a:lnSpc>
-                <a:spcPct val="160000"/>
-              </a:lnSpc>
-              <a:spcBef>
-                <a:spcPts val="0"/>
-              </a:spcBef>
-              <a:buClr>
-                <a:schemeClr val="dk1"/>
-              </a:buClr>
-              <a:buSzPct val="100000"/>
-              <a:buFont typeface="Georgia"/>
-            </a:pPr>
-            <a:r>
-              <a:rPr b="1" lang="ca" sz="1300">
-                <a:solidFill>
-                  <a:schemeClr val="dk1"/>
-                </a:solidFill>
-                <a:highlight>
-                  <a:srgbClr val="FFFFFF"/>
-                </a:highlight>
-                <a:latin typeface="Georgia"/>
-                <a:ea typeface="Georgia"/>
-                <a:cs typeface="Georgia"/>
-                <a:sym typeface="Georgia"/>
-              </a:rPr>
-              <a:t>Sandboxing</a:t>
-            </a:r>
-            <a:r>
-              <a:rPr lang="ca" sz="1300">
-                <a:solidFill>
-                  <a:schemeClr val="dk1"/>
-                </a:solidFill>
-                <a:highlight>
-                  <a:srgbClr val="FFFFFF"/>
-                </a:highlight>
-                <a:latin typeface="Georgia"/>
-                <a:ea typeface="Georgia"/>
-                <a:cs typeface="Georgia"/>
-                <a:sym typeface="Georgia"/>
-              </a:rPr>
-              <a:t>, or insurance against yourself. Making a big change? You can make temporary changes in an isolated area, test and work out the kinks before “checking in” your changes.</a:t>
-            </a:r>
-          </a:p>
-          <a:p>
-            <a:pPr indent="-311150" lvl="0" marL="457200" rtl="0">
-              <a:lnSpc>
-                <a:spcPct val="160000"/>
-              </a:lnSpc>
-              <a:spcBef>
-                <a:spcPts val="0"/>
-              </a:spcBef>
-              <a:buClr>
-                <a:schemeClr val="dk1"/>
-              </a:buClr>
-              <a:buSzPct val="100000"/>
-              <a:buFont typeface="Georgia"/>
-            </a:pPr>
-            <a:r>
-              <a:rPr b="1" lang="ca" sz="1300">
-                <a:solidFill>
-                  <a:schemeClr val="dk1"/>
-                </a:solidFill>
-                <a:highlight>
-                  <a:srgbClr val="FFFFFF"/>
-                </a:highlight>
-                <a:latin typeface="Georgia"/>
-                <a:ea typeface="Georgia"/>
-                <a:cs typeface="Georgia"/>
-                <a:sym typeface="Georgia"/>
-              </a:rPr>
-              <a:t>Branching and merging</a:t>
-            </a:r>
-            <a:r>
-              <a:rPr lang="ca" sz="1300">
-                <a:solidFill>
-                  <a:schemeClr val="dk1"/>
-                </a:solidFill>
-                <a:highlight>
-                  <a:srgbClr val="FFFFFF"/>
-                </a:highlight>
-                <a:latin typeface="Georgia"/>
-                <a:ea typeface="Georgia"/>
-                <a:cs typeface="Georgia"/>
-                <a:sym typeface="Georgia"/>
-              </a:rPr>
-              <a:t>. A larger sandbox. You can </a:t>
-            </a:r>
-            <a:r>
-              <a:rPr b="1" lang="ca" sz="1300">
-                <a:solidFill>
-                  <a:schemeClr val="dk1"/>
-                </a:solidFill>
-                <a:highlight>
-                  <a:srgbClr val="FFFFFF"/>
-                </a:highlight>
-                <a:latin typeface="Georgia"/>
-                <a:ea typeface="Georgia"/>
-                <a:cs typeface="Georgia"/>
-                <a:sym typeface="Georgia"/>
-              </a:rPr>
-              <a:t>branch</a:t>
-            </a:r>
-            <a:r>
-              <a:rPr lang="ca" sz="1300">
-                <a:solidFill>
-                  <a:schemeClr val="dk1"/>
-                </a:solidFill>
-                <a:highlight>
-                  <a:srgbClr val="FFFFFF"/>
-                </a:highlight>
-                <a:latin typeface="Georgia"/>
-                <a:ea typeface="Georgia"/>
-                <a:cs typeface="Georgia"/>
-                <a:sym typeface="Georgia"/>
-              </a:rPr>
-              <a:t> a copy of your code into a separate area and modify it in isolation (tracking changes separately). Later, you can</a:t>
-            </a:r>
-            <a:r>
-              <a:rPr b="1" lang="ca" sz="1300">
-                <a:solidFill>
-                  <a:schemeClr val="dk1"/>
-                </a:solidFill>
-                <a:highlight>
-                  <a:srgbClr val="FFFFFF"/>
-                </a:highlight>
-                <a:latin typeface="Georgia"/>
-                <a:ea typeface="Georgia"/>
-                <a:cs typeface="Georgia"/>
-                <a:sym typeface="Georgia"/>
-              </a:rPr>
-              <a:t>merge</a:t>
-            </a:r>
-            <a:r>
-              <a:rPr lang="ca" sz="1300">
-                <a:solidFill>
-                  <a:schemeClr val="dk1"/>
-                </a:solidFill>
-                <a:highlight>
-                  <a:srgbClr val="FFFFFF"/>
-                </a:highlight>
-                <a:latin typeface="Georgia"/>
-                <a:ea typeface="Georgia"/>
-                <a:cs typeface="Georgia"/>
-                <a:sym typeface="Georgia"/>
-              </a:rPr>
-              <a:t> your work back into the common area.</a:t>
-            </a:r>
-          </a:p>
           <a:p>
             <a:pPr lvl="0" rtl="0">
               <a:spcBef>
@@ -2112,12 +1662,12 @@
 </p:notes>
 </file>
 
-<file path=ppt/notesSlides/notesSlide4.xml><?xml version="1.0" encoding="utf-8"?>
+<file path=ppt/notesSlides/notesSlide3.xml><?xml version="1.0" encoding="utf-8"?>
 <p:notes xmlns:a="http://schemas.openxmlformats.org/drawingml/2006/main" xmlns:r="http://schemas.openxmlformats.org/officeDocument/2006/relationships" xmlns:mc="http://schemas.openxmlformats.org/markup-compatibility/2006" xmlns:mv="urn:schemas-microsoft-com:mac:vml" xmlns:p="http://schemas.openxmlformats.org/presentationml/2006/main" xmlns:c="http://schemas.openxmlformats.org/drawingml/2006/chart" xmlns:dgm="http://schemas.openxmlformats.org/drawingml/2006/diagram" xmlns:o="urn:schemas-microsoft-com:office:office" xmlns:v="urn:schemas-microsoft-com:vml" xmlns:pvml="urn:schemas-microsoft-com:office:powerpoint" xmlns:com="http://schemas.openxmlformats.org/drawingml/2006/compatibility" xmlns:p14="http://schemas.microsoft.com/office/powerpoint/2010/main" showMasterPhAnim="0" showMasterSp="0">
   <p:cSld>
     <p:spTree>
       <p:nvGrpSpPr>
-        <p:cNvPr id="89" name="Shape 89"/>
+        <p:cNvPr id="81" name="Shape 81"/>
         <p:cNvGrpSpPr/>
         <p:nvPr/>
       </p:nvGrpSpPr>
@@ -2131,7 +1681,7 @@
       </p:grpSpPr>
       <p:sp>
         <p:nvSpPr>
-          <p:cNvPr id="90" name="Shape 90"/>
+          <p:cNvPr id="82" name="Shape 82"/>
           <p:cNvSpPr/>
           <p:nvPr>
             <p:ph idx="2" type="sldImg"/>
@@ -2175,7 +1725,7 @@
       </p:sp>
       <p:sp>
         <p:nvSpPr>
-          <p:cNvPr id="91" name="Shape 91"/>
+          <p:cNvPr id="83" name="Shape 83"/>
           <p:cNvSpPr txBox="1"/>
           <p:nvPr>
             <p:ph idx="1" type="body"/>
@@ -2196,458 +1746,7 @@
           </a:bodyPr>
           <a:lstStyle/>
           <a:p>
-            <a:pPr indent="-311150" lvl="0" marL="457200" rtl="0">
-              <a:lnSpc>
-                <a:spcPct val="160000"/>
-              </a:lnSpc>
-              <a:spcBef>
-                <a:spcPts val="0"/>
-              </a:spcBef>
-              <a:buClr>
-                <a:schemeClr val="dk1"/>
-              </a:buClr>
-              <a:buSzPct val="100000"/>
-              <a:buFont typeface="Georgia"/>
-            </a:pPr>
-            <a:r>
-              <a:rPr b="1" lang="ca" sz="1300">
-                <a:solidFill>
-                  <a:schemeClr val="dk1"/>
-                </a:solidFill>
-                <a:highlight>
-                  <a:srgbClr val="FFFFFF"/>
-                </a:highlight>
-                <a:latin typeface="Georgia"/>
-                <a:ea typeface="Georgia"/>
-                <a:cs typeface="Georgia"/>
-                <a:sym typeface="Georgia"/>
-              </a:rPr>
-              <a:t>Backup and Restore.</a:t>
-            </a:r>
-            <a:r>
-              <a:rPr lang="ca" sz="1300">
-                <a:solidFill>
-                  <a:schemeClr val="dk1"/>
-                </a:solidFill>
-                <a:highlight>
-                  <a:srgbClr val="FFFFFF"/>
-                </a:highlight>
-                <a:latin typeface="Georgia"/>
-                <a:ea typeface="Georgia"/>
-                <a:cs typeface="Georgia"/>
-                <a:sym typeface="Georgia"/>
-              </a:rPr>
-              <a:t> Files are saved as they are edited, and you can jump to any moment in time. Need that file as it was on Feb 23, 2007? No problem.</a:t>
-            </a:r>
-          </a:p>
-          <a:p>
-            <a:pPr indent="-311150" lvl="0" marL="457200" rtl="0">
-              <a:lnSpc>
-                <a:spcPct val="160000"/>
-              </a:lnSpc>
-              <a:spcBef>
-                <a:spcPts val="0"/>
-              </a:spcBef>
-              <a:buClr>
-                <a:schemeClr val="dk1"/>
-              </a:buClr>
-              <a:buSzPct val="100000"/>
-              <a:buFont typeface="Georgia"/>
-            </a:pPr>
-            <a:r>
-              <a:rPr b="1" lang="ca" sz="1300">
-                <a:solidFill>
-                  <a:schemeClr val="dk1"/>
-                </a:solidFill>
-                <a:highlight>
-                  <a:srgbClr val="FFFFFF"/>
-                </a:highlight>
-                <a:latin typeface="Georgia"/>
-                <a:ea typeface="Georgia"/>
-                <a:cs typeface="Georgia"/>
-                <a:sym typeface="Georgia"/>
-              </a:rPr>
-              <a:t>Synchronization.</a:t>
-            </a:r>
-            <a:r>
-              <a:rPr lang="ca" sz="1300">
-                <a:solidFill>
-                  <a:schemeClr val="dk1"/>
-                </a:solidFill>
-                <a:highlight>
-                  <a:srgbClr val="FFFFFF"/>
-                </a:highlight>
-                <a:latin typeface="Georgia"/>
-                <a:ea typeface="Georgia"/>
-                <a:cs typeface="Georgia"/>
-                <a:sym typeface="Georgia"/>
-              </a:rPr>
-              <a:t> Lets people share files and stay up-to-date with the latest version.</a:t>
-            </a:r>
-          </a:p>
-          <a:p>
-            <a:pPr indent="-311150" lvl="0" marL="457200" rtl="0">
-              <a:lnSpc>
-                <a:spcPct val="160000"/>
-              </a:lnSpc>
-              <a:spcBef>
-                <a:spcPts val="0"/>
-              </a:spcBef>
-              <a:buClr>
-                <a:schemeClr val="dk1"/>
-              </a:buClr>
-              <a:buSzPct val="100000"/>
-              <a:buFont typeface="Georgia"/>
-            </a:pPr>
-            <a:r>
-              <a:rPr b="1" lang="ca" sz="1300">
-                <a:solidFill>
-                  <a:schemeClr val="dk1"/>
-                </a:solidFill>
-                <a:highlight>
-                  <a:srgbClr val="FFFFFF"/>
-                </a:highlight>
-                <a:latin typeface="Georgia"/>
-                <a:ea typeface="Georgia"/>
-                <a:cs typeface="Georgia"/>
-                <a:sym typeface="Georgia"/>
-              </a:rPr>
-              <a:t>Short-term undo.</a:t>
-            </a:r>
-            <a:r>
-              <a:rPr lang="ca" sz="1300">
-                <a:solidFill>
-                  <a:schemeClr val="dk1"/>
-                </a:solidFill>
-                <a:highlight>
-                  <a:srgbClr val="FFFFFF"/>
-                </a:highlight>
-                <a:latin typeface="Georgia"/>
-                <a:ea typeface="Georgia"/>
-                <a:cs typeface="Georgia"/>
-                <a:sym typeface="Georgia"/>
-              </a:rPr>
-              <a:t> Monkeying with a file and messed it up? (That’s just like you, isn’t it?). Throw away your changes and go back to the “last known good” version in the database.</a:t>
-            </a:r>
-          </a:p>
-          <a:p>
-            <a:pPr indent="-311150" lvl="0" marL="457200" rtl="0">
-              <a:lnSpc>
-                <a:spcPct val="160000"/>
-              </a:lnSpc>
-              <a:spcBef>
-                <a:spcPts val="0"/>
-              </a:spcBef>
-              <a:buClr>
-                <a:schemeClr val="dk1"/>
-              </a:buClr>
-              <a:buSzPct val="100000"/>
-              <a:buFont typeface="Georgia"/>
-            </a:pPr>
-            <a:r>
-              <a:rPr b="1" lang="ca" sz="1300">
-                <a:solidFill>
-                  <a:schemeClr val="dk1"/>
-                </a:solidFill>
-                <a:highlight>
-                  <a:srgbClr val="FFFFFF"/>
-                </a:highlight>
-                <a:latin typeface="Georgia"/>
-                <a:ea typeface="Georgia"/>
-                <a:cs typeface="Georgia"/>
-                <a:sym typeface="Georgia"/>
-              </a:rPr>
-              <a:t>Long-term undo.</a:t>
-            </a:r>
-            <a:r>
-              <a:rPr lang="ca" sz="1300">
-                <a:solidFill>
-                  <a:schemeClr val="dk1"/>
-                </a:solidFill>
-                <a:highlight>
-                  <a:srgbClr val="FFFFFF"/>
-                </a:highlight>
-                <a:latin typeface="Georgia"/>
-                <a:ea typeface="Georgia"/>
-                <a:cs typeface="Georgia"/>
-                <a:sym typeface="Georgia"/>
-              </a:rPr>
-              <a:t> Sometimes we mess up bad. Suppose you made a change a year ago, and it had a bug. Jump back to the old version, and see what change was made that day.</a:t>
-            </a:r>
-          </a:p>
-          <a:p>
-            <a:pPr indent="-311150" lvl="0" marL="457200" rtl="0">
-              <a:lnSpc>
-                <a:spcPct val="160000"/>
-              </a:lnSpc>
-              <a:spcBef>
-                <a:spcPts val="0"/>
-              </a:spcBef>
-              <a:buClr>
-                <a:schemeClr val="dk1"/>
-              </a:buClr>
-              <a:buSzPct val="100000"/>
-              <a:buFont typeface="Georgia"/>
-            </a:pPr>
-            <a:r>
-              <a:rPr b="1" lang="ca" sz="1300">
-                <a:solidFill>
-                  <a:schemeClr val="dk1"/>
-                </a:solidFill>
-                <a:highlight>
-                  <a:srgbClr val="FFFFFF"/>
-                </a:highlight>
-                <a:latin typeface="Georgia"/>
-                <a:ea typeface="Georgia"/>
-                <a:cs typeface="Georgia"/>
-                <a:sym typeface="Georgia"/>
-              </a:rPr>
-              <a:t>Track Changes</a:t>
-            </a:r>
-            <a:r>
-              <a:rPr lang="ca" sz="1300">
-                <a:solidFill>
-                  <a:schemeClr val="dk1"/>
-                </a:solidFill>
-                <a:highlight>
-                  <a:srgbClr val="FFFFFF"/>
-                </a:highlight>
-                <a:latin typeface="Georgia"/>
-                <a:ea typeface="Georgia"/>
-                <a:cs typeface="Georgia"/>
-                <a:sym typeface="Georgia"/>
-              </a:rPr>
-              <a:t>. As files are updated, you can leave messages explaining why the change happened (stored in the VCS, not the file). This makes it easy to see how a file is evolving over time, and why.</a:t>
-            </a:r>
-          </a:p>
-          <a:p>
-            <a:pPr indent="-311150" lvl="0" marL="457200" rtl="0">
-              <a:lnSpc>
-                <a:spcPct val="160000"/>
-              </a:lnSpc>
-              <a:spcBef>
-                <a:spcPts val="0"/>
-              </a:spcBef>
-              <a:buClr>
-                <a:schemeClr val="dk1"/>
-              </a:buClr>
-              <a:buSzPct val="100000"/>
-              <a:buFont typeface="Georgia"/>
-            </a:pPr>
-            <a:r>
-              <a:rPr b="1" lang="ca" sz="1300">
-                <a:solidFill>
-                  <a:schemeClr val="dk1"/>
-                </a:solidFill>
-                <a:highlight>
-                  <a:srgbClr val="FFFFFF"/>
-                </a:highlight>
-                <a:latin typeface="Georgia"/>
-                <a:ea typeface="Georgia"/>
-                <a:cs typeface="Georgia"/>
-                <a:sym typeface="Georgia"/>
-              </a:rPr>
-              <a:t>Track Ownership.</a:t>
-            </a:r>
-            <a:r>
-              <a:rPr lang="ca" sz="1300">
-                <a:solidFill>
-                  <a:schemeClr val="dk1"/>
-                </a:solidFill>
-                <a:highlight>
-                  <a:srgbClr val="FFFFFF"/>
-                </a:highlight>
-                <a:latin typeface="Georgia"/>
-                <a:ea typeface="Georgia"/>
-                <a:cs typeface="Georgia"/>
-                <a:sym typeface="Georgia"/>
-              </a:rPr>
-              <a:t> A VCS tags every change with the name of the person who made it. Helpful for </a:t>
-            </a:r>
-            <a:r>
-              <a:rPr lang="ca" sz="1300">
-                <a:solidFill>
-                  <a:srgbClr val="551A8B"/>
-                </a:solidFill>
-                <a:highlight>
-                  <a:srgbClr val="FFFFFF"/>
-                </a:highlight>
-                <a:latin typeface="Georgia"/>
-                <a:ea typeface="Georgia"/>
-                <a:cs typeface="Georgia"/>
-                <a:sym typeface="Georgia"/>
-                <a:hlinkClick r:id="rId2"/>
-              </a:rPr>
-              <a:t>blamestorming</a:t>
-            </a:r>
-            <a:r>
-              <a:rPr lang="ca" sz="1300">
-                <a:solidFill>
-                  <a:schemeClr val="dk1"/>
-                </a:solidFill>
-                <a:highlight>
-                  <a:srgbClr val="FFFFFF"/>
-                </a:highlight>
-                <a:latin typeface="Georgia"/>
-                <a:ea typeface="Georgia"/>
-                <a:cs typeface="Georgia"/>
-                <a:sym typeface="Georgia"/>
-              </a:rPr>
-              <a:t> giving credit.</a:t>
-            </a:r>
-          </a:p>
-          <a:p>
-            <a:pPr indent="-311150" lvl="0" marL="457200" rtl="0">
-              <a:lnSpc>
-                <a:spcPct val="160000"/>
-              </a:lnSpc>
-              <a:spcBef>
-                <a:spcPts val="0"/>
-              </a:spcBef>
-              <a:buClr>
-                <a:schemeClr val="dk1"/>
-              </a:buClr>
-              <a:buSzPct val="100000"/>
-              <a:buFont typeface="Georgia"/>
-            </a:pPr>
-            <a:r>
-              <a:rPr b="1" lang="ca" sz="1300">
-                <a:solidFill>
-                  <a:schemeClr val="dk1"/>
-                </a:solidFill>
-                <a:highlight>
-                  <a:srgbClr val="FFFFFF"/>
-                </a:highlight>
-                <a:latin typeface="Georgia"/>
-                <a:ea typeface="Georgia"/>
-                <a:cs typeface="Georgia"/>
-                <a:sym typeface="Georgia"/>
-              </a:rPr>
-              <a:t>Sandboxing</a:t>
-            </a:r>
-            <a:r>
-              <a:rPr lang="ca" sz="1300">
-                <a:solidFill>
-                  <a:schemeClr val="dk1"/>
-                </a:solidFill>
-                <a:highlight>
-                  <a:srgbClr val="FFFFFF"/>
-                </a:highlight>
-                <a:latin typeface="Georgia"/>
-                <a:ea typeface="Georgia"/>
-                <a:cs typeface="Georgia"/>
-                <a:sym typeface="Georgia"/>
-              </a:rPr>
-              <a:t>, or insurance against yourself. Making a big change? You can make temporary changes in an isolated area, test and work out the kinks before “checking in” your changes.</a:t>
-            </a:r>
-          </a:p>
-          <a:p>
-            <a:pPr indent="-311150" lvl="0" marL="457200" rtl="0">
-              <a:lnSpc>
-                <a:spcPct val="160000"/>
-              </a:lnSpc>
-              <a:spcBef>
-                <a:spcPts val="0"/>
-              </a:spcBef>
-              <a:buClr>
-                <a:schemeClr val="dk1"/>
-              </a:buClr>
-              <a:buSzPct val="100000"/>
-              <a:buFont typeface="Georgia"/>
-            </a:pPr>
-            <a:r>
-              <a:rPr b="1" lang="ca" sz="1300">
-                <a:solidFill>
-                  <a:schemeClr val="dk1"/>
-                </a:solidFill>
-                <a:highlight>
-                  <a:srgbClr val="FFFFFF"/>
-                </a:highlight>
-                <a:latin typeface="Georgia"/>
-                <a:ea typeface="Georgia"/>
-                <a:cs typeface="Georgia"/>
-                <a:sym typeface="Georgia"/>
-              </a:rPr>
-              <a:t>Branching and merging</a:t>
-            </a:r>
-            <a:r>
-              <a:rPr lang="ca" sz="1300">
-                <a:solidFill>
-                  <a:schemeClr val="dk1"/>
-                </a:solidFill>
-                <a:highlight>
-                  <a:srgbClr val="FFFFFF"/>
-                </a:highlight>
-                <a:latin typeface="Georgia"/>
-                <a:ea typeface="Georgia"/>
-                <a:cs typeface="Georgia"/>
-                <a:sym typeface="Georgia"/>
-              </a:rPr>
-              <a:t>. A larger sandbox. You can </a:t>
-            </a:r>
-            <a:r>
-              <a:rPr b="1" lang="ca" sz="1300">
-                <a:solidFill>
-                  <a:schemeClr val="dk1"/>
-                </a:solidFill>
-                <a:highlight>
-                  <a:srgbClr val="FFFFFF"/>
-                </a:highlight>
-                <a:latin typeface="Georgia"/>
-                <a:ea typeface="Georgia"/>
-                <a:cs typeface="Georgia"/>
-                <a:sym typeface="Georgia"/>
-              </a:rPr>
-              <a:t>branch</a:t>
-            </a:r>
-            <a:r>
-              <a:rPr lang="ca" sz="1300">
-                <a:solidFill>
-                  <a:schemeClr val="dk1"/>
-                </a:solidFill>
-                <a:highlight>
-                  <a:srgbClr val="FFFFFF"/>
-                </a:highlight>
-                <a:latin typeface="Georgia"/>
-                <a:ea typeface="Georgia"/>
-                <a:cs typeface="Georgia"/>
-                <a:sym typeface="Georgia"/>
-              </a:rPr>
-              <a:t> a copy of your code into a separate area and modify it in isolation (tracking changes separately). Later, you can</a:t>
-            </a:r>
-            <a:r>
-              <a:rPr b="1" lang="ca" sz="1300">
-                <a:solidFill>
-                  <a:schemeClr val="dk1"/>
-                </a:solidFill>
-                <a:highlight>
-                  <a:srgbClr val="FFFFFF"/>
-                </a:highlight>
-                <a:latin typeface="Georgia"/>
-                <a:ea typeface="Georgia"/>
-                <a:cs typeface="Georgia"/>
-                <a:sym typeface="Georgia"/>
-              </a:rPr>
-              <a:t>merge</a:t>
-            </a:r>
-            <a:r>
-              <a:rPr lang="ca" sz="1300">
-                <a:solidFill>
-                  <a:schemeClr val="dk1"/>
-                </a:solidFill>
-                <a:highlight>
-                  <a:srgbClr val="FFFFFF"/>
-                </a:highlight>
-                <a:latin typeface="Georgia"/>
-                <a:ea typeface="Georgia"/>
-                <a:cs typeface="Georgia"/>
-                <a:sym typeface="Georgia"/>
-              </a:rPr>
-              <a:t> your work back into the common area.</a:t>
-            </a:r>
-          </a:p>
-          <a:p>
-            <a:pPr lvl="0" rtl="0">
+            <a:pPr lvl="0">
               <a:spcBef>
                 <a:spcPts val="0"/>
               </a:spcBef>
@@ -2668,12 +1767,12 @@
 </p:notes>
 </file>
 
-<file path=ppt/notesSlides/notesSlide5.xml><?xml version="1.0" encoding="utf-8"?>
+<file path=ppt/notesSlides/notesSlide4.xml><?xml version="1.0" encoding="utf-8"?>
 <p:notes xmlns:a="http://schemas.openxmlformats.org/drawingml/2006/main" xmlns:r="http://schemas.openxmlformats.org/officeDocument/2006/relationships" xmlns:mc="http://schemas.openxmlformats.org/markup-compatibility/2006" xmlns:mv="urn:schemas-microsoft-com:mac:vml" xmlns:p="http://schemas.openxmlformats.org/presentationml/2006/main" xmlns:c="http://schemas.openxmlformats.org/drawingml/2006/chart" xmlns:dgm="http://schemas.openxmlformats.org/drawingml/2006/diagram" xmlns:o="urn:schemas-microsoft-com:office:office" xmlns:v="urn:schemas-microsoft-com:vml" xmlns:pvml="urn:schemas-microsoft-com:office:powerpoint" xmlns:com="http://schemas.openxmlformats.org/drawingml/2006/compatibility" xmlns:p14="http://schemas.microsoft.com/office/powerpoint/2010/main" showMasterPhAnim="0" showMasterSp="0">
   <p:cSld>
     <p:spTree>
       <p:nvGrpSpPr>
-        <p:cNvPr id="110" name="Shape 110"/>
+        <p:cNvPr id="87" name="Shape 87"/>
         <p:cNvGrpSpPr/>
         <p:nvPr/>
       </p:nvGrpSpPr>
@@ -2687,7 +1786,7 @@
       </p:grpSpPr>
       <p:sp>
         <p:nvSpPr>
-          <p:cNvPr id="111" name="Shape 111"/>
+          <p:cNvPr id="88" name="Shape 88"/>
           <p:cNvSpPr/>
           <p:nvPr>
             <p:ph idx="2" type="sldImg"/>
@@ -2731,7 +1830,7 @@
       </p:sp>
       <p:sp>
         <p:nvSpPr>
-          <p:cNvPr id="112" name="Shape 112"/>
+          <p:cNvPr id="89" name="Shape 89"/>
           <p:cNvSpPr txBox="1"/>
           <p:nvPr>
             <p:ph idx="1" type="body"/>
@@ -2751,6 +1850,457 @@
             <a:noAutofit/>
           </a:bodyPr>
           <a:lstStyle/>
+          <a:p>
+            <a:pPr indent="-311150" lvl="0" marL="457200" rtl="0">
+              <a:lnSpc>
+                <a:spcPct val="160000"/>
+              </a:lnSpc>
+              <a:spcBef>
+                <a:spcPts val="0"/>
+              </a:spcBef>
+              <a:buClr>
+                <a:schemeClr val="dk1"/>
+              </a:buClr>
+              <a:buSzPct val="100000"/>
+              <a:buFont typeface="Georgia"/>
+            </a:pPr>
+            <a:r>
+              <a:rPr b="1" lang="ca" sz="1300">
+                <a:solidFill>
+                  <a:schemeClr val="dk1"/>
+                </a:solidFill>
+                <a:highlight>
+                  <a:srgbClr val="FFFFFF"/>
+                </a:highlight>
+                <a:latin typeface="Georgia"/>
+                <a:ea typeface="Georgia"/>
+                <a:cs typeface="Georgia"/>
+                <a:sym typeface="Georgia"/>
+              </a:rPr>
+              <a:t>Backup and Restore.</a:t>
+            </a:r>
+            <a:r>
+              <a:rPr lang="ca" sz="1300">
+                <a:solidFill>
+                  <a:schemeClr val="dk1"/>
+                </a:solidFill>
+                <a:highlight>
+                  <a:srgbClr val="FFFFFF"/>
+                </a:highlight>
+                <a:latin typeface="Georgia"/>
+                <a:ea typeface="Georgia"/>
+                <a:cs typeface="Georgia"/>
+                <a:sym typeface="Georgia"/>
+              </a:rPr>
+              <a:t> Files are saved as they are edited, and you can jump to any moment in time. Need that file as it was on Feb 23, 2007? No problem.</a:t>
+            </a:r>
+          </a:p>
+          <a:p>
+            <a:pPr indent="-311150" lvl="0" marL="457200" rtl="0">
+              <a:lnSpc>
+                <a:spcPct val="160000"/>
+              </a:lnSpc>
+              <a:spcBef>
+                <a:spcPts val="0"/>
+              </a:spcBef>
+              <a:buClr>
+                <a:schemeClr val="dk1"/>
+              </a:buClr>
+              <a:buSzPct val="100000"/>
+              <a:buFont typeface="Georgia"/>
+            </a:pPr>
+            <a:r>
+              <a:rPr b="1" lang="ca" sz="1300">
+                <a:solidFill>
+                  <a:schemeClr val="dk1"/>
+                </a:solidFill>
+                <a:highlight>
+                  <a:srgbClr val="FFFFFF"/>
+                </a:highlight>
+                <a:latin typeface="Georgia"/>
+                <a:ea typeface="Georgia"/>
+                <a:cs typeface="Georgia"/>
+                <a:sym typeface="Georgia"/>
+              </a:rPr>
+              <a:t>Synchronization.</a:t>
+            </a:r>
+            <a:r>
+              <a:rPr lang="ca" sz="1300">
+                <a:solidFill>
+                  <a:schemeClr val="dk1"/>
+                </a:solidFill>
+                <a:highlight>
+                  <a:srgbClr val="FFFFFF"/>
+                </a:highlight>
+                <a:latin typeface="Georgia"/>
+                <a:ea typeface="Georgia"/>
+                <a:cs typeface="Georgia"/>
+                <a:sym typeface="Georgia"/>
+              </a:rPr>
+              <a:t> Lets people share files and stay up-to-date with the latest version.</a:t>
+            </a:r>
+          </a:p>
+          <a:p>
+            <a:pPr indent="-311150" lvl="0" marL="457200" rtl="0">
+              <a:lnSpc>
+                <a:spcPct val="160000"/>
+              </a:lnSpc>
+              <a:spcBef>
+                <a:spcPts val="0"/>
+              </a:spcBef>
+              <a:buClr>
+                <a:schemeClr val="dk1"/>
+              </a:buClr>
+              <a:buSzPct val="100000"/>
+              <a:buFont typeface="Georgia"/>
+            </a:pPr>
+            <a:r>
+              <a:rPr b="1" lang="ca" sz="1300">
+                <a:solidFill>
+                  <a:schemeClr val="dk1"/>
+                </a:solidFill>
+                <a:highlight>
+                  <a:srgbClr val="FFFFFF"/>
+                </a:highlight>
+                <a:latin typeface="Georgia"/>
+                <a:ea typeface="Georgia"/>
+                <a:cs typeface="Georgia"/>
+                <a:sym typeface="Georgia"/>
+              </a:rPr>
+              <a:t>Short-term undo.</a:t>
+            </a:r>
+            <a:r>
+              <a:rPr lang="ca" sz="1300">
+                <a:solidFill>
+                  <a:schemeClr val="dk1"/>
+                </a:solidFill>
+                <a:highlight>
+                  <a:srgbClr val="FFFFFF"/>
+                </a:highlight>
+                <a:latin typeface="Georgia"/>
+                <a:ea typeface="Georgia"/>
+                <a:cs typeface="Georgia"/>
+                <a:sym typeface="Georgia"/>
+              </a:rPr>
+              <a:t> Monkeying with a file and messed it up? (That’s just like you, isn’t it?). Throw away your changes and go back to the “last known good” version in the database.</a:t>
+            </a:r>
+          </a:p>
+          <a:p>
+            <a:pPr indent="-311150" lvl="0" marL="457200" rtl="0">
+              <a:lnSpc>
+                <a:spcPct val="160000"/>
+              </a:lnSpc>
+              <a:spcBef>
+                <a:spcPts val="0"/>
+              </a:spcBef>
+              <a:buClr>
+                <a:schemeClr val="dk1"/>
+              </a:buClr>
+              <a:buSzPct val="100000"/>
+              <a:buFont typeface="Georgia"/>
+            </a:pPr>
+            <a:r>
+              <a:rPr b="1" lang="ca" sz="1300">
+                <a:solidFill>
+                  <a:schemeClr val="dk1"/>
+                </a:solidFill>
+                <a:highlight>
+                  <a:srgbClr val="FFFFFF"/>
+                </a:highlight>
+                <a:latin typeface="Georgia"/>
+                <a:ea typeface="Georgia"/>
+                <a:cs typeface="Georgia"/>
+                <a:sym typeface="Georgia"/>
+              </a:rPr>
+              <a:t>Long-term undo.</a:t>
+            </a:r>
+            <a:r>
+              <a:rPr lang="ca" sz="1300">
+                <a:solidFill>
+                  <a:schemeClr val="dk1"/>
+                </a:solidFill>
+                <a:highlight>
+                  <a:srgbClr val="FFFFFF"/>
+                </a:highlight>
+                <a:latin typeface="Georgia"/>
+                <a:ea typeface="Georgia"/>
+                <a:cs typeface="Georgia"/>
+                <a:sym typeface="Georgia"/>
+              </a:rPr>
+              <a:t> Sometimes we mess up bad. Suppose you made a change a year ago, and it had a bug. Jump back to the old version, and see what change was made that day.</a:t>
+            </a:r>
+          </a:p>
+          <a:p>
+            <a:pPr indent="-311150" lvl="0" marL="457200" rtl="0">
+              <a:lnSpc>
+                <a:spcPct val="160000"/>
+              </a:lnSpc>
+              <a:spcBef>
+                <a:spcPts val="0"/>
+              </a:spcBef>
+              <a:buClr>
+                <a:schemeClr val="dk1"/>
+              </a:buClr>
+              <a:buSzPct val="100000"/>
+              <a:buFont typeface="Georgia"/>
+            </a:pPr>
+            <a:r>
+              <a:rPr b="1" lang="ca" sz="1300">
+                <a:solidFill>
+                  <a:schemeClr val="dk1"/>
+                </a:solidFill>
+                <a:highlight>
+                  <a:srgbClr val="FFFFFF"/>
+                </a:highlight>
+                <a:latin typeface="Georgia"/>
+                <a:ea typeface="Georgia"/>
+                <a:cs typeface="Georgia"/>
+                <a:sym typeface="Georgia"/>
+              </a:rPr>
+              <a:t>Track Changes</a:t>
+            </a:r>
+            <a:r>
+              <a:rPr lang="ca" sz="1300">
+                <a:solidFill>
+                  <a:schemeClr val="dk1"/>
+                </a:solidFill>
+                <a:highlight>
+                  <a:srgbClr val="FFFFFF"/>
+                </a:highlight>
+                <a:latin typeface="Georgia"/>
+                <a:ea typeface="Georgia"/>
+                <a:cs typeface="Georgia"/>
+                <a:sym typeface="Georgia"/>
+              </a:rPr>
+              <a:t>. As files are updated, you can leave messages explaining why the change happened (stored in the VCS, not the file). This makes it easy to see how a file is evolving over time, and why.</a:t>
+            </a:r>
+          </a:p>
+          <a:p>
+            <a:pPr indent="-311150" lvl="0" marL="457200" rtl="0">
+              <a:lnSpc>
+                <a:spcPct val="160000"/>
+              </a:lnSpc>
+              <a:spcBef>
+                <a:spcPts val="0"/>
+              </a:spcBef>
+              <a:buClr>
+                <a:schemeClr val="dk1"/>
+              </a:buClr>
+              <a:buSzPct val="100000"/>
+              <a:buFont typeface="Georgia"/>
+            </a:pPr>
+            <a:r>
+              <a:rPr b="1" lang="ca" sz="1300">
+                <a:solidFill>
+                  <a:schemeClr val="dk1"/>
+                </a:solidFill>
+                <a:highlight>
+                  <a:srgbClr val="FFFFFF"/>
+                </a:highlight>
+                <a:latin typeface="Georgia"/>
+                <a:ea typeface="Georgia"/>
+                <a:cs typeface="Georgia"/>
+                <a:sym typeface="Georgia"/>
+              </a:rPr>
+              <a:t>Track Ownership.</a:t>
+            </a:r>
+            <a:r>
+              <a:rPr lang="ca" sz="1300">
+                <a:solidFill>
+                  <a:schemeClr val="dk1"/>
+                </a:solidFill>
+                <a:highlight>
+                  <a:srgbClr val="FFFFFF"/>
+                </a:highlight>
+                <a:latin typeface="Georgia"/>
+                <a:ea typeface="Georgia"/>
+                <a:cs typeface="Georgia"/>
+                <a:sym typeface="Georgia"/>
+              </a:rPr>
+              <a:t> A VCS tags every change with the name of the person who made it. Helpful for </a:t>
+            </a:r>
+            <a:r>
+              <a:rPr lang="ca" sz="1300">
+                <a:solidFill>
+                  <a:srgbClr val="551A8B"/>
+                </a:solidFill>
+                <a:highlight>
+                  <a:srgbClr val="FFFFFF"/>
+                </a:highlight>
+                <a:latin typeface="Georgia"/>
+                <a:ea typeface="Georgia"/>
+                <a:cs typeface="Georgia"/>
+                <a:sym typeface="Georgia"/>
+                <a:hlinkClick r:id="rId2"/>
+              </a:rPr>
+              <a:t>blamestorming</a:t>
+            </a:r>
+            <a:r>
+              <a:rPr lang="ca" sz="1300">
+                <a:solidFill>
+                  <a:schemeClr val="dk1"/>
+                </a:solidFill>
+                <a:highlight>
+                  <a:srgbClr val="FFFFFF"/>
+                </a:highlight>
+                <a:latin typeface="Georgia"/>
+                <a:ea typeface="Georgia"/>
+                <a:cs typeface="Georgia"/>
+                <a:sym typeface="Georgia"/>
+              </a:rPr>
+              <a:t> giving credit.</a:t>
+            </a:r>
+          </a:p>
+          <a:p>
+            <a:pPr indent="-311150" lvl="0" marL="457200" rtl="0">
+              <a:lnSpc>
+                <a:spcPct val="160000"/>
+              </a:lnSpc>
+              <a:spcBef>
+                <a:spcPts val="0"/>
+              </a:spcBef>
+              <a:buClr>
+                <a:schemeClr val="dk1"/>
+              </a:buClr>
+              <a:buSzPct val="100000"/>
+              <a:buFont typeface="Georgia"/>
+            </a:pPr>
+            <a:r>
+              <a:rPr b="1" lang="ca" sz="1300">
+                <a:solidFill>
+                  <a:schemeClr val="dk1"/>
+                </a:solidFill>
+                <a:highlight>
+                  <a:srgbClr val="FFFFFF"/>
+                </a:highlight>
+                <a:latin typeface="Georgia"/>
+                <a:ea typeface="Georgia"/>
+                <a:cs typeface="Georgia"/>
+                <a:sym typeface="Georgia"/>
+              </a:rPr>
+              <a:t>Sandboxing</a:t>
+            </a:r>
+            <a:r>
+              <a:rPr lang="ca" sz="1300">
+                <a:solidFill>
+                  <a:schemeClr val="dk1"/>
+                </a:solidFill>
+                <a:highlight>
+                  <a:srgbClr val="FFFFFF"/>
+                </a:highlight>
+                <a:latin typeface="Georgia"/>
+                <a:ea typeface="Georgia"/>
+                <a:cs typeface="Georgia"/>
+                <a:sym typeface="Georgia"/>
+              </a:rPr>
+              <a:t>, or insurance against yourself. Making a big change? You can make temporary changes in an isolated area, test and work out the kinks before “checking in” your changes.</a:t>
+            </a:r>
+          </a:p>
+          <a:p>
+            <a:pPr indent="-311150" lvl="0" marL="457200" rtl="0">
+              <a:lnSpc>
+                <a:spcPct val="160000"/>
+              </a:lnSpc>
+              <a:spcBef>
+                <a:spcPts val="0"/>
+              </a:spcBef>
+              <a:buClr>
+                <a:schemeClr val="dk1"/>
+              </a:buClr>
+              <a:buSzPct val="100000"/>
+              <a:buFont typeface="Georgia"/>
+            </a:pPr>
+            <a:r>
+              <a:rPr b="1" lang="ca" sz="1300">
+                <a:solidFill>
+                  <a:schemeClr val="dk1"/>
+                </a:solidFill>
+                <a:highlight>
+                  <a:srgbClr val="FFFFFF"/>
+                </a:highlight>
+                <a:latin typeface="Georgia"/>
+                <a:ea typeface="Georgia"/>
+                <a:cs typeface="Georgia"/>
+                <a:sym typeface="Georgia"/>
+              </a:rPr>
+              <a:t>Branching and merging</a:t>
+            </a:r>
+            <a:r>
+              <a:rPr lang="ca" sz="1300">
+                <a:solidFill>
+                  <a:schemeClr val="dk1"/>
+                </a:solidFill>
+                <a:highlight>
+                  <a:srgbClr val="FFFFFF"/>
+                </a:highlight>
+                <a:latin typeface="Georgia"/>
+                <a:ea typeface="Georgia"/>
+                <a:cs typeface="Georgia"/>
+                <a:sym typeface="Georgia"/>
+              </a:rPr>
+              <a:t>. A larger sandbox. You can </a:t>
+            </a:r>
+            <a:r>
+              <a:rPr b="1" lang="ca" sz="1300">
+                <a:solidFill>
+                  <a:schemeClr val="dk1"/>
+                </a:solidFill>
+                <a:highlight>
+                  <a:srgbClr val="FFFFFF"/>
+                </a:highlight>
+                <a:latin typeface="Georgia"/>
+                <a:ea typeface="Georgia"/>
+                <a:cs typeface="Georgia"/>
+                <a:sym typeface="Georgia"/>
+              </a:rPr>
+              <a:t>branch</a:t>
+            </a:r>
+            <a:r>
+              <a:rPr lang="ca" sz="1300">
+                <a:solidFill>
+                  <a:schemeClr val="dk1"/>
+                </a:solidFill>
+                <a:highlight>
+                  <a:srgbClr val="FFFFFF"/>
+                </a:highlight>
+                <a:latin typeface="Georgia"/>
+                <a:ea typeface="Georgia"/>
+                <a:cs typeface="Georgia"/>
+                <a:sym typeface="Georgia"/>
+              </a:rPr>
+              <a:t> a copy of your code into a separate area and modify it in isolation (tracking changes separately). Later, you can</a:t>
+            </a:r>
+            <a:r>
+              <a:rPr b="1" lang="ca" sz="1300">
+                <a:solidFill>
+                  <a:schemeClr val="dk1"/>
+                </a:solidFill>
+                <a:highlight>
+                  <a:srgbClr val="FFFFFF"/>
+                </a:highlight>
+                <a:latin typeface="Georgia"/>
+                <a:ea typeface="Georgia"/>
+                <a:cs typeface="Georgia"/>
+                <a:sym typeface="Georgia"/>
+              </a:rPr>
+              <a:t>merge</a:t>
+            </a:r>
+            <a:r>
+              <a:rPr lang="ca" sz="1300">
+                <a:solidFill>
+                  <a:schemeClr val="dk1"/>
+                </a:solidFill>
+                <a:highlight>
+                  <a:srgbClr val="FFFFFF"/>
+                </a:highlight>
+                <a:latin typeface="Georgia"/>
+                <a:ea typeface="Georgia"/>
+                <a:cs typeface="Georgia"/>
+                <a:sym typeface="Georgia"/>
+              </a:rPr>
+              <a:t> your work back into the common area.</a:t>
+            </a:r>
+          </a:p>
           <a:p>
             <a:pPr lvl="0" rtl="0">
               <a:spcBef>
@@ -2773,12 +2323,12 @@
 </p:notes>
 </file>
 
-<file path=ppt/notesSlides/notesSlide6.xml><?xml version="1.0" encoding="utf-8"?>
+<file path=ppt/notesSlides/notesSlide5.xml><?xml version="1.0" encoding="utf-8"?>
 <p:notes xmlns:a="http://schemas.openxmlformats.org/drawingml/2006/main" xmlns:r="http://schemas.openxmlformats.org/officeDocument/2006/relationships" xmlns:mc="http://schemas.openxmlformats.org/markup-compatibility/2006" xmlns:mv="urn:schemas-microsoft-com:mac:vml" xmlns:p="http://schemas.openxmlformats.org/presentationml/2006/main" xmlns:c="http://schemas.openxmlformats.org/drawingml/2006/chart" xmlns:dgm="http://schemas.openxmlformats.org/drawingml/2006/diagram" xmlns:o="urn:schemas-microsoft-com:office:office" xmlns:v="urn:schemas-microsoft-com:vml" xmlns:pvml="urn:schemas-microsoft-com:office:powerpoint" xmlns:com="http://schemas.openxmlformats.org/drawingml/2006/compatibility" xmlns:p14="http://schemas.microsoft.com/office/powerpoint/2010/main" showMasterPhAnim="0" showMasterSp="0">
   <p:cSld>
     <p:spTree>
       <p:nvGrpSpPr>
-        <p:cNvPr id="116" name="Shape 116"/>
+        <p:cNvPr id="98" name="Shape 98"/>
         <p:cNvGrpSpPr/>
         <p:nvPr/>
       </p:nvGrpSpPr>
@@ -2792,7 +2342,7 @@
       </p:grpSpPr>
       <p:sp>
         <p:nvSpPr>
-          <p:cNvPr id="117" name="Shape 117"/>
+          <p:cNvPr id="99" name="Shape 99"/>
           <p:cNvSpPr/>
           <p:nvPr>
             <p:ph idx="2" type="sldImg"/>
@@ -2836,7 +2386,7 @@
       </p:sp>
       <p:sp>
         <p:nvSpPr>
-          <p:cNvPr id="118" name="Shape 118"/>
+          <p:cNvPr id="100" name="Shape 100"/>
           <p:cNvSpPr txBox="1"/>
           <p:nvPr>
             <p:ph idx="1" type="body"/>
@@ -2856,6 +2406,457 @@
             <a:noAutofit/>
           </a:bodyPr>
           <a:lstStyle/>
+          <a:p>
+            <a:pPr indent="-311150" lvl="0" marL="457200" rtl="0">
+              <a:lnSpc>
+                <a:spcPct val="160000"/>
+              </a:lnSpc>
+              <a:spcBef>
+                <a:spcPts val="0"/>
+              </a:spcBef>
+              <a:buClr>
+                <a:schemeClr val="dk1"/>
+              </a:buClr>
+              <a:buSzPct val="100000"/>
+              <a:buFont typeface="Georgia"/>
+            </a:pPr>
+            <a:r>
+              <a:rPr b="1" lang="ca" sz="1300">
+                <a:solidFill>
+                  <a:schemeClr val="dk1"/>
+                </a:solidFill>
+                <a:highlight>
+                  <a:srgbClr val="FFFFFF"/>
+                </a:highlight>
+                <a:latin typeface="Georgia"/>
+                <a:ea typeface="Georgia"/>
+                <a:cs typeface="Georgia"/>
+                <a:sym typeface="Georgia"/>
+              </a:rPr>
+              <a:t>Backup and Restore.</a:t>
+            </a:r>
+            <a:r>
+              <a:rPr lang="ca" sz="1300">
+                <a:solidFill>
+                  <a:schemeClr val="dk1"/>
+                </a:solidFill>
+                <a:highlight>
+                  <a:srgbClr val="FFFFFF"/>
+                </a:highlight>
+                <a:latin typeface="Georgia"/>
+                <a:ea typeface="Georgia"/>
+                <a:cs typeface="Georgia"/>
+                <a:sym typeface="Georgia"/>
+              </a:rPr>
+              <a:t> Files are saved as they are edited, and you can jump to any moment in time. Need that file as it was on Feb 23, 2007? No problem.</a:t>
+            </a:r>
+          </a:p>
+          <a:p>
+            <a:pPr indent="-311150" lvl="0" marL="457200" rtl="0">
+              <a:lnSpc>
+                <a:spcPct val="160000"/>
+              </a:lnSpc>
+              <a:spcBef>
+                <a:spcPts val="0"/>
+              </a:spcBef>
+              <a:buClr>
+                <a:schemeClr val="dk1"/>
+              </a:buClr>
+              <a:buSzPct val="100000"/>
+              <a:buFont typeface="Georgia"/>
+            </a:pPr>
+            <a:r>
+              <a:rPr b="1" lang="ca" sz="1300">
+                <a:solidFill>
+                  <a:schemeClr val="dk1"/>
+                </a:solidFill>
+                <a:highlight>
+                  <a:srgbClr val="FFFFFF"/>
+                </a:highlight>
+                <a:latin typeface="Georgia"/>
+                <a:ea typeface="Georgia"/>
+                <a:cs typeface="Georgia"/>
+                <a:sym typeface="Georgia"/>
+              </a:rPr>
+              <a:t>Synchronization.</a:t>
+            </a:r>
+            <a:r>
+              <a:rPr lang="ca" sz="1300">
+                <a:solidFill>
+                  <a:schemeClr val="dk1"/>
+                </a:solidFill>
+                <a:highlight>
+                  <a:srgbClr val="FFFFFF"/>
+                </a:highlight>
+                <a:latin typeface="Georgia"/>
+                <a:ea typeface="Georgia"/>
+                <a:cs typeface="Georgia"/>
+                <a:sym typeface="Georgia"/>
+              </a:rPr>
+              <a:t> Lets people share files and stay up-to-date with the latest version.</a:t>
+            </a:r>
+          </a:p>
+          <a:p>
+            <a:pPr indent="-311150" lvl="0" marL="457200" rtl="0">
+              <a:lnSpc>
+                <a:spcPct val="160000"/>
+              </a:lnSpc>
+              <a:spcBef>
+                <a:spcPts val="0"/>
+              </a:spcBef>
+              <a:buClr>
+                <a:schemeClr val="dk1"/>
+              </a:buClr>
+              <a:buSzPct val="100000"/>
+              <a:buFont typeface="Georgia"/>
+            </a:pPr>
+            <a:r>
+              <a:rPr b="1" lang="ca" sz="1300">
+                <a:solidFill>
+                  <a:schemeClr val="dk1"/>
+                </a:solidFill>
+                <a:highlight>
+                  <a:srgbClr val="FFFFFF"/>
+                </a:highlight>
+                <a:latin typeface="Georgia"/>
+                <a:ea typeface="Georgia"/>
+                <a:cs typeface="Georgia"/>
+                <a:sym typeface="Georgia"/>
+              </a:rPr>
+              <a:t>Short-term undo.</a:t>
+            </a:r>
+            <a:r>
+              <a:rPr lang="ca" sz="1300">
+                <a:solidFill>
+                  <a:schemeClr val="dk1"/>
+                </a:solidFill>
+                <a:highlight>
+                  <a:srgbClr val="FFFFFF"/>
+                </a:highlight>
+                <a:latin typeface="Georgia"/>
+                <a:ea typeface="Georgia"/>
+                <a:cs typeface="Georgia"/>
+                <a:sym typeface="Georgia"/>
+              </a:rPr>
+              <a:t> Monkeying with a file and messed it up? (That’s just like you, isn’t it?). Throw away your changes and go back to the “last known good” version in the database.</a:t>
+            </a:r>
+          </a:p>
+          <a:p>
+            <a:pPr indent="-311150" lvl="0" marL="457200" rtl="0">
+              <a:lnSpc>
+                <a:spcPct val="160000"/>
+              </a:lnSpc>
+              <a:spcBef>
+                <a:spcPts val="0"/>
+              </a:spcBef>
+              <a:buClr>
+                <a:schemeClr val="dk1"/>
+              </a:buClr>
+              <a:buSzPct val="100000"/>
+              <a:buFont typeface="Georgia"/>
+            </a:pPr>
+            <a:r>
+              <a:rPr b="1" lang="ca" sz="1300">
+                <a:solidFill>
+                  <a:schemeClr val="dk1"/>
+                </a:solidFill>
+                <a:highlight>
+                  <a:srgbClr val="FFFFFF"/>
+                </a:highlight>
+                <a:latin typeface="Georgia"/>
+                <a:ea typeface="Georgia"/>
+                <a:cs typeface="Georgia"/>
+                <a:sym typeface="Georgia"/>
+              </a:rPr>
+              <a:t>Long-term undo.</a:t>
+            </a:r>
+            <a:r>
+              <a:rPr lang="ca" sz="1300">
+                <a:solidFill>
+                  <a:schemeClr val="dk1"/>
+                </a:solidFill>
+                <a:highlight>
+                  <a:srgbClr val="FFFFFF"/>
+                </a:highlight>
+                <a:latin typeface="Georgia"/>
+                <a:ea typeface="Georgia"/>
+                <a:cs typeface="Georgia"/>
+                <a:sym typeface="Georgia"/>
+              </a:rPr>
+              <a:t> Sometimes we mess up bad. Suppose you made a change a year ago, and it had a bug. Jump back to the old version, and see what change was made that day.</a:t>
+            </a:r>
+          </a:p>
+          <a:p>
+            <a:pPr indent="-311150" lvl="0" marL="457200" rtl="0">
+              <a:lnSpc>
+                <a:spcPct val="160000"/>
+              </a:lnSpc>
+              <a:spcBef>
+                <a:spcPts val="0"/>
+              </a:spcBef>
+              <a:buClr>
+                <a:schemeClr val="dk1"/>
+              </a:buClr>
+              <a:buSzPct val="100000"/>
+              <a:buFont typeface="Georgia"/>
+            </a:pPr>
+            <a:r>
+              <a:rPr b="1" lang="ca" sz="1300">
+                <a:solidFill>
+                  <a:schemeClr val="dk1"/>
+                </a:solidFill>
+                <a:highlight>
+                  <a:srgbClr val="FFFFFF"/>
+                </a:highlight>
+                <a:latin typeface="Georgia"/>
+                <a:ea typeface="Georgia"/>
+                <a:cs typeface="Georgia"/>
+                <a:sym typeface="Georgia"/>
+              </a:rPr>
+              <a:t>Track Changes</a:t>
+            </a:r>
+            <a:r>
+              <a:rPr lang="ca" sz="1300">
+                <a:solidFill>
+                  <a:schemeClr val="dk1"/>
+                </a:solidFill>
+                <a:highlight>
+                  <a:srgbClr val="FFFFFF"/>
+                </a:highlight>
+                <a:latin typeface="Georgia"/>
+                <a:ea typeface="Georgia"/>
+                <a:cs typeface="Georgia"/>
+                <a:sym typeface="Georgia"/>
+              </a:rPr>
+              <a:t>. As files are updated, you can leave messages explaining why the change happened (stored in the VCS, not the file). This makes it easy to see how a file is evolving over time, and why.</a:t>
+            </a:r>
+          </a:p>
+          <a:p>
+            <a:pPr indent="-311150" lvl="0" marL="457200" rtl="0">
+              <a:lnSpc>
+                <a:spcPct val="160000"/>
+              </a:lnSpc>
+              <a:spcBef>
+                <a:spcPts val="0"/>
+              </a:spcBef>
+              <a:buClr>
+                <a:schemeClr val="dk1"/>
+              </a:buClr>
+              <a:buSzPct val="100000"/>
+              <a:buFont typeface="Georgia"/>
+            </a:pPr>
+            <a:r>
+              <a:rPr b="1" lang="ca" sz="1300">
+                <a:solidFill>
+                  <a:schemeClr val="dk1"/>
+                </a:solidFill>
+                <a:highlight>
+                  <a:srgbClr val="FFFFFF"/>
+                </a:highlight>
+                <a:latin typeface="Georgia"/>
+                <a:ea typeface="Georgia"/>
+                <a:cs typeface="Georgia"/>
+                <a:sym typeface="Georgia"/>
+              </a:rPr>
+              <a:t>Track Ownership.</a:t>
+            </a:r>
+            <a:r>
+              <a:rPr lang="ca" sz="1300">
+                <a:solidFill>
+                  <a:schemeClr val="dk1"/>
+                </a:solidFill>
+                <a:highlight>
+                  <a:srgbClr val="FFFFFF"/>
+                </a:highlight>
+                <a:latin typeface="Georgia"/>
+                <a:ea typeface="Georgia"/>
+                <a:cs typeface="Georgia"/>
+                <a:sym typeface="Georgia"/>
+              </a:rPr>
+              <a:t> A VCS tags every change with the name of the person who made it. Helpful for </a:t>
+            </a:r>
+            <a:r>
+              <a:rPr lang="ca" sz="1300">
+                <a:solidFill>
+                  <a:srgbClr val="551A8B"/>
+                </a:solidFill>
+                <a:highlight>
+                  <a:srgbClr val="FFFFFF"/>
+                </a:highlight>
+                <a:latin typeface="Georgia"/>
+                <a:ea typeface="Georgia"/>
+                <a:cs typeface="Georgia"/>
+                <a:sym typeface="Georgia"/>
+                <a:hlinkClick r:id="rId2"/>
+              </a:rPr>
+              <a:t>blamestorming</a:t>
+            </a:r>
+            <a:r>
+              <a:rPr lang="ca" sz="1300">
+                <a:solidFill>
+                  <a:schemeClr val="dk1"/>
+                </a:solidFill>
+                <a:highlight>
+                  <a:srgbClr val="FFFFFF"/>
+                </a:highlight>
+                <a:latin typeface="Georgia"/>
+                <a:ea typeface="Georgia"/>
+                <a:cs typeface="Georgia"/>
+                <a:sym typeface="Georgia"/>
+              </a:rPr>
+              <a:t> giving credit.</a:t>
+            </a:r>
+          </a:p>
+          <a:p>
+            <a:pPr indent="-311150" lvl="0" marL="457200" rtl="0">
+              <a:lnSpc>
+                <a:spcPct val="160000"/>
+              </a:lnSpc>
+              <a:spcBef>
+                <a:spcPts val="0"/>
+              </a:spcBef>
+              <a:buClr>
+                <a:schemeClr val="dk1"/>
+              </a:buClr>
+              <a:buSzPct val="100000"/>
+              <a:buFont typeface="Georgia"/>
+            </a:pPr>
+            <a:r>
+              <a:rPr b="1" lang="ca" sz="1300">
+                <a:solidFill>
+                  <a:schemeClr val="dk1"/>
+                </a:solidFill>
+                <a:highlight>
+                  <a:srgbClr val="FFFFFF"/>
+                </a:highlight>
+                <a:latin typeface="Georgia"/>
+                <a:ea typeface="Georgia"/>
+                <a:cs typeface="Georgia"/>
+                <a:sym typeface="Georgia"/>
+              </a:rPr>
+              <a:t>Sandboxing</a:t>
+            </a:r>
+            <a:r>
+              <a:rPr lang="ca" sz="1300">
+                <a:solidFill>
+                  <a:schemeClr val="dk1"/>
+                </a:solidFill>
+                <a:highlight>
+                  <a:srgbClr val="FFFFFF"/>
+                </a:highlight>
+                <a:latin typeface="Georgia"/>
+                <a:ea typeface="Georgia"/>
+                <a:cs typeface="Georgia"/>
+                <a:sym typeface="Georgia"/>
+              </a:rPr>
+              <a:t>, or insurance against yourself. Making a big change? You can make temporary changes in an isolated area, test and work out the kinks before “checking in” your changes.</a:t>
+            </a:r>
+          </a:p>
+          <a:p>
+            <a:pPr indent="-311150" lvl="0" marL="457200" rtl="0">
+              <a:lnSpc>
+                <a:spcPct val="160000"/>
+              </a:lnSpc>
+              <a:spcBef>
+                <a:spcPts val="0"/>
+              </a:spcBef>
+              <a:buClr>
+                <a:schemeClr val="dk1"/>
+              </a:buClr>
+              <a:buSzPct val="100000"/>
+              <a:buFont typeface="Georgia"/>
+            </a:pPr>
+            <a:r>
+              <a:rPr b="1" lang="ca" sz="1300">
+                <a:solidFill>
+                  <a:schemeClr val="dk1"/>
+                </a:solidFill>
+                <a:highlight>
+                  <a:srgbClr val="FFFFFF"/>
+                </a:highlight>
+                <a:latin typeface="Georgia"/>
+                <a:ea typeface="Georgia"/>
+                <a:cs typeface="Georgia"/>
+                <a:sym typeface="Georgia"/>
+              </a:rPr>
+              <a:t>Branching and merging</a:t>
+            </a:r>
+            <a:r>
+              <a:rPr lang="ca" sz="1300">
+                <a:solidFill>
+                  <a:schemeClr val="dk1"/>
+                </a:solidFill>
+                <a:highlight>
+                  <a:srgbClr val="FFFFFF"/>
+                </a:highlight>
+                <a:latin typeface="Georgia"/>
+                <a:ea typeface="Georgia"/>
+                <a:cs typeface="Georgia"/>
+                <a:sym typeface="Georgia"/>
+              </a:rPr>
+              <a:t>. A larger sandbox. You can </a:t>
+            </a:r>
+            <a:r>
+              <a:rPr b="1" lang="ca" sz="1300">
+                <a:solidFill>
+                  <a:schemeClr val="dk1"/>
+                </a:solidFill>
+                <a:highlight>
+                  <a:srgbClr val="FFFFFF"/>
+                </a:highlight>
+                <a:latin typeface="Georgia"/>
+                <a:ea typeface="Georgia"/>
+                <a:cs typeface="Georgia"/>
+                <a:sym typeface="Georgia"/>
+              </a:rPr>
+              <a:t>branch</a:t>
+            </a:r>
+            <a:r>
+              <a:rPr lang="ca" sz="1300">
+                <a:solidFill>
+                  <a:schemeClr val="dk1"/>
+                </a:solidFill>
+                <a:highlight>
+                  <a:srgbClr val="FFFFFF"/>
+                </a:highlight>
+                <a:latin typeface="Georgia"/>
+                <a:ea typeface="Georgia"/>
+                <a:cs typeface="Georgia"/>
+                <a:sym typeface="Georgia"/>
+              </a:rPr>
+              <a:t> a copy of your code into a separate area and modify it in isolation (tracking changes separately). Later, you can</a:t>
+            </a:r>
+            <a:r>
+              <a:rPr b="1" lang="ca" sz="1300">
+                <a:solidFill>
+                  <a:schemeClr val="dk1"/>
+                </a:solidFill>
+                <a:highlight>
+                  <a:srgbClr val="FFFFFF"/>
+                </a:highlight>
+                <a:latin typeface="Georgia"/>
+                <a:ea typeface="Georgia"/>
+                <a:cs typeface="Georgia"/>
+                <a:sym typeface="Georgia"/>
+              </a:rPr>
+              <a:t>merge</a:t>
+            </a:r>
+            <a:r>
+              <a:rPr lang="ca" sz="1300">
+                <a:solidFill>
+                  <a:schemeClr val="dk1"/>
+                </a:solidFill>
+                <a:highlight>
+                  <a:srgbClr val="FFFFFF"/>
+                </a:highlight>
+                <a:latin typeface="Georgia"/>
+                <a:ea typeface="Georgia"/>
+                <a:cs typeface="Georgia"/>
+                <a:sym typeface="Georgia"/>
+              </a:rPr>
+              <a:t> your work back into the common area.</a:t>
+            </a:r>
+          </a:p>
           <a:p>
             <a:pPr lvl="0" rtl="0">
               <a:spcBef>
@@ -2878,12 +2879,12 @@
 </p:notes>
 </file>
 
-<file path=ppt/notesSlides/notesSlide7.xml><?xml version="1.0" encoding="utf-8"?>
+<file path=ppt/notesSlides/notesSlide6.xml><?xml version="1.0" encoding="utf-8"?>
 <p:notes xmlns:a="http://schemas.openxmlformats.org/drawingml/2006/main" xmlns:r="http://schemas.openxmlformats.org/officeDocument/2006/relationships" xmlns:mc="http://schemas.openxmlformats.org/markup-compatibility/2006" xmlns:mv="urn:schemas-microsoft-com:mac:vml" xmlns:p="http://schemas.openxmlformats.org/presentationml/2006/main" xmlns:c="http://schemas.openxmlformats.org/drawingml/2006/chart" xmlns:dgm="http://schemas.openxmlformats.org/drawingml/2006/diagram" xmlns:o="urn:schemas-microsoft-com:office:office" xmlns:v="urn:schemas-microsoft-com:vml" xmlns:pvml="urn:schemas-microsoft-com:office:powerpoint" xmlns:com="http://schemas.openxmlformats.org/drawingml/2006/compatibility" xmlns:p14="http://schemas.microsoft.com/office/powerpoint/2010/main" showMasterPhAnim="0" showMasterSp="0">
   <p:cSld>
     <p:spTree>
       <p:nvGrpSpPr>
-        <p:cNvPr id="124" name="Shape 124"/>
+        <p:cNvPr id="119" name="Shape 119"/>
         <p:cNvGrpSpPr/>
         <p:nvPr/>
       </p:nvGrpSpPr>
@@ -2897,7 +2898,7 @@
       </p:grpSpPr>
       <p:sp>
         <p:nvSpPr>
-          <p:cNvPr id="125" name="Shape 125"/>
+          <p:cNvPr id="120" name="Shape 120"/>
           <p:cNvSpPr/>
           <p:nvPr>
             <p:ph idx="2" type="sldImg"/>
@@ -2941,7 +2942,7 @@
       </p:sp>
       <p:sp>
         <p:nvSpPr>
-          <p:cNvPr id="126" name="Shape 126"/>
+          <p:cNvPr id="121" name="Shape 121"/>
           <p:cNvSpPr txBox="1"/>
           <p:nvPr>
             <p:ph idx="1" type="body"/>
@@ -2983,12 +2984,12 @@
 </p:notes>
 </file>
 
-<file path=ppt/notesSlides/notesSlide8.xml><?xml version="1.0" encoding="utf-8"?>
+<file path=ppt/notesSlides/notesSlide7.xml><?xml version="1.0" encoding="utf-8"?>
 <p:notes xmlns:a="http://schemas.openxmlformats.org/drawingml/2006/main" xmlns:r="http://schemas.openxmlformats.org/officeDocument/2006/relationships" xmlns:mc="http://schemas.openxmlformats.org/markup-compatibility/2006" xmlns:mv="urn:schemas-microsoft-com:mac:vml" xmlns:p="http://schemas.openxmlformats.org/presentationml/2006/main" xmlns:c="http://schemas.openxmlformats.org/drawingml/2006/chart" xmlns:dgm="http://schemas.openxmlformats.org/drawingml/2006/diagram" xmlns:o="urn:schemas-microsoft-com:office:office" xmlns:v="urn:schemas-microsoft-com:vml" xmlns:pvml="urn:schemas-microsoft-com:office:powerpoint" xmlns:com="http://schemas.openxmlformats.org/drawingml/2006/compatibility" xmlns:p14="http://schemas.microsoft.com/office/powerpoint/2010/main" showMasterPhAnim="0" showMasterSp="0">
   <p:cSld>
     <p:spTree>
       <p:nvGrpSpPr>
-        <p:cNvPr id="135" name="Shape 135"/>
+        <p:cNvPr id="125" name="Shape 125"/>
         <p:cNvGrpSpPr/>
         <p:nvPr/>
       </p:nvGrpSpPr>
@@ -3002,7 +3003,7 @@
       </p:grpSpPr>
       <p:sp>
         <p:nvSpPr>
-          <p:cNvPr id="136" name="Shape 136"/>
+          <p:cNvPr id="126" name="Shape 126"/>
           <p:cNvSpPr/>
           <p:nvPr>
             <p:ph idx="2" type="sldImg"/>
@@ -3046,7 +3047,112 @@
       </p:sp>
       <p:sp>
         <p:nvSpPr>
-          <p:cNvPr id="137" name="Shape 137"/>
+          <p:cNvPr id="127" name="Shape 127"/>
+          <p:cNvSpPr txBox="1"/>
+          <p:nvPr>
+            <p:ph idx="1" type="body"/>
+          </p:nvPr>
+        </p:nvSpPr>
+        <p:spPr>
+          <a:xfrm>
+            <a:off x="685800" y="4343400"/>
+            <a:ext cx="5486399" cy="4114800"/>
+          </a:xfrm>
+          <a:prstGeom prst="rect">
+            <a:avLst/>
+          </a:prstGeom>
+        </p:spPr>
+        <p:txBody>
+          <a:bodyPr anchorCtr="0" anchor="t" bIns="91425" lIns="91425" rIns="91425" tIns="91425">
+            <a:noAutofit/>
+          </a:bodyPr>
+          <a:lstStyle/>
+          <a:p>
+            <a:pPr lvl="0" rtl="0">
+              <a:spcBef>
+                <a:spcPts val="0"/>
+              </a:spcBef>
+              <a:buNone/>
+            </a:pPr>
+            <a:r>
+              <a:t/>
+            </a:r>
+            <a:endParaRPr/>
+          </a:p>
+        </p:txBody>
+      </p:sp>
+    </p:spTree>
+  </p:cSld>
+  <p:clrMapOvr>
+    <a:masterClrMapping/>
+  </p:clrMapOvr>
+</p:notes>
+</file>
+
+<file path=ppt/notesSlides/notesSlide8.xml><?xml version="1.0" encoding="utf-8"?>
+<p:notes xmlns:a="http://schemas.openxmlformats.org/drawingml/2006/main" xmlns:r="http://schemas.openxmlformats.org/officeDocument/2006/relationships" xmlns:mc="http://schemas.openxmlformats.org/markup-compatibility/2006" xmlns:mv="urn:schemas-microsoft-com:mac:vml" xmlns:p="http://schemas.openxmlformats.org/presentationml/2006/main" xmlns:c="http://schemas.openxmlformats.org/drawingml/2006/chart" xmlns:dgm="http://schemas.openxmlformats.org/drawingml/2006/diagram" xmlns:o="urn:schemas-microsoft-com:office:office" xmlns:v="urn:schemas-microsoft-com:vml" xmlns:pvml="urn:schemas-microsoft-com:office:powerpoint" xmlns:com="http://schemas.openxmlformats.org/drawingml/2006/compatibility" xmlns:p14="http://schemas.microsoft.com/office/powerpoint/2010/main" showMasterPhAnim="0" showMasterSp="0">
+  <p:cSld>
+    <p:spTree>
+      <p:nvGrpSpPr>
+        <p:cNvPr id="133" name="Shape 133"/>
+        <p:cNvGrpSpPr/>
+        <p:nvPr/>
+      </p:nvGrpSpPr>
+      <p:grpSpPr>
+        <a:xfrm>
+          <a:off x="0" y="0"/>
+          <a:ext cx="0" cy="0"/>
+          <a:chOff x="0" y="0"/>
+          <a:chExt cx="0" cy="0"/>
+        </a:xfrm>
+      </p:grpSpPr>
+      <p:sp>
+        <p:nvSpPr>
+          <p:cNvPr id="134" name="Shape 134"/>
+          <p:cNvSpPr/>
+          <p:nvPr>
+            <p:ph idx="2" type="sldImg"/>
+          </p:nvPr>
+        </p:nvSpPr>
+        <p:spPr>
+          <a:xfrm>
+            <a:off x="1143309" y="685800"/>
+            <a:ext cx="4572000" cy="3429000"/>
+          </a:xfrm>
+          <a:custGeom>
+            <a:pathLst>
+              <a:path extrusionOk="0" h="120000" w="120000">
+                <a:moveTo>
+                  <a:pt x="0" y="0"/>
+                </a:moveTo>
+                <a:lnTo>
+                  <a:pt x="120000" y="0"/>
+                </a:lnTo>
+                <a:lnTo>
+                  <a:pt x="120000" y="120000"/>
+                </a:lnTo>
+                <a:lnTo>
+                  <a:pt x="0" y="120000"/>
+                </a:lnTo>
+                <a:close/>
+              </a:path>
+            </a:pathLst>
+          </a:custGeom>
+          <a:noFill/>
+          <a:ln cap="flat" cmpd="sng" w="9525">
+            <a:solidFill>
+              <a:srgbClr val="000000"/>
+            </a:solidFill>
+            <a:prstDash val="solid"/>
+            <a:round/>
+            <a:headEnd len="med" w="med" type="none"/>
+            <a:tailEnd len="med" w="med" type="none"/>
+          </a:ln>
+        </p:spPr>
+      </p:sp>
+      <p:sp>
+        <p:nvSpPr>
+          <p:cNvPr id="135" name="Shape 135"/>
           <p:cNvSpPr txBox="1"/>
           <p:nvPr>
             <p:ph idx="1" type="body"/>
@@ -7062,6 +7168,13 @@
 <file path=ppt/slides/slide1.xml><?xml version="1.0" encoding="utf-8"?>
 <p:sld xmlns:a="http://schemas.openxmlformats.org/drawingml/2006/main" xmlns:r="http://schemas.openxmlformats.org/officeDocument/2006/relationships" xmlns:mc="http://schemas.openxmlformats.org/markup-compatibility/2006" xmlns:mv="urn:schemas-microsoft-com:mac:vml" xmlns:p="http://schemas.openxmlformats.org/presentationml/2006/main" xmlns:c="http://schemas.openxmlformats.org/drawingml/2006/chart" xmlns:dgm="http://schemas.openxmlformats.org/drawingml/2006/diagram" xmlns:o="urn:schemas-microsoft-com:office:office" xmlns:v="urn:schemas-microsoft-com:vml" xmlns:pvml="urn:schemas-microsoft-com:office:powerpoint" xmlns:com="http://schemas.openxmlformats.org/drawingml/2006/compatibility" xmlns:p14="http://schemas.microsoft.com/office/powerpoint/2010/main">
   <p:cSld>
+    <p:bg>
+      <p:bgPr>
+        <a:solidFill>
+          <a:srgbClr val="FF8533"/>
+        </a:solidFill>
+      </p:bgPr>
+    </p:bg>
     <p:spTree>
       <p:nvGrpSpPr>
         <p:cNvPr id="67" name="Shape 67"/>
@@ -7081,152 +7194,113 @@
           <p:cNvPr id="68" name="Shape 68"/>
           <p:cNvSpPr txBox="1"/>
           <p:nvPr>
-            <p:ph idx="1" type="body"/>
-          </p:nvPr>
-        </p:nvSpPr>
-        <p:spPr>
-          <a:xfrm>
-            <a:off x="311650" y="1506008"/>
-            <a:ext cx="8520599" cy="4555199"/>
-          </a:xfrm>
-          <a:prstGeom prst="rect">
-            <a:avLst/>
-          </a:prstGeom>
-        </p:spPr>
-        <p:txBody>
-          <a:bodyPr anchorCtr="0" anchor="ctr" bIns="91425" lIns="91425" rIns="91425" tIns="91425">
+            <p:ph type="ctrTitle"/>
+          </p:nvPr>
+        </p:nvSpPr>
+        <p:spPr>
+          <a:xfrm>
+            <a:off x="0" y="1429425"/>
+            <a:ext cx="9144000" cy="1046400"/>
+          </a:xfrm>
+          <a:prstGeom prst="rect">
+            <a:avLst/>
+          </a:prstGeom>
+        </p:spPr>
+        <p:txBody>
+          <a:bodyPr anchorCtr="0" anchor="b" bIns="91425" lIns="91425" rIns="91425" tIns="91425">
             <a:noAutofit/>
           </a:bodyPr>
           <a:lstStyle/>
           <a:p>
-            <a:pPr indent="-457200" lvl="0" marL="457200" rtl="0">
-              <a:lnSpc>
-                <a:spcPct val="150000"/>
-              </a:lnSpc>
-              <a:spcBef>
-                <a:spcPts val="0"/>
-              </a:spcBef>
-              <a:spcAft>
-                <a:spcPts val="0"/>
-              </a:spcAft>
-              <a:buSzPct val="100000"/>
-            </a:pPr>
-            <a:r>
-              <a:rPr lang="ca" sz="3600"/>
-              <a:t>Control de versions, que aporta?</a:t>
-            </a:r>
-          </a:p>
-          <a:p>
-            <a:pPr indent="-457200" lvl="0" marL="457200" rtl="0">
-              <a:lnSpc>
-                <a:spcPct val="150000"/>
-              </a:lnSpc>
-              <a:spcBef>
-                <a:spcPts val="0"/>
-              </a:spcBef>
-              <a:spcAft>
-                <a:spcPts val="0"/>
-              </a:spcAft>
-              <a:buSzPct val="100000"/>
-            </a:pPr>
-            <a:r>
-              <a:rPr lang="ca" sz="3600"/>
-              <a:t>Per què git?</a:t>
-            </a:r>
-          </a:p>
-          <a:p>
-            <a:pPr indent="-457200" lvl="0" marL="457200" rtl="0">
-              <a:lnSpc>
-                <a:spcPct val="150000"/>
-              </a:lnSpc>
-              <a:spcBef>
-                <a:spcPts val="0"/>
-              </a:spcBef>
-              <a:spcAft>
-                <a:spcPts val="0"/>
-              </a:spcAft>
-              <a:buClr>
-                <a:schemeClr val="dk1"/>
-              </a:buClr>
-              <a:buSzPct val="100000"/>
-            </a:pPr>
-            <a:r>
-              <a:rPr lang="ca" sz="3600">
+            <a:pPr lvl="0" rtl="0">
+              <a:spcBef>
+                <a:spcPts val="0"/>
+              </a:spcBef>
+              <a:buNone/>
+            </a:pPr>
+            <a:r>
+              <a:rPr lang="ca" sz="6000">
                 <a:solidFill>
-                  <a:schemeClr val="dk1"/>
+                  <a:srgbClr val="FFFFFF"/>
                 </a:solidFill>
+                <a:latin typeface="Open Sans"/>
+                <a:ea typeface="Open Sans"/>
+                <a:cs typeface="Open Sans"/>
+                <a:sym typeface="Open Sans"/>
               </a:rPr>
-              <a:t>Arquitectura</a:t>
-            </a:r>
-          </a:p>
-          <a:p>
-            <a:pPr indent="-457200" lvl="0" marL="457200" rtl="0">
-              <a:lnSpc>
-                <a:spcPct val="150000"/>
-              </a:lnSpc>
-              <a:spcBef>
-                <a:spcPts val="0"/>
-              </a:spcBef>
-              <a:spcAft>
-                <a:spcPts val="0"/>
-              </a:spcAft>
-              <a:buSzPct val="100000"/>
-            </a:pPr>
-            <a:r>
-              <a:rPr lang="ca" sz="3600"/>
-              <a:t>Primers passos</a:t>
-            </a:r>
-          </a:p>
-        </p:txBody>
-      </p:sp>
-      <p:sp>
-        <p:nvSpPr>
+              <a:t>Apps mòbils amb</a:t>
+            </a:r>
+          </a:p>
+        </p:txBody>
+      </p:sp>
+      <p:pic>
+        <p:nvPicPr>
           <p:cNvPr id="69" name="Shape 69"/>
-          <p:cNvSpPr txBox="1"/>
-          <p:nvPr>
-            <p:ph idx="12" type="sldNum"/>
-          </p:nvPr>
-        </p:nvSpPr>
-        <p:spPr>
-          <a:xfrm>
-            <a:off x="8472457" y="8290163"/>
-            <a:ext cx="548699" cy="699599"/>
-          </a:xfrm>
-          <a:prstGeom prst="rect">
-            <a:avLst/>
-          </a:prstGeom>
-        </p:spPr>
-        <p:txBody>
-          <a:bodyPr anchorCtr="0" anchor="ctr" bIns="91425" lIns="91425" rIns="91425" tIns="91425">
-            <a:noAutofit/>
-          </a:bodyPr>
-          <a:lstStyle/>
-          <a:p>
-            <a:pPr lvl="0" rtl="0">
-              <a:spcBef>
-                <a:spcPts val="0"/>
-              </a:spcBef>
-              <a:buNone/>
-            </a:pPr>
-            <a:fld id="{00000000-1234-1234-1234-123412341234}" type="slidenum">
-              <a:rPr lang="ca"/>
-              <a:t>‹#›</a:t>
-            </a:fld>
-          </a:p>
-        </p:txBody>
-      </p:sp>
-      <p:sp>
-        <p:nvSpPr>
+          <p:cNvPicPr preferRelativeResize="0"/>
+          <p:nvPr/>
+        </p:nvPicPr>
+        <p:blipFill>
+          <a:blip r:embed="rId3">
+            <a:alphaModFix/>
+          </a:blip>
+          <a:stretch>
+            <a:fillRect/>
+          </a:stretch>
+        </p:blipFill>
+        <p:spPr>
+          <a:xfrm>
+            <a:off x="3066392" y="2603249"/>
+            <a:ext cx="3011210" cy="1046400"/>
+          </a:xfrm>
+          <a:prstGeom prst="rect">
+            <a:avLst/>
+          </a:prstGeom>
+          <a:noFill/>
+          <a:ln>
+            <a:noFill/>
+          </a:ln>
+        </p:spPr>
+      </p:pic>
+      <p:pic>
+        <p:nvPicPr>
           <p:cNvPr id="70" name="Shape 70"/>
-          <p:cNvSpPr txBox="1"/>
-          <p:nvPr>
-            <p:ph type="title"/>
-          </p:nvPr>
-        </p:nvSpPr>
-        <p:spPr>
-          <a:xfrm>
-            <a:off x="311650" y="123291"/>
-            <a:ext cx="8520599" cy="763500"/>
+          <p:cNvPicPr preferRelativeResize="0"/>
+          <p:nvPr/>
+        </p:nvPicPr>
+        <p:blipFill>
+          <a:blip r:embed="rId4">
+            <a:alphaModFix/>
+          </a:blip>
+          <a:stretch>
+            <a:fillRect/>
+          </a:stretch>
+        </p:blipFill>
+        <p:spPr>
+          <a:xfrm>
+            <a:off x="7235601" y="5946022"/>
+            <a:ext cx="1545699" cy="541974"/>
+          </a:xfrm>
+          <a:prstGeom prst="rect">
+            <a:avLst/>
+          </a:prstGeom>
+          <a:noFill/>
+          <a:ln>
+            <a:noFill/>
+          </a:ln>
+        </p:spPr>
+      </p:pic>
+      <p:sp>
+        <p:nvSpPr>
+          <p:cNvPr id="71" name="Shape 71"/>
+          <p:cNvSpPr txBox="1"/>
+          <p:nvPr>
+            <p:ph idx="1" type="subTitle"/>
+          </p:nvPr>
+        </p:nvSpPr>
+        <p:spPr>
+          <a:xfrm>
+            <a:off x="0" y="4167750"/>
+            <a:ext cx="9144000" cy="1046400"/>
           </a:xfrm>
           <a:prstGeom prst="rect">
             <a:avLst/>
@@ -7245,48 +7319,48 @@
               <a:buNone/>
             </a:pPr>
             <a:r>
-              <a:rPr lang="ca"/>
-              <a:t>Índex</a:t>
-            </a:r>
-          </a:p>
-        </p:txBody>
-      </p:sp>
-      <p:sp>
-        <p:nvSpPr>
-          <p:cNvPr id="71" name="Shape 71"/>
-          <p:cNvSpPr txBox="1"/>
-          <p:nvPr>
-            <p:ph idx="2" type="sldNum"/>
-          </p:nvPr>
-        </p:nvSpPr>
-        <p:spPr>
-          <a:xfrm>
-            <a:off x="8472457" y="6217622"/>
-            <a:ext cx="548699" cy="524699"/>
-          </a:xfrm>
-          <a:prstGeom prst="rect">
-            <a:avLst/>
-          </a:prstGeom>
-        </p:spPr>
-        <p:txBody>
-          <a:bodyPr anchorCtr="0" anchor="ctr" bIns="91425" lIns="91425" rIns="91425" tIns="91425">
-            <a:noAutofit/>
-          </a:bodyPr>
-          <a:lstStyle/>
-          <a:p>
-            <a:pPr lvl="0" rtl="0">
-              <a:spcBef>
-                <a:spcPts val="0"/>
-              </a:spcBef>
-              <a:buNone/>
-            </a:pPr>
-            <a:fld id="{00000000-1234-1234-1234-123412341234}" type="slidenum">
-              <a:rPr lang="ca"/>
-              <a:t>‹#›</a:t>
-            </a:fld>
-          </a:p>
-        </p:txBody>
-      </p:sp>
+              <a:rPr lang="ca">
+                <a:solidFill>
+                  <a:srgbClr val="FFFFFF"/>
+                </a:solidFill>
+                <a:latin typeface="Open Sans"/>
+                <a:ea typeface="Open Sans"/>
+                <a:cs typeface="Open Sans"/>
+                <a:sym typeface="Open Sans"/>
+              </a:rPr>
+              <a:t>Introducció a        </a:t>
+            </a:r>
+          </a:p>
+        </p:txBody>
+      </p:sp>
+      <p:pic>
+        <p:nvPicPr>
+          <p:cNvPr id="72" name="Shape 72"/>
+          <p:cNvPicPr preferRelativeResize="0"/>
+          <p:nvPr/>
+        </p:nvPicPr>
+        <p:blipFill>
+          <a:blip r:embed="rId5">
+            <a:alphaModFix/>
+          </a:blip>
+          <a:stretch>
+            <a:fillRect/>
+          </a:stretch>
+        </p:blipFill>
+        <p:spPr>
+          <a:xfrm>
+            <a:off x="5448502" y="4311400"/>
+            <a:ext cx="840775" cy="351600"/>
+          </a:xfrm>
+          <a:prstGeom prst="rect">
+            <a:avLst/>
+          </a:prstGeom>
+          <a:noFill/>
+          <a:ln>
+            <a:noFill/>
+          </a:ln>
+        </p:spPr>
+      </p:pic>
     </p:spTree>
   </p:cSld>
   <p:clrMapOvr>
@@ -7303,7 +7377,7 @@
   <p:cSld>
     <p:spTree>
       <p:nvGrpSpPr>
-        <p:cNvPr id="155" name="Shape 155"/>
+        <p:cNvPr id="156" name="Shape 156"/>
         <p:cNvGrpSpPr/>
         <p:nvPr/>
       </p:nvGrpSpPr>
@@ -7317,16 +7391,16 @@
       </p:grpSpPr>
       <p:sp>
         <p:nvSpPr>
-          <p:cNvPr id="156" name="Shape 156"/>
-          <p:cNvSpPr txBox="1"/>
-          <p:nvPr>
-            <p:ph type="title"/>
-          </p:nvPr>
-        </p:nvSpPr>
-        <p:spPr>
-          <a:xfrm>
-            <a:off x="311700" y="274721"/>
-            <a:ext cx="8520599" cy="6196199"/>
+          <p:cNvPr id="157" name="Shape 157"/>
+          <p:cNvSpPr txBox="1"/>
+          <p:nvPr>
+            <p:ph idx="1" type="body"/>
+          </p:nvPr>
+        </p:nvSpPr>
+        <p:spPr>
+          <a:xfrm>
+            <a:off x="311650" y="1506008"/>
+            <a:ext cx="8520599" cy="4555199"/>
           </a:xfrm>
           <a:prstGeom prst="rect">
             <a:avLst/>
@@ -7338,22 +7412,89 @@
           </a:bodyPr>
           <a:lstStyle/>
           <a:p>
-            <a:pPr lvl="0" rtl="0">
-              <a:spcBef>
-                <a:spcPts val="0"/>
-              </a:spcBef>
-              <a:buNone/>
-            </a:pPr>
-            <a:r>
-              <a:rPr lang="ca" sz="6000"/>
-              <a:t>Arquitectura</a:t>
-            </a:r>
-          </a:p>
-        </p:txBody>
-      </p:sp>
-      <p:sp>
-        <p:nvSpPr>
-          <p:cNvPr id="157" name="Shape 157"/>
+            <a:pPr indent="-419100" lvl="0" marL="457200" rtl="0">
+              <a:lnSpc>
+                <a:spcPct val="150000"/>
+              </a:lnSpc>
+              <a:spcBef>
+                <a:spcPts val="1000"/>
+              </a:spcBef>
+              <a:spcAft>
+                <a:spcPts val="1000"/>
+              </a:spcAft>
+              <a:buClr>
+                <a:schemeClr val="dk1"/>
+              </a:buClr>
+              <a:buSzPct val="100000"/>
+            </a:pPr>
+            <a:r>
+              <a:rPr lang="ca" sz="3000">
+                <a:solidFill>
+                  <a:schemeClr val="dk1"/>
+                </a:solidFill>
+              </a:rPr>
+              <a:t>Fàcil afegir - molt difícil esborrar/perdre</a:t>
+            </a:r>
+          </a:p>
+          <a:p>
+            <a:pPr indent="-419100" lvl="0" marL="457200" rtl="0">
+              <a:lnSpc>
+                <a:spcPct val="150000"/>
+              </a:lnSpc>
+              <a:spcBef>
+                <a:spcPts val="1000"/>
+              </a:spcBef>
+              <a:spcAft>
+                <a:spcPts val="1000"/>
+              </a:spcAft>
+              <a:buSzPct val="100000"/>
+            </a:pPr>
+            <a:r>
+              <a:rPr lang="ca" sz="3000"/>
+              <a:t>Workflow lliure</a:t>
+            </a:r>
+          </a:p>
+          <a:p>
+            <a:pPr indent="-419100" lvl="0" marL="457200" rtl="0">
+              <a:lnSpc>
+                <a:spcPct val="150000"/>
+              </a:lnSpc>
+              <a:spcBef>
+                <a:spcPts val="1000"/>
+              </a:spcBef>
+              <a:spcAft>
+                <a:spcPts val="1000"/>
+              </a:spcAft>
+              <a:buSzPct val="100000"/>
+            </a:pPr>
+            <a:r>
+              <a:rPr lang="ca" sz="3000"/>
+              <a:t>Control absolut del commit</a:t>
+            </a:r>
+          </a:p>
+          <a:p>
+            <a:pPr indent="-419100" lvl="0" marL="457200" rtl="0">
+              <a:lnSpc>
+                <a:spcPct val="150000"/>
+              </a:lnSpc>
+              <a:spcBef>
+                <a:spcPts val="1000"/>
+              </a:spcBef>
+              <a:spcAft>
+                <a:spcPts val="1000"/>
+              </a:spcAft>
+              <a:buSzPct val="100000"/>
+            </a:pPr>
+            <a:r>
+              <a:rPr lang="ca" sz="3000"/>
+              <a:t>Gran comunitat darrera de git</a:t>
+            </a:r>
+          </a:p>
+        </p:txBody>
+      </p:sp>
+      <p:sp>
+        <p:nvSpPr>
+          <p:cNvPr id="158" name="Shape 158"/>
           <p:cNvSpPr txBox="1"/>
           <p:nvPr>
             <p:ph idx="12" type="sldNum"/>
@@ -7361,8 +7502,8 @@
         </p:nvSpPr>
         <p:spPr>
           <a:xfrm>
-            <a:off x="8472457" y="6217622"/>
-            <a:ext cx="548699" cy="524699"/>
+            <a:off x="8472457" y="8290163"/>
+            <a:ext cx="548699" cy="699599"/>
           </a:xfrm>
           <a:prstGeom prst="rect">
             <a:avLst/>
@@ -7381,11 +7522,103 @@
               <a:buNone/>
             </a:pPr>
             <a:fld id="{00000000-1234-1234-1234-123412341234}" type="slidenum">
-              <a:rPr lang="ca">
-                <a:solidFill>
-                  <a:schemeClr val="lt1"/>
-                </a:solidFill>
-              </a:rPr>
+              <a:rPr lang="ca"/>
+              <a:t>‹#›</a:t>
+            </a:fld>
+          </a:p>
+        </p:txBody>
+      </p:sp>
+      <p:sp>
+        <p:nvSpPr>
+          <p:cNvPr id="159" name="Shape 159"/>
+          <p:cNvSpPr txBox="1"/>
+          <p:nvPr>
+            <p:ph type="title"/>
+          </p:nvPr>
+        </p:nvSpPr>
+        <p:spPr>
+          <a:xfrm>
+            <a:off x="311650" y="123291"/>
+            <a:ext cx="8520599" cy="763500"/>
+          </a:xfrm>
+          <a:prstGeom prst="rect">
+            <a:avLst/>
+          </a:prstGeom>
+        </p:spPr>
+        <p:txBody>
+          <a:bodyPr anchorCtr="0" anchor="t" bIns="91425" lIns="91425" rIns="91425" tIns="91425">
+            <a:noAutofit/>
+          </a:bodyPr>
+          <a:lstStyle/>
+          <a:p>
+            <a:pPr lvl="0" rtl="0">
+              <a:spcBef>
+                <a:spcPts val="0"/>
+              </a:spcBef>
+              <a:buNone/>
+            </a:pPr>
+            <a:r>
+              <a:rPr lang="ca"/>
+              <a:t>Per què git?</a:t>
+            </a:r>
+          </a:p>
+          <a:p>
+            <a:pPr lvl="0" rtl="0">
+              <a:spcBef>
+                <a:spcPts val="0"/>
+              </a:spcBef>
+              <a:buNone/>
+            </a:pPr>
+            <a:r>
+              <a:t/>
+            </a:r>
+            <a:endParaRPr/>
+          </a:p>
+          <a:p>
+            <a:pPr lvl="0" rtl="0">
+              <a:spcBef>
+                <a:spcPts val="0"/>
+              </a:spcBef>
+              <a:buNone/>
+            </a:pPr>
+            <a:r>
+              <a:t/>
+            </a:r>
+            <a:endParaRPr/>
+          </a:p>
+        </p:txBody>
+      </p:sp>
+      <p:sp>
+        <p:nvSpPr>
+          <p:cNvPr id="160" name="Shape 160"/>
+          <p:cNvSpPr txBox="1"/>
+          <p:nvPr>
+            <p:ph idx="2" type="sldNum"/>
+          </p:nvPr>
+        </p:nvSpPr>
+        <p:spPr>
+          <a:xfrm>
+            <a:off x="8472457" y="6217622"/>
+            <a:ext cx="548699" cy="524699"/>
+          </a:xfrm>
+          <a:prstGeom prst="rect">
+            <a:avLst/>
+          </a:prstGeom>
+        </p:spPr>
+        <p:txBody>
+          <a:bodyPr anchorCtr="0" anchor="ctr" bIns="91425" lIns="91425" rIns="91425" tIns="91425">
+            <a:noAutofit/>
+          </a:bodyPr>
+          <a:lstStyle/>
+          <a:p>
+            <a:pPr lvl="0" rtl="0">
+              <a:spcBef>
+                <a:spcPts val="0"/>
+              </a:spcBef>
+              <a:buNone/>
+            </a:pPr>
+            <a:fld id="{00000000-1234-1234-1234-123412341234}" type="slidenum">
+              <a:rPr lang="ca"/>
               <a:t>‹#›</a:t>
             </a:fld>
           </a:p>
@@ -7407,7 +7640,7 @@
   <p:cSld>
     <p:spTree>
       <p:nvGrpSpPr>
-        <p:cNvPr id="161" name="Shape 161"/>
+        <p:cNvPr id="164" name="Shape 164"/>
         <p:cNvGrpSpPr/>
         <p:nvPr/>
       </p:nvGrpSpPr>
@@ -7421,16 +7654,16 @@
       </p:grpSpPr>
       <p:sp>
         <p:nvSpPr>
-          <p:cNvPr id="162" name="Shape 162"/>
-          <p:cNvSpPr txBox="1"/>
-          <p:nvPr>
-            <p:ph idx="12" type="sldNum"/>
-          </p:nvPr>
-        </p:nvSpPr>
-        <p:spPr>
-          <a:xfrm>
-            <a:off x="8472457" y="8290163"/>
-            <a:ext cx="548699" cy="699599"/>
+          <p:cNvPr id="165" name="Shape 165"/>
+          <p:cNvSpPr txBox="1"/>
+          <p:nvPr>
+            <p:ph type="title"/>
+          </p:nvPr>
+        </p:nvSpPr>
+        <p:spPr>
+          <a:xfrm>
+            <a:off x="311700" y="274721"/>
+            <a:ext cx="8520599" cy="6196199"/>
           </a:xfrm>
           <a:prstGeom prst="rect">
             <a:avLst/>
@@ -7448,79 +7681,19 @@
               </a:spcBef>
               <a:buNone/>
             </a:pPr>
-            <a:fld id="{00000000-1234-1234-1234-123412341234}" type="slidenum">
-              <a:rPr lang="ca"/>
-              <a:t>‹#›</a:t>
-            </a:fld>
-          </a:p>
-        </p:txBody>
-      </p:sp>
-      <p:sp>
-        <p:nvSpPr>
-          <p:cNvPr id="163" name="Shape 163"/>
-          <p:cNvSpPr txBox="1"/>
-          <p:nvPr>
-            <p:ph type="title"/>
-          </p:nvPr>
-        </p:nvSpPr>
-        <p:spPr>
-          <a:xfrm>
-            <a:off x="311650" y="123291"/>
-            <a:ext cx="8520599" cy="763500"/>
-          </a:xfrm>
-          <a:prstGeom prst="rect">
-            <a:avLst/>
-          </a:prstGeom>
-        </p:spPr>
-        <p:txBody>
-          <a:bodyPr anchorCtr="0" anchor="t" bIns="91425" lIns="91425" rIns="91425" tIns="91425">
-            <a:noAutofit/>
-          </a:bodyPr>
-          <a:lstStyle/>
-          <a:p>
-            <a:pPr lvl="0" rtl="0">
-              <a:spcBef>
-                <a:spcPts val="0"/>
-              </a:spcBef>
-              <a:buNone/>
-            </a:pPr>
-            <a:r>
-              <a:rPr lang="ca"/>
+            <a:r>
+              <a:rPr lang="ca" sz="6000"/>
               <a:t>Arquitectura</a:t>
             </a:r>
           </a:p>
-          <a:p>
-            <a:pPr lvl="0" rtl="0">
-              <a:spcBef>
-                <a:spcPts val="0"/>
-              </a:spcBef>
-              <a:buNone/>
-            </a:pPr>
-            <a:r>
-              <a:t/>
-            </a:r>
-            <a:endParaRPr/>
-          </a:p>
-          <a:p>
-            <a:pPr lvl="0" rtl="0">
-              <a:spcBef>
-                <a:spcPts val="0"/>
-              </a:spcBef>
-              <a:buNone/>
-            </a:pPr>
-            <a:r>
-              <a:t/>
-            </a:r>
-            <a:endParaRPr/>
-          </a:p>
-        </p:txBody>
-      </p:sp>
-      <p:sp>
-        <p:nvSpPr>
-          <p:cNvPr id="164" name="Shape 164"/>
-          <p:cNvSpPr txBox="1"/>
-          <p:nvPr>
-            <p:ph idx="2" type="sldNum"/>
+        </p:txBody>
+      </p:sp>
+      <p:sp>
+        <p:nvSpPr>
+          <p:cNvPr id="166" name="Shape 166"/>
+          <p:cNvSpPr txBox="1"/>
+          <p:nvPr>
+            <p:ph idx="12" type="sldNum"/>
           </p:nvPr>
         </p:nvSpPr>
         <p:spPr>
@@ -7545,40 +7718,16 @@
               <a:buNone/>
             </a:pPr>
             <a:fld id="{00000000-1234-1234-1234-123412341234}" type="slidenum">
-              <a:rPr lang="ca"/>
+              <a:rPr lang="ca">
+                <a:solidFill>
+                  <a:schemeClr val="lt1"/>
+                </a:solidFill>
+              </a:rPr>
               <a:t>‹#›</a:t>
             </a:fld>
           </a:p>
         </p:txBody>
       </p:sp>
-      <p:pic>
-        <p:nvPicPr>
-          <p:cNvPr id="165" name="Shape 165"/>
-          <p:cNvPicPr preferRelativeResize="0"/>
-          <p:nvPr/>
-        </p:nvPicPr>
-        <p:blipFill>
-          <a:blip r:embed="rId3">
-            <a:alphaModFix/>
-          </a:blip>
-          <a:stretch>
-            <a:fillRect/>
-          </a:stretch>
-        </p:blipFill>
-        <p:spPr>
-          <a:xfrm>
-            <a:off x="753837" y="1466399"/>
-            <a:ext cx="7636224" cy="5008100"/>
-          </a:xfrm>
-          <a:prstGeom prst="rect">
-            <a:avLst/>
-          </a:prstGeom>
-          <a:noFill/>
-          <a:ln>
-            <a:noFill/>
-          </a:ln>
-        </p:spPr>
-      </p:pic>
     </p:spTree>
   </p:cSld>
   <p:clrMapOvr>
@@ -7595,7 +7744,7 @@
   <p:cSld>
     <p:spTree>
       <p:nvGrpSpPr>
-        <p:cNvPr id="169" name="Shape 169"/>
+        <p:cNvPr id="170" name="Shape 170"/>
         <p:cNvGrpSpPr/>
         <p:nvPr/>
       </p:nvGrpSpPr>
@@ -7609,16 +7758,16 @@
       </p:grpSpPr>
       <p:sp>
         <p:nvSpPr>
-          <p:cNvPr id="170" name="Shape 170"/>
-          <p:cNvSpPr txBox="1"/>
-          <p:nvPr>
-            <p:ph type="title"/>
-          </p:nvPr>
-        </p:nvSpPr>
-        <p:spPr>
-          <a:xfrm>
-            <a:off x="311700" y="274721"/>
-            <a:ext cx="8520599" cy="6196199"/>
+          <p:cNvPr id="171" name="Shape 171"/>
+          <p:cNvSpPr txBox="1"/>
+          <p:nvPr>
+            <p:ph idx="12" type="sldNum"/>
+          </p:nvPr>
+        </p:nvSpPr>
+        <p:spPr>
+          <a:xfrm>
+            <a:off x="8472457" y="8290163"/>
+            <a:ext cx="548699" cy="699599"/>
           </a:xfrm>
           <a:prstGeom prst="rect">
             <a:avLst/>
@@ -7636,19 +7785,79 @@
               </a:spcBef>
               <a:buNone/>
             </a:pPr>
-            <a:r>
-              <a:rPr lang="ca" sz="6000"/>
-              <a:t>Primers passos</a:t>
-            </a:r>
-          </a:p>
-        </p:txBody>
-      </p:sp>
-      <p:sp>
-        <p:nvSpPr>
-          <p:cNvPr id="171" name="Shape 171"/>
-          <p:cNvSpPr txBox="1"/>
-          <p:nvPr>
-            <p:ph idx="12" type="sldNum"/>
+            <a:fld id="{00000000-1234-1234-1234-123412341234}" type="slidenum">
+              <a:rPr lang="ca"/>
+              <a:t>‹#›</a:t>
+            </a:fld>
+          </a:p>
+        </p:txBody>
+      </p:sp>
+      <p:sp>
+        <p:nvSpPr>
+          <p:cNvPr id="172" name="Shape 172"/>
+          <p:cNvSpPr txBox="1"/>
+          <p:nvPr>
+            <p:ph type="title"/>
+          </p:nvPr>
+        </p:nvSpPr>
+        <p:spPr>
+          <a:xfrm>
+            <a:off x="311650" y="123291"/>
+            <a:ext cx="8520599" cy="763500"/>
+          </a:xfrm>
+          <a:prstGeom prst="rect">
+            <a:avLst/>
+          </a:prstGeom>
+        </p:spPr>
+        <p:txBody>
+          <a:bodyPr anchorCtr="0" anchor="t" bIns="91425" lIns="91425" rIns="91425" tIns="91425">
+            <a:noAutofit/>
+          </a:bodyPr>
+          <a:lstStyle/>
+          <a:p>
+            <a:pPr lvl="0" rtl="0">
+              <a:spcBef>
+                <a:spcPts val="0"/>
+              </a:spcBef>
+              <a:buNone/>
+            </a:pPr>
+            <a:r>
+              <a:rPr lang="ca"/>
+              <a:t>Arquitectura</a:t>
+            </a:r>
+          </a:p>
+          <a:p>
+            <a:pPr lvl="0" rtl="0">
+              <a:spcBef>
+                <a:spcPts val="0"/>
+              </a:spcBef>
+              <a:buNone/>
+            </a:pPr>
+            <a:r>
+              <a:t/>
+            </a:r>
+            <a:endParaRPr/>
+          </a:p>
+          <a:p>
+            <a:pPr lvl="0" rtl="0">
+              <a:spcBef>
+                <a:spcPts val="0"/>
+              </a:spcBef>
+              <a:buNone/>
+            </a:pPr>
+            <a:r>
+              <a:t/>
+            </a:r>
+            <a:endParaRPr/>
+          </a:p>
+        </p:txBody>
+      </p:sp>
+      <p:sp>
+        <p:nvSpPr>
+          <p:cNvPr id="173" name="Shape 173"/>
+          <p:cNvSpPr txBox="1"/>
+          <p:nvPr>
+            <p:ph idx="2" type="sldNum"/>
           </p:nvPr>
         </p:nvSpPr>
         <p:spPr>
@@ -7673,16 +7882,40 @@
               <a:buNone/>
             </a:pPr>
             <a:fld id="{00000000-1234-1234-1234-123412341234}" type="slidenum">
-              <a:rPr lang="ca">
-                <a:solidFill>
-                  <a:schemeClr val="lt1"/>
-                </a:solidFill>
-              </a:rPr>
+              <a:rPr lang="ca"/>
               <a:t>‹#›</a:t>
             </a:fld>
           </a:p>
         </p:txBody>
       </p:sp>
+      <p:pic>
+        <p:nvPicPr>
+          <p:cNvPr id="174" name="Shape 174"/>
+          <p:cNvPicPr preferRelativeResize="0"/>
+          <p:nvPr/>
+        </p:nvPicPr>
+        <p:blipFill>
+          <a:blip r:embed="rId3">
+            <a:alphaModFix/>
+          </a:blip>
+          <a:stretch>
+            <a:fillRect/>
+          </a:stretch>
+        </p:blipFill>
+        <p:spPr>
+          <a:xfrm>
+            <a:off x="753837" y="1466399"/>
+            <a:ext cx="7636224" cy="5008100"/>
+          </a:xfrm>
+          <a:prstGeom prst="rect">
+            <a:avLst/>
+          </a:prstGeom>
+          <a:noFill/>
+          <a:ln>
+            <a:noFill/>
+          </a:ln>
+        </p:spPr>
+      </p:pic>
     </p:spTree>
   </p:cSld>
   <p:clrMapOvr>
@@ -7699,7 +7932,7 @@
   <p:cSld>
     <p:spTree>
       <p:nvGrpSpPr>
-        <p:cNvPr id="175" name="Shape 175"/>
+        <p:cNvPr id="178" name="Shape 178"/>
         <p:cNvGrpSpPr/>
         <p:nvPr/>
       </p:nvGrpSpPr>
@@ -7713,16 +7946,16 @@
       </p:grpSpPr>
       <p:sp>
         <p:nvSpPr>
-          <p:cNvPr id="176" name="Shape 176"/>
-          <p:cNvSpPr txBox="1"/>
-          <p:nvPr>
-            <p:ph idx="1" type="body"/>
-          </p:nvPr>
-        </p:nvSpPr>
-        <p:spPr>
-          <a:xfrm>
-            <a:off x="311650" y="1506008"/>
-            <a:ext cx="8520599" cy="4555199"/>
+          <p:cNvPr id="179" name="Shape 179"/>
+          <p:cNvSpPr txBox="1"/>
+          <p:nvPr>
+            <p:ph type="title"/>
+          </p:nvPr>
+        </p:nvSpPr>
+        <p:spPr>
+          <a:xfrm>
+            <a:off x="311700" y="274721"/>
+            <a:ext cx="8520599" cy="6196199"/>
           </a:xfrm>
           <a:prstGeom prst="rect">
             <a:avLst/>
@@ -7735,113 +7968,21 @@
           <a:lstStyle/>
           <a:p>
             <a:pPr lvl="0" rtl="0">
-              <a:lnSpc>
-                <a:spcPct val="150000"/>
-              </a:lnSpc>
-              <a:spcBef>
-                <a:spcPts val="1000"/>
-              </a:spcBef>
-              <a:spcAft>
-                <a:spcPts val="1000"/>
-              </a:spcAft>
-              <a:buNone/>
-            </a:pPr>
-            <a:r>
-              <a:rPr lang="ca" sz="3000">
-                <a:solidFill>
-                  <a:schemeClr val="dk1"/>
-                </a:solidFill>
-                <a:latin typeface="Consolas"/>
-                <a:ea typeface="Consolas"/>
-                <a:cs typeface="Consolas"/>
-                <a:sym typeface="Consolas"/>
-              </a:rPr>
-              <a:t>$ cd path/al/nou/repo</a:t>
-            </a:r>
-          </a:p>
-          <a:p>
-            <a:pPr lvl="0" rtl="0">
-              <a:lnSpc>
-                <a:spcPct val="150000"/>
-              </a:lnSpc>
-              <a:spcBef>
-                <a:spcPts val="1000"/>
-              </a:spcBef>
-              <a:spcAft>
-                <a:spcPts val="1000"/>
-              </a:spcAft>
-              <a:buNone/>
-            </a:pPr>
-            <a:r>
-              <a:rPr lang="ca" sz="3000">
-                <a:solidFill>
-                  <a:schemeClr val="dk1"/>
-                </a:solidFill>
-                <a:latin typeface="Consolas"/>
-                <a:ea typeface="Consolas"/>
-                <a:cs typeface="Consolas"/>
-                <a:sym typeface="Consolas"/>
-              </a:rPr>
-              <a:t>$ git init</a:t>
-            </a:r>
-          </a:p>
-          <a:p>
-            <a:pPr lvl="0" rtl="0">
-              <a:lnSpc>
-                <a:spcPct val="150000"/>
-              </a:lnSpc>
-              <a:spcBef>
-                <a:spcPts val="1000"/>
-              </a:spcBef>
-              <a:spcAft>
-                <a:spcPts val="1000"/>
-              </a:spcAft>
-              <a:buNone/>
-            </a:pPr>
-            <a:r>
-              <a:t/>
-            </a:r>
-            <a:endParaRPr sz="3000">
-              <a:solidFill>
-                <a:schemeClr val="dk1"/>
-              </a:solidFill>
-              <a:latin typeface="Consolas"/>
-              <a:ea typeface="Consolas"/>
-              <a:cs typeface="Consolas"/>
-              <a:sym typeface="Consolas"/>
-            </a:endParaRPr>
-          </a:p>
-          <a:p>
-            <a:pPr lvl="0" rtl="0">
-              <a:lnSpc>
-                <a:spcPct val="150000"/>
-              </a:lnSpc>
-              <a:spcBef>
-                <a:spcPts val="1000"/>
-              </a:spcBef>
-              <a:spcAft>
-                <a:spcPts val="1000"/>
-              </a:spcAft>
-              <a:buNone/>
-            </a:pPr>
-            <a:r>
-              <a:rPr lang="ca" sz="3000">
-                <a:solidFill>
-                  <a:schemeClr val="dk1"/>
-                </a:solidFill>
-                <a:latin typeface="Consolas"/>
-                <a:ea typeface="Consolas"/>
-                <a:cs typeface="Consolas"/>
-                <a:sym typeface="Consolas"/>
-              </a:rPr>
-              <a:t>$ git remote add origin https://… </a:t>
-            </a:r>
-          </a:p>
-        </p:txBody>
-      </p:sp>
-      <p:sp>
-        <p:nvSpPr>
-          <p:cNvPr id="177" name="Shape 177"/>
+              <a:spcBef>
+                <a:spcPts val="0"/>
+              </a:spcBef>
+              <a:buNone/>
+            </a:pPr>
+            <a:r>
+              <a:rPr lang="ca" sz="6000"/>
+              <a:t>Primers passos</a:t>
+            </a:r>
+          </a:p>
+        </p:txBody>
+      </p:sp>
+      <p:sp>
+        <p:nvSpPr>
+          <p:cNvPr id="180" name="Shape 180"/>
           <p:cNvSpPr txBox="1"/>
           <p:nvPr>
             <p:ph idx="12" type="sldNum"/>
@@ -7849,8 +7990,8 @@
         </p:nvSpPr>
         <p:spPr>
           <a:xfrm>
-            <a:off x="8472457" y="8290163"/>
-            <a:ext cx="548699" cy="699599"/>
+            <a:off x="8472457" y="6217622"/>
+            <a:ext cx="548699" cy="524699"/>
           </a:xfrm>
           <a:prstGeom prst="rect">
             <a:avLst/>
@@ -7869,197 +8010,13 @@
               <a:buNone/>
             </a:pPr>
             <a:fld id="{00000000-1234-1234-1234-123412341234}" type="slidenum">
-              <a:rPr lang="ca"/>
+              <a:rPr lang="ca">
+                <a:solidFill>
+                  <a:schemeClr val="lt1"/>
+                </a:solidFill>
+              </a:rPr>
               <a:t>‹#›</a:t>
             </a:fld>
-          </a:p>
-        </p:txBody>
-      </p:sp>
-      <p:sp>
-        <p:nvSpPr>
-          <p:cNvPr id="178" name="Shape 178"/>
-          <p:cNvSpPr txBox="1"/>
-          <p:nvPr>
-            <p:ph type="title"/>
-          </p:nvPr>
-        </p:nvSpPr>
-        <p:spPr>
-          <a:xfrm>
-            <a:off x="311650" y="123291"/>
-            <a:ext cx="8520599" cy="763500"/>
-          </a:xfrm>
-          <a:prstGeom prst="rect">
-            <a:avLst/>
-          </a:prstGeom>
-        </p:spPr>
-        <p:txBody>
-          <a:bodyPr anchorCtr="0" anchor="t" bIns="91425" lIns="91425" rIns="91425" tIns="91425">
-            <a:noAutofit/>
-          </a:bodyPr>
-          <a:lstStyle/>
-          <a:p>
-            <a:pPr lvl="0" rtl="0">
-              <a:spcBef>
-                <a:spcPts val="0"/>
-              </a:spcBef>
-              <a:buNone/>
-            </a:pPr>
-            <a:r>
-              <a:rPr lang="ca"/>
-              <a:t>Primers passos</a:t>
-            </a:r>
-          </a:p>
-          <a:p>
-            <a:pPr lvl="0" rtl="0">
-              <a:spcBef>
-                <a:spcPts val="0"/>
-              </a:spcBef>
-              <a:buNone/>
-            </a:pPr>
-            <a:r>
-              <a:t/>
-            </a:r>
-            <a:endParaRPr/>
-          </a:p>
-          <a:p>
-            <a:pPr lvl="0" rtl="0">
-              <a:spcBef>
-                <a:spcPts val="0"/>
-              </a:spcBef>
-              <a:buNone/>
-            </a:pPr>
-            <a:r>
-              <a:t/>
-            </a:r>
-            <a:endParaRPr/>
-          </a:p>
-        </p:txBody>
-      </p:sp>
-      <p:sp>
-        <p:nvSpPr>
-          <p:cNvPr id="179" name="Shape 179"/>
-          <p:cNvSpPr txBox="1"/>
-          <p:nvPr>
-            <p:ph idx="2" type="sldNum"/>
-          </p:nvPr>
-        </p:nvSpPr>
-        <p:spPr>
-          <a:xfrm>
-            <a:off x="8472457" y="6217622"/>
-            <a:ext cx="548699" cy="524699"/>
-          </a:xfrm>
-          <a:prstGeom prst="rect">
-            <a:avLst/>
-          </a:prstGeom>
-        </p:spPr>
-        <p:txBody>
-          <a:bodyPr anchorCtr="0" anchor="ctr" bIns="91425" lIns="91425" rIns="91425" tIns="91425">
-            <a:noAutofit/>
-          </a:bodyPr>
-          <a:lstStyle/>
-          <a:p>
-            <a:pPr lvl="0" rtl="0">
-              <a:spcBef>
-                <a:spcPts val="0"/>
-              </a:spcBef>
-              <a:buNone/>
-            </a:pPr>
-            <a:fld id="{00000000-1234-1234-1234-123412341234}" type="slidenum">
-              <a:rPr lang="ca"/>
-              <a:t>‹#›</a:t>
-            </a:fld>
-          </a:p>
-        </p:txBody>
-      </p:sp>
-      <p:sp>
-        <p:nvSpPr>
-          <p:cNvPr id="180" name="Shape 180"/>
-          <p:cNvSpPr txBox="1"/>
-          <p:nvPr/>
-        </p:nvSpPr>
-        <p:spPr>
-          <a:xfrm>
-            <a:off x="723100" y="5361600"/>
-            <a:ext cx="7671900" cy="699599"/>
-          </a:xfrm>
-          <a:prstGeom prst="rect">
-            <a:avLst/>
-          </a:prstGeom>
-          <a:noFill/>
-          <a:ln>
-            <a:noFill/>
-          </a:ln>
-        </p:spPr>
-        <p:txBody>
-          <a:bodyPr anchorCtr="0" anchor="t" bIns="91425" lIns="91425" rIns="91425" tIns="91425">
-            <a:noAutofit/>
-          </a:bodyPr>
-          <a:lstStyle/>
-          <a:p>
-            <a:pPr lvl="0" rtl="0">
-              <a:spcBef>
-                <a:spcPts val="0"/>
-              </a:spcBef>
-              <a:buNone/>
-            </a:pPr>
-            <a:r>
-              <a:rPr lang="ca" sz="2400">
-                <a:solidFill>
-                  <a:srgbClr val="666666"/>
-                </a:solidFill>
-                <a:latin typeface="Open Sans"/>
-                <a:ea typeface="Open Sans"/>
-                <a:cs typeface="Open Sans"/>
-                <a:sym typeface="Open Sans"/>
-              </a:rPr>
-              <a:t>→ S’afegeix el servidor al projecte amb el nom origin</a:t>
-            </a:r>
-          </a:p>
-        </p:txBody>
-      </p:sp>
-      <p:sp>
-        <p:nvSpPr>
-          <p:cNvPr id="181" name="Shape 181"/>
-          <p:cNvSpPr txBox="1"/>
-          <p:nvPr/>
-        </p:nvSpPr>
-        <p:spPr>
-          <a:xfrm>
-            <a:off x="723100" y="3617050"/>
-            <a:ext cx="6916199" cy="763500"/>
-          </a:xfrm>
-          <a:prstGeom prst="rect">
-            <a:avLst/>
-          </a:prstGeom>
-          <a:noFill/>
-          <a:ln>
-            <a:noFill/>
-          </a:ln>
-        </p:spPr>
-        <p:txBody>
-          <a:bodyPr anchorCtr="0" anchor="t" bIns="91425" lIns="91425" rIns="91425" tIns="91425">
-            <a:noAutofit/>
-          </a:bodyPr>
-          <a:lstStyle/>
-          <a:p>
-            <a:pPr lvl="0" rtl="0">
-              <a:spcBef>
-                <a:spcPts val="0"/>
-              </a:spcBef>
-              <a:buNone/>
-            </a:pPr>
-            <a:r>
-              <a:rPr lang="ca" sz="2400">
-                <a:solidFill>
-                  <a:srgbClr val="666666"/>
-                </a:solidFill>
-                <a:latin typeface="Open Sans"/>
-                <a:ea typeface="Open Sans"/>
-                <a:cs typeface="Open Sans"/>
-                <a:sym typeface="Open Sans"/>
-              </a:rPr>
-              <a:t>→ Es crea el directori /.git/</a:t>
-            </a:r>
           </a:p>
         </p:txBody>
       </p:sp>
@@ -8071,124 +8028,6 @@
   <p:transition spd="slow">
     <p:cut/>
   </p:transition>
-  <p:timing>
-    <p:tnLst>
-      <p:par>
-        <p:cTn dur="indefinite" nodeType="tmRoot" restart="never">
-          <p:childTnLst>
-            <p:seq concurrent="1" nextAc="seek">
-              <p:cTn dur="indefinite" id="2" nodeType="mainSeq">
-                <p:childTnLst>
-                  <p:par>
-                    <p:cTn fill="hold">
-                      <p:stCondLst>
-                        <p:cond delay="indefinite"/>
-                      </p:stCondLst>
-                      <p:childTnLst>
-                        <p:par>
-                          <p:cTn fill="hold">
-                            <p:stCondLst>
-                              <p:cond delay="0"/>
-                            </p:stCondLst>
-                            <p:childTnLst>
-                              <p:par>
-                                <p:cTn fill="hold" nodeType="clickEffect" presetClass="entr" presetID="10" presetSubtype="0">
-                                  <p:stCondLst>
-                                    <p:cond delay="0"/>
-                                  </p:stCondLst>
-                                  <p:childTnLst>
-                                    <p:set>
-                                      <p:cBhvr>
-                                        <p:cTn dur="1" fill="hold">
-                                          <p:stCondLst>
-                                            <p:cond delay="0"/>
-                                          </p:stCondLst>
-                                        </p:cTn>
-                                        <p:tgtEl>
-                                          <p:spTgt spid="181"/>
-                                        </p:tgtEl>
-                                        <p:attrNameLst>
-                                          <p:attrName>style.visibility</p:attrName>
-                                        </p:attrNameLst>
-                                      </p:cBhvr>
-                                      <p:to>
-                                        <p:strVal val="visible"/>
-                                      </p:to>
-                                    </p:set>
-                                    <p:animEffect filter="fade" transition="in">
-                                      <p:cBhvr>
-                                        <p:cTn dur="1000"/>
-                                        <p:tgtEl>
-                                          <p:spTgt spid="181"/>
-                                        </p:tgtEl>
-                                      </p:cBhvr>
-                                    </p:animEffect>
-                                  </p:childTnLst>
-                                </p:cTn>
-                              </p:par>
-                              <p:par>
-                                <p:cTn fill="hold" nodeType="withEffect" presetClass="entr" presetID="10" presetSubtype="0">
-                                  <p:stCondLst>
-                                    <p:cond delay="0"/>
-                                  </p:stCondLst>
-                                  <p:childTnLst>
-                                    <p:set>
-                                      <p:cBhvr>
-                                        <p:cTn dur="1" fill="hold">
-                                          <p:stCondLst>
-                                            <p:cond delay="0"/>
-                                          </p:stCondLst>
-                                        </p:cTn>
-                                        <p:tgtEl>
-                                          <p:spTgt spid="180"/>
-                                        </p:tgtEl>
-                                        <p:attrNameLst>
-                                          <p:attrName>style.visibility</p:attrName>
-                                        </p:attrNameLst>
-                                      </p:cBhvr>
-                                      <p:to>
-                                        <p:strVal val="visible"/>
-                                      </p:to>
-                                    </p:set>
-                                    <p:animEffect filter="fade" transition="in">
-                                      <p:cBhvr>
-                                        <p:cTn dur="1000"/>
-                                        <p:tgtEl>
-                                          <p:spTgt spid="180"/>
-                                        </p:tgtEl>
-                                      </p:cBhvr>
-                                    </p:animEffect>
-                                  </p:childTnLst>
-                                </p:cTn>
-                              </p:par>
-                            </p:childTnLst>
-                          </p:cTn>
-                        </p:par>
-                      </p:childTnLst>
-                    </p:cTn>
-                  </p:par>
-                </p:childTnLst>
-              </p:cTn>
-              <p:prevCondLst>
-                <p:cond evt="onPrev">
-                  <p:tgtEl>
-                    <p:sldTgt/>
-                  </p:tgtEl>
-                </p:cond>
-              </p:prevCondLst>
-              <p:nextCondLst>
-                <p:cond evt="onNext">
-                  <p:tgtEl>
-                    <p:sldTgt/>
-                  </p:tgtEl>
-                </p:cond>
-              </p:nextCondLst>
-            </p:seq>
-          </p:childTnLst>
-        </p:cTn>
-      </p:par>
-    </p:tnLst>
-  </p:timing>
 </p:sld>
 </file>
 
@@ -8197,7 +8036,7 @@
   <p:cSld>
     <p:spTree>
       <p:nvGrpSpPr>
-        <p:cNvPr id="185" name="Shape 185"/>
+        <p:cNvPr id="184" name="Shape 184"/>
         <p:cNvGrpSpPr/>
         <p:nvPr/>
       </p:nvGrpSpPr>
@@ -8211,151 +8050,7 @@
       </p:grpSpPr>
       <p:sp>
         <p:nvSpPr>
-          <p:cNvPr id="186" name="Shape 186"/>
-          <p:cNvSpPr txBox="1"/>
-          <p:nvPr>
-            <p:ph idx="12" type="sldNum"/>
-          </p:nvPr>
-        </p:nvSpPr>
-        <p:spPr>
-          <a:xfrm>
-            <a:off x="8472457" y="8290163"/>
-            <a:ext cx="548699" cy="699599"/>
-          </a:xfrm>
-          <a:prstGeom prst="rect">
-            <a:avLst/>
-          </a:prstGeom>
-        </p:spPr>
-        <p:txBody>
-          <a:bodyPr anchorCtr="0" anchor="ctr" bIns="91425" lIns="91425" rIns="91425" tIns="91425">
-            <a:noAutofit/>
-          </a:bodyPr>
-          <a:lstStyle/>
-          <a:p>
-            <a:pPr lvl="0" rtl="0">
-              <a:spcBef>
-                <a:spcPts val="0"/>
-              </a:spcBef>
-              <a:buNone/>
-            </a:pPr>
-            <a:fld id="{00000000-1234-1234-1234-123412341234}" type="slidenum">
-              <a:rPr lang="ca"/>
-              <a:t>‹#›</a:t>
-            </a:fld>
-          </a:p>
-        </p:txBody>
-      </p:sp>
-      <p:sp>
-        <p:nvSpPr>
-          <p:cNvPr id="187" name="Shape 187"/>
-          <p:cNvSpPr txBox="1"/>
-          <p:nvPr>
-            <p:ph type="title"/>
-          </p:nvPr>
-        </p:nvSpPr>
-        <p:spPr>
-          <a:xfrm>
-            <a:off x="311650" y="123291"/>
-            <a:ext cx="8520599" cy="763500"/>
-          </a:xfrm>
-          <a:prstGeom prst="rect">
-            <a:avLst/>
-          </a:prstGeom>
-        </p:spPr>
-        <p:txBody>
-          <a:bodyPr anchorCtr="0" anchor="t" bIns="91425" lIns="91425" rIns="91425" tIns="91425">
-            <a:noAutofit/>
-          </a:bodyPr>
-          <a:lstStyle/>
-          <a:p>
-            <a:pPr lvl="0" rtl="0">
-              <a:spcBef>
-                <a:spcPts val="0"/>
-              </a:spcBef>
-              <a:buNone/>
-            </a:pPr>
-            <a:r>
-              <a:rPr lang="ca"/>
-              <a:t>Primers passos</a:t>
-            </a:r>
-          </a:p>
-          <a:p>
-            <a:pPr lvl="0" rtl="0">
-              <a:spcBef>
-                <a:spcPts val="0"/>
-              </a:spcBef>
-              <a:buNone/>
-            </a:pPr>
-            <a:r>
-              <a:t/>
-            </a:r>
-            <a:endParaRPr/>
-          </a:p>
-          <a:p>
-            <a:pPr lvl="0" rtl="0">
-              <a:spcBef>
-                <a:spcPts val="0"/>
-              </a:spcBef>
-              <a:buNone/>
-            </a:pPr>
-            <a:r>
-              <a:t/>
-            </a:r>
-            <a:endParaRPr/>
-          </a:p>
-          <a:p>
-            <a:pPr lvl="0" rtl="0">
-              <a:spcBef>
-                <a:spcPts val="0"/>
-              </a:spcBef>
-              <a:buNone/>
-            </a:pPr>
-            <a:r>
-              <a:t/>
-            </a:r>
-            <a:endParaRPr/>
-          </a:p>
-        </p:txBody>
-      </p:sp>
-      <p:sp>
-        <p:nvSpPr>
-          <p:cNvPr id="188" name="Shape 188"/>
-          <p:cNvSpPr txBox="1"/>
-          <p:nvPr>
-            <p:ph idx="2" type="sldNum"/>
-          </p:nvPr>
-        </p:nvSpPr>
-        <p:spPr>
-          <a:xfrm>
-            <a:off x="8472457" y="6217622"/>
-            <a:ext cx="548699" cy="524699"/>
-          </a:xfrm>
-          <a:prstGeom prst="rect">
-            <a:avLst/>
-          </a:prstGeom>
-        </p:spPr>
-        <p:txBody>
-          <a:bodyPr anchorCtr="0" anchor="ctr" bIns="91425" lIns="91425" rIns="91425" tIns="91425">
-            <a:noAutofit/>
-          </a:bodyPr>
-          <a:lstStyle/>
-          <a:p>
-            <a:pPr lvl="0" rtl="0">
-              <a:spcBef>
-                <a:spcPts val="0"/>
-              </a:spcBef>
-              <a:buNone/>
-            </a:pPr>
-            <a:fld id="{00000000-1234-1234-1234-123412341234}" type="slidenum">
-              <a:rPr lang="ca"/>
-              <a:t>‹#›</a:t>
-            </a:fld>
-          </a:p>
-        </p:txBody>
-      </p:sp>
-      <p:sp>
-        <p:nvSpPr>
-          <p:cNvPr id="189" name="Shape 189"/>
+          <p:cNvPr id="185" name="Shape 185"/>
           <p:cNvSpPr txBox="1"/>
           <p:nvPr>
             <p:ph idx="1" type="body"/>
@@ -8398,7 +8093,7 @@
                 <a:cs typeface="Consolas"/>
                 <a:sym typeface="Consolas"/>
               </a:rPr>
-              <a:t>$ cd path/</a:t>
+              <a:t>$ cd path/al/nou/repo</a:t>
             </a:r>
           </a:p>
           <a:p>
@@ -8424,21 +8119,205 @@
                 <a:cs typeface="Consolas"/>
                 <a:sym typeface="Consolas"/>
               </a:rPr>
-              <a:t>$ git clone https://...</a:t>
-            </a:r>
-          </a:p>
-        </p:txBody>
-      </p:sp>
-      <p:sp>
-        <p:nvSpPr>
-          <p:cNvPr id="190" name="Shape 190"/>
+              <a:t>$ git init</a:t>
+            </a:r>
+          </a:p>
+          <a:p>
+            <a:pPr lvl="0" rtl="0">
+              <a:lnSpc>
+                <a:spcPct val="150000"/>
+              </a:lnSpc>
+              <a:spcBef>
+                <a:spcPts val="1000"/>
+              </a:spcBef>
+              <a:spcAft>
+                <a:spcPts val="1000"/>
+              </a:spcAft>
+              <a:buNone/>
+            </a:pPr>
+            <a:r>
+              <a:t/>
+            </a:r>
+            <a:endParaRPr sz="3000">
+              <a:solidFill>
+                <a:schemeClr val="dk1"/>
+              </a:solidFill>
+              <a:latin typeface="Consolas"/>
+              <a:ea typeface="Consolas"/>
+              <a:cs typeface="Consolas"/>
+              <a:sym typeface="Consolas"/>
+            </a:endParaRPr>
+          </a:p>
+          <a:p>
+            <a:pPr lvl="0" rtl="0">
+              <a:lnSpc>
+                <a:spcPct val="150000"/>
+              </a:lnSpc>
+              <a:spcBef>
+                <a:spcPts val="1000"/>
+              </a:spcBef>
+              <a:spcAft>
+                <a:spcPts val="1000"/>
+              </a:spcAft>
+              <a:buNone/>
+            </a:pPr>
+            <a:r>
+              <a:rPr lang="ca" sz="3000">
+                <a:solidFill>
+                  <a:schemeClr val="dk1"/>
+                </a:solidFill>
+                <a:latin typeface="Consolas"/>
+                <a:ea typeface="Consolas"/>
+                <a:cs typeface="Consolas"/>
+                <a:sym typeface="Consolas"/>
+              </a:rPr>
+              <a:t>$ git remote add origin https://… </a:t>
+            </a:r>
+          </a:p>
+        </p:txBody>
+      </p:sp>
+      <p:sp>
+        <p:nvSpPr>
+          <p:cNvPr id="186" name="Shape 186"/>
+          <p:cNvSpPr txBox="1"/>
+          <p:nvPr>
+            <p:ph idx="12" type="sldNum"/>
+          </p:nvPr>
+        </p:nvSpPr>
+        <p:spPr>
+          <a:xfrm>
+            <a:off x="8472457" y="8290163"/>
+            <a:ext cx="548699" cy="699599"/>
+          </a:xfrm>
+          <a:prstGeom prst="rect">
+            <a:avLst/>
+          </a:prstGeom>
+        </p:spPr>
+        <p:txBody>
+          <a:bodyPr anchorCtr="0" anchor="ctr" bIns="91425" lIns="91425" rIns="91425" tIns="91425">
+            <a:noAutofit/>
+          </a:bodyPr>
+          <a:lstStyle/>
+          <a:p>
+            <a:pPr lvl="0" rtl="0">
+              <a:spcBef>
+                <a:spcPts val="0"/>
+              </a:spcBef>
+              <a:buNone/>
+            </a:pPr>
+            <a:fld id="{00000000-1234-1234-1234-123412341234}" type="slidenum">
+              <a:rPr lang="ca"/>
+              <a:t>‹#›</a:t>
+            </a:fld>
+          </a:p>
+        </p:txBody>
+      </p:sp>
+      <p:sp>
+        <p:nvSpPr>
+          <p:cNvPr id="187" name="Shape 187"/>
+          <p:cNvSpPr txBox="1"/>
+          <p:nvPr>
+            <p:ph type="title"/>
+          </p:nvPr>
+        </p:nvSpPr>
+        <p:spPr>
+          <a:xfrm>
+            <a:off x="311650" y="123291"/>
+            <a:ext cx="8520599" cy="763500"/>
+          </a:xfrm>
+          <a:prstGeom prst="rect">
+            <a:avLst/>
+          </a:prstGeom>
+        </p:spPr>
+        <p:txBody>
+          <a:bodyPr anchorCtr="0" anchor="t" bIns="91425" lIns="91425" rIns="91425" tIns="91425">
+            <a:noAutofit/>
+          </a:bodyPr>
+          <a:lstStyle/>
+          <a:p>
+            <a:pPr lvl="0" rtl="0">
+              <a:spcBef>
+                <a:spcPts val="0"/>
+              </a:spcBef>
+              <a:buNone/>
+            </a:pPr>
+            <a:r>
+              <a:rPr lang="ca"/>
+              <a:t>Primers passos</a:t>
+            </a:r>
+          </a:p>
+          <a:p>
+            <a:pPr lvl="0" rtl="0">
+              <a:spcBef>
+                <a:spcPts val="0"/>
+              </a:spcBef>
+              <a:buNone/>
+            </a:pPr>
+            <a:r>
+              <a:t/>
+            </a:r>
+            <a:endParaRPr/>
+          </a:p>
+          <a:p>
+            <a:pPr lvl="0" rtl="0">
+              <a:spcBef>
+                <a:spcPts val="0"/>
+              </a:spcBef>
+              <a:buNone/>
+            </a:pPr>
+            <a:r>
+              <a:t/>
+            </a:r>
+            <a:endParaRPr/>
+          </a:p>
+        </p:txBody>
+      </p:sp>
+      <p:sp>
+        <p:nvSpPr>
+          <p:cNvPr id="188" name="Shape 188"/>
+          <p:cNvSpPr txBox="1"/>
+          <p:nvPr>
+            <p:ph idx="2" type="sldNum"/>
+          </p:nvPr>
+        </p:nvSpPr>
+        <p:spPr>
+          <a:xfrm>
+            <a:off x="8472457" y="6217622"/>
+            <a:ext cx="548699" cy="524699"/>
+          </a:xfrm>
+          <a:prstGeom prst="rect">
+            <a:avLst/>
+          </a:prstGeom>
+        </p:spPr>
+        <p:txBody>
+          <a:bodyPr anchorCtr="0" anchor="ctr" bIns="91425" lIns="91425" rIns="91425" tIns="91425">
+            <a:noAutofit/>
+          </a:bodyPr>
+          <a:lstStyle/>
+          <a:p>
+            <a:pPr lvl="0" rtl="0">
+              <a:spcBef>
+                <a:spcPts val="0"/>
+              </a:spcBef>
+              <a:buNone/>
+            </a:pPr>
+            <a:fld id="{00000000-1234-1234-1234-123412341234}" type="slidenum">
+              <a:rPr lang="ca"/>
+              <a:t>‹#›</a:t>
+            </a:fld>
+          </a:p>
+        </p:txBody>
+      </p:sp>
+      <p:sp>
+        <p:nvSpPr>
+          <p:cNvPr id="189" name="Shape 189"/>
           <p:cNvSpPr txBox="1"/>
           <p:nvPr/>
         </p:nvSpPr>
         <p:spPr>
           <a:xfrm>
-            <a:off x="732825" y="4502275"/>
-            <a:ext cx="6916199" cy="763500"/>
+            <a:off x="723100" y="5361600"/>
+            <a:ext cx="7671900" cy="699599"/>
           </a:xfrm>
           <a:prstGeom prst="rect">
             <a:avLst/>
@@ -8470,7 +8349,53 @@
                 <a:cs typeface="Open Sans"/>
                 <a:sym typeface="Open Sans"/>
               </a:rPr>
-              <a:t>→ Es crea una copia local al directori</a:t>
+              <a:t>→ S’afegeix el servidor al projecte amb el nom origin</a:t>
+            </a:r>
+          </a:p>
+        </p:txBody>
+      </p:sp>
+      <p:sp>
+        <p:nvSpPr>
+          <p:cNvPr id="190" name="Shape 190"/>
+          <p:cNvSpPr txBox="1"/>
+          <p:nvPr/>
+        </p:nvSpPr>
+        <p:spPr>
+          <a:xfrm>
+            <a:off x="723100" y="3617050"/>
+            <a:ext cx="6916199" cy="763500"/>
+          </a:xfrm>
+          <a:prstGeom prst="rect">
+            <a:avLst/>
+          </a:prstGeom>
+          <a:noFill/>
+          <a:ln>
+            <a:noFill/>
+          </a:ln>
+        </p:spPr>
+        <p:txBody>
+          <a:bodyPr anchorCtr="0" anchor="t" bIns="91425" lIns="91425" rIns="91425" tIns="91425">
+            <a:noAutofit/>
+          </a:bodyPr>
+          <a:lstStyle/>
+          <a:p>
+            <a:pPr lvl="0" rtl="0">
+              <a:spcBef>
+                <a:spcPts val="0"/>
+              </a:spcBef>
+              <a:buNone/>
+            </a:pPr>
+            <a:r>
+              <a:rPr lang="ca" sz="2400">
+                <a:solidFill>
+                  <a:srgbClr val="666666"/>
+                </a:solidFill>
+                <a:latin typeface="Open Sans"/>
+                <a:ea typeface="Open Sans"/>
+                <a:cs typeface="Open Sans"/>
+                <a:sym typeface="Open Sans"/>
+              </a:rPr>
+              <a:t>→ Es crea el directori /.git/</a:t>
             </a:r>
           </a:p>
         </p:txBody>
@@ -8538,6 +8463,41 @@
                                   </p:childTnLst>
                                 </p:cTn>
                               </p:par>
+                              <p:par>
+                                <p:cTn fill="hold" nodeType="withEffect" presetClass="entr" presetID="10" presetSubtype="0">
+                                  <p:stCondLst>
+                                    <p:cond delay="0"/>
+                                  </p:stCondLst>
+                                  <p:childTnLst>
+                                    <p:set>
+                                      <p:cBhvr>
+                                        <p:cTn dur="1" fill="hold">
+                                          <p:stCondLst>
+                                            <p:cond delay="0"/>
+                                          </p:stCondLst>
+                                        </p:cTn>
+                                        <p:tgtEl>
+                                          <p:spTgt spid="189"/>
+                                        </p:tgtEl>
+                                        <p:attrNameLst>
+                                          <p:attrName>style.visibility</p:attrName>
+                                        </p:attrNameLst>
+                                      </p:cBhvr>
+                                      <p:to>
+                                        <p:strVal val="visible"/>
+                                      </p:to>
+                                    </p:set>
+                                    <p:animEffect filter="fade" transition="in">
+                                      <p:cBhvr>
+                                        <p:cTn dur="1000"/>
+                                        <p:tgtEl>
+                                          <p:spTgt spid="189"/>
+                                        </p:tgtEl>
+                                      </p:cBhvr>
+                                    </p:animEffect>
+                                  </p:childTnLst>
+                                </p:cTn>
+                              </p:par>
                             </p:childTnLst>
                           </p:cTn>
                         </p:par>
@@ -8680,6 +8640,18 @@
             </a:r>
             <a:endParaRPr/>
           </a:p>
+          <a:p>
+            <a:pPr lvl="0" rtl="0">
+              <a:spcBef>
+                <a:spcPts val="0"/>
+              </a:spcBef>
+              <a:buNone/>
+            </a:pPr>
+            <a:r>
+              <a:t/>
+            </a:r>
+            <a:endParaRPr/>
+          </a:p>
         </p:txBody>
       </p:sp>
       <p:sp>
@@ -8763,34 +8735,8 @@
                 <a:cs typeface="Consolas"/>
                 <a:sym typeface="Consolas"/>
               </a:rPr>
-              <a:t>$ git add .</a:t>
-            </a:r>
-          </a:p>
-          <a:p>
-            <a:pPr lvl="0" rtl="0">
-              <a:lnSpc>
-                <a:spcPct val="150000"/>
-              </a:lnSpc>
-              <a:spcBef>
-                <a:spcPts val="1000"/>
-              </a:spcBef>
-              <a:spcAft>
-                <a:spcPts val="1000"/>
-              </a:spcAft>
-              <a:buNone/>
-            </a:pPr>
-            <a:r>
-              <a:t/>
-            </a:r>
-            <a:endParaRPr sz="3000">
-              <a:solidFill>
-                <a:schemeClr val="dk1"/>
-              </a:solidFill>
-              <a:latin typeface="Consolas"/>
-              <a:ea typeface="Consolas"/>
-              <a:cs typeface="Consolas"/>
-              <a:sym typeface="Consolas"/>
-            </a:endParaRPr>
+              <a:t>$ cd path/</a:t>
+            </a:r>
           </a:p>
           <a:p>
             <a:pPr lvl="0" rtl="0">
@@ -8815,7 +8761,7 @@
                 <a:cs typeface="Consolas"/>
                 <a:sym typeface="Consolas"/>
               </a:rPr>
-              <a:t>$ git commit -m "Primer commit"</a:t>
+              <a:t>$ git clone https://...</a:t>
             </a:r>
           </a:p>
         </p:txBody>
@@ -8828,8 +8774,8 @@
         </p:nvSpPr>
         <p:spPr>
           <a:xfrm>
-            <a:off x="515575" y="3208500"/>
-            <a:ext cx="8520599" cy="763500"/>
+            <a:off x="732825" y="4502275"/>
+            <a:ext cx="6916199" cy="763500"/>
           </a:xfrm>
           <a:prstGeom prst="rect">
             <a:avLst/>
@@ -8861,53 +8807,7 @@
                 <a:cs typeface="Open Sans"/>
                 <a:sym typeface="Open Sans"/>
               </a:rPr>
-              <a:t>→ S’afegeixen tots els fitxers a la llista per afegir al commit</a:t>
-            </a:r>
-          </a:p>
-        </p:txBody>
-      </p:sp>
-      <p:sp>
-        <p:nvSpPr>
-          <p:cNvPr id="200" name="Shape 200"/>
-          <p:cNvSpPr txBox="1"/>
-          <p:nvPr/>
-        </p:nvSpPr>
-        <p:spPr>
-          <a:xfrm>
-            <a:off x="547200" y="4761675"/>
-            <a:ext cx="7489500" cy="763500"/>
-          </a:xfrm>
-          <a:prstGeom prst="rect">
-            <a:avLst/>
-          </a:prstGeom>
-          <a:noFill/>
-          <a:ln>
-            <a:noFill/>
-          </a:ln>
-        </p:spPr>
-        <p:txBody>
-          <a:bodyPr anchorCtr="0" anchor="t" bIns="91425" lIns="91425" rIns="91425" tIns="91425">
-            <a:noAutofit/>
-          </a:bodyPr>
-          <a:lstStyle/>
-          <a:p>
-            <a:pPr lvl="0" rtl="0">
-              <a:spcBef>
-                <a:spcPts val="0"/>
-              </a:spcBef>
-              <a:buNone/>
-            </a:pPr>
-            <a:r>
-              <a:rPr lang="ca" sz="2400">
-                <a:solidFill>
-                  <a:srgbClr val="666666"/>
-                </a:solidFill>
-                <a:latin typeface="Open Sans"/>
-                <a:ea typeface="Open Sans"/>
-                <a:cs typeface="Open Sans"/>
-                <a:sym typeface="Open Sans"/>
-              </a:rPr>
-              <a:t>→ Es crea el commit amb els canvis</a:t>
+              <a:t>→ Es crea una copia local al directori</a:t>
             </a:r>
           </a:p>
         </p:txBody>
@@ -8975,6 +8875,443 @@
                                   </p:childTnLst>
                                 </p:cTn>
                               </p:par>
+                            </p:childTnLst>
+                          </p:cTn>
+                        </p:par>
+                      </p:childTnLst>
+                    </p:cTn>
+                  </p:par>
+                </p:childTnLst>
+              </p:cTn>
+              <p:prevCondLst>
+                <p:cond evt="onPrev">
+                  <p:tgtEl>
+                    <p:sldTgt/>
+                  </p:tgtEl>
+                </p:cond>
+              </p:prevCondLst>
+              <p:nextCondLst>
+                <p:cond evt="onNext">
+                  <p:tgtEl>
+                    <p:sldTgt/>
+                  </p:tgtEl>
+                </p:cond>
+              </p:nextCondLst>
+            </p:seq>
+          </p:childTnLst>
+        </p:cTn>
+      </p:par>
+    </p:tnLst>
+  </p:timing>
+</p:sld>
+</file>
+
+<file path=ppt/slides/slide16.xml><?xml version="1.0" encoding="utf-8"?>
+<p:sld xmlns:a="http://schemas.openxmlformats.org/drawingml/2006/main" xmlns:r="http://schemas.openxmlformats.org/officeDocument/2006/relationships" xmlns:mc="http://schemas.openxmlformats.org/markup-compatibility/2006" xmlns:mv="urn:schemas-microsoft-com:mac:vml" xmlns:p="http://schemas.openxmlformats.org/presentationml/2006/main" xmlns:c="http://schemas.openxmlformats.org/drawingml/2006/chart" xmlns:dgm="http://schemas.openxmlformats.org/drawingml/2006/diagram" xmlns:o="urn:schemas-microsoft-com:office:office" xmlns:v="urn:schemas-microsoft-com:vml" xmlns:pvml="urn:schemas-microsoft-com:office:powerpoint" xmlns:com="http://schemas.openxmlformats.org/drawingml/2006/compatibility" xmlns:p14="http://schemas.microsoft.com/office/powerpoint/2010/main">
+  <p:cSld>
+    <p:spTree>
+      <p:nvGrpSpPr>
+        <p:cNvPr id="203" name="Shape 203"/>
+        <p:cNvGrpSpPr/>
+        <p:nvPr/>
+      </p:nvGrpSpPr>
+      <p:grpSpPr>
+        <a:xfrm>
+          <a:off x="0" y="0"/>
+          <a:ext cx="0" cy="0"/>
+          <a:chOff x="0" y="0"/>
+          <a:chExt cx="0" cy="0"/>
+        </a:xfrm>
+      </p:grpSpPr>
+      <p:sp>
+        <p:nvSpPr>
+          <p:cNvPr id="204" name="Shape 204"/>
+          <p:cNvSpPr txBox="1"/>
+          <p:nvPr>
+            <p:ph idx="12" type="sldNum"/>
+          </p:nvPr>
+        </p:nvSpPr>
+        <p:spPr>
+          <a:xfrm>
+            <a:off x="8472457" y="8290163"/>
+            <a:ext cx="548699" cy="699599"/>
+          </a:xfrm>
+          <a:prstGeom prst="rect">
+            <a:avLst/>
+          </a:prstGeom>
+        </p:spPr>
+        <p:txBody>
+          <a:bodyPr anchorCtr="0" anchor="ctr" bIns="91425" lIns="91425" rIns="91425" tIns="91425">
+            <a:noAutofit/>
+          </a:bodyPr>
+          <a:lstStyle/>
+          <a:p>
+            <a:pPr lvl="0" rtl="0">
+              <a:spcBef>
+                <a:spcPts val="0"/>
+              </a:spcBef>
+              <a:buNone/>
+            </a:pPr>
+            <a:fld id="{00000000-1234-1234-1234-123412341234}" type="slidenum">
+              <a:rPr lang="ca"/>
+              <a:t>‹#›</a:t>
+            </a:fld>
+          </a:p>
+        </p:txBody>
+      </p:sp>
+      <p:sp>
+        <p:nvSpPr>
+          <p:cNvPr id="205" name="Shape 205"/>
+          <p:cNvSpPr txBox="1"/>
+          <p:nvPr>
+            <p:ph type="title"/>
+          </p:nvPr>
+        </p:nvSpPr>
+        <p:spPr>
+          <a:xfrm>
+            <a:off x="311650" y="123291"/>
+            <a:ext cx="8520599" cy="763500"/>
+          </a:xfrm>
+          <a:prstGeom prst="rect">
+            <a:avLst/>
+          </a:prstGeom>
+        </p:spPr>
+        <p:txBody>
+          <a:bodyPr anchorCtr="0" anchor="t" bIns="91425" lIns="91425" rIns="91425" tIns="91425">
+            <a:noAutofit/>
+          </a:bodyPr>
+          <a:lstStyle/>
+          <a:p>
+            <a:pPr lvl="0" rtl="0">
+              <a:spcBef>
+                <a:spcPts val="0"/>
+              </a:spcBef>
+              <a:buNone/>
+            </a:pPr>
+            <a:r>
+              <a:rPr lang="ca"/>
+              <a:t>Primers passos</a:t>
+            </a:r>
+          </a:p>
+          <a:p>
+            <a:pPr lvl="0" rtl="0">
+              <a:spcBef>
+                <a:spcPts val="0"/>
+              </a:spcBef>
+              <a:buNone/>
+            </a:pPr>
+            <a:r>
+              <a:t/>
+            </a:r>
+            <a:endParaRPr/>
+          </a:p>
+          <a:p>
+            <a:pPr lvl="0" rtl="0">
+              <a:spcBef>
+                <a:spcPts val="0"/>
+              </a:spcBef>
+              <a:buNone/>
+            </a:pPr>
+            <a:r>
+              <a:t/>
+            </a:r>
+            <a:endParaRPr/>
+          </a:p>
+        </p:txBody>
+      </p:sp>
+      <p:sp>
+        <p:nvSpPr>
+          <p:cNvPr id="206" name="Shape 206"/>
+          <p:cNvSpPr txBox="1"/>
+          <p:nvPr>
+            <p:ph idx="2" type="sldNum"/>
+          </p:nvPr>
+        </p:nvSpPr>
+        <p:spPr>
+          <a:xfrm>
+            <a:off x="8472457" y="6217622"/>
+            <a:ext cx="548699" cy="524699"/>
+          </a:xfrm>
+          <a:prstGeom prst="rect">
+            <a:avLst/>
+          </a:prstGeom>
+        </p:spPr>
+        <p:txBody>
+          <a:bodyPr anchorCtr="0" anchor="ctr" bIns="91425" lIns="91425" rIns="91425" tIns="91425">
+            <a:noAutofit/>
+          </a:bodyPr>
+          <a:lstStyle/>
+          <a:p>
+            <a:pPr lvl="0" rtl="0">
+              <a:spcBef>
+                <a:spcPts val="0"/>
+              </a:spcBef>
+              <a:buNone/>
+            </a:pPr>
+            <a:fld id="{00000000-1234-1234-1234-123412341234}" type="slidenum">
+              <a:rPr lang="ca"/>
+              <a:t>‹#›</a:t>
+            </a:fld>
+          </a:p>
+        </p:txBody>
+      </p:sp>
+      <p:sp>
+        <p:nvSpPr>
+          <p:cNvPr id="207" name="Shape 207"/>
+          <p:cNvSpPr txBox="1"/>
+          <p:nvPr>
+            <p:ph idx="1" type="body"/>
+          </p:nvPr>
+        </p:nvSpPr>
+        <p:spPr>
+          <a:xfrm>
+            <a:off x="311650" y="1506008"/>
+            <a:ext cx="8520599" cy="4555199"/>
+          </a:xfrm>
+          <a:prstGeom prst="rect">
+            <a:avLst/>
+          </a:prstGeom>
+        </p:spPr>
+        <p:txBody>
+          <a:bodyPr anchorCtr="0" anchor="ctr" bIns="91425" lIns="91425" rIns="91425" tIns="91425">
+            <a:noAutofit/>
+          </a:bodyPr>
+          <a:lstStyle/>
+          <a:p>
+            <a:pPr lvl="0" rtl="0">
+              <a:lnSpc>
+                <a:spcPct val="150000"/>
+              </a:lnSpc>
+              <a:spcBef>
+                <a:spcPts val="1000"/>
+              </a:spcBef>
+              <a:spcAft>
+                <a:spcPts val="1000"/>
+              </a:spcAft>
+              <a:buNone/>
+            </a:pPr>
+            <a:r>
+              <a:rPr lang="ca" sz="3000">
+                <a:solidFill>
+                  <a:schemeClr val="dk1"/>
+                </a:solidFill>
+                <a:latin typeface="Consolas"/>
+                <a:ea typeface="Consolas"/>
+                <a:cs typeface="Consolas"/>
+                <a:sym typeface="Consolas"/>
+              </a:rPr>
+              <a:t>$ git add .</a:t>
+            </a:r>
+          </a:p>
+          <a:p>
+            <a:pPr lvl="0" rtl="0">
+              <a:lnSpc>
+                <a:spcPct val="150000"/>
+              </a:lnSpc>
+              <a:spcBef>
+                <a:spcPts val="1000"/>
+              </a:spcBef>
+              <a:spcAft>
+                <a:spcPts val="1000"/>
+              </a:spcAft>
+              <a:buNone/>
+            </a:pPr>
+            <a:r>
+              <a:t/>
+            </a:r>
+            <a:endParaRPr sz="3000">
+              <a:solidFill>
+                <a:schemeClr val="dk1"/>
+              </a:solidFill>
+              <a:latin typeface="Consolas"/>
+              <a:ea typeface="Consolas"/>
+              <a:cs typeface="Consolas"/>
+              <a:sym typeface="Consolas"/>
+            </a:endParaRPr>
+          </a:p>
+          <a:p>
+            <a:pPr lvl="0" rtl="0">
+              <a:lnSpc>
+                <a:spcPct val="150000"/>
+              </a:lnSpc>
+              <a:spcBef>
+                <a:spcPts val="1000"/>
+              </a:spcBef>
+              <a:spcAft>
+                <a:spcPts val="1000"/>
+              </a:spcAft>
+              <a:buNone/>
+            </a:pPr>
+            <a:r>
+              <a:rPr lang="ca" sz="3000">
+                <a:solidFill>
+                  <a:schemeClr val="dk1"/>
+                </a:solidFill>
+                <a:latin typeface="Consolas"/>
+                <a:ea typeface="Consolas"/>
+                <a:cs typeface="Consolas"/>
+                <a:sym typeface="Consolas"/>
+              </a:rPr>
+              <a:t>$ git commit -m "Primer commit"</a:t>
+            </a:r>
+          </a:p>
+        </p:txBody>
+      </p:sp>
+      <p:sp>
+        <p:nvSpPr>
+          <p:cNvPr id="208" name="Shape 208"/>
+          <p:cNvSpPr txBox="1"/>
+          <p:nvPr/>
+        </p:nvSpPr>
+        <p:spPr>
+          <a:xfrm>
+            <a:off x="515575" y="3208500"/>
+            <a:ext cx="8520599" cy="763500"/>
+          </a:xfrm>
+          <a:prstGeom prst="rect">
+            <a:avLst/>
+          </a:prstGeom>
+          <a:noFill/>
+          <a:ln>
+            <a:noFill/>
+          </a:ln>
+        </p:spPr>
+        <p:txBody>
+          <a:bodyPr anchorCtr="0" anchor="t" bIns="91425" lIns="91425" rIns="91425" tIns="91425">
+            <a:noAutofit/>
+          </a:bodyPr>
+          <a:lstStyle/>
+          <a:p>
+            <a:pPr lvl="0" rtl="0">
+              <a:spcBef>
+                <a:spcPts val="0"/>
+              </a:spcBef>
+              <a:buNone/>
+            </a:pPr>
+            <a:r>
+              <a:rPr lang="ca" sz="2400">
+                <a:solidFill>
+                  <a:srgbClr val="666666"/>
+                </a:solidFill>
+                <a:latin typeface="Open Sans"/>
+                <a:ea typeface="Open Sans"/>
+                <a:cs typeface="Open Sans"/>
+                <a:sym typeface="Open Sans"/>
+              </a:rPr>
+              <a:t>→ S’afegeixen tots els fitxers a la llista per afegir al commit</a:t>
+            </a:r>
+          </a:p>
+        </p:txBody>
+      </p:sp>
+      <p:sp>
+        <p:nvSpPr>
+          <p:cNvPr id="209" name="Shape 209"/>
+          <p:cNvSpPr txBox="1"/>
+          <p:nvPr/>
+        </p:nvSpPr>
+        <p:spPr>
+          <a:xfrm>
+            <a:off x="547200" y="4761675"/>
+            <a:ext cx="7489500" cy="763500"/>
+          </a:xfrm>
+          <a:prstGeom prst="rect">
+            <a:avLst/>
+          </a:prstGeom>
+          <a:noFill/>
+          <a:ln>
+            <a:noFill/>
+          </a:ln>
+        </p:spPr>
+        <p:txBody>
+          <a:bodyPr anchorCtr="0" anchor="t" bIns="91425" lIns="91425" rIns="91425" tIns="91425">
+            <a:noAutofit/>
+          </a:bodyPr>
+          <a:lstStyle/>
+          <a:p>
+            <a:pPr lvl="0" rtl="0">
+              <a:spcBef>
+                <a:spcPts val="0"/>
+              </a:spcBef>
+              <a:buNone/>
+            </a:pPr>
+            <a:r>
+              <a:rPr lang="ca" sz="2400">
+                <a:solidFill>
+                  <a:srgbClr val="666666"/>
+                </a:solidFill>
+                <a:latin typeface="Open Sans"/>
+                <a:ea typeface="Open Sans"/>
+                <a:cs typeface="Open Sans"/>
+                <a:sym typeface="Open Sans"/>
+              </a:rPr>
+              <a:t>→ Es crea el commit amb els canvis</a:t>
+            </a:r>
+          </a:p>
+        </p:txBody>
+      </p:sp>
+    </p:spTree>
+  </p:cSld>
+  <p:clrMapOvr>
+    <a:masterClrMapping/>
+  </p:clrMapOvr>
+  <p:transition spd="slow">
+    <p:cut/>
+  </p:transition>
+  <p:timing>
+    <p:tnLst>
+      <p:par>
+        <p:cTn dur="indefinite" nodeType="tmRoot" restart="never">
+          <p:childTnLst>
+            <p:seq concurrent="1" nextAc="seek">
+              <p:cTn dur="indefinite" id="2" nodeType="mainSeq">
+                <p:childTnLst>
+                  <p:par>
+                    <p:cTn fill="hold">
+                      <p:stCondLst>
+                        <p:cond delay="indefinite"/>
+                      </p:stCondLst>
+                      <p:childTnLst>
+                        <p:par>
+                          <p:cTn fill="hold">
+                            <p:stCondLst>
+                              <p:cond delay="0"/>
+                            </p:stCondLst>
+                            <p:childTnLst>
+                              <p:par>
+                                <p:cTn fill="hold" nodeType="clickEffect" presetClass="entr" presetID="10" presetSubtype="0">
+                                  <p:stCondLst>
+                                    <p:cond delay="0"/>
+                                  </p:stCondLst>
+                                  <p:childTnLst>
+                                    <p:set>
+                                      <p:cBhvr>
+                                        <p:cTn dur="1" fill="hold">
+                                          <p:stCondLst>
+                                            <p:cond delay="0"/>
+                                          </p:stCondLst>
+                                        </p:cTn>
+                                        <p:tgtEl>
+                                          <p:spTgt spid="208"/>
+                                        </p:tgtEl>
+                                        <p:attrNameLst>
+                                          <p:attrName>style.visibility</p:attrName>
+                                        </p:attrNameLst>
+                                      </p:cBhvr>
+                                      <p:to>
+                                        <p:strVal val="visible"/>
+                                      </p:to>
+                                    </p:set>
+                                    <p:animEffect filter="fade" transition="in">
+                                      <p:cBhvr>
+                                        <p:cTn dur="1000"/>
+                                        <p:tgtEl>
+                                          <p:spTgt spid="208"/>
+                                        </p:tgtEl>
+                                      </p:cBhvr>
+                                    </p:animEffect>
+                                  </p:childTnLst>
+                                </p:cTn>
+                              </p:par>
                               <p:par>
                                 <p:cTn fill="hold" nodeType="withEffect" presetClass="entr" presetID="10" presetSubtype="0">
                                   <p:stCondLst>
@@ -8989,7 +9326,7 @@
                                           </p:stCondLst>
                                         </p:cTn>
                                         <p:tgtEl>
-                                          <p:spTgt spid="200"/>
+                                          <p:spTgt spid="209"/>
                                         </p:tgtEl>
                                         <p:attrNameLst>
                                           <p:attrName>style.visibility</p:attrName>
@@ -9003,7 +9340,7 @@
                                       <p:cBhvr>
                                         <p:cTn dur="1000"/>
                                         <p:tgtEl>
-                                          <p:spTgt spid="200"/>
+                                          <p:spTgt spid="209"/>
                                         </p:tgtEl>
                                       </p:cBhvr>
                                     </p:animEffect>
@@ -9041,7 +9378,7 @@
 </p:sld>
 </file>
 
-<file path=ppt/slides/slide16.xml><?xml version="1.0" encoding="utf-8"?>
+<file path=ppt/slides/slide17.xml><?xml version="1.0" encoding="utf-8"?>
 <p:sld xmlns:a="http://schemas.openxmlformats.org/drawingml/2006/main" xmlns:r="http://schemas.openxmlformats.org/officeDocument/2006/relationships" xmlns:mc="http://schemas.openxmlformats.org/markup-compatibility/2006" xmlns:mv="urn:schemas-microsoft-com:mac:vml" xmlns:p="http://schemas.openxmlformats.org/presentationml/2006/main" xmlns:c="http://schemas.openxmlformats.org/drawingml/2006/chart" xmlns:dgm="http://schemas.openxmlformats.org/drawingml/2006/diagram" xmlns:o="urn:schemas-microsoft-com:office:office" xmlns:v="urn:schemas-microsoft-com:vml" xmlns:pvml="urn:schemas-microsoft-com:office:powerpoint" xmlns:com="http://schemas.openxmlformats.org/drawingml/2006/compatibility" xmlns:p14="http://schemas.microsoft.com/office/powerpoint/2010/main">
   <p:cSld>
     <p:bg>
@@ -9053,7 +9390,7 @@
     </p:bg>
     <p:spTree>
       <p:nvGrpSpPr>
-        <p:cNvPr id="204" name="Shape 204"/>
+        <p:cNvPr id="213" name="Shape 213"/>
         <p:cNvGrpSpPr/>
         <p:nvPr/>
       </p:nvGrpSpPr>
@@ -9067,7 +9404,7 @@
       </p:grpSpPr>
       <p:sp>
         <p:nvSpPr>
-          <p:cNvPr id="205" name="Shape 205"/>
+          <p:cNvPr id="214" name="Shape 214"/>
           <p:cNvSpPr txBox="1"/>
           <p:nvPr>
             <p:ph type="title"/>
@@ -9111,7 +9448,7 @@
       </p:sp>
       <p:sp>
         <p:nvSpPr>
-          <p:cNvPr id="206" name="Shape 206"/>
+          <p:cNvPr id="215" name="Shape 215"/>
           <p:cNvSpPr txBox="1"/>
           <p:nvPr>
             <p:ph idx="12" type="sldNum"/>
@@ -9156,12 +9493,12 @@
 </p:sld>
 </file>
 
-<file path=ppt/slides/slide17.xml><?xml version="1.0" encoding="utf-8"?>
+<file path=ppt/slides/slide18.xml><?xml version="1.0" encoding="utf-8"?>
 <p:sld xmlns:a="http://schemas.openxmlformats.org/drawingml/2006/main" xmlns:r="http://schemas.openxmlformats.org/officeDocument/2006/relationships" xmlns:mc="http://schemas.openxmlformats.org/markup-compatibility/2006" xmlns:mv="urn:schemas-microsoft-com:mac:vml" xmlns:p="http://schemas.openxmlformats.org/presentationml/2006/main" xmlns:c="http://schemas.openxmlformats.org/drawingml/2006/chart" xmlns:dgm="http://schemas.openxmlformats.org/drawingml/2006/diagram" xmlns:o="urn:schemas-microsoft-com:office:office" xmlns:v="urn:schemas-microsoft-com:vml" xmlns:pvml="urn:schemas-microsoft-com:office:powerpoint" xmlns:com="http://schemas.openxmlformats.org/drawingml/2006/compatibility" xmlns:p14="http://schemas.microsoft.com/office/powerpoint/2010/main">
   <p:cSld>
     <p:spTree>
       <p:nvGrpSpPr>
-        <p:cNvPr id="210" name="Shape 210"/>
+        <p:cNvPr id="219" name="Shape 219"/>
         <p:cNvGrpSpPr/>
         <p:nvPr/>
       </p:nvGrpSpPr>
@@ -9175,7 +9512,7 @@
       </p:grpSpPr>
       <p:sp>
         <p:nvSpPr>
-          <p:cNvPr id="211" name="Shape 211"/>
+          <p:cNvPr id="220" name="Shape 220"/>
           <p:cNvSpPr txBox="1"/>
           <p:nvPr>
             <p:ph type="title"/>
@@ -9211,7 +9548,7 @@
       </p:sp>
       <p:sp>
         <p:nvSpPr>
-          <p:cNvPr id="212" name="Shape 212"/>
+          <p:cNvPr id="221" name="Shape 221"/>
           <p:cNvSpPr txBox="1"/>
           <p:nvPr>
             <p:ph idx="12" type="sldNum"/>
@@ -9251,7 +9588,7 @@
       </p:sp>
       <p:sp>
         <p:nvSpPr>
-          <p:cNvPr id="213" name="Shape 213"/>
+          <p:cNvPr id="222" name="Shape 222"/>
           <p:cNvSpPr txBox="1"/>
           <p:nvPr>
             <p:ph idx="1" type="body"/>
@@ -9389,7 +9726,7 @@
       </p:sp>
       <p:sp>
         <p:nvSpPr>
-          <p:cNvPr id="214" name="Shape 214"/>
+          <p:cNvPr id="223" name="Shape 223"/>
           <p:cNvSpPr txBox="1"/>
           <p:nvPr>
             <p:ph idx="2" type="sldNum"/>
@@ -9439,7 +9776,7 @@
   <p:cSld>
     <p:spTree>
       <p:nvGrpSpPr>
-        <p:cNvPr id="75" name="Shape 75"/>
+        <p:cNvPr id="76" name="Shape 76"/>
         <p:cNvGrpSpPr/>
         <p:nvPr/>
       </p:nvGrpSpPr>
@@ -9453,16 +9790,16 @@
       </p:grpSpPr>
       <p:sp>
         <p:nvSpPr>
-          <p:cNvPr id="76" name="Shape 76"/>
-          <p:cNvSpPr txBox="1"/>
-          <p:nvPr>
-            <p:ph type="title"/>
-          </p:nvPr>
-        </p:nvSpPr>
-        <p:spPr>
-          <a:xfrm>
-            <a:off x="311700" y="274721"/>
-            <a:ext cx="8520599" cy="6196199"/>
+          <p:cNvPr id="77" name="Shape 77"/>
+          <p:cNvSpPr txBox="1"/>
+          <p:nvPr>
+            <p:ph idx="1" type="body"/>
+          </p:nvPr>
+        </p:nvSpPr>
+        <p:spPr>
+          <a:xfrm>
+            <a:off x="311650" y="1506008"/>
+            <a:ext cx="8520599" cy="4555199"/>
           </a:xfrm>
           <a:prstGeom prst="rect">
             <a:avLst/>
@@ -9474,22 +9811,89 @@
           </a:bodyPr>
           <a:lstStyle/>
           <a:p>
-            <a:pPr lvl="0" rtl="0">
-              <a:spcBef>
-                <a:spcPts val="0"/>
-              </a:spcBef>
-              <a:buNone/>
-            </a:pPr>
-            <a:r>
-              <a:rPr lang="ca" sz="6000"/>
+            <a:pPr indent="-457200" lvl="0" marL="457200" rtl="0">
+              <a:lnSpc>
+                <a:spcPct val="150000"/>
+              </a:lnSpc>
+              <a:spcBef>
+                <a:spcPts val="0"/>
+              </a:spcBef>
+              <a:spcAft>
+                <a:spcPts val="0"/>
+              </a:spcAft>
+              <a:buSzPct val="100000"/>
+            </a:pPr>
+            <a:r>
+              <a:rPr lang="ca" sz="3600"/>
               <a:t>Control de versions, que aporta?</a:t>
             </a:r>
           </a:p>
-        </p:txBody>
-      </p:sp>
-      <p:sp>
-        <p:nvSpPr>
-          <p:cNvPr id="77" name="Shape 77"/>
+          <a:p>
+            <a:pPr indent="-457200" lvl="0" marL="457200" rtl="0">
+              <a:lnSpc>
+                <a:spcPct val="150000"/>
+              </a:lnSpc>
+              <a:spcBef>
+                <a:spcPts val="0"/>
+              </a:spcBef>
+              <a:spcAft>
+                <a:spcPts val="0"/>
+              </a:spcAft>
+              <a:buSzPct val="100000"/>
+            </a:pPr>
+            <a:r>
+              <a:rPr lang="ca" sz="3600"/>
+              <a:t>Per què git?</a:t>
+            </a:r>
+          </a:p>
+          <a:p>
+            <a:pPr indent="-457200" lvl="0" marL="457200" rtl="0">
+              <a:lnSpc>
+                <a:spcPct val="150000"/>
+              </a:lnSpc>
+              <a:spcBef>
+                <a:spcPts val="0"/>
+              </a:spcBef>
+              <a:spcAft>
+                <a:spcPts val="0"/>
+              </a:spcAft>
+              <a:buClr>
+                <a:schemeClr val="dk1"/>
+              </a:buClr>
+              <a:buSzPct val="100000"/>
+            </a:pPr>
+            <a:r>
+              <a:rPr lang="ca" sz="3600">
+                <a:solidFill>
+                  <a:schemeClr val="dk1"/>
+                </a:solidFill>
+              </a:rPr>
+              <a:t>Arquitectura</a:t>
+            </a:r>
+          </a:p>
+          <a:p>
+            <a:pPr indent="-457200" lvl="0" marL="457200" rtl="0">
+              <a:lnSpc>
+                <a:spcPct val="150000"/>
+              </a:lnSpc>
+              <a:spcBef>
+                <a:spcPts val="0"/>
+              </a:spcBef>
+              <a:spcAft>
+                <a:spcPts val="0"/>
+              </a:spcAft>
+              <a:buSzPct val="100000"/>
+            </a:pPr>
+            <a:r>
+              <a:rPr lang="ca" sz="3600"/>
+              <a:t>Primers passos</a:t>
+            </a:r>
+          </a:p>
+        </p:txBody>
+      </p:sp>
+      <p:sp>
+        <p:nvSpPr>
+          <p:cNvPr id="78" name="Shape 78"/>
           <p:cNvSpPr txBox="1"/>
           <p:nvPr>
             <p:ph idx="12" type="sldNum"/>
@@ -9497,8 +9901,8 @@
         </p:nvSpPr>
         <p:spPr>
           <a:xfrm>
-            <a:off x="8472457" y="6217622"/>
-            <a:ext cx="548699" cy="524699"/>
+            <a:off x="8472457" y="8290163"/>
+            <a:ext cx="548699" cy="699599"/>
           </a:xfrm>
           <a:prstGeom prst="rect">
             <a:avLst/>
@@ -9510,18 +9914,86 @@
           </a:bodyPr>
           <a:lstStyle/>
           <a:p>
-            <a:pPr lvl="0">
+            <a:pPr lvl="0" rtl="0">
               <a:spcBef>
                 <a:spcPts val="0"/>
               </a:spcBef>
               <a:buNone/>
             </a:pPr>
             <a:fld id="{00000000-1234-1234-1234-123412341234}" type="slidenum">
-              <a:rPr lang="ca">
-                <a:solidFill>
-                  <a:schemeClr val="lt1"/>
-                </a:solidFill>
-              </a:rPr>
+              <a:rPr lang="ca"/>
+              <a:t>‹#›</a:t>
+            </a:fld>
+          </a:p>
+        </p:txBody>
+      </p:sp>
+      <p:sp>
+        <p:nvSpPr>
+          <p:cNvPr id="79" name="Shape 79"/>
+          <p:cNvSpPr txBox="1"/>
+          <p:nvPr>
+            <p:ph type="title"/>
+          </p:nvPr>
+        </p:nvSpPr>
+        <p:spPr>
+          <a:xfrm>
+            <a:off x="311650" y="123291"/>
+            <a:ext cx="8520599" cy="763500"/>
+          </a:xfrm>
+          <a:prstGeom prst="rect">
+            <a:avLst/>
+          </a:prstGeom>
+        </p:spPr>
+        <p:txBody>
+          <a:bodyPr anchorCtr="0" anchor="t" bIns="91425" lIns="91425" rIns="91425" tIns="91425">
+            <a:noAutofit/>
+          </a:bodyPr>
+          <a:lstStyle/>
+          <a:p>
+            <a:pPr lvl="0" rtl="0">
+              <a:spcBef>
+                <a:spcPts val="0"/>
+              </a:spcBef>
+              <a:buNone/>
+            </a:pPr>
+            <a:r>
+              <a:rPr lang="ca"/>
+              <a:t>Índex</a:t>
+            </a:r>
+          </a:p>
+        </p:txBody>
+      </p:sp>
+      <p:sp>
+        <p:nvSpPr>
+          <p:cNvPr id="80" name="Shape 80"/>
+          <p:cNvSpPr txBox="1"/>
+          <p:nvPr>
+            <p:ph idx="2" type="sldNum"/>
+          </p:nvPr>
+        </p:nvSpPr>
+        <p:spPr>
+          <a:xfrm>
+            <a:off x="8472457" y="6217622"/>
+            <a:ext cx="548699" cy="524699"/>
+          </a:xfrm>
+          <a:prstGeom prst="rect">
+            <a:avLst/>
+          </a:prstGeom>
+        </p:spPr>
+        <p:txBody>
+          <a:bodyPr anchorCtr="0" anchor="ctr" bIns="91425" lIns="91425" rIns="91425" tIns="91425">
+            <a:noAutofit/>
+          </a:bodyPr>
+          <a:lstStyle/>
+          <a:p>
+            <a:pPr lvl="0" rtl="0">
+              <a:spcBef>
+                <a:spcPts val="0"/>
+              </a:spcBef>
+              <a:buNone/>
+            </a:pPr>
+            <a:fld id="{00000000-1234-1234-1234-123412341234}" type="slidenum">
+              <a:rPr lang="ca"/>
               <a:t>‹#›</a:t>
             </a:fld>
           </a:p>
@@ -9543,7 +10015,7 @@
   <p:cSld>
     <p:spTree>
       <p:nvGrpSpPr>
-        <p:cNvPr id="81" name="Shape 81"/>
+        <p:cNvPr id="84" name="Shape 84"/>
         <p:cNvGrpSpPr/>
         <p:nvPr/>
       </p:nvGrpSpPr>
@@ -9557,16 +10029,16 @@
       </p:grpSpPr>
       <p:sp>
         <p:nvSpPr>
-          <p:cNvPr id="82" name="Shape 82"/>
-          <p:cNvSpPr txBox="1"/>
-          <p:nvPr>
-            <p:ph idx="12" type="sldNum"/>
-          </p:nvPr>
-        </p:nvSpPr>
-        <p:spPr>
-          <a:xfrm>
-            <a:off x="8472457" y="8290163"/>
-            <a:ext cx="548699" cy="699599"/>
+          <p:cNvPr id="85" name="Shape 85"/>
+          <p:cNvSpPr txBox="1"/>
+          <p:nvPr>
+            <p:ph type="title"/>
+          </p:nvPr>
+        </p:nvSpPr>
+        <p:spPr>
+          <a:xfrm>
+            <a:off x="311700" y="274721"/>
+            <a:ext cx="8520599" cy="6196199"/>
           </a:xfrm>
           <a:prstGeom prst="rect">
             <a:avLst/>
@@ -9584,89 +10056,19 @@
               </a:spcBef>
               <a:buNone/>
             </a:pPr>
-            <a:fld id="{00000000-1234-1234-1234-123412341234}" type="slidenum">
-              <a:rPr lang="ca"/>
-              <a:t>‹#›</a:t>
-            </a:fld>
-          </a:p>
-        </p:txBody>
-      </p:sp>
-      <p:sp>
-        <p:nvSpPr>
-          <p:cNvPr id="83" name="Shape 83"/>
-          <p:cNvSpPr txBox="1"/>
-          <p:nvPr>
-            <p:ph type="title"/>
-          </p:nvPr>
-        </p:nvSpPr>
-        <p:spPr>
-          <a:xfrm>
-            <a:off x="311650" y="123291"/>
-            <a:ext cx="8520599" cy="763500"/>
-          </a:xfrm>
-          <a:prstGeom prst="rect">
-            <a:avLst/>
-          </a:prstGeom>
-        </p:spPr>
-        <p:txBody>
-          <a:bodyPr anchorCtr="0" anchor="t" bIns="91425" lIns="91425" rIns="91425" tIns="91425">
-            <a:noAutofit/>
-          </a:bodyPr>
-          <a:lstStyle/>
-          <a:p>
-            <a:pPr lvl="0" rtl="0">
-              <a:spcBef>
-                <a:spcPts val="0"/>
-              </a:spcBef>
-              <a:buClr>
-                <a:schemeClr val="dk1"/>
-              </a:buClr>
-              <a:buSzPct val="30555"/>
-              <a:buFont typeface="Arial"/>
-              <a:buNone/>
-            </a:pPr>
-            <a:r>
-              <a:rPr lang="ca"/>
+            <a:r>
+              <a:rPr lang="ca" sz="6000"/>
               <a:t>Control de versions, que aporta?</a:t>
             </a:r>
           </a:p>
-          <a:p>
-            <a:pPr lvl="0" rtl="0">
-              <a:spcBef>
-                <a:spcPts val="0"/>
-              </a:spcBef>
-              <a:buClr>
-                <a:schemeClr val="dk1"/>
-              </a:buClr>
-              <a:buSzPct val="30555"/>
-              <a:buFont typeface="Arial"/>
-              <a:buNone/>
-            </a:pPr>
-            <a:r>
-              <a:t/>
-            </a:r>
-            <a:endParaRPr/>
-          </a:p>
-          <a:p>
-            <a:pPr lvl="0" rtl="0">
-              <a:spcBef>
-                <a:spcPts val="0"/>
-              </a:spcBef>
-              <a:buNone/>
-            </a:pPr>
-            <a:r>
-              <a:t/>
-            </a:r>
-            <a:endParaRPr/>
-          </a:p>
-        </p:txBody>
-      </p:sp>
-      <p:sp>
-        <p:nvSpPr>
-          <p:cNvPr id="84" name="Shape 84"/>
-          <p:cNvSpPr txBox="1"/>
-          <p:nvPr>
-            <p:ph idx="2" type="sldNum"/>
+        </p:txBody>
+      </p:sp>
+      <p:sp>
+        <p:nvSpPr>
+          <p:cNvPr id="86" name="Shape 86"/>
+          <p:cNvSpPr txBox="1"/>
+          <p:nvPr>
+            <p:ph idx="12" type="sldNum"/>
           </p:nvPr>
         </p:nvSpPr>
         <p:spPr>
@@ -9684,159 +10086,23 @@
           </a:bodyPr>
           <a:lstStyle/>
           <a:p>
-            <a:pPr lvl="0" rtl="0">
+            <a:pPr lvl="0">
               <a:spcBef>
                 <a:spcPts val="0"/>
               </a:spcBef>
               <a:buNone/>
             </a:pPr>
             <a:fld id="{00000000-1234-1234-1234-123412341234}" type="slidenum">
-              <a:rPr lang="ca"/>
+              <a:rPr lang="ca">
+                <a:solidFill>
+                  <a:schemeClr val="lt1"/>
+                </a:solidFill>
+              </a:rPr>
               <a:t>‹#›</a:t>
             </a:fld>
           </a:p>
         </p:txBody>
       </p:sp>
-      <p:pic>
-        <p:nvPicPr>
-          <p:cNvPr id="85" name="Shape 85"/>
-          <p:cNvPicPr preferRelativeResize="0"/>
-          <p:nvPr/>
-        </p:nvPicPr>
-        <p:blipFill>
-          <a:blip r:embed="rId3">
-            <a:alphaModFix/>
-          </a:blip>
-          <a:stretch>
-            <a:fillRect/>
-          </a:stretch>
-        </p:blipFill>
-        <p:spPr>
-          <a:xfrm>
-            <a:off x="5482139" y="2324275"/>
-            <a:ext cx="2129749" cy="2129775"/>
-          </a:xfrm>
-          <a:prstGeom prst="rect">
-            <a:avLst/>
-          </a:prstGeom>
-          <a:noFill/>
-          <a:ln>
-            <a:noFill/>
-          </a:ln>
-        </p:spPr>
-      </p:pic>
-      <p:sp>
-        <p:nvSpPr>
-          <p:cNvPr id="86" name="Shape 86"/>
-          <p:cNvSpPr txBox="1"/>
-          <p:nvPr>
-            <p:ph idx="1" type="body"/>
-          </p:nvPr>
-        </p:nvSpPr>
-        <p:spPr>
-          <a:xfrm>
-            <a:off x="1427462" y="4663300"/>
-            <a:ext cx="2207699" cy="699599"/>
-          </a:xfrm>
-          <a:prstGeom prst="rect">
-            <a:avLst/>
-          </a:prstGeom>
-        </p:spPr>
-        <p:txBody>
-          <a:bodyPr anchorCtr="0" anchor="ctr" bIns="91425" lIns="91425" rIns="91425" tIns="91425">
-            <a:noAutofit/>
-          </a:bodyPr>
-          <a:lstStyle/>
-          <a:p>
-            <a:pPr lvl="0" rtl="0" algn="ctr">
-              <a:lnSpc>
-                <a:spcPct val="100000"/>
-              </a:lnSpc>
-              <a:spcBef>
-                <a:spcPts val="0"/>
-              </a:spcBef>
-              <a:spcAft>
-                <a:spcPts val="0"/>
-              </a:spcAft>
-              <a:buNone/>
-            </a:pPr>
-            <a:r>
-              <a:rPr lang="ca"/>
-              <a:t>Còpia de seguretat</a:t>
-            </a:r>
-          </a:p>
-        </p:txBody>
-      </p:sp>
-      <p:sp>
-        <p:nvSpPr>
-          <p:cNvPr id="87" name="Shape 87"/>
-          <p:cNvSpPr txBox="1"/>
-          <p:nvPr>
-            <p:ph idx="3" type="body"/>
-          </p:nvPr>
-        </p:nvSpPr>
-        <p:spPr>
-          <a:xfrm>
-            <a:off x="5422777" y="4752700"/>
-            <a:ext cx="2248499" cy="763500"/>
-          </a:xfrm>
-          <a:prstGeom prst="rect">
-            <a:avLst/>
-          </a:prstGeom>
-        </p:spPr>
-        <p:txBody>
-          <a:bodyPr anchorCtr="0" anchor="ctr" bIns="91425" lIns="91425" rIns="91425" tIns="91425">
-            <a:noAutofit/>
-          </a:bodyPr>
-          <a:lstStyle/>
-          <a:p>
-            <a:pPr lvl="0" rtl="0" algn="ctr">
-              <a:lnSpc>
-                <a:spcPct val="100000"/>
-              </a:lnSpc>
-              <a:spcBef>
-                <a:spcPts val="0"/>
-              </a:spcBef>
-              <a:spcAft>
-                <a:spcPts val="0"/>
-              </a:spcAft>
-              <a:buNone/>
-            </a:pPr>
-            <a:r>
-              <a:rPr lang="ca"/>
-              <a:t>Treball en equip</a:t>
-            </a:r>
-          </a:p>
-        </p:txBody>
-      </p:sp>
-      <p:pic>
-        <p:nvPicPr>
-          <p:cNvPr id="88" name="Shape 88"/>
-          <p:cNvPicPr preferRelativeResize="0"/>
-          <p:nvPr/>
-        </p:nvPicPr>
-        <p:blipFill>
-          <a:blip r:embed="rId4">
-            <a:alphaModFix/>
-          </a:blip>
-          <a:stretch>
-            <a:fillRect/>
-          </a:stretch>
-        </p:blipFill>
-        <p:spPr>
-          <a:xfrm>
-            <a:off x="1532100" y="2128037"/>
-            <a:ext cx="1998449" cy="2207087"/>
-          </a:xfrm>
-          <a:prstGeom prst="rect">
-            <a:avLst/>
-          </a:prstGeom>
-          <a:noFill/>
-          <a:ln>
-            <a:noFill/>
-          </a:ln>
-        </p:spPr>
-      </p:pic>
     </p:spTree>
   </p:cSld>
   <p:clrMapOvr>
@@ -9853,7 +10119,7 @@
   <p:cSld>
     <p:spTree>
       <p:nvGrpSpPr>
-        <p:cNvPr id="92" name="Shape 92"/>
+        <p:cNvPr id="90" name="Shape 90"/>
         <p:cNvGrpSpPr/>
         <p:nvPr/>
       </p:nvGrpSpPr>
@@ -9867,7 +10133,7 @@
       </p:grpSpPr>
       <p:sp>
         <p:nvSpPr>
-          <p:cNvPr id="93" name="Shape 93"/>
+          <p:cNvPr id="91" name="Shape 91"/>
           <p:cNvSpPr txBox="1"/>
           <p:nvPr>
             <p:ph idx="12" type="sldNum"/>
@@ -9903,7 +10169,7 @@
       </p:sp>
       <p:sp>
         <p:nvSpPr>
-          <p:cNvPr id="94" name="Shape 94"/>
+          <p:cNvPr id="92" name="Shape 92"/>
           <p:cNvSpPr txBox="1"/>
           <p:nvPr>
             <p:ph type="title"/>
@@ -9928,6 +10194,11 @@
               <a:spcBef>
                 <a:spcPts val="0"/>
               </a:spcBef>
+              <a:buClr>
+                <a:schemeClr val="dk1"/>
+              </a:buClr>
+              <a:buSzPct val="30555"/>
+              <a:buFont typeface="Arial"/>
               <a:buNone/>
             </a:pPr>
             <a:r>
@@ -9940,6 +10211,11 @@
               <a:spcBef>
                 <a:spcPts val="0"/>
               </a:spcBef>
+              <a:buClr>
+                <a:schemeClr val="dk1"/>
+              </a:buClr>
+              <a:buSzPct val="30555"/>
+              <a:buFont typeface="Arial"/>
               <a:buNone/>
             </a:pPr>
             <a:r>
@@ -9963,7 +10239,7 @@
       </p:sp>
       <p:sp>
         <p:nvSpPr>
-          <p:cNvPr id="95" name="Shape 95"/>
+          <p:cNvPr id="93" name="Shape 93"/>
           <p:cNvSpPr txBox="1"/>
           <p:nvPr>
             <p:ph idx="2" type="sldNum"/>
@@ -9999,7 +10275,7 @@
       </p:sp>
       <p:pic>
         <p:nvPicPr>
-          <p:cNvPr id="96" name="Shape 96"/>
+          <p:cNvPr id="94" name="Shape 94"/>
           <p:cNvPicPr preferRelativeResize="0"/>
           <p:nvPr/>
         </p:nvPicPr>
@@ -10013,8 +10289,8 @@
         </p:blipFill>
         <p:spPr>
           <a:xfrm>
-            <a:off x="2732649" y="1707225"/>
-            <a:ext cx="1136878" cy="1136899"/>
+            <a:off x="5482139" y="2324275"/>
+            <a:ext cx="2129749" cy="2129775"/>
           </a:xfrm>
           <a:prstGeom prst="rect">
             <a:avLst/>
@@ -10025,6 +10301,90 @@
           </a:ln>
         </p:spPr>
       </p:pic>
+      <p:sp>
+        <p:nvSpPr>
+          <p:cNvPr id="95" name="Shape 95"/>
+          <p:cNvSpPr txBox="1"/>
+          <p:nvPr>
+            <p:ph idx="1" type="body"/>
+          </p:nvPr>
+        </p:nvSpPr>
+        <p:spPr>
+          <a:xfrm>
+            <a:off x="1427462" y="4663300"/>
+            <a:ext cx="2207699" cy="699599"/>
+          </a:xfrm>
+          <a:prstGeom prst="rect">
+            <a:avLst/>
+          </a:prstGeom>
+        </p:spPr>
+        <p:txBody>
+          <a:bodyPr anchorCtr="0" anchor="ctr" bIns="91425" lIns="91425" rIns="91425" tIns="91425">
+            <a:noAutofit/>
+          </a:bodyPr>
+          <a:lstStyle/>
+          <a:p>
+            <a:pPr lvl="0" rtl="0" algn="ctr">
+              <a:lnSpc>
+                <a:spcPct val="100000"/>
+              </a:lnSpc>
+              <a:spcBef>
+                <a:spcPts val="0"/>
+              </a:spcBef>
+              <a:spcAft>
+                <a:spcPts val="0"/>
+              </a:spcAft>
+              <a:buNone/>
+            </a:pPr>
+            <a:r>
+              <a:rPr lang="ca"/>
+              <a:t>Còpia de seguretat</a:t>
+            </a:r>
+          </a:p>
+        </p:txBody>
+      </p:sp>
+      <p:sp>
+        <p:nvSpPr>
+          <p:cNvPr id="96" name="Shape 96"/>
+          <p:cNvSpPr txBox="1"/>
+          <p:nvPr>
+            <p:ph idx="3" type="body"/>
+          </p:nvPr>
+        </p:nvSpPr>
+        <p:spPr>
+          <a:xfrm>
+            <a:off x="5422777" y="4752700"/>
+            <a:ext cx="2248499" cy="763500"/>
+          </a:xfrm>
+          <a:prstGeom prst="rect">
+            <a:avLst/>
+          </a:prstGeom>
+        </p:spPr>
+        <p:txBody>
+          <a:bodyPr anchorCtr="0" anchor="ctr" bIns="91425" lIns="91425" rIns="91425" tIns="91425">
+            <a:noAutofit/>
+          </a:bodyPr>
+          <a:lstStyle/>
+          <a:p>
+            <a:pPr lvl="0" rtl="0" algn="ctr">
+              <a:lnSpc>
+                <a:spcPct val="100000"/>
+              </a:lnSpc>
+              <a:spcBef>
+                <a:spcPts val="0"/>
+              </a:spcBef>
+              <a:spcAft>
+                <a:spcPts val="0"/>
+              </a:spcAft>
+              <a:buNone/>
+            </a:pPr>
+            <a:r>
+              <a:rPr lang="ca"/>
+              <a:t>Treball en equip</a:t>
+            </a:r>
+          </a:p>
+        </p:txBody>
+      </p:sp>
       <p:pic>
         <p:nvPicPr>
           <p:cNvPr id="97" name="Shape 97"/>
@@ -10041,454 +10401,8 @@
         </p:blipFill>
         <p:spPr>
           <a:xfrm>
-            <a:off x="5033308" y="1819224"/>
-            <a:ext cx="1177942" cy="912900"/>
-          </a:xfrm>
-          <a:prstGeom prst="rect">
-            <a:avLst/>
-          </a:prstGeom>
-          <a:noFill/>
-          <a:ln>
-            <a:noFill/>
-          </a:ln>
-        </p:spPr>
-      </p:pic>
-      <p:pic>
-        <p:nvPicPr>
-          <p:cNvPr id="98" name="Shape 98"/>
-          <p:cNvPicPr preferRelativeResize="0"/>
-          <p:nvPr/>
-        </p:nvPicPr>
-        <p:blipFill>
-          <a:blip r:embed="rId5">
-            <a:alphaModFix/>
-          </a:blip>
-          <a:stretch>
-            <a:fillRect/>
-          </a:stretch>
-        </p:blipFill>
-        <p:spPr>
-          <a:xfrm>
-            <a:off x="6368012" y="4518812"/>
-            <a:ext cx="1825875" cy="912924"/>
-          </a:xfrm>
-          <a:prstGeom prst="rect">
-            <a:avLst/>
-          </a:prstGeom>
-          <a:noFill/>
-          <a:ln>
-            <a:noFill/>
-          </a:ln>
-        </p:spPr>
-      </p:pic>
-      <p:pic>
-        <p:nvPicPr>
-          <p:cNvPr id="99" name="Shape 99"/>
-          <p:cNvPicPr preferRelativeResize="0"/>
-          <p:nvPr/>
-        </p:nvPicPr>
-        <p:blipFill>
-          <a:blip r:embed="rId6">
-            <a:alphaModFix/>
-          </a:blip>
-          <a:stretch>
-            <a:fillRect/>
-          </a:stretch>
-        </p:blipFill>
-        <p:spPr>
-          <a:xfrm>
-            <a:off x="1330575" y="4462137"/>
-            <a:ext cx="1385437" cy="1026250"/>
-          </a:xfrm>
-          <a:prstGeom prst="rect">
-            <a:avLst/>
-          </a:prstGeom>
-          <a:noFill/>
-          <a:ln>
-            <a:noFill/>
-          </a:ln>
-        </p:spPr>
-      </p:pic>
-      <p:pic>
-        <p:nvPicPr>
-          <p:cNvPr id="100" name="Shape 100"/>
-          <p:cNvPicPr preferRelativeResize="0"/>
-          <p:nvPr/>
-        </p:nvPicPr>
-        <p:blipFill>
-          <a:blip r:embed="rId7">
-            <a:alphaModFix/>
-          </a:blip>
-          <a:stretch>
-            <a:fillRect/>
-          </a:stretch>
-        </p:blipFill>
-        <p:spPr>
-          <a:xfrm>
-            <a:off x="6956825" y="1790200"/>
-            <a:ext cx="1752899" cy="970925"/>
-          </a:xfrm>
-          <a:prstGeom prst="rect">
-            <a:avLst/>
-          </a:prstGeom>
-          <a:noFill/>
-          <a:ln>
-            <a:noFill/>
-          </a:ln>
-        </p:spPr>
-      </p:pic>
-      <p:sp>
-        <p:nvSpPr>
-          <p:cNvPr id="101" name="Shape 101"/>
-          <p:cNvSpPr txBox="1"/>
-          <p:nvPr>
-            <p:ph idx="1" type="body"/>
-          </p:nvPr>
-        </p:nvSpPr>
-        <p:spPr>
-          <a:xfrm>
-            <a:off x="311650" y="3043650"/>
-            <a:ext cx="2207699" cy="699599"/>
-          </a:xfrm>
-          <a:prstGeom prst="rect">
-            <a:avLst/>
-          </a:prstGeom>
-        </p:spPr>
-        <p:txBody>
-          <a:bodyPr anchorCtr="0" anchor="ctr" bIns="91425" lIns="91425" rIns="91425" tIns="91425">
-            <a:noAutofit/>
-          </a:bodyPr>
-          <a:lstStyle/>
-          <a:p>
-            <a:pPr lvl="0" rtl="0" algn="ctr">
-              <a:lnSpc>
-                <a:spcPct val="100000"/>
-              </a:lnSpc>
-              <a:spcBef>
-                <a:spcPts val="0"/>
-              </a:spcBef>
-              <a:spcAft>
-                <a:spcPts val="0"/>
-              </a:spcAft>
-              <a:buNone/>
-            </a:pPr>
-            <a:r>
-              <a:rPr lang="ca"/>
-              <a:t>Còpia de seguretat</a:t>
-            </a:r>
-          </a:p>
-        </p:txBody>
-      </p:sp>
-      <p:sp>
-        <p:nvSpPr>
-          <p:cNvPr id="102" name="Shape 102"/>
-          <p:cNvSpPr txBox="1"/>
-          <p:nvPr>
-            <p:ph idx="3" type="body"/>
-          </p:nvPr>
-        </p:nvSpPr>
-        <p:spPr>
-          <a:xfrm>
-            <a:off x="2467925" y="3035725"/>
-            <a:ext cx="1886699" cy="763500"/>
-          </a:xfrm>
-          <a:prstGeom prst="rect">
-            <a:avLst/>
-          </a:prstGeom>
-        </p:spPr>
-        <p:txBody>
-          <a:bodyPr anchorCtr="0" anchor="ctr" bIns="91425" lIns="91425" rIns="91425" tIns="91425">
-            <a:noAutofit/>
-          </a:bodyPr>
-          <a:lstStyle/>
-          <a:p>
-            <a:pPr lvl="0" rtl="0" algn="ctr">
-              <a:lnSpc>
-                <a:spcPct val="100000"/>
-              </a:lnSpc>
-              <a:spcBef>
-                <a:spcPts val="0"/>
-              </a:spcBef>
-              <a:spcAft>
-                <a:spcPts val="0"/>
-              </a:spcAft>
-              <a:buNone/>
-            </a:pPr>
-            <a:r>
-              <a:rPr lang="ca"/>
-              <a:t>Treball en equip</a:t>
-            </a:r>
-          </a:p>
-        </p:txBody>
-      </p:sp>
-      <p:sp>
-        <p:nvSpPr>
-          <p:cNvPr id="103" name="Shape 103"/>
-          <p:cNvSpPr txBox="1"/>
-          <p:nvPr>
-            <p:ph idx="4" type="body"/>
-          </p:nvPr>
-        </p:nvSpPr>
-        <p:spPr>
-          <a:xfrm>
-            <a:off x="4540775" y="3047250"/>
-            <a:ext cx="2163000" cy="763500"/>
-          </a:xfrm>
-          <a:prstGeom prst="rect">
-            <a:avLst/>
-          </a:prstGeom>
-        </p:spPr>
-        <p:txBody>
-          <a:bodyPr anchorCtr="0" anchor="ctr" bIns="91425" lIns="91425" rIns="91425" tIns="91425">
-            <a:noAutofit/>
-          </a:bodyPr>
-          <a:lstStyle/>
-          <a:p>
-            <a:pPr lvl="0" rtl="0" algn="ctr">
-              <a:lnSpc>
-                <a:spcPct val="100000"/>
-              </a:lnSpc>
-              <a:spcBef>
-                <a:spcPts val="0"/>
-              </a:spcBef>
-              <a:spcAft>
-                <a:spcPts val="0"/>
-              </a:spcAft>
-              <a:buNone/>
-            </a:pPr>
-            <a:r>
-              <a:rPr lang="ca"/>
-              <a:t>Desfer (curt/</a:t>
-            </a:r>
-            <a:r>
-              <a:rPr lang="ca">
-                <a:solidFill>
-                  <a:schemeClr val="dk1"/>
-                </a:solidFill>
-              </a:rPr>
-              <a:t>llarg</a:t>
-            </a:r>
-            <a:r>
-              <a:rPr lang="ca"/>
-              <a:t> termini)</a:t>
-            </a:r>
-          </a:p>
-        </p:txBody>
-      </p:sp>
-      <p:sp>
-        <p:nvSpPr>
-          <p:cNvPr id="104" name="Shape 104"/>
-          <p:cNvSpPr txBox="1"/>
-          <p:nvPr>
-            <p:ph idx="5" type="body"/>
-          </p:nvPr>
-        </p:nvSpPr>
-        <p:spPr>
-          <a:xfrm>
-            <a:off x="6889925" y="3011700"/>
-            <a:ext cx="1886699" cy="763500"/>
-          </a:xfrm>
-          <a:prstGeom prst="rect">
-            <a:avLst/>
-          </a:prstGeom>
-        </p:spPr>
-        <p:txBody>
-          <a:bodyPr anchorCtr="0" anchor="ctr" bIns="91425" lIns="91425" rIns="91425" tIns="91425">
-            <a:noAutofit/>
-          </a:bodyPr>
-          <a:lstStyle/>
-          <a:p>
-            <a:pPr lvl="0" rtl="0" algn="ctr">
-              <a:lnSpc>
-                <a:spcPct val="100000"/>
-              </a:lnSpc>
-              <a:spcBef>
-                <a:spcPts val="0"/>
-              </a:spcBef>
-              <a:spcAft>
-                <a:spcPts val="0"/>
-              </a:spcAft>
-              <a:buNone/>
-            </a:pPr>
-            <a:r>
-              <a:rPr lang="ca"/>
-              <a:t>Canvis</a:t>
-            </a:r>
-          </a:p>
-        </p:txBody>
-      </p:sp>
-      <p:sp>
-        <p:nvSpPr>
-          <p:cNvPr id="105" name="Shape 105"/>
-          <p:cNvSpPr txBox="1"/>
-          <p:nvPr>
-            <p:ph idx="6" type="body"/>
-          </p:nvPr>
-        </p:nvSpPr>
-        <p:spPr>
-          <a:xfrm>
-            <a:off x="927550" y="5541800"/>
-            <a:ext cx="1886699" cy="699599"/>
-          </a:xfrm>
-          <a:prstGeom prst="rect">
-            <a:avLst/>
-          </a:prstGeom>
-        </p:spPr>
-        <p:txBody>
-          <a:bodyPr anchorCtr="0" anchor="ctr" bIns="91425" lIns="91425" rIns="91425" tIns="91425">
-            <a:noAutofit/>
-          </a:bodyPr>
-          <a:lstStyle/>
-          <a:p>
-            <a:pPr lvl="0" rtl="0" algn="ctr">
-              <a:lnSpc>
-                <a:spcPct val="100000"/>
-              </a:lnSpc>
-              <a:spcBef>
-                <a:spcPts val="0"/>
-              </a:spcBef>
-              <a:spcAft>
-                <a:spcPts val="0"/>
-              </a:spcAft>
-              <a:buNone/>
-            </a:pPr>
-            <a:r>
-              <a:rPr lang="ca"/>
-              <a:t>Autoria</a:t>
-            </a:r>
-          </a:p>
-        </p:txBody>
-      </p:sp>
-      <p:sp>
-        <p:nvSpPr>
-          <p:cNvPr id="106" name="Shape 106"/>
-          <p:cNvSpPr txBox="1"/>
-          <p:nvPr>
-            <p:ph idx="7" type="body"/>
-          </p:nvPr>
-        </p:nvSpPr>
-        <p:spPr>
-          <a:xfrm>
-            <a:off x="6337600" y="5591450"/>
-            <a:ext cx="1886699" cy="699599"/>
-          </a:xfrm>
-          <a:prstGeom prst="rect">
-            <a:avLst/>
-          </a:prstGeom>
-        </p:spPr>
-        <p:txBody>
-          <a:bodyPr anchorCtr="0" anchor="ctr" bIns="91425" lIns="91425" rIns="91425" tIns="91425">
-            <a:noAutofit/>
-          </a:bodyPr>
-          <a:lstStyle/>
-          <a:p>
-            <a:pPr lvl="0" rtl="0" algn="ctr">
-              <a:lnSpc>
-                <a:spcPct val="100000"/>
-              </a:lnSpc>
-              <a:spcBef>
-                <a:spcPts val="0"/>
-              </a:spcBef>
-              <a:spcAft>
-                <a:spcPts val="0"/>
-              </a:spcAft>
-              <a:buNone/>
-            </a:pPr>
-            <a:r>
-              <a:rPr lang="ca"/>
-              <a:t>Branques</a:t>
-            </a:r>
-          </a:p>
-        </p:txBody>
-      </p:sp>
-      <p:pic>
-        <p:nvPicPr>
-          <p:cNvPr id="107" name="Shape 107"/>
-          <p:cNvPicPr preferRelativeResize="0"/>
-          <p:nvPr/>
-        </p:nvPicPr>
-        <p:blipFill>
-          <a:blip r:embed="rId8">
-            <a:alphaModFix/>
-          </a:blip>
-          <a:stretch>
-            <a:fillRect/>
-          </a:stretch>
-        </p:blipFill>
-        <p:spPr>
-          <a:xfrm>
-            <a:off x="4064375" y="4408724"/>
-            <a:ext cx="1136874" cy="1133076"/>
-          </a:xfrm>
-          <a:prstGeom prst="rect">
-            <a:avLst/>
-          </a:prstGeom>
-          <a:noFill/>
-          <a:ln>
-            <a:noFill/>
-          </a:ln>
-        </p:spPr>
-      </p:pic>
-      <p:sp>
-        <p:nvSpPr>
-          <p:cNvPr id="108" name="Shape 108"/>
-          <p:cNvSpPr txBox="1"/>
-          <p:nvPr>
-            <p:ph idx="8" type="body"/>
-          </p:nvPr>
-        </p:nvSpPr>
-        <p:spPr>
-          <a:xfrm>
-            <a:off x="3708762" y="5591450"/>
-            <a:ext cx="1886699" cy="699599"/>
-          </a:xfrm>
-          <a:prstGeom prst="rect">
-            <a:avLst/>
-          </a:prstGeom>
-        </p:spPr>
-        <p:txBody>
-          <a:bodyPr anchorCtr="0" anchor="ctr" bIns="91425" lIns="91425" rIns="91425" tIns="91425">
-            <a:noAutofit/>
-          </a:bodyPr>
-          <a:lstStyle/>
-          <a:p>
-            <a:pPr lvl="0" rtl="0" algn="ctr">
-              <a:lnSpc>
-                <a:spcPct val="100000"/>
-              </a:lnSpc>
-              <a:spcBef>
-                <a:spcPts val="0"/>
-              </a:spcBef>
-              <a:spcAft>
-                <a:spcPts val="0"/>
-              </a:spcAft>
-              <a:buNone/>
-            </a:pPr>
-            <a:r>
-              <a:rPr lang="ca"/>
-              <a:t>Assegurança personal</a:t>
-            </a:r>
-          </a:p>
-        </p:txBody>
-      </p:sp>
-      <p:pic>
-        <p:nvPicPr>
-          <p:cNvPr id="109" name="Shape 109"/>
-          <p:cNvPicPr preferRelativeResize="0"/>
-          <p:nvPr/>
-        </p:nvPicPr>
-        <p:blipFill>
-          <a:blip r:embed="rId9">
-            <a:alphaModFix/>
-          </a:blip>
-          <a:stretch>
-            <a:fillRect/>
-          </a:stretch>
-        </p:blipFill>
-        <p:spPr>
-          <a:xfrm>
-            <a:off x="919625" y="1728018"/>
-            <a:ext cx="991750" cy="1095296"/>
+            <a:off x="1532100" y="2128037"/>
+            <a:ext cx="1998449" cy="2207087"/>
           </a:xfrm>
           <a:prstGeom prst="rect">
             <a:avLst/>
@@ -10515,7 +10429,7 @@
   <p:cSld>
     <p:spTree>
       <p:nvGrpSpPr>
-        <p:cNvPr id="113" name="Shape 113"/>
+        <p:cNvPr id="101" name="Shape 101"/>
         <p:cNvGrpSpPr/>
         <p:nvPr/>
       </p:nvGrpSpPr>
@@ -10529,16 +10443,16 @@
       </p:grpSpPr>
       <p:sp>
         <p:nvSpPr>
-          <p:cNvPr id="114" name="Shape 114"/>
-          <p:cNvSpPr txBox="1"/>
-          <p:nvPr>
-            <p:ph type="title"/>
-          </p:nvPr>
-        </p:nvSpPr>
-        <p:spPr>
-          <a:xfrm>
-            <a:off x="311700" y="274721"/>
-            <a:ext cx="8520599" cy="6196199"/>
+          <p:cNvPr id="102" name="Shape 102"/>
+          <p:cNvSpPr txBox="1"/>
+          <p:nvPr>
+            <p:ph idx="12" type="sldNum"/>
+          </p:nvPr>
+        </p:nvSpPr>
+        <p:spPr>
+          <a:xfrm>
+            <a:off x="8472457" y="8290163"/>
+            <a:ext cx="548699" cy="699599"/>
           </a:xfrm>
           <a:prstGeom prst="rect">
             <a:avLst/>
@@ -10556,19 +10470,79 @@
               </a:spcBef>
               <a:buNone/>
             </a:pPr>
-            <a:r>
-              <a:rPr lang="ca" sz="6000"/>
-              <a:t>Per què git?</a:t>
-            </a:r>
-          </a:p>
-        </p:txBody>
-      </p:sp>
-      <p:sp>
-        <p:nvSpPr>
-          <p:cNvPr id="115" name="Shape 115"/>
-          <p:cNvSpPr txBox="1"/>
-          <p:nvPr>
-            <p:ph idx="12" type="sldNum"/>
+            <a:fld id="{00000000-1234-1234-1234-123412341234}" type="slidenum">
+              <a:rPr lang="ca"/>
+              <a:t>‹#›</a:t>
+            </a:fld>
+          </a:p>
+        </p:txBody>
+      </p:sp>
+      <p:sp>
+        <p:nvSpPr>
+          <p:cNvPr id="103" name="Shape 103"/>
+          <p:cNvSpPr txBox="1"/>
+          <p:nvPr>
+            <p:ph type="title"/>
+          </p:nvPr>
+        </p:nvSpPr>
+        <p:spPr>
+          <a:xfrm>
+            <a:off x="311650" y="123291"/>
+            <a:ext cx="8520599" cy="763500"/>
+          </a:xfrm>
+          <a:prstGeom prst="rect">
+            <a:avLst/>
+          </a:prstGeom>
+        </p:spPr>
+        <p:txBody>
+          <a:bodyPr anchorCtr="0" anchor="t" bIns="91425" lIns="91425" rIns="91425" tIns="91425">
+            <a:noAutofit/>
+          </a:bodyPr>
+          <a:lstStyle/>
+          <a:p>
+            <a:pPr lvl="0" rtl="0">
+              <a:spcBef>
+                <a:spcPts val="0"/>
+              </a:spcBef>
+              <a:buNone/>
+            </a:pPr>
+            <a:r>
+              <a:rPr lang="ca"/>
+              <a:t>Control de versions, que aporta?</a:t>
+            </a:r>
+          </a:p>
+          <a:p>
+            <a:pPr lvl="0" rtl="0">
+              <a:spcBef>
+                <a:spcPts val="0"/>
+              </a:spcBef>
+              <a:buNone/>
+            </a:pPr>
+            <a:r>
+              <a:t/>
+            </a:r>
+            <a:endParaRPr/>
+          </a:p>
+          <a:p>
+            <a:pPr lvl="0" rtl="0">
+              <a:spcBef>
+                <a:spcPts val="0"/>
+              </a:spcBef>
+              <a:buNone/>
+            </a:pPr>
+            <a:r>
+              <a:t/>
+            </a:r>
+            <a:endParaRPr/>
+          </a:p>
+        </p:txBody>
+      </p:sp>
+      <p:sp>
+        <p:nvSpPr>
+          <p:cNvPr id="104" name="Shape 104"/>
+          <p:cNvSpPr txBox="1"/>
+          <p:nvPr>
+            <p:ph idx="2" type="sldNum"/>
           </p:nvPr>
         </p:nvSpPr>
         <p:spPr>
@@ -10593,16 +10567,514 @@
               <a:buNone/>
             </a:pPr>
             <a:fld id="{00000000-1234-1234-1234-123412341234}" type="slidenum">
+              <a:rPr lang="ca"/>
+              <a:t>‹#›</a:t>
+            </a:fld>
+          </a:p>
+        </p:txBody>
+      </p:sp>
+      <p:pic>
+        <p:nvPicPr>
+          <p:cNvPr id="105" name="Shape 105"/>
+          <p:cNvPicPr preferRelativeResize="0"/>
+          <p:nvPr/>
+        </p:nvPicPr>
+        <p:blipFill>
+          <a:blip r:embed="rId3">
+            <a:alphaModFix/>
+          </a:blip>
+          <a:stretch>
+            <a:fillRect/>
+          </a:stretch>
+        </p:blipFill>
+        <p:spPr>
+          <a:xfrm>
+            <a:off x="2732649" y="1707225"/>
+            <a:ext cx="1136878" cy="1136899"/>
+          </a:xfrm>
+          <a:prstGeom prst="rect">
+            <a:avLst/>
+          </a:prstGeom>
+          <a:noFill/>
+          <a:ln>
+            <a:noFill/>
+          </a:ln>
+        </p:spPr>
+      </p:pic>
+      <p:pic>
+        <p:nvPicPr>
+          <p:cNvPr id="106" name="Shape 106"/>
+          <p:cNvPicPr preferRelativeResize="0"/>
+          <p:nvPr/>
+        </p:nvPicPr>
+        <p:blipFill>
+          <a:blip r:embed="rId4">
+            <a:alphaModFix/>
+          </a:blip>
+          <a:stretch>
+            <a:fillRect/>
+          </a:stretch>
+        </p:blipFill>
+        <p:spPr>
+          <a:xfrm>
+            <a:off x="5033308" y="1819224"/>
+            <a:ext cx="1177942" cy="912900"/>
+          </a:xfrm>
+          <a:prstGeom prst="rect">
+            <a:avLst/>
+          </a:prstGeom>
+          <a:noFill/>
+          <a:ln>
+            <a:noFill/>
+          </a:ln>
+        </p:spPr>
+      </p:pic>
+      <p:pic>
+        <p:nvPicPr>
+          <p:cNvPr id="107" name="Shape 107"/>
+          <p:cNvPicPr preferRelativeResize="0"/>
+          <p:nvPr/>
+        </p:nvPicPr>
+        <p:blipFill>
+          <a:blip r:embed="rId5">
+            <a:alphaModFix/>
+          </a:blip>
+          <a:stretch>
+            <a:fillRect/>
+          </a:stretch>
+        </p:blipFill>
+        <p:spPr>
+          <a:xfrm>
+            <a:off x="6368012" y="4518812"/>
+            <a:ext cx="1825875" cy="912924"/>
+          </a:xfrm>
+          <a:prstGeom prst="rect">
+            <a:avLst/>
+          </a:prstGeom>
+          <a:noFill/>
+          <a:ln>
+            <a:noFill/>
+          </a:ln>
+        </p:spPr>
+      </p:pic>
+      <p:pic>
+        <p:nvPicPr>
+          <p:cNvPr id="108" name="Shape 108"/>
+          <p:cNvPicPr preferRelativeResize="0"/>
+          <p:nvPr/>
+        </p:nvPicPr>
+        <p:blipFill>
+          <a:blip r:embed="rId6">
+            <a:alphaModFix/>
+          </a:blip>
+          <a:stretch>
+            <a:fillRect/>
+          </a:stretch>
+        </p:blipFill>
+        <p:spPr>
+          <a:xfrm>
+            <a:off x="1330575" y="4462137"/>
+            <a:ext cx="1385437" cy="1026250"/>
+          </a:xfrm>
+          <a:prstGeom prst="rect">
+            <a:avLst/>
+          </a:prstGeom>
+          <a:noFill/>
+          <a:ln>
+            <a:noFill/>
+          </a:ln>
+        </p:spPr>
+      </p:pic>
+      <p:pic>
+        <p:nvPicPr>
+          <p:cNvPr id="109" name="Shape 109"/>
+          <p:cNvPicPr preferRelativeResize="0"/>
+          <p:nvPr/>
+        </p:nvPicPr>
+        <p:blipFill>
+          <a:blip r:embed="rId7">
+            <a:alphaModFix/>
+          </a:blip>
+          <a:stretch>
+            <a:fillRect/>
+          </a:stretch>
+        </p:blipFill>
+        <p:spPr>
+          <a:xfrm>
+            <a:off x="6956825" y="1790200"/>
+            <a:ext cx="1752899" cy="970925"/>
+          </a:xfrm>
+          <a:prstGeom prst="rect">
+            <a:avLst/>
+          </a:prstGeom>
+          <a:noFill/>
+          <a:ln>
+            <a:noFill/>
+          </a:ln>
+        </p:spPr>
+      </p:pic>
+      <p:sp>
+        <p:nvSpPr>
+          <p:cNvPr id="110" name="Shape 110"/>
+          <p:cNvSpPr txBox="1"/>
+          <p:nvPr>
+            <p:ph idx="1" type="body"/>
+          </p:nvPr>
+        </p:nvSpPr>
+        <p:spPr>
+          <a:xfrm>
+            <a:off x="311650" y="3043650"/>
+            <a:ext cx="2207699" cy="699599"/>
+          </a:xfrm>
+          <a:prstGeom prst="rect">
+            <a:avLst/>
+          </a:prstGeom>
+        </p:spPr>
+        <p:txBody>
+          <a:bodyPr anchorCtr="0" anchor="ctr" bIns="91425" lIns="91425" rIns="91425" tIns="91425">
+            <a:noAutofit/>
+          </a:bodyPr>
+          <a:lstStyle/>
+          <a:p>
+            <a:pPr lvl="0" rtl="0" algn="ctr">
+              <a:lnSpc>
+                <a:spcPct val="100000"/>
+              </a:lnSpc>
+              <a:spcBef>
+                <a:spcPts val="0"/>
+              </a:spcBef>
+              <a:spcAft>
+                <a:spcPts val="0"/>
+              </a:spcAft>
+              <a:buNone/>
+            </a:pPr>
+            <a:r>
+              <a:rPr lang="ca"/>
+              <a:t>Còpia de seguretat</a:t>
+            </a:r>
+          </a:p>
+        </p:txBody>
+      </p:sp>
+      <p:sp>
+        <p:nvSpPr>
+          <p:cNvPr id="111" name="Shape 111"/>
+          <p:cNvSpPr txBox="1"/>
+          <p:nvPr>
+            <p:ph idx="3" type="body"/>
+          </p:nvPr>
+        </p:nvSpPr>
+        <p:spPr>
+          <a:xfrm>
+            <a:off x="2467925" y="3035725"/>
+            <a:ext cx="1886699" cy="763500"/>
+          </a:xfrm>
+          <a:prstGeom prst="rect">
+            <a:avLst/>
+          </a:prstGeom>
+        </p:spPr>
+        <p:txBody>
+          <a:bodyPr anchorCtr="0" anchor="ctr" bIns="91425" lIns="91425" rIns="91425" tIns="91425">
+            <a:noAutofit/>
+          </a:bodyPr>
+          <a:lstStyle/>
+          <a:p>
+            <a:pPr lvl="0" rtl="0" algn="ctr">
+              <a:lnSpc>
+                <a:spcPct val="100000"/>
+              </a:lnSpc>
+              <a:spcBef>
+                <a:spcPts val="0"/>
+              </a:spcBef>
+              <a:spcAft>
+                <a:spcPts val="0"/>
+              </a:spcAft>
+              <a:buNone/>
+            </a:pPr>
+            <a:r>
+              <a:rPr lang="ca"/>
+              <a:t>Treball en equip</a:t>
+            </a:r>
+          </a:p>
+        </p:txBody>
+      </p:sp>
+      <p:sp>
+        <p:nvSpPr>
+          <p:cNvPr id="112" name="Shape 112"/>
+          <p:cNvSpPr txBox="1"/>
+          <p:nvPr>
+            <p:ph idx="4" type="body"/>
+          </p:nvPr>
+        </p:nvSpPr>
+        <p:spPr>
+          <a:xfrm>
+            <a:off x="4540775" y="3047250"/>
+            <a:ext cx="2163000" cy="763500"/>
+          </a:xfrm>
+          <a:prstGeom prst="rect">
+            <a:avLst/>
+          </a:prstGeom>
+        </p:spPr>
+        <p:txBody>
+          <a:bodyPr anchorCtr="0" anchor="ctr" bIns="91425" lIns="91425" rIns="91425" tIns="91425">
+            <a:noAutofit/>
+          </a:bodyPr>
+          <a:lstStyle/>
+          <a:p>
+            <a:pPr lvl="0" rtl="0" algn="ctr">
+              <a:lnSpc>
+                <a:spcPct val="100000"/>
+              </a:lnSpc>
+              <a:spcBef>
+                <a:spcPts val="0"/>
+              </a:spcBef>
+              <a:spcAft>
+                <a:spcPts val="0"/>
+              </a:spcAft>
+              <a:buNone/>
+            </a:pPr>
+            <a:r>
+              <a:rPr lang="ca"/>
+              <a:t>Desfer (curt/</a:t>
+            </a:r>
+            <a:r>
               <a:rPr lang="ca">
                 <a:solidFill>
-                  <a:schemeClr val="lt1"/>
+                  <a:schemeClr val="dk1"/>
                 </a:solidFill>
               </a:rPr>
-              <a:t>‹#›</a:t>
-            </a:fld>
-          </a:p>
-        </p:txBody>
-      </p:sp>
+              <a:t>llarg</a:t>
+            </a:r>
+            <a:r>
+              <a:rPr lang="ca"/>
+              <a:t> termini)</a:t>
+            </a:r>
+          </a:p>
+        </p:txBody>
+      </p:sp>
+      <p:sp>
+        <p:nvSpPr>
+          <p:cNvPr id="113" name="Shape 113"/>
+          <p:cNvSpPr txBox="1"/>
+          <p:nvPr>
+            <p:ph idx="5" type="body"/>
+          </p:nvPr>
+        </p:nvSpPr>
+        <p:spPr>
+          <a:xfrm>
+            <a:off x="6889925" y="3011700"/>
+            <a:ext cx="1886699" cy="763500"/>
+          </a:xfrm>
+          <a:prstGeom prst="rect">
+            <a:avLst/>
+          </a:prstGeom>
+        </p:spPr>
+        <p:txBody>
+          <a:bodyPr anchorCtr="0" anchor="ctr" bIns="91425" lIns="91425" rIns="91425" tIns="91425">
+            <a:noAutofit/>
+          </a:bodyPr>
+          <a:lstStyle/>
+          <a:p>
+            <a:pPr lvl="0" rtl="0" algn="ctr">
+              <a:lnSpc>
+                <a:spcPct val="100000"/>
+              </a:lnSpc>
+              <a:spcBef>
+                <a:spcPts val="0"/>
+              </a:spcBef>
+              <a:spcAft>
+                <a:spcPts val="0"/>
+              </a:spcAft>
+              <a:buNone/>
+            </a:pPr>
+            <a:r>
+              <a:rPr lang="ca"/>
+              <a:t>Canvis</a:t>
+            </a:r>
+          </a:p>
+        </p:txBody>
+      </p:sp>
+      <p:sp>
+        <p:nvSpPr>
+          <p:cNvPr id="114" name="Shape 114"/>
+          <p:cNvSpPr txBox="1"/>
+          <p:nvPr>
+            <p:ph idx="6" type="body"/>
+          </p:nvPr>
+        </p:nvSpPr>
+        <p:spPr>
+          <a:xfrm>
+            <a:off x="927550" y="5541800"/>
+            <a:ext cx="1886699" cy="699599"/>
+          </a:xfrm>
+          <a:prstGeom prst="rect">
+            <a:avLst/>
+          </a:prstGeom>
+        </p:spPr>
+        <p:txBody>
+          <a:bodyPr anchorCtr="0" anchor="ctr" bIns="91425" lIns="91425" rIns="91425" tIns="91425">
+            <a:noAutofit/>
+          </a:bodyPr>
+          <a:lstStyle/>
+          <a:p>
+            <a:pPr lvl="0" rtl="0" algn="ctr">
+              <a:lnSpc>
+                <a:spcPct val="100000"/>
+              </a:lnSpc>
+              <a:spcBef>
+                <a:spcPts val="0"/>
+              </a:spcBef>
+              <a:spcAft>
+                <a:spcPts val="0"/>
+              </a:spcAft>
+              <a:buNone/>
+            </a:pPr>
+            <a:r>
+              <a:rPr lang="ca"/>
+              <a:t>Autoria</a:t>
+            </a:r>
+          </a:p>
+        </p:txBody>
+      </p:sp>
+      <p:sp>
+        <p:nvSpPr>
+          <p:cNvPr id="115" name="Shape 115"/>
+          <p:cNvSpPr txBox="1"/>
+          <p:nvPr>
+            <p:ph idx="7" type="body"/>
+          </p:nvPr>
+        </p:nvSpPr>
+        <p:spPr>
+          <a:xfrm>
+            <a:off x="6337600" y="5591450"/>
+            <a:ext cx="1886699" cy="699599"/>
+          </a:xfrm>
+          <a:prstGeom prst="rect">
+            <a:avLst/>
+          </a:prstGeom>
+        </p:spPr>
+        <p:txBody>
+          <a:bodyPr anchorCtr="0" anchor="ctr" bIns="91425" lIns="91425" rIns="91425" tIns="91425">
+            <a:noAutofit/>
+          </a:bodyPr>
+          <a:lstStyle/>
+          <a:p>
+            <a:pPr lvl="0" rtl="0" algn="ctr">
+              <a:lnSpc>
+                <a:spcPct val="100000"/>
+              </a:lnSpc>
+              <a:spcBef>
+                <a:spcPts val="0"/>
+              </a:spcBef>
+              <a:spcAft>
+                <a:spcPts val="0"/>
+              </a:spcAft>
+              <a:buNone/>
+            </a:pPr>
+            <a:r>
+              <a:rPr lang="ca"/>
+              <a:t>Branques</a:t>
+            </a:r>
+          </a:p>
+        </p:txBody>
+      </p:sp>
+      <p:pic>
+        <p:nvPicPr>
+          <p:cNvPr id="116" name="Shape 116"/>
+          <p:cNvPicPr preferRelativeResize="0"/>
+          <p:nvPr/>
+        </p:nvPicPr>
+        <p:blipFill>
+          <a:blip r:embed="rId8">
+            <a:alphaModFix/>
+          </a:blip>
+          <a:stretch>
+            <a:fillRect/>
+          </a:stretch>
+        </p:blipFill>
+        <p:spPr>
+          <a:xfrm>
+            <a:off x="4064375" y="4408724"/>
+            <a:ext cx="1136874" cy="1133076"/>
+          </a:xfrm>
+          <a:prstGeom prst="rect">
+            <a:avLst/>
+          </a:prstGeom>
+          <a:noFill/>
+          <a:ln>
+            <a:noFill/>
+          </a:ln>
+        </p:spPr>
+      </p:pic>
+      <p:sp>
+        <p:nvSpPr>
+          <p:cNvPr id="117" name="Shape 117"/>
+          <p:cNvSpPr txBox="1"/>
+          <p:nvPr>
+            <p:ph idx="8" type="body"/>
+          </p:nvPr>
+        </p:nvSpPr>
+        <p:spPr>
+          <a:xfrm>
+            <a:off x="3708762" y="5591450"/>
+            <a:ext cx="1886699" cy="699599"/>
+          </a:xfrm>
+          <a:prstGeom prst="rect">
+            <a:avLst/>
+          </a:prstGeom>
+        </p:spPr>
+        <p:txBody>
+          <a:bodyPr anchorCtr="0" anchor="ctr" bIns="91425" lIns="91425" rIns="91425" tIns="91425">
+            <a:noAutofit/>
+          </a:bodyPr>
+          <a:lstStyle/>
+          <a:p>
+            <a:pPr lvl="0" rtl="0" algn="ctr">
+              <a:lnSpc>
+                <a:spcPct val="100000"/>
+              </a:lnSpc>
+              <a:spcBef>
+                <a:spcPts val="0"/>
+              </a:spcBef>
+              <a:spcAft>
+                <a:spcPts val="0"/>
+              </a:spcAft>
+              <a:buNone/>
+            </a:pPr>
+            <a:r>
+              <a:rPr lang="ca"/>
+              <a:t>Assegurança personal</a:t>
+            </a:r>
+          </a:p>
+        </p:txBody>
+      </p:sp>
+      <p:pic>
+        <p:nvPicPr>
+          <p:cNvPr id="118" name="Shape 118"/>
+          <p:cNvPicPr preferRelativeResize="0"/>
+          <p:nvPr/>
+        </p:nvPicPr>
+        <p:blipFill>
+          <a:blip r:embed="rId9">
+            <a:alphaModFix/>
+          </a:blip>
+          <a:stretch>
+            <a:fillRect/>
+          </a:stretch>
+        </p:blipFill>
+        <p:spPr>
+          <a:xfrm>
+            <a:off x="919625" y="1728018"/>
+            <a:ext cx="991750" cy="1095296"/>
+          </a:xfrm>
+          <a:prstGeom prst="rect">
+            <a:avLst/>
+          </a:prstGeom>
+          <a:noFill/>
+          <a:ln>
+            <a:noFill/>
+          </a:ln>
+        </p:spPr>
+      </p:pic>
     </p:spTree>
   </p:cSld>
   <p:clrMapOvr>
@@ -10619,7 +11091,7 @@
   <p:cSld>
     <p:spTree>
       <p:nvGrpSpPr>
-        <p:cNvPr id="119" name="Shape 119"/>
+        <p:cNvPr id="122" name="Shape 122"/>
         <p:cNvGrpSpPr/>
         <p:nvPr/>
       </p:nvGrpSpPr>
@@ -10633,16 +11105,16 @@
       </p:grpSpPr>
       <p:sp>
         <p:nvSpPr>
-          <p:cNvPr id="120" name="Shape 120"/>
-          <p:cNvSpPr txBox="1"/>
-          <p:nvPr>
-            <p:ph idx="12" type="sldNum"/>
-          </p:nvPr>
-        </p:nvSpPr>
-        <p:spPr>
-          <a:xfrm>
-            <a:off x="8472457" y="8290163"/>
-            <a:ext cx="548699" cy="699599"/>
+          <p:cNvPr id="123" name="Shape 123"/>
+          <p:cNvSpPr txBox="1"/>
+          <p:nvPr>
+            <p:ph type="title"/>
+          </p:nvPr>
+        </p:nvSpPr>
+        <p:spPr>
+          <a:xfrm>
+            <a:off x="311700" y="274721"/>
+            <a:ext cx="8520599" cy="6196199"/>
           </a:xfrm>
           <a:prstGeom prst="rect">
             <a:avLst/>
@@ -10660,79 +11132,19 @@
               </a:spcBef>
               <a:buNone/>
             </a:pPr>
-            <a:fld id="{00000000-1234-1234-1234-123412341234}" type="slidenum">
-              <a:rPr lang="ca"/>
-              <a:t>‹#›</a:t>
-            </a:fld>
-          </a:p>
-        </p:txBody>
-      </p:sp>
-      <p:sp>
-        <p:nvSpPr>
-          <p:cNvPr id="121" name="Shape 121"/>
-          <p:cNvSpPr txBox="1"/>
-          <p:nvPr>
-            <p:ph type="title"/>
-          </p:nvPr>
-        </p:nvSpPr>
-        <p:spPr>
-          <a:xfrm>
-            <a:off x="311650" y="123291"/>
-            <a:ext cx="8520599" cy="763500"/>
-          </a:xfrm>
-          <a:prstGeom prst="rect">
-            <a:avLst/>
-          </a:prstGeom>
-        </p:spPr>
-        <p:txBody>
-          <a:bodyPr anchorCtr="0" anchor="t" bIns="91425" lIns="91425" rIns="91425" tIns="91425">
-            <a:noAutofit/>
-          </a:bodyPr>
-          <a:lstStyle/>
-          <a:p>
-            <a:pPr lvl="0" rtl="0">
-              <a:spcBef>
-                <a:spcPts val="0"/>
-              </a:spcBef>
-              <a:buNone/>
-            </a:pPr>
-            <a:r>
-              <a:rPr lang="ca"/>
+            <a:r>
+              <a:rPr lang="ca" sz="6000"/>
               <a:t>Per què git?</a:t>
             </a:r>
           </a:p>
-          <a:p>
-            <a:pPr lvl="0" rtl="0">
-              <a:spcBef>
-                <a:spcPts val="0"/>
-              </a:spcBef>
-              <a:buNone/>
-            </a:pPr>
-            <a:r>
-              <a:t/>
-            </a:r>
-            <a:endParaRPr/>
-          </a:p>
-          <a:p>
-            <a:pPr lvl="0" rtl="0">
-              <a:spcBef>
-                <a:spcPts val="0"/>
-              </a:spcBef>
-              <a:buNone/>
-            </a:pPr>
-            <a:r>
-              <a:t/>
-            </a:r>
-            <a:endParaRPr/>
-          </a:p>
-        </p:txBody>
-      </p:sp>
-      <p:sp>
-        <p:nvSpPr>
-          <p:cNvPr id="122" name="Shape 122"/>
-          <p:cNvSpPr txBox="1"/>
-          <p:nvPr>
-            <p:ph idx="2" type="sldNum"/>
+        </p:txBody>
+      </p:sp>
+      <p:sp>
+        <p:nvSpPr>
+          <p:cNvPr id="124" name="Shape 124"/>
+          <p:cNvSpPr txBox="1"/>
+          <p:nvPr>
+            <p:ph idx="12" type="sldNum"/>
           </p:nvPr>
         </p:nvSpPr>
         <p:spPr>
@@ -10757,40 +11169,16 @@
               <a:buNone/>
             </a:pPr>
             <a:fld id="{00000000-1234-1234-1234-123412341234}" type="slidenum">
-              <a:rPr lang="ca"/>
+              <a:rPr lang="ca">
+                <a:solidFill>
+                  <a:schemeClr val="lt1"/>
+                </a:solidFill>
+              </a:rPr>
               <a:t>‹#›</a:t>
             </a:fld>
           </a:p>
         </p:txBody>
       </p:sp>
-      <p:pic>
-        <p:nvPicPr>
-          <p:cNvPr id="123" name="Shape 123"/>
-          <p:cNvPicPr preferRelativeResize="0"/>
-          <p:nvPr/>
-        </p:nvPicPr>
-        <p:blipFill>
-          <a:blip r:embed="rId3">
-            <a:alphaModFix/>
-          </a:blip>
-          <a:stretch>
-            <a:fillRect/>
-          </a:stretch>
-        </p:blipFill>
-        <p:spPr>
-          <a:xfrm>
-            <a:off x="624200" y="1328300"/>
-            <a:ext cx="7916675" cy="5066399"/>
-          </a:xfrm>
-          <a:prstGeom prst="rect">
-            <a:avLst/>
-          </a:prstGeom>
-          <a:noFill/>
-          <a:ln>
-            <a:noFill/>
-          </a:ln>
-        </p:spPr>
-      </p:pic>
     </p:spTree>
   </p:cSld>
   <p:clrMapOvr>
@@ -10807,7 +11195,7 @@
   <p:cSld>
     <p:spTree>
       <p:nvGrpSpPr>
-        <p:cNvPr id="127" name="Shape 127"/>
+        <p:cNvPr id="128" name="Shape 128"/>
         <p:cNvGrpSpPr/>
         <p:nvPr/>
       </p:nvGrpSpPr>
@@ -10821,7 +11209,7 @@
       </p:grpSpPr>
       <p:sp>
         <p:nvSpPr>
-          <p:cNvPr id="128" name="Shape 128"/>
+          <p:cNvPr id="129" name="Shape 129"/>
           <p:cNvSpPr txBox="1"/>
           <p:nvPr>
             <p:ph idx="12" type="sldNum"/>
@@ -10857,7 +11245,7 @@
       </p:sp>
       <p:sp>
         <p:nvSpPr>
-          <p:cNvPr id="129" name="Shape 129"/>
+          <p:cNvPr id="130" name="Shape 130"/>
           <p:cNvSpPr txBox="1"/>
           <p:nvPr>
             <p:ph type="title"/>
@@ -10917,7 +11305,7 @@
       </p:sp>
       <p:sp>
         <p:nvSpPr>
-          <p:cNvPr id="130" name="Shape 130"/>
+          <p:cNvPr id="131" name="Shape 131"/>
           <p:cNvSpPr txBox="1"/>
           <p:nvPr>
             <p:ph idx="2" type="sldNum"/>
@@ -10953,7 +11341,7 @@
       </p:sp>
       <p:pic>
         <p:nvPicPr>
-          <p:cNvPr id="131" name="Shape 131"/>
+          <p:cNvPr id="132" name="Shape 132"/>
           <p:cNvPicPr preferRelativeResize="0"/>
           <p:nvPr/>
         </p:nvPicPr>
@@ -10967,8 +11355,8 @@
         </p:blipFill>
         <p:spPr>
           <a:xfrm>
-            <a:off x="4542825" y="1428550"/>
-            <a:ext cx="4478324" cy="2821416"/>
+            <a:off x="624200" y="1328300"/>
+            <a:ext cx="7916675" cy="5066399"/>
           </a:xfrm>
           <a:prstGeom prst="rect">
             <a:avLst/>
@@ -10979,138 +11367,6 @@
           </a:ln>
         </p:spPr>
       </p:pic>
-      <p:pic>
-        <p:nvPicPr>
-          <p:cNvPr id="132" name="Shape 132"/>
-          <p:cNvPicPr preferRelativeResize="0"/>
-          <p:nvPr/>
-        </p:nvPicPr>
-        <p:blipFill>
-          <a:blip r:embed="rId4">
-            <a:alphaModFix/>
-          </a:blip>
-          <a:stretch>
-            <a:fillRect/>
-          </a:stretch>
-        </p:blipFill>
-        <p:spPr>
-          <a:xfrm>
-            <a:off x="235450" y="1462175"/>
-            <a:ext cx="4307374" cy="2569025"/>
-          </a:xfrm>
-          <a:prstGeom prst="rect">
-            <a:avLst/>
-          </a:prstGeom>
-          <a:noFill/>
-          <a:ln>
-            <a:noFill/>
-          </a:ln>
-        </p:spPr>
-      </p:pic>
-      <p:sp>
-        <p:nvSpPr>
-          <p:cNvPr id="133" name="Shape 133"/>
-          <p:cNvSpPr txBox="1"/>
-          <p:nvPr>
-            <p:ph idx="1" type="body"/>
-          </p:nvPr>
-        </p:nvSpPr>
-        <p:spPr>
-          <a:xfrm>
-            <a:off x="895275" y="4424975"/>
-            <a:ext cx="2207699" cy="699599"/>
-          </a:xfrm>
-          <a:prstGeom prst="rect">
-            <a:avLst/>
-          </a:prstGeom>
-        </p:spPr>
-        <p:txBody>
-          <a:bodyPr anchorCtr="0" anchor="ctr" bIns="91425" lIns="91425" rIns="91425" tIns="91425">
-            <a:noAutofit/>
-          </a:bodyPr>
-          <a:lstStyle/>
-          <a:p>
-            <a:pPr lvl="0" rtl="0" algn="ctr">
-              <a:lnSpc>
-                <a:spcPct val="100000"/>
-              </a:lnSpc>
-              <a:spcBef>
-                <a:spcPts val="0"/>
-              </a:spcBef>
-              <a:spcAft>
-                <a:spcPts val="0"/>
-              </a:spcAft>
-              <a:buNone/>
-            </a:pPr>
-            <a:r>
-              <a:rPr lang="ca" sz="3600">
-                <a:solidFill>
-                  <a:schemeClr val="dk1"/>
-                </a:solidFill>
-              </a:rPr>
-              <a:t>Distribuït</a:t>
-            </a:r>
-          </a:p>
-        </p:txBody>
-      </p:sp>
-      <p:sp>
-        <p:nvSpPr>
-          <p:cNvPr id="134" name="Shape 134"/>
-          <p:cNvSpPr txBox="1"/>
-          <p:nvPr>
-            <p:ph idx="3" type="body"/>
-          </p:nvPr>
-        </p:nvSpPr>
-        <p:spPr>
-          <a:xfrm>
-            <a:off x="1440050" y="5223575"/>
-            <a:ext cx="4688400" cy="1052400"/>
-          </a:xfrm>
-          <a:prstGeom prst="rect">
-            <a:avLst/>
-          </a:prstGeom>
-        </p:spPr>
-        <p:txBody>
-          <a:bodyPr anchorCtr="0" anchor="ctr" bIns="91425" lIns="91425" rIns="91425" tIns="91425">
-            <a:noAutofit/>
-          </a:bodyPr>
-          <a:lstStyle/>
-          <a:p>
-            <a:pPr indent="-228600" lvl="0" marL="457200" rtl="0">
-              <a:lnSpc>
-                <a:spcPct val="150000"/>
-              </a:lnSpc>
-              <a:spcBef>
-                <a:spcPts val="1000"/>
-              </a:spcBef>
-              <a:spcAft>
-                <a:spcPts val="1000"/>
-              </a:spcAft>
-            </a:pPr>
-            <a:r>
-              <a:rPr lang="ca"/>
-              <a:t>Treballar sense connexió</a:t>
-            </a:r>
-          </a:p>
-          <a:p>
-            <a:pPr indent="-228600" lvl="0" marL="457200" rtl="0">
-              <a:lnSpc>
-                <a:spcPct val="150000"/>
-              </a:lnSpc>
-              <a:spcBef>
-                <a:spcPts val="1000"/>
-              </a:spcBef>
-              <a:spcAft>
-                <a:spcPts val="1000"/>
-              </a:spcAft>
-            </a:pPr>
-            <a:r>
-              <a:rPr lang="ca"/>
-              <a:t>Moltes copies independents</a:t>
-            </a:r>
-          </a:p>
-        </p:txBody>
-      </p:sp>
     </p:spTree>
   </p:cSld>
   <p:clrMapOvr>
@@ -11127,7 +11383,7 @@
   <p:cSld>
     <p:spTree>
       <p:nvGrpSpPr>
-        <p:cNvPr id="138" name="Shape 138"/>
+        <p:cNvPr id="136" name="Shape 136"/>
         <p:cNvGrpSpPr/>
         <p:nvPr/>
       </p:nvGrpSpPr>
@@ -11141,7 +11397,7 @@
       </p:grpSpPr>
       <p:sp>
         <p:nvSpPr>
-          <p:cNvPr id="139" name="Shape 139"/>
+          <p:cNvPr id="137" name="Shape 137"/>
           <p:cNvSpPr txBox="1"/>
           <p:nvPr>
             <p:ph idx="12" type="sldNum"/>
@@ -11177,7 +11433,7 @@
       </p:sp>
       <p:sp>
         <p:nvSpPr>
-          <p:cNvPr id="140" name="Shape 140"/>
+          <p:cNvPr id="138" name="Shape 138"/>
           <p:cNvSpPr txBox="1"/>
           <p:nvPr>
             <p:ph type="title"/>
@@ -11237,7 +11493,7 @@
       </p:sp>
       <p:sp>
         <p:nvSpPr>
-          <p:cNvPr id="141" name="Shape 141"/>
+          <p:cNvPr id="139" name="Shape 139"/>
           <p:cNvSpPr txBox="1"/>
           <p:nvPr>
             <p:ph idx="2" type="sldNum"/>
@@ -11271,55 +11527,9 @@
           </a:p>
         </p:txBody>
       </p:sp>
-      <p:sp>
-        <p:nvSpPr>
-          <p:cNvPr id="142" name="Shape 142"/>
-          <p:cNvSpPr txBox="1"/>
-          <p:nvPr>
-            <p:ph idx="1" type="body"/>
-          </p:nvPr>
-        </p:nvSpPr>
-        <p:spPr>
-          <a:xfrm>
-            <a:off x="525625" y="5271275"/>
-            <a:ext cx="4221599" cy="886199"/>
-          </a:xfrm>
-          <a:prstGeom prst="rect">
-            <a:avLst/>
-          </a:prstGeom>
-        </p:spPr>
-        <p:txBody>
-          <a:bodyPr anchorCtr="0" anchor="ctr" bIns="91425" lIns="91425" rIns="91425" tIns="91425">
-            <a:noAutofit/>
-          </a:bodyPr>
-          <a:lstStyle/>
-          <a:p>
-            <a:pPr lvl="0" rtl="0" algn="ctr">
-              <a:lnSpc>
-                <a:spcPct val="100000"/>
-              </a:lnSpc>
-              <a:spcBef>
-                <a:spcPts val="0"/>
-              </a:spcBef>
-              <a:spcAft>
-                <a:spcPts val="0"/>
-              </a:spcAft>
-              <a:buNone/>
-            </a:pPr>
-            <a:r>
-              <a:rPr lang="ca" sz="3600">
-                <a:solidFill>
-                  <a:schemeClr val="dk1"/>
-                </a:solidFill>
-              </a:rPr>
-              <a:t>Branques aïllades</a:t>
-            </a:r>
-          </a:p>
-        </p:txBody>
-      </p:sp>
       <p:pic>
         <p:nvPicPr>
-          <p:cNvPr id="143" name="Shape 143"/>
+          <p:cNvPr id="140" name="Shape 140"/>
           <p:cNvPicPr preferRelativeResize="0"/>
           <p:nvPr/>
         </p:nvPicPr>
@@ -11333,8 +11543,8 @@
         </p:blipFill>
         <p:spPr>
           <a:xfrm>
-            <a:off x="975962" y="1653123"/>
-            <a:ext cx="7191975" cy="3048574"/>
+            <a:off x="4542825" y="1428550"/>
+            <a:ext cx="4478324" cy="2821416"/>
           </a:xfrm>
           <a:prstGeom prst="rect">
             <a:avLst/>
@@ -11345,6 +11555,138 @@
           </a:ln>
         </p:spPr>
       </p:pic>
+      <p:pic>
+        <p:nvPicPr>
+          <p:cNvPr id="141" name="Shape 141"/>
+          <p:cNvPicPr preferRelativeResize="0"/>
+          <p:nvPr/>
+        </p:nvPicPr>
+        <p:blipFill>
+          <a:blip r:embed="rId4">
+            <a:alphaModFix/>
+          </a:blip>
+          <a:stretch>
+            <a:fillRect/>
+          </a:stretch>
+        </p:blipFill>
+        <p:spPr>
+          <a:xfrm>
+            <a:off x="235450" y="1462175"/>
+            <a:ext cx="4307374" cy="2569025"/>
+          </a:xfrm>
+          <a:prstGeom prst="rect">
+            <a:avLst/>
+          </a:prstGeom>
+          <a:noFill/>
+          <a:ln>
+            <a:noFill/>
+          </a:ln>
+        </p:spPr>
+      </p:pic>
+      <p:sp>
+        <p:nvSpPr>
+          <p:cNvPr id="142" name="Shape 142"/>
+          <p:cNvSpPr txBox="1"/>
+          <p:nvPr>
+            <p:ph idx="1" type="body"/>
+          </p:nvPr>
+        </p:nvSpPr>
+        <p:spPr>
+          <a:xfrm>
+            <a:off x="895275" y="4424975"/>
+            <a:ext cx="2207699" cy="699599"/>
+          </a:xfrm>
+          <a:prstGeom prst="rect">
+            <a:avLst/>
+          </a:prstGeom>
+        </p:spPr>
+        <p:txBody>
+          <a:bodyPr anchorCtr="0" anchor="ctr" bIns="91425" lIns="91425" rIns="91425" tIns="91425">
+            <a:noAutofit/>
+          </a:bodyPr>
+          <a:lstStyle/>
+          <a:p>
+            <a:pPr lvl="0" rtl="0" algn="ctr">
+              <a:lnSpc>
+                <a:spcPct val="100000"/>
+              </a:lnSpc>
+              <a:spcBef>
+                <a:spcPts val="0"/>
+              </a:spcBef>
+              <a:spcAft>
+                <a:spcPts val="0"/>
+              </a:spcAft>
+              <a:buNone/>
+            </a:pPr>
+            <a:r>
+              <a:rPr lang="ca" sz="3600">
+                <a:solidFill>
+                  <a:schemeClr val="dk1"/>
+                </a:solidFill>
+              </a:rPr>
+              <a:t>Distribuït</a:t>
+            </a:r>
+          </a:p>
+        </p:txBody>
+      </p:sp>
+      <p:sp>
+        <p:nvSpPr>
+          <p:cNvPr id="143" name="Shape 143"/>
+          <p:cNvSpPr txBox="1"/>
+          <p:nvPr>
+            <p:ph idx="3" type="body"/>
+          </p:nvPr>
+        </p:nvSpPr>
+        <p:spPr>
+          <a:xfrm>
+            <a:off x="1440050" y="5223575"/>
+            <a:ext cx="4688400" cy="1052400"/>
+          </a:xfrm>
+          <a:prstGeom prst="rect">
+            <a:avLst/>
+          </a:prstGeom>
+        </p:spPr>
+        <p:txBody>
+          <a:bodyPr anchorCtr="0" anchor="ctr" bIns="91425" lIns="91425" rIns="91425" tIns="91425">
+            <a:noAutofit/>
+          </a:bodyPr>
+          <a:lstStyle/>
+          <a:p>
+            <a:pPr indent="-228600" lvl="0" marL="457200" rtl="0">
+              <a:lnSpc>
+                <a:spcPct val="150000"/>
+              </a:lnSpc>
+              <a:spcBef>
+                <a:spcPts val="1000"/>
+              </a:spcBef>
+              <a:spcAft>
+                <a:spcPts val="1000"/>
+              </a:spcAft>
+            </a:pPr>
+            <a:r>
+              <a:rPr lang="ca"/>
+              <a:t>Treballar sense connexió</a:t>
+            </a:r>
+          </a:p>
+          <a:p>
+            <a:pPr indent="-228600" lvl="0" marL="457200" rtl="0">
+              <a:lnSpc>
+                <a:spcPct val="150000"/>
+              </a:lnSpc>
+              <a:spcBef>
+                <a:spcPts val="1000"/>
+              </a:spcBef>
+              <a:spcAft>
+                <a:spcPts val="1000"/>
+              </a:spcAft>
+            </a:pPr>
+            <a:r>
+              <a:rPr lang="ca"/>
+              <a:t>Moltes copies independents</a:t>
+            </a:r>
+          </a:p>
+        </p:txBody>
+      </p:sp>
     </p:spTree>
   </p:cSld>
   <p:clrMapOvr>
@@ -11378,13 +11720,13 @@
           <p:cNvPr id="148" name="Shape 148"/>
           <p:cNvSpPr txBox="1"/>
           <p:nvPr>
-            <p:ph idx="1" type="body"/>
-          </p:nvPr>
-        </p:nvSpPr>
-        <p:spPr>
-          <a:xfrm>
-            <a:off x="311650" y="1506008"/>
-            <a:ext cx="8520599" cy="4555199"/>
+            <p:ph idx="12" type="sldNum"/>
+          </p:nvPr>
+        </p:nvSpPr>
+        <p:spPr>
+          <a:xfrm>
+            <a:off x="8472457" y="8290163"/>
+            <a:ext cx="548699" cy="699599"/>
           </a:xfrm>
           <a:prstGeom prst="rect">
             <a:avLst/>
@@ -11396,218 +11738,189 @@
           </a:bodyPr>
           <a:lstStyle/>
           <a:p>
-            <a:pPr indent="-419100" lvl="0" marL="457200" rtl="0">
+            <a:pPr lvl="0" rtl="0">
+              <a:spcBef>
+                <a:spcPts val="0"/>
+              </a:spcBef>
+              <a:buNone/>
+            </a:pPr>
+            <a:fld id="{00000000-1234-1234-1234-123412341234}" type="slidenum">
+              <a:rPr lang="ca"/>
+              <a:t>‹#›</a:t>
+            </a:fld>
+          </a:p>
+        </p:txBody>
+      </p:sp>
+      <p:sp>
+        <p:nvSpPr>
+          <p:cNvPr id="149" name="Shape 149"/>
+          <p:cNvSpPr txBox="1"/>
+          <p:nvPr>
+            <p:ph type="title"/>
+          </p:nvPr>
+        </p:nvSpPr>
+        <p:spPr>
+          <a:xfrm>
+            <a:off x="311650" y="123291"/>
+            <a:ext cx="8520599" cy="763500"/>
+          </a:xfrm>
+          <a:prstGeom prst="rect">
+            <a:avLst/>
+          </a:prstGeom>
+        </p:spPr>
+        <p:txBody>
+          <a:bodyPr anchorCtr="0" anchor="t" bIns="91425" lIns="91425" rIns="91425" tIns="91425">
+            <a:noAutofit/>
+          </a:bodyPr>
+          <a:lstStyle/>
+          <a:p>
+            <a:pPr lvl="0" rtl="0">
+              <a:spcBef>
+                <a:spcPts val="0"/>
+              </a:spcBef>
+              <a:buNone/>
+            </a:pPr>
+            <a:r>
+              <a:rPr lang="ca"/>
+              <a:t>Per què git?</a:t>
+            </a:r>
+          </a:p>
+          <a:p>
+            <a:pPr lvl="0" rtl="0">
+              <a:spcBef>
+                <a:spcPts val="0"/>
+              </a:spcBef>
+              <a:buNone/>
+            </a:pPr>
+            <a:r>
+              <a:t/>
+            </a:r>
+            <a:endParaRPr/>
+          </a:p>
+          <a:p>
+            <a:pPr lvl="0" rtl="0">
+              <a:spcBef>
+                <a:spcPts val="0"/>
+              </a:spcBef>
+              <a:buNone/>
+            </a:pPr>
+            <a:r>
+              <a:t/>
+            </a:r>
+            <a:endParaRPr/>
+          </a:p>
+        </p:txBody>
+      </p:sp>
+      <p:sp>
+        <p:nvSpPr>
+          <p:cNvPr id="150" name="Shape 150"/>
+          <p:cNvSpPr txBox="1"/>
+          <p:nvPr>
+            <p:ph idx="2" type="sldNum"/>
+          </p:nvPr>
+        </p:nvSpPr>
+        <p:spPr>
+          <a:xfrm>
+            <a:off x="8472457" y="6217622"/>
+            <a:ext cx="548699" cy="524699"/>
+          </a:xfrm>
+          <a:prstGeom prst="rect">
+            <a:avLst/>
+          </a:prstGeom>
+        </p:spPr>
+        <p:txBody>
+          <a:bodyPr anchorCtr="0" anchor="ctr" bIns="91425" lIns="91425" rIns="91425" tIns="91425">
+            <a:noAutofit/>
+          </a:bodyPr>
+          <a:lstStyle/>
+          <a:p>
+            <a:pPr lvl="0" rtl="0">
+              <a:spcBef>
+                <a:spcPts val="0"/>
+              </a:spcBef>
+              <a:buNone/>
+            </a:pPr>
+            <a:fld id="{00000000-1234-1234-1234-123412341234}" type="slidenum">
+              <a:rPr lang="ca"/>
+              <a:t>‹#›</a:t>
+            </a:fld>
+          </a:p>
+        </p:txBody>
+      </p:sp>
+      <p:sp>
+        <p:nvSpPr>
+          <p:cNvPr id="151" name="Shape 151"/>
+          <p:cNvSpPr txBox="1"/>
+          <p:nvPr>
+            <p:ph idx="1" type="body"/>
+          </p:nvPr>
+        </p:nvSpPr>
+        <p:spPr>
+          <a:xfrm>
+            <a:off x="525625" y="5271275"/>
+            <a:ext cx="4221599" cy="886199"/>
+          </a:xfrm>
+          <a:prstGeom prst="rect">
+            <a:avLst/>
+          </a:prstGeom>
+        </p:spPr>
+        <p:txBody>
+          <a:bodyPr anchorCtr="0" anchor="ctr" bIns="91425" lIns="91425" rIns="91425" tIns="91425">
+            <a:noAutofit/>
+          </a:bodyPr>
+          <a:lstStyle/>
+          <a:p>
+            <a:pPr lvl="0" rtl="0" algn="ctr">
               <a:lnSpc>
-                <a:spcPct val="150000"/>
+                <a:spcPct val="100000"/>
               </a:lnSpc>
               <a:spcBef>
-                <a:spcPts val="1000"/>
+                <a:spcPts val="0"/>
               </a:spcBef>
               <a:spcAft>
-                <a:spcPts val="1000"/>
+                <a:spcPts val="0"/>
               </a:spcAft>
-              <a:buClr>
-                <a:schemeClr val="dk1"/>
-              </a:buClr>
-              <a:buSzPct val="100000"/>
-            </a:pPr>
-            <a:r>
-              <a:rPr lang="ca" sz="3000">
+              <a:buNone/>
+            </a:pPr>
+            <a:r>
+              <a:rPr lang="ca" sz="3600">
                 <a:solidFill>
                   <a:schemeClr val="dk1"/>
                 </a:solidFill>
               </a:rPr>
-              <a:t>Fàcil afegir - molt difícil esborrar/perdre</a:t>
-            </a:r>
-          </a:p>
-          <a:p>
-            <a:pPr indent="-419100" lvl="0" marL="457200" rtl="0">
-              <a:lnSpc>
-                <a:spcPct val="150000"/>
-              </a:lnSpc>
-              <a:spcBef>
-                <a:spcPts val="1000"/>
-              </a:spcBef>
-              <a:spcAft>
-                <a:spcPts val="1000"/>
-              </a:spcAft>
-              <a:buSzPct val="100000"/>
-            </a:pPr>
-            <a:r>
-              <a:rPr lang="ca" sz="3000"/>
-              <a:t>Workflow lliure</a:t>
-            </a:r>
-          </a:p>
-          <a:p>
-            <a:pPr indent="-419100" lvl="0" marL="457200" rtl="0">
-              <a:lnSpc>
-                <a:spcPct val="150000"/>
-              </a:lnSpc>
-              <a:spcBef>
-                <a:spcPts val="1000"/>
-              </a:spcBef>
-              <a:spcAft>
-                <a:spcPts val="1000"/>
-              </a:spcAft>
-              <a:buSzPct val="100000"/>
-            </a:pPr>
-            <a:r>
-              <a:rPr lang="ca" sz="3000"/>
-              <a:t>Control absolut del commit</a:t>
-            </a:r>
-          </a:p>
-          <a:p>
-            <a:pPr indent="-419100" lvl="0" marL="457200" rtl="0">
-              <a:lnSpc>
-                <a:spcPct val="150000"/>
-              </a:lnSpc>
-              <a:spcBef>
-                <a:spcPts val="1000"/>
-              </a:spcBef>
-              <a:spcAft>
-                <a:spcPts val="1000"/>
-              </a:spcAft>
-              <a:buSzPct val="100000"/>
-            </a:pPr>
-            <a:r>
-              <a:rPr lang="ca" sz="3000"/>
-              <a:t>Gran comunitat darrera de git</a:t>
-            </a:r>
-          </a:p>
-        </p:txBody>
-      </p:sp>
-      <p:sp>
-        <p:nvSpPr>
-          <p:cNvPr id="149" name="Shape 149"/>
-          <p:cNvSpPr txBox="1"/>
-          <p:nvPr>
-            <p:ph idx="12" type="sldNum"/>
-          </p:nvPr>
-        </p:nvSpPr>
-        <p:spPr>
-          <a:xfrm>
-            <a:off x="8472457" y="8290163"/>
-            <a:ext cx="548699" cy="699599"/>
-          </a:xfrm>
-          <a:prstGeom prst="rect">
-            <a:avLst/>
-          </a:prstGeom>
-        </p:spPr>
-        <p:txBody>
-          <a:bodyPr anchorCtr="0" anchor="ctr" bIns="91425" lIns="91425" rIns="91425" tIns="91425">
-            <a:noAutofit/>
-          </a:bodyPr>
-          <a:lstStyle/>
-          <a:p>
-            <a:pPr lvl="0" rtl="0">
-              <a:spcBef>
-                <a:spcPts val="0"/>
-              </a:spcBef>
-              <a:buNone/>
-            </a:pPr>
-            <a:fld id="{00000000-1234-1234-1234-123412341234}" type="slidenum">
-              <a:rPr lang="ca"/>
-              <a:t>‹#›</a:t>
-            </a:fld>
-          </a:p>
-        </p:txBody>
-      </p:sp>
-      <p:sp>
-        <p:nvSpPr>
-          <p:cNvPr id="150" name="Shape 150"/>
-          <p:cNvSpPr txBox="1"/>
-          <p:nvPr>
-            <p:ph type="title"/>
-          </p:nvPr>
-        </p:nvSpPr>
-        <p:spPr>
-          <a:xfrm>
-            <a:off x="311650" y="123291"/>
-            <a:ext cx="8520599" cy="763500"/>
-          </a:xfrm>
-          <a:prstGeom prst="rect">
-            <a:avLst/>
-          </a:prstGeom>
-        </p:spPr>
-        <p:txBody>
-          <a:bodyPr anchorCtr="0" anchor="t" bIns="91425" lIns="91425" rIns="91425" tIns="91425">
-            <a:noAutofit/>
-          </a:bodyPr>
-          <a:lstStyle/>
-          <a:p>
-            <a:pPr lvl="0" rtl="0">
-              <a:spcBef>
-                <a:spcPts val="0"/>
-              </a:spcBef>
-              <a:buNone/>
-            </a:pPr>
-            <a:r>
-              <a:rPr lang="ca"/>
-              <a:t>Per què git?</a:t>
-            </a:r>
-          </a:p>
-          <a:p>
-            <a:pPr lvl="0" rtl="0">
-              <a:spcBef>
-                <a:spcPts val="0"/>
-              </a:spcBef>
-              <a:buNone/>
-            </a:pPr>
-            <a:r>
-              <a:t/>
-            </a:r>
-            <a:endParaRPr/>
-          </a:p>
-          <a:p>
-            <a:pPr lvl="0" rtl="0">
-              <a:spcBef>
-                <a:spcPts val="0"/>
-              </a:spcBef>
-              <a:buNone/>
-            </a:pPr>
-            <a:r>
-              <a:t/>
-            </a:r>
-            <a:endParaRPr/>
-          </a:p>
-        </p:txBody>
-      </p:sp>
-      <p:sp>
-        <p:nvSpPr>
-          <p:cNvPr id="151" name="Shape 151"/>
-          <p:cNvSpPr txBox="1"/>
-          <p:nvPr>
-            <p:ph idx="2" type="sldNum"/>
-          </p:nvPr>
-        </p:nvSpPr>
-        <p:spPr>
-          <a:xfrm>
-            <a:off x="8472457" y="6217622"/>
-            <a:ext cx="548699" cy="524699"/>
-          </a:xfrm>
-          <a:prstGeom prst="rect">
-            <a:avLst/>
-          </a:prstGeom>
-        </p:spPr>
-        <p:txBody>
-          <a:bodyPr anchorCtr="0" anchor="ctr" bIns="91425" lIns="91425" rIns="91425" tIns="91425">
-            <a:noAutofit/>
-          </a:bodyPr>
-          <a:lstStyle/>
-          <a:p>
-            <a:pPr lvl="0" rtl="0">
-              <a:spcBef>
-                <a:spcPts val="0"/>
-              </a:spcBef>
-              <a:buNone/>
-            </a:pPr>
-            <a:fld id="{00000000-1234-1234-1234-123412341234}" type="slidenum">
-              <a:rPr lang="ca"/>
-              <a:t>‹#›</a:t>
-            </a:fld>
-          </a:p>
-        </p:txBody>
-      </p:sp>
+              <a:t>Branques aïllades</a:t>
+            </a:r>
+          </a:p>
+        </p:txBody>
+      </p:sp>
+      <p:pic>
+        <p:nvPicPr>
+          <p:cNvPr id="152" name="Shape 152"/>
+          <p:cNvPicPr preferRelativeResize="0"/>
+          <p:nvPr/>
+        </p:nvPicPr>
+        <p:blipFill>
+          <a:blip r:embed="rId3">
+            <a:alphaModFix/>
+          </a:blip>
+          <a:stretch>
+            <a:fillRect/>
+          </a:stretch>
+        </p:blipFill>
+        <p:spPr>
+          <a:xfrm>
+            <a:off x="975962" y="1653123"/>
+            <a:ext cx="7191975" cy="3048574"/>
+          </a:xfrm>
+          <a:prstGeom prst="rect">
+            <a:avLst/>
+          </a:prstGeom>
+          <a:noFill/>
+          <a:ln>
+            <a:noFill/>
+          </a:ln>
+        </p:spPr>
+      </p:pic>
     </p:spTree>
   </p:cSld>
   <p:clrMapOvr>
@@ -11620,6 +11933,285 @@
 </file>
 
 <file path=ppt/theme/theme.xml><?xml version="1.0" encoding="utf-8"?>
+<a:theme xmlns:a="http://schemas.openxmlformats.org/drawingml/2006/main" xmlns:r="http://schemas.openxmlformats.org/officeDocument/2006/relationships" name="Custom Theme">
+  <a:themeElements>
+    <a:clrScheme name="Default">
+      <a:dk1>
+        <a:srgbClr val="000000"/>
+      </a:dk1>
+      <a:lt1>
+        <a:srgbClr val="FFFFFF"/>
+      </a:lt1>
+      <a:dk2>
+        <a:srgbClr val="158158"/>
+      </a:dk2>
+      <a:lt2>
+        <a:srgbClr val="F3F3F3"/>
+      </a:lt2>
+      <a:accent1>
+        <a:srgbClr val="058DC7"/>
+      </a:accent1>
+      <a:accent2>
+        <a:srgbClr val="50B432"/>
+      </a:accent2>
+      <a:accent3>
+        <a:srgbClr val="ED561B"/>
+      </a:accent3>
+      <a:accent4>
+        <a:srgbClr val="EDEF00"/>
+      </a:accent4>
+      <a:accent5>
+        <a:srgbClr val="24CBE5"/>
+      </a:accent5>
+      <a:accent6>
+        <a:srgbClr val="64E572"/>
+      </a:accent6>
+      <a:hlink>
+        <a:srgbClr val="2200CC"/>
+      </a:hlink>
+      <a:folHlink>
+        <a:srgbClr val="551A8B"/>
+      </a:folHlink>
+    </a:clrScheme>
+    <a:fontScheme name="Office">
+      <a:majorFont>
+        <a:latin typeface="Arial"/>
+        <a:ea typeface=""/>
+        <a:cs typeface=""/>
+        <a:font script="Jpan" typeface="ＭＳ Ｐゴシック"/>
+        <a:font script="Hang" typeface="맑은 고딕"/>
+        <a:font script="Hans" typeface="宋体"/>
+        <a:font script="Hant" typeface="新細明體"/>
+        <a:font script="Arab" typeface="Times New Roman"/>
+        <a:font script="Hebr" typeface="Times New Roman"/>
+        <a:font script="Thai" typeface="Angsana New"/>
+        <a:font script="Ethi" typeface="Nyala"/>
+        <a:font script="Beng" typeface="Vrinda"/>
+        <a:font script="Gujr" typeface="Shruti"/>
+        <a:font script="Khmr" typeface="MoolBoran"/>
+        <a:font script="Knda" typeface="Tunga"/>
+        <a:font script="Guru" typeface="Raavi"/>
+        <a:font script="Cans" typeface="Euphemia"/>
+        <a:font script="Cher" typeface="Plantagenet Cherokee"/>
+        <a:font script="Yiii" typeface="Microsoft Yi Baiti"/>
+        <a:font script="Tibt" typeface="Microsoft Himalaya"/>
+        <a:font script="Thaa" typeface="MV Boli"/>
+        <a:font script="Deva" typeface="Mangal"/>
+        <a:font script="Telu" typeface="Gautami"/>
+        <a:font script="Taml" typeface="Latha"/>
+        <a:font script="Syrc" typeface="Estrangelo Edessa"/>
+        <a:font script="Orya" typeface="Kalinga"/>
+        <a:font script="Mlym" typeface="Kartika"/>
+        <a:font script="Laoo" typeface="DokChampa"/>
+        <a:font script="Sinh" typeface="Iskoola Pota"/>
+        <a:font script="Mong" typeface="Mongolian Baiti"/>
+        <a:font script="Viet" typeface="Times New Roman"/>
+        <a:font script="Uigh" typeface="Microsoft Uighur"/>
+        <a:font script="Geor" typeface="Sylfaen"/>
+      </a:majorFont>
+      <a:minorFont>
+        <a:latin typeface="Arial"/>
+        <a:ea typeface=""/>
+        <a:cs typeface=""/>
+        <a:font script="Jpan" typeface="ＭＳ Ｐゴシック"/>
+        <a:font script="Hang" typeface="맑은 고딕"/>
+        <a:font script="Hans" typeface="宋体"/>
+        <a:font script="Hant" typeface="新細明體"/>
+        <a:font script="Arab" typeface="Arial"/>
+        <a:font script="Hebr" typeface="Arial"/>
+        <a:font script="Thai" typeface="Cordia New"/>
+        <a:font script="Ethi" typeface="Nyala"/>
+        <a:font script="Beng" typeface="Vrinda"/>
+        <a:font script="Gujr" typeface="Shruti"/>
+        <a:font script="Khmr" typeface="DaunPenh"/>
+        <a:font script="Knda" typeface="Tunga"/>
+        <a:font script="Guru" typeface="Raavi"/>
+        <a:font script="Cans" typeface="Euphemia"/>
+        <a:font script="Cher" typeface="Plantagenet Cherokee"/>
+        <a:font script="Yiii" typeface="Microsoft Yi Baiti"/>
+        <a:font script="Tibt" typeface="Microsoft Himalaya"/>
+        <a:font script="Thaa" typeface="MV Boli"/>
+        <a:font script="Deva" typeface="Mangal"/>
+        <a:font script="Telu" typeface="Gautami"/>
+        <a:font script="Taml" typeface="Latha"/>
+        <a:font script="Syrc" typeface="Estrangelo Edessa"/>
+        <a:font script="Orya" typeface="Kalinga"/>
+        <a:font script="Mlym" typeface="Kartika"/>
+        <a:font script="Laoo" typeface="DokChampa"/>
+        <a:font script="Sinh" typeface="Iskoola Pota"/>
+        <a:font script="Mong" typeface="Mongolian Baiti"/>
+        <a:font script="Viet" typeface="Arial"/>
+        <a:font script="Uigh" typeface="Microsoft Uighur"/>
+        <a:font script="Geor" typeface="Sylfaen"/>
+      </a:minorFont>
+    </a:fontScheme>
+    <a:fmtScheme name="Office">
+      <a:fillStyleLst>
+        <a:solidFill>
+          <a:schemeClr val="phClr"/>
+        </a:solidFill>
+        <a:gradFill rotWithShape="1">
+          <a:gsLst>
+            <a:gs pos="0">
+              <a:schemeClr val="phClr">
+                <a:tint val="50000"/>
+                <a:satMod val="300000"/>
+              </a:schemeClr>
+            </a:gs>
+            <a:gs pos="35000">
+              <a:schemeClr val="phClr">
+                <a:tint val="37000"/>
+                <a:satMod val="300000"/>
+              </a:schemeClr>
+            </a:gs>
+            <a:gs pos="100000">
+              <a:schemeClr val="phClr">
+                <a:tint val="15000"/>
+                <a:satMod val="350000"/>
+              </a:schemeClr>
+            </a:gs>
+          </a:gsLst>
+          <a:lin ang="16200000" scaled="1"/>
+        </a:gradFill>
+        <a:gradFill rotWithShape="1">
+          <a:gsLst>
+            <a:gs pos="0">
+              <a:schemeClr val="phClr">
+                <a:tint val="100000"/>
+                <a:shade val="100000"/>
+                <a:satMod val="130000"/>
+              </a:schemeClr>
+            </a:gs>
+            <a:gs pos="100000">
+              <a:schemeClr val="phClr">
+                <a:tint val="50000"/>
+                <a:shade val="100000"/>
+                <a:satMod val="350000"/>
+              </a:schemeClr>
+            </a:gs>
+          </a:gsLst>
+          <a:lin ang="16200000" scaled="0"/>
+        </a:gradFill>
+      </a:fillStyleLst>
+      <a:lnStyleLst>
+        <a:ln w="9525" cap="flat" cmpd="sng" algn="ctr">
+          <a:solidFill>
+            <a:schemeClr val="phClr">
+              <a:shade val="95000"/>
+              <a:satMod val="105000"/>
+            </a:schemeClr>
+          </a:solidFill>
+          <a:prstDash val="solid"/>
+        </a:ln>
+        <a:ln w="25400" cap="flat" cmpd="sng" algn="ctr">
+          <a:solidFill>
+            <a:schemeClr val="phClr"/>
+          </a:solidFill>
+          <a:prstDash val="solid"/>
+        </a:ln>
+        <a:ln w="38100" cap="flat" cmpd="sng" algn="ctr">
+          <a:solidFill>
+            <a:schemeClr val="phClr"/>
+          </a:solidFill>
+          <a:prstDash val="solid"/>
+        </a:ln>
+      </a:lnStyleLst>
+      <a:effectStyleLst>
+        <a:effectStyle>
+          <a:effectLst>
+            <a:outerShdw blurRad="40000" dist="20000" dir="5400000" rotWithShape="0">
+              <a:srgbClr val="000000">
+                <a:alpha val="38000"/>
+              </a:srgbClr>
+            </a:outerShdw>
+          </a:effectLst>
+        </a:effectStyle>
+        <a:effectStyle>
+          <a:effectLst>
+            <a:outerShdw blurRad="40000" dist="23000" dir="5400000" rotWithShape="0">
+              <a:srgbClr val="000000">
+                <a:alpha val="35000"/>
+              </a:srgbClr>
+            </a:outerShdw>
+          </a:effectLst>
+        </a:effectStyle>
+        <a:effectStyle>
+          <a:effectLst>
+            <a:outerShdw blurRad="40000" dist="23000" dir="5400000" rotWithShape="0">
+              <a:srgbClr val="000000">
+                <a:alpha val="35000"/>
+              </a:srgbClr>
+            </a:outerShdw>
+          </a:effectLst>
+          <a:scene3d>
+            <a:camera prst="orthographicFront">
+              <a:rot lat="0" lon="0" rev="0"/>
+            </a:camera>
+            <a:lightRig rig="threePt" dir="t">
+              <a:rot lat="0" lon="0" rev="1200000"/>
+            </a:lightRig>
+          </a:scene3d>
+          <a:sp3d>
+            <a:bevelT w="63500" h="25400"/>
+          </a:sp3d>
+        </a:effectStyle>
+      </a:effectStyleLst>
+      <a:bgFillStyleLst>
+        <a:solidFill>
+          <a:schemeClr val="phClr"/>
+        </a:solidFill>
+        <a:gradFill rotWithShape="1">
+          <a:gsLst>
+            <a:gs pos="0">
+              <a:schemeClr val="phClr">
+                <a:tint val="40000"/>
+                <a:satMod val="350000"/>
+              </a:schemeClr>
+            </a:gs>
+            <a:gs pos="40000">
+              <a:schemeClr val="phClr">
+                <a:tint val="45000"/>
+                <a:shade val="99000"/>
+                <a:satMod val="350000"/>
+              </a:schemeClr>
+            </a:gs>
+            <a:gs pos="100000">
+              <a:schemeClr val="phClr">
+                <a:shade val="20000"/>
+                <a:satMod val="255000"/>
+              </a:schemeClr>
+            </a:gs>
+          </a:gsLst>
+          <a:path path="circle">
+            <a:fillToRect l="50000" t="-80000" r="50000" b="180000"/>
+          </a:path>
+        </a:gradFill>
+        <a:gradFill rotWithShape="1">
+          <a:gsLst>
+            <a:gs pos="0">
+              <a:schemeClr val="phClr">
+                <a:tint val="80000"/>
+                <a:satMod val="300000"/>
+              </a:schemeClr>
+            </a:gs>
+            <a:gs pos="100000">
+              <a:schemeClr val="phClr">
+                <a:shade val="30000"/>
+                <a:satMod val="200000"/>
+              </a:schemeClr>
+            </a:gs>
+          </a:gsLst>
+          <a:path path="circle">
+            <a:fillToRect l="50000" t="50000" r="50000" b="50000"/>
+          </a:path>
+        </a:gradFill>
+      </a:bgFillStyleLst>
+    </a:fmtScheme>
+  </a:themeElements>
+</a:theme>
+</file>
+
+<file path=ppt/theme/theme1.xml><?xml version="1.0" encoding="utf-8"?>
 <a:theme xmlns:a="http://schemas.openxmlformats.org/drawingml/2006/main" xmlns:r="http://schemas.openxmlformats.org/officeDocument/2006/relationships" name="simple-light-2">
   <a:themeElements>
     <a:clrScheme name="Simple Light">
@@ -11896,283 +12488,4 @@
     </a:fmtScheme>
   </a:themeElements>
 </a:theme>
-</file>
-
-<file path=ppt/theme/theme1.xml><?xml version="1.0" encoding="utf-8"?>
-<a:theme xmlns:a="http://schemas.openxmlformats.org/drawingml/2006/main" xmlns:r="http://schemas.openxmlformats.org/officeDocument/2006/relationships" name="Custom Theme">
-  <a:themeElements>
-    <a:clrScheme name="Default">
-      <a:dk1>
-        <a:srgbClr val="000000"/>
-      </a:dk1>
-      <a:lt1>
-        <a:srgbClr val="FFFFFF"/>
-      </a:lt1>
-      <a:dk2>
-        <a:srgbClr val="158158"/>
-      </a:dk2>
-      <a:lt2>
-        <a:srgbClr val="F3F3F3"/>
-      </a:lt2>
-      <a:accent1>
-        <a:srgbClr val="058DC7"/>
-      </a:accent1>
-      <a:accent2>
-        <a:srgbClr val="50B432"/>
-      </a:accent2>
-      <a:accent3>
-        <a:srgbClr val="ED561B"/>
-      </a:accent3>
-      <a:accent4>
-        <a:srgbClr val="EDEF00"/>
-      </a:accent4>
-      <a:accent5>
-        <a:srgbClr val="24CBE5"/>
-      </a:accent5>
-      <a:accent6>
-        <a:srgbClr val="64E572"/>
-      </a:accent6>
-      <a:hlink>
-        <a:srgbClr val="2200CC"/>
-      </a:hlink>
-      <a:folHlink>
-        <a:srgbClr val="551A8B"/>
-      </a:folHlink>
-    </a:clrScheme>
-    <a:fontScheme name="Office">
-      <a:majorFont>
-        <a:latin typeface="Arial"/>
-        <a:ea typeface=""/>
-        <a:cs typeface=""/>
-        <a:font script="Jpan" typeface="ＭＳ Ｐゴシック"/>
-        <a:font script="Hang" typeface="맑은 고딕"/>
-        <a:font script="Hans" typeface="宋体"/>
-        <a:font script="Hant" typeface="新細明體"/>
-        <a:font script="Arab" typeface="Times New Roman"/>
-        <a:font script="Hebr" typeface="Times New Roman"/>
-        <a:font script="Thai" typeface="Angsana New"/>
-        <a:font script="Ethi" typeface="Nyala"/>
-        <a:font script="Beng" typeface="Vrinda"/>
-        <a:font script="Gujr" typeface="Shruti"/>
-        <a:font script="Khmr" typeface="MoolBoran"/>
-        <a:font script="Knda" typeface="Tunga"/>
-        <a:font script="Guru" typeface="Raavi"/>
-        <a:font script="Cans" typeface="Euphemia"/>
-        <a:font script="Cher" typeface="Plantagenet Cherokee"/>
-        <a:font script="Yiii" typeface="Microsoft Yi Baiti"/>
-        <a:font script="Tibt" typeface="Microsoft Himalaya"/>
-        <a:font script="Thaa" typeface="MV Boli"/>
-        <a:font script="Deva" typeface="Mangal"/>
-        <a:font script="Telu" typeface="Gautami"/>
-        <a:font script="Taml" typeface="Latha"/>
-        <a:font script="Syrc" typeface="Estrangelo Edessa"/>
-        <a:font script="Orya" typeface="Kalinga"/>
-        <a:font script="Mlym" typeface="Kartika"/>
-        <a:font script="Laoo" typeface="DokChampa"/>
-        <a:font script="Sinh" typeface="Iskoola Pota"/>
-        <a:font script="Mong" typeface="Mongolian Baiti"/>
-        <a:font script="Viet" typeface="Times New Roman"/>
-        <a:font script="Uigh" typeface="Microsoft Uighur"/>
-        <a:font script="Geor" typeface="Sylfaen"/>
-      </a:majorFont>
-      <a:minorFont>
-        <a:latin typeface="Arial"/>
-        <a:ea typeface=""/>
-        <a:cs typeface=""/>
-        <a:font script="Jpan" typeface="ＭＳ Ｐゴシック"/>
-        <a:font script="Hang" typeface="맑은 고딕"/>
-        <a:font script="Hans" typeface="宋体"/>
-        <a:font script="Hant" typeface="新細明體"/>
-        <a:font script="Arab" typeface="Arial"/>
-        <a:font script="Hebr" typeface="Arial"/>
-        <a:font script="Thai" typeface="Cordia New"/>
-        <a:font script="Ethi" typeface="Nyala"/>
-        <a:font script="Beng" typeface="Vrinda"/>
-        <a:font script="Gujr" typeface="Shruti"/>
-        <a:font script="Khmr" typeface="DaunPenh"/>
-        <a:font script="Knda" typeface="Tunga"/>
-        <a:font script="Guru" typeface="Raavi"/>
-        <a:font script="Cans" typeface="Euphemia"/>
-        <a:font script="Cher" typeface="Plantagenet Cherokee"/>
-        <a:font script="Yiii" typeface="Microsoft Yi Baiti"/>
-        <a:font script="Tibt" typeface="Microsoft Himalaya"/>
-        <a:font script="Thaa" typeface="MV Boli"/>
-        <a:font script="Deva" typeface="Mangal"/>
-        <a:font script="Telu" typeface="Gautami"/>
-        <a:font script="Taml" typeface="Latha"/>
-        <a:font script="Syrc" typeface="Estrangelo Edessa"/>
-        <a:font script="Orya" typeface="Kalinga"/>
-        <a:font script="Mlym" typeface="Kartika"/>
-        <a:font script="Laoo" typeface="DokChampa"/>
-        <a:font script="Sinh" typeface="Iskoola Pota"/>
-        <a:font script="Mong" typeface="Mongolian Baiti"/>
-        <a:font script="Viet" typeface="Arial"/>
-        <a:font script="Uigh" typeface="Microsoft Uighur"/>
-        <a:font script="Geor" typeface="Sylfaen"/>
-      </a:minorFont>
-    </a:fontScheme>
-    <a:fmtScheme name="Office">
-      <a:fillStyleLst>
-        <a:solidFill>
-          <a:schemeClr val="phClr"/>
-        </a:solidFill>
-        <a:gradFill rotWithShape="1">
-          <a:gsLst>
-            <a:gs pos="0">
-              <a:schemeClr val="phClr">
-                <a:tint val="50000"/>
-                <a:satMod val="300000"/>
-              </a:schemeClr>
-            </a:gs>
-            <a:gs pos="35000">
-              <a:schemeClr val="phClr">
-                <a:tint val="37000"/>
-                <a:satMod val="300000"/>
-              </a:schemeClr>
-            </a:gs>
-            <a:gs pos="100000">
-              <a:schemeClr val="phClr">
-                <a:tint val="15000"/>
-                <a:satMod val="350000"/>
-              </a:schemeClr>
-            </a:gs>
-          </a:gsLst>
-          <a:lin ang="16200000" scaled="1"/>
-        </a:gradFill>
-        <a:gradFill rotWithShape="1">
-          <a:gsLst>
-            <a:gs pos="0">
-              <a:schemeClr val="phClr">
-                <a:tint val="100000"/>
-                <a:shade val="100000"/>
-                <a:satMod val="130000"/>
-              </a:schemeClr>
-            </a:gs>
-            <a:gs pos="100000">
-              <a:schemeClr val="phClr">
-                <a:tint val="50000"/>
-                <a:shade val="100000"/>
-                <a:satMod val="350000"/>
-              </a:schemeClr>
-            </a:gs>
-          </a:gsLst>
-          <a:lin ang="16200000" scaled="0"/>
-        </a:gradFill>
-      </a:fillStyleLst>
-      <a:lnStyleLst>
-        <a:ln w="9525" cap="flat" cmpd="sng" algn="ctr">
-          <a:solidFill>
-            <a:schemeClr val="phClr">
-              <a:shade val="95000"/>
-              <a:satMod val="105000"/>
-            </a:schemeClr>
-          </a:solidFill>
-          <a:prstDash val="solid"/>
-        </a:ln>
-        <a:ln w="25400" cap="flat" cmpd="sng" algn="ctr">
-          <a:solidFill>
-            <a:schemeClr val="phClr"/>
-          </a:solidFill>
-          <a:prstDash val="solid"/>
-        </a:ln>
-        <a:ln w="38100" cap="flat" cmpd="sng" algn="ctr">
-          <a:solidFill>
-            <a:schemeClr val="phClr"/>
-          </a:solidFill>
-          <a:prstDash val="solid"/>
-        </a:ln>
-      </a:lnStyleLst>
-      <a:effectStyleLst>
-        <a:effectStyle>
-          <a:effectLst>
-            <a:outerShdw blurRad="40000" dist="20000" dir="5400000" rotWithShape="0">
-              <a:srgbClr val="000000">
-                <a:alpha val="38000"/>
-              </a:srgbClr>
-            </a:outerShdw>
-          </a:effectLst>
-        </a:effectStyle>
-        <a:effectStyle>
-          <a:effectLst>
-            <a:outerShdw blurRad="40000" dist="23000" dir="5400000" rotWithShape="0">
-              <a:srgbClr val="000000">
-                <a:alpha val="35000"/>
-              </a:srgbClr>
-            </a:outerShdw>
-          </a:effectLst>
-        </a:effectStyle>
-        <a:effectStyle>
-          <a:effectLst>
-            <a:outerShdw blurRad="40000" dist="23000" dir="5400000" rotWithShape="0">
-              <a:srgbClr val="000000">
-                <a:alpha val="35000"/>
-              </a:srgbClr>
-            </a:outerShdw>
-          </a:effectLst>
-          <a:scene3d>
-            <a:camera prst="orthographicFront">
-              <a:rot lat="0" lon="0" rev="0"/>
-            </a:camera>
-            <a:lightRig rig="threePt" dir="t">
-              <a:rot lat="0" lon="0" rev="1200000"/>
-            </a:lightRig>
-          </a:scene3d>
-          <a:sp3d>
-            <a:bevelT w="63500" h="25400"/>
-          </a:sp3d>
-        </a:effectStyle>
-      </a:effectStyleLst>
-      <a:bgFillStyleLst>
-        <a:solidFill>
-          <a:schemeClr val="phClr"/>
-        </a:solidFill>
-        <a:gradFill rotWithShape="1">
-          <a:gsLst>
-            <a:gs pos="0">
-              <a:schemeClr val="phClr">
-                <a:tint val="40000"/>
-                <a:satMod val="350000"/>
-              </a:schemeClr>
-            </a:gs>
-            <a:gs pos="40000">
-              <a:schemeClr val="phClr">
-                <a:tint val="45000"/>
-                <a:shade val="99000"/>
-                <a:satMod val="350000"/>
-              </a:schemeClr>
-            </a:gs>
-            <a:gs pos="100000">
-              <a:schemeClr val="phClr">
-                <a:shade val="20000"/>
-                <a:satMod val="255000"/>
-              </a:schemeClr>
-            </a:gs>
-          </a:gsLst>
-          <a:path path="circle">
-            <a:fillToRect l="50000" t="-80000" r="50000" b="180000"/>
-          </a:path>
-        </a:gradFill>
-        <a:gradFill rotWithShape="1">
-          <a:gsLst>
-            <a:gs pos="0">
-              <a:schemeClr val="phClr">
-                <a:tint val="80000"/>
-                <a:satMod val="300000"/>
-              </a:schemeClr>
-            </a:gs>
-            <a:gs pos="100000">
-              <a:schemeClr val="phClr">
-                <a:shade val="30000"/>
-                <a:satMod val="200000"/>
-              </a:schemeClr>
-            </a:gs>
-          </a:gsLst>
-          <a:path path="circle">
-            <a:fillToRect l="50000" t="50000" r="50000" b="50000"/>
-          </a:path>
-        </a:gradFill>
-      </a:bgFillStyleLst>
-    </a:fmtScheme>
-  </a:themeElements>
-</a:theme>
 </file>
--- a/Presentations/P1.3 - Introducció a GIT.pptx
+++ b/Presentations/P1.3 - Introducció a GIT.pptx
@@ -27,16 +27,17 @@
     <p:sldId id="272" r:id="rId21"/>
     <p:sldId id="273" r:id="rId22"/>
     <p:sldId id="274" r:id="rId23"/>
+    <p:sldId id="275" r:id="rId24"/>
   </p:sldIdLst>
   <p:sldSz cy="6858000" cx="9144000"/>
   <p:notesSz cx="6858000" cy="9144000"/>
   <p:embeddedFontLst>
     <p:embeddedFont>
       <p:font typeface="Open Sans"/>
-      <p:regular r:id="rId24"/>
-      <p:bold r:id="rId25"/>
-      <p:italic r:id="rId26"/>
-      <p:boldItalic r:id="rId27"/>
+      <p:regular r:id="rId25"/>
+      <p:bold r:id="rId26"/>
+      <p:italic r:id="rId27"/>
+      <p:boldItalic r:id="rId28"/>
     </p:embeddedFont>
   </p:embeddedFontLst>
   <p:defaultTextStyle>
@@ -430,7 +431,7 @@
         <p:spPr>
           <a:xfrm>
             <a:off x="1143210" y="685800"/>
-            <a:ext cx="4572225" cy="3429000"/>
+            <a:ext cx="4572299" cy="3429000"/>
           </a:xfrm>
           <a:custGeom>
             <a:pathLst>
@@ -451,16 +452,6 @@
               </a:path>
             </a:pathLst>
           </a:custGeom>
-          <a:noFill/>
-          <a:ln cap="flat" cmpd="sng" w="9525">
-            <a:solidFill>
-              <a:srgbClr val="000000"/>
-            </a:solidFill>
-            <a:prstDash val="solid"/>
-            <a:round/>
-            <a:headEnd len="med" w="med" type="none"/>
-            <a:tailEnd len="med" w="med" type="none"/>
-          </a:ln>
         </p:spPr>
       </p:sp>
       <p:sp>
@@ -486,7 +477,7 @@
           </a:bodyPr>
           <a:lstStyle/>
           <a:p>
-            <a:pPr lvl="0">
+            <a:pPr lvl="0" rtl="0">
               <a:spcBef>
                 <a:spcPts val="0"/>
               </a:spcBef>
@@ -534,8 +525,8 @@
         </p:nvSpPr>
         <p:spPr>
           <a:xfrm>
-            <a:off x="1143210" y="685800"/>
-            <a:ext cx="4572299" cy="3429000"/>
+            <a:off x="1143309" y="685800"/>
+            <a:ext cx="4572000" cy="3429000"/>
           </a:xfrm>
           <a:custGeom>
             <a:pathLst>
@@ -556,16 +547,6 @@
               </a:path>
             </a:pathLst>
           </a:custGeom>
-          <a:noFill/>
-          <a:ln cap="flat" cmpd="sng" w="9525">
-            <a:solidFill>
-              <a:srgbClr val="000000"/>
-            </a:solidFill>
-            <a:prstDash val="solid"/>
-            <a:round/>
-            <a:headEnd len="med" w="med" type="none"/>
-            <a:tailEnd len="med" w="med" type="none"/>
-          </a:ln>
         </p:spPr>
       </p:sp>
       <p:sp>
@@ -617,7 +598,7 @@
   <p:cSld>
     <p:spTree>
       <p:nvGrpSpPr>
-        <p:cNvPr id="153" name="Shape 153"/>
+        <p:cNvPr id="152" name="Shape 152"/>
         <p:cNvGrpSpPr/>
         <p:nvPr/>
       </p:nvGrpSpPr>
@@ -631,7 +612,7 @@
       </p:grpSpPr>
       <p:sp>
         <p:nvSpPr>
-          <p:cNvPr id="154" name="Shape 154"/>
+          <p:cNvPr id="153" name="Shape 153"/>
           <p:cNvSpPr/>
           <p:nvPr>
             <p:ph idx="2" type="sldImg"/>
@@ -661,21 +642,11 @@
               </a:path>
             </a:pathLst>
           </a:custGeom>
-          <a:noFill/>
-          <a:ln cap="flat" cmpd="sng" w="9525">
-            <a:solidFill>
-              <a:srgbClr val="000000"/>
-            </a:solidFill>
-            <a:prstDash val="solid"/>
-            <a:round/>
-            <a:headEnd len="med" w="med" type="none"/>
-            <a:tailEnd len="med" w="med" type="none"/>
-          </a:ln>
-        </p:spPr>
-      </p:sp>
-      <p:sp>
-        <p:nvSpPr>
-          <p:cNvPr id="155" name="Shape 155"/>
+        </p:spPr>
+      </p:sp>
+      <p:sp>
+        <p:nvSpPr>
+          <p:cNvPr id="154" name="Shape 154"/>
           <p:cNvSpPr txBox="1"/>
           <p:nvPr>
             <p:ph idx="1" type="body"/>
@@ -722,7 +693,7 @@
   <p:cSld>
     <p:spTree>
       <p:nvGrpSpPr>
-        <p:cNvPr id="161" name="Shape 161"/>
+        <p:cNvPr id="158" name="Shape 158"/>
         <p:cNvGrpSpPr/>
         <p:nvPr/>
       </p:nvGrpSpPr>
@@ -736,7 +707,7 @@
       </p:grpSpPr>
       <p:sp>
         <p:nvSpPr>
-          <p:cNvPr id="162" name="Shape 162"/>
+          <p:cNvPr id="159" name="Shape 159"/>
           <p:cNvSpPr/>
           <p:nvPr>
             <p:ph idx="2" type="sldImg"/>
@@ -766,21 +737,11 @@
               </a:path>
             </a:pathLst>
           </a:custGeom>
-          <a:noFill/>
-          <a:ln cap="flat" cmpd="sng" w="9525">
-            <a:solidFill>
-              <a:srgbClr val="000000"/>
-            </a:solidFill>
-            <a:prstDash val="solid"/>
-            <a:round/>
-            <a:headEnd len="med" w="med" type="none"/>
-            <a:tailEnd len="med" w="med" type="none"/>
-          </a:ln>
-        </p:spPr>
-      </p:sp>
-      <p:sp>
-        <p:nvSpPr>
-          <p:cNvPr id="163" name="Shape 163"/>
+        </p:spPr>
+      </p:sp>
+      <p:sp>
+        <p:nvSpPr>
+          <p:cNvPr id="160" name="Shape 160"/>
           <p:cNvSpPr txBox="1"/>
           <p:nvPr>
             <p:ph idx="1" type="body"/>
@@ -801,7 +762,7 @@
           </a:bodyPr>
           <a:lstStyle/>
           <a:p>
-            <a:pPr lvl="0" rtl="0">
+            <a:pPr lvl="0">
               <a:spcBef>
                 <a:spcPts val="0"/>
               </a:spcBef>
@@ -827,7 +788,7 @@
   <p:cSld>
     <p:spTree>
       <p:nvGrpSpPr>
-        <p:cNvPr id="167" name="Shape 167"/>
+        <p:cNvPr id="168" name="Shape 168"/>
         <p:cNvGrpSpPr/>
         <p:nvPr/>
       </p:nvGrpSpPr>
@@ -841,7 +802,7 @@
       </p:grpSpPr>
       <p:sp>
         <p:nvSpPr>
-          <p:cNvPr id="168" name="Shape 168"/>
+          <p:cNvPr id="169" name="Shape 169"/>
           <p:cNvSpPr/>
           <p:nvPr>
             <p:ph idx="2" type="sldImg"/>
@@ -871,21 +832,11 @@
               </a:path>
             </a:pathLst>
           </a:custGeom>
-          <a:noFill/>
-          <a:ln cap="flat" cmpd="sng" w="9525">
-            <a:solidFill>
-              <a:srgbClr val="000000"/>
-            </a:solidFill>
-            <a:prstDash val="solid"/>
-            <a:round/>
-            <a:headEnd len="med" w="med" type="none"/>
-            <a:tailEnd len="med" w="med" type="none"/>
-          </a:ln>
-        </p:spPr>
-      </p:sp>
-      <p:sp>
-        <p:nvSpPr>
-          <p:cNvPr id="169" name="Shape 169"/>
+        </p:spPr>
+      </p:sp>
+      <p:sp>
+        <p:nvSpPr>
+          <p:cNvPr id="170" name="Shape 170"/>
           <p:cNvSpPr txBox="1"/>
           <p:nvPr>
             <p:ph idx="1" type="body"/>
@@ -932,7 +883,7 @@
   <p:cSld>
     <p:spTree>
       <p:nvGrpSpPr>
-        <p:cNvPr id="175" name="Shape 175"/>
+        <p:cNvPr id="176" name="Shape 176"/>
         <p:cNvGrpSpPr/>
         <p:nvPr/>
       </p:nvGrpSpPr>
@@ -946,7 +897,7 @@
       </p:grpSpPr>
       <p:sp>
         <p:nvSpPr>
-          <p:cNvPr id="176" name="Shape 176"/>
+          <p:cNvPr id="177" name="Shape 177"/>
           <p:cNvSpPr/>
           <p:nvPr>
             <p:ph idx="2" type="sldImg"/>
@@ -976,21 +927,11 @@
               </a:path>
             </a:pathLst>
           </a:custGeom>
-          <a:noFill/>
-          <a:ln cap="flat" cmpd="sng" w="9525">
-            <a:solidFill>
-              <a:srgbClr val="000000"/>
-            </a:solidFill>
-            <a:prstDash val="solid"/>
-            <a:round/>
-            <a:headEnd len="med" w="med" type="none"/>
-            <a:tailEnd len="med" w="med" type="none"/>
-          </a:ln>
-        </p:spPr>
-      </p:sp>
-      <p:sp>
-        <p:nvSpPr>
-          <p:cNvPr id="177" name="Shape 177"/>
+        </p:spPr>
+      </p:sp>
+      <p:sp>
+        <p:nvSpPr>
+          <p:cNvPr id="178" name="Shape 178"/>
           <p:cNvSpPr txBox="1"/>
           <p:nvPr>
             <p:ph idx="1" type="body"/>
@@ -1037,7 +978,7 @@
   <p:cSld>
     <p:spTree>
       <p:nvGrpSpPr>
-        <p:cNvPr id="181" name="Shape 181"/>
+        <p:cNvPr id="182" name="Shape 182"/>
         <p:cNvGrpSpPr/>
         <p:nvPr/>
       </p:nvGrpSpPr>
@@ -1051,7 +992,7 @@
       </p:grpSpPr>
       <p:sp>
         <p:nvSpPr>
-          <p:cNvPr id="182" name="Shape 182"/>
+          <p:cNvPr id="183" name="Shape 183"/>
           <p:cNvSpPr/>
           <p:nvPr>
             <p:ph idx="2" type="sldImg"/>
@@ -1081,21 +1022,11 @@
               </a:path>
             </a:pathLst>
           </a:custGeom>
-          <a:noFill/>
-          <a:ln cap="flat" cmpd="sng" w="9525">
-            <a:solidFill>
-              <a:srgbClr val="000000"/>
-            </a:solidFill>
-            <a:prstDash val="solid"/>
-            <a:round/>
-            <a:headEnd len="med" w="med" type="none"/>
-            <a:tailEnd len="med" w="med" type="none"/>
-          </a:ln>
-        </p:spPr>
-      </p:sp>
-      <p:sp>
-        <p:nvSpPr>
-          <p:cNvPr id="183" name="Shape 183"/>
+        </p:spPr>
+      </p:sp>
+      <p:sp>
+        <p:nvSpPr>
+          <p:cNvPr id="184" name="Shape 184"/>
           <p:cNvSpPr txBox="1"/>
           <p:nvPr>
             <p:ph idx="1" type="body"/>
@@ -1142,7 +1073,7 @@
   <p:cSld>
     <p:spTree>
       <p:nvGrpSpPr>
-        <p:cNvPr id="191" name="Shape 191"/>
+        <p:cNvPr id="192" name="Shape 192"/>
         <p:cNvGrpSpPr/>
         <p:nvPr/>
       </p:nvGrpSpPr>
@@ -1156,7 +1087,7 @@
       </p:grpSpPr>
       <p:sp>
         <p:nvSpPr>
-          <p:cNvPr id="192" name="Shape 192"/>
+          <p:cNvPr id="193" name="Shape 193"/>
           <p:cNvSpPr/>
           <p:nvPr>
             <p:ph idx="2" type="sldImg"/>
@@ -1186,21 +1117,11 @@
               </a:path>
             </a:pathLst>
           </a:custGeom>
-          <a:noFill/>
-          <a:ln cap="flat" cmpd="sng" w="9525">
-            <a:solidFill>
-              <a:srgbClr val="000000"/>
-            </a:solidFill>
-            <a:prstDash val="solid"/>
-            <a:round/>
-            <a:headEnd len="med" w="med" type="none"/>
-            <a:tailEnd len="med" w="med" type="none"/>
-          </a:ln>
-        </p:spPr>
-      </p:sp>
-      <p:sp>
-        <p:nvSpPr>
-          <p:cNvPr id="193" name="Shape 193"/>
+        </p:spPr>
+      </p:sp>
+      <p:sp>
+        <p:nvSpPr>
+          <p:cNvPr id="194" name="Shape 194"/>
           <p:cNvSpPr txBox="1"/>
           <p:nvPr>
             <p:ph idx="1" type="body"/>
@@ -1247,7 +1168,7 @@
   <p:cSld>
     <p:spTree>
       <p:nvGrpSpPr>
-        <p:cNvPr id="200" name="Shape 200"/>
+        <p:cNvPr id="201" name="Shape 201"/>
         <p:cNvGrpSpPr/>
         <p:nvPr/>
       </p:nvGrpSpPr>
@@ -1261,7 +1182,7 @@
       </p:grpSpPr>
       <p:sp>
         <p:nvSpPr>
-          <p:cNvPr id="201" name="Shape 201"/>
+          <p:cNvPr id="202" name="Shape 202"/>
           <p:cNvSpPr/>
           <p:nvPr>
             <p:ph idx="2" type="sldImg"/>
@@ -1291,21 +1212,11 @@
               </a:path>
             </a:pathLst>
           </a:custGeom>
-          <a:noFill/>
-          <a:ln cap="flat" cmpd="sng" w="9525">
-            <a:solidFill>
-              <a:srgbClr val="000000"/>
-            </a:solidFill>
-            <a:prstDash val="solid"/>
-            <a:round/>
-            <a:headEnd len="med" w="med" type="none"/>
-            <a:tailEnd len="med" w="med" type="none"/>
-          </a:ln>
-        </p:spPr>
-      </p:sp>
-      <p:sp>
-        <p:nvSpPr>
-          <p:cNvPr id="202" name="Shape 202"/>
+        </p:spPr>
+      </p:sp>
+      <p:sp>
+        <p:nvSpPr>
+          <p:cNvPr id="203" name="Shape 203"/>
           <p:cNvSpPr txBox="1"/>
           <p:nvPr>
             <p:ph idx="1" type="body"/>
@@ -1352,7 +1263,7 @@
   <p:cSld>
     <p:spTree>
       <p:nvGrpSpPr>
-        <p:cNvPr id="210" name="Shape 210"/>
+        <p:cNvPr id="212" name="Shape 212"/>
         <p:cNvGrpSpPr/>
         <p:nvPr/>
       </p:nvGrpSpPr>
@@ -1366,7 +1277,7 @@
       </p:grpSpPr>
       <p:sp>
         <p:nvSpPr>
-          <p:cNvPr id="211" name="Shape 211"/>
+          <p:cNvPr id="213" name="Shape 213"/>
           <p:cNvSpPr/>
           <p:nvPr>
             <p:ph idx="2" type="sldImg"/>
@@ -1374,8 +1285,8 @@
         </p:nvSpPr>
         <p:spPr>
           <a:xfrm>
-            <a:off x="1143210" y="685800"/>
-            <a:ext cx="4572225" cy="3429000"/>
+            <a:off x="1143309" y="685800"/>
+            <a:ext cx="4572000" cy="3429000"/>
           </a:xfrm>
           <a:custGeom>
             <a:pathLst>
@@ -1396,21 +1307,11 @@
               </a:path>
             </a:pathLst>
           </a:custGeom>
-          <a:noFill/>
-          <a:ln cap="flat" cmpd="sng" w="9525">
-            <a:solidFill>
-              <a:srgbClr val="000000"/>
-            </a:solidFill>
-            <a:prstDash val="solid"/>
-            <a:round/>
-            <a:headEnd len="med" w="med" type="none"/>
-            <a:tailEnd len="med" w="med" type="none"/>
-          </a:ln>
-        </p:spPr>
-      </p:sp>
-      <p:sp>
-        <p:nvSpPr>
-          <p:cNvPr id="212" name="Shape 212"/>
+        </p:spPr>
+      </p:sp>
+      <p:sp>
+        <p:nvSpPr>
+          <p:cNvPr id="214" name="Shape 214"/>
           <p:cNvSpPr txBox="1"/>
           <p:nvPr>
             <p:ph idx="1" type="body"/>
@@ -1431,16 +1332,16 @@
           </a:bodyPr>
           <a:lstStyle/>
           <a:p>
-            <a:pPr lvl="0">
-              <a:spcBef>
-                <a:spcPts val="0"/>
-              </a:spcBef>
-              <a:buNone/>
-            </a:pPr>
-            <a:r>
-              <a:rPr lang="ca"/>
-              <a:t>Presentación de Gavi!</a:t>
-            </a:r>
+            <a:pPr lvl="0" rtl="0">
+              <a:spcBef>
+                <a:spcPts val="0"/>
+              </a:spcBef>
+              <a:buNone/>
+            </a:pPr>
+            <a:r>
+              <a:t/>
+            </a:r>
+            <a:endParaRPr/>
           </a:p>
         </p:txBody>
       </p:sp>
@@ -1457,7 +1358,7 @@
   <p:cSld>
     <p:spTree>
       <p:nvGrpSpPr>
-        <p:cNvPr id="216" name="Shape 216"/>
+        <p:cNvPr id="222" name="Shape 222"/>
         <p:cNvGrpSpPr/>
         <p:nvPr/>
       </p:nvGrpSpPr>
@@ -1471,7 +1372,7 @@
       </p:grpSpPr>
       <p:sp>
         <p:nvSpPr>
-          <p:cNvPr id="217" name="Shape 217"/>
+          <p:cNvPr id="223" name="Shape 223"/>
           <p:cNvSpPr/>
           <p:nvPr>
             <p:ph idx="2" type="sldImg"/>
@@ -1479,8 +1380,8 @@
         </p:nvSpPr>
         <p:spPr>
           <a:xfrm>
-            <a:off x="1143309" y="685800"/>
-            <a:ext cx="4572000" cy="3429000"/>
+            <a:off x="1143210" y="685800"/>
+            <a:ext cx="4572225" cy="3429000"/>
           </a:xfrm>
           <a:custGeom>
             <a:pathLst>
@@ -1501,21 +1402,11 @@
               </a:path>
             </a:pathLst>
           </a:custGeom>
-          <a:noFill/>
-          <a:ln cap="flat" cmpd="sng" w="9525">
-            <a:solidFill>
-              <a:srgbClr val="000000"/>
-            </a:solidFill>
-            <a:prstDash val="solid"/>
-            <a:round/>
-            <a:headEnd len="med" w="med" type="none"/>
-            <a:tailEnd len="med" w="med" type="none"/>
-          </a:ln>
-        </p:spPr>
-      </p:sp>
-      <p:sp>
-        <p:nvSpPr>
-          <p:cNvPr id="218" name="Shape 218"/>
+        </p:spPr>
+      </p:sp>
+      <p:sp>
+        <p:nvSpPr>
+          <p:cNvPr id="224" name="Shape 224"/>
           <p:cNvSpPr txBox="1"/>
           <p:nvPr>
             <p:ph idx="1" type="body"/>
@@ -1543,9 +1434,9 @@
               <a:buNone/>
             </a:pPr>
             <a:r>
-              <a:t/>
-            </a:r>
-            <a:endParaRPr/>
+              <a:rPr lang="ca"/>
+              <a:t>Presentación de Gavi!</a:t>
+            </a:r>
           </a:p>
         </p:txBody>
       </p:sp>
@@ -1557,12 +1448,12 @@
 </p:notes>
 </file>
 
-<file path=ppt/notesSlides/notesSlide2.xml><?xml version="1.0" encoding="utf-8"?>
+<file path=ppt/notesSlides/notesSlide19.xml><?xml version="1.0" encoding="utf-8"?>
 <p:notes xmlns:a="http://schemas.openxmlformats.org/drawingml/2006/main" xmlns:r="http://schemas.openxmlformats.org/officeDocument/2006/relationships" xmlns:mc="http://schemas.openxmlformats.org/markup-compatibility/2006" xmlns:mv="urn:schemas-microsoft-com:mac:vml" xmlns:p="http://schemas.openxmlformats.org/presentationml/2006/main" xmlns:c="http://schemas.openxmlformats.org/drawingml/2006/chart" xmlns:dgm="http://schemas.openxmlformats.org/drawingml/2006/diagram" xmlns:o="urn:schemas-microsoft-com:office:office" xmlns:v="urn:schemas-microsoft-com:vml" xmlns:pvml="urn:schemas-microsoft-com:office:powerpoint" xmlns:com="http://schemas.openxmlformats.org/drawingml/2006/compatibility" xmlns:p14="http://schemas.microsoft.com/office/powerpoint/2010/main" showMasterPhAnim="0" showMasterSp="0">
   <p:cSld>
     <p:spTree>
       <p:nvGrpSpPr>
-        <p:cNvPr id="73" name="Shape 73"/>
+        <p:cNvPr id="228" name="Shape 228"/>
         <p:cNvGrpSpPr/>
         <p:nvPr/>
       </p:nvGrpSpPr>
@@ -1576,7 +1467,7 @@
       </p:grpSpPr>
       <p:sp>
         <p:nvSpPr>
-          <p:cNvPr id="74" name="Shape 74"/>
+          <p:cNvPr id="229" name="Shape 229"/>
           <p:cNvSpPr/>
           <p:nvPr>
             <p:ph idx="2" type="sldImg"/>
@@ -1606,21 +1497,11 @@
               </a:path>
             </a:pathLst>
           </a:custGeom>
-          <a:noFill/>
-          <a:ln cap="flat" cmpd="sng" w="9525">
-            <a:solidFill>
-              <a:srgbClr val="000000"/>
-            </a:solidFill>
-            <a:prstDash val="solid"/>
-            <a:round/>
-            <a:headEnd len="med" w="med" type="none"/>
-            <a:tailEnd len="med" w="med" type="none"/>
-          </a:ln>
-        </p:spPr>
-      </p:sp>
-      <p:sp>
-        <p:nvSpPr>
-          <p:cNvPr id="75" name="Shape 75"/>
+        </p:spPr>
+      </p:sp>
+      <p:sp>
+        <p:nvSpPr>
+          <p:cNvPr id="230" name="Shape 230"/>
           <p:cNvSpPr txBox="1"/>
           <p:nvPr>
             <p:ph idx="1" type="body"/>
@@ -1641,7 +1522,7 @@
           </a:bodyPr>
           <a:lstStyle/>
           <a:p>
-            <a:pPr lvl="0" rtl="0">
+            <a:pPr lvl="0">
               <a:spcBef>
                 <a:spcPts val="0"/>
               </a:spcBef>
@@ -1662,12 +1543,12 @@
 </p:notes>
 </file>
 
-<file path=ppt/notesSlides/notesSlide3.xml><?xml version="1.0" encoding="utf-8"?>
+<file path=ppt/notesSlides/notesSlide2.xml><?xml version="1.0" encoding="utf-8"?>
 <p:notes xmlns:a="http://schemas.openxmlformats.org/drawingml/2006/main" xmlns:r="http://schemas.openxmlformats.org/officeDocument/2006/relationships" xmlns:mc="http://schemas.openxmlformats.org/markup-compatibility/2006" xmlns:mv="urn:schemas-microsoft-com:mac:vml" xmlns:p="http://schemas.openxmlformats.org/presentationml/2006/main" xmlns:c="http://schemas.openxmlformats.org/drawingml/2006/chart" xmlns:dgm="http://schemas.openxmlformats.org/drawingml/2006/diagram" xmlns:o="urn:schemas-microsoft-com:office:office" xmlns:v="urn:schemas-microsoft-com:vml" xmlns:pvml="urn:schemas-microsoft-com:office:powerpoint" xmlns:com="http://schemas.openxmlformats.org/drawingml/2006/compatibility" xmlns:p14="http://schemas.microsoft.com/office/powerpoint/2010/main" showMasterPhAnim="0" showMasterSp="0">
   <p:cSld>
     <p:spTree>
       <p:nvGrpSpPr>
-        <p:cNvPr id="81" name="Shape 81"/>
+        <p:cNvPr id="72" name="Shape 72"/>
         <p:cNvGrpSpPr/>
         <p:nvPr/>
       </p:nvGrpSpPr>
@@ -1681,7 +1562,7 @@
       </p:grpSpPr>
       <p:sp>
         <p:nvSpPr>
-          <p:cNvPr id="82" name="Shape 82"/>
+          <p:cNvPr id="73" name="Shape 73"/>
           <p:cNvSpPr/>
           <p:nvPr>
             <p:ph idx="2" type="sldImg"/>
@@ -1711,21 +1592,11 @@
               </a:path>
             </a:pathLst>
           </a:custGeom>
-          <a:noFill/>
-          <a:ln cap="flat" cmpd="sng" w="9525">
-            <a:solidFill>
-              <a:srgbClr val="000000"/>
-            </a:solidFill>
-            <a:prstDash val="solid"/>
-            <a:round/>
-            <a:headEnd len="med" w="med" type="none"/>
-            <a:tailEnd len="med" w="med" type="none"/>
-          </a:ln>
-        </p:spPr>
-      </p:sp>
-      <p:sp>
-        <p:nvSpPr>
-          <p:cNvPr id="83" name="Shape 83"/>
+        </p:spPr>
+      </p:sp>
+      <p:sp>
+        <p:nvSpPr>
+          <p:cNvPr id="74" name="Shape 74"/>
           <p:cNvSpPr txBox="1"/>
           <p:nvPr>
             <p:ph idx="1" type="body"/>
@@ -1767,12 +1638,12 @@
 </p:notes>
 </file>
 
-<file path=ppt/notesSlides/notesSlide4.xml><?xml version="1.0" encoding="utf-8"?>
+<file path=ppt/notesSlides/notesSlide3.xml><?xml version="1.0" encoding="utf-8"?>
 <p:notes xmlns:a="http://schemas.openxmlformats.org/drawingml/2006/main" xmlns:r="http://schemas.openxmlformats.org/officeDocument/2006/relationships" xmlns:mc="http://schemas.openxmlformats.org/markup-compatibility/2006" xmlns:mv="urn:schemas-microsoft-com:mac:vml" xmlns:p="http://schemas.openxmlformats.org/presentationml/2006/main" xmlns:c="http://schemas.openxmlformats.org/drawingml/2006/chart" xmlns:dgm="http://schemas.openxmlformats.org/drawingml/2006/diagram" xmlns:o="urn:schemas-microsoft-com:office:office" xmlns:v="urn:schemas-microsoft-com:vml" xmlns:pvml="urn:schemas-microsoft-com:office:powerpoint" xmlns:com="http://schemas.openxmlformats.org/drawingml/2006/compatibility" xmlns:p14="http://schemas.microsoft.com/office/powerpoint/2010/main" showMasterPhAnim="0" showMasterSp="0">
   <p:cSld>
     <p:spTree>
       <p:nvGrpSpPr>
-        <p:cNvPr id="87" name="Shape 87"/>
+        <p:cNvPr id="78" name="Shape 78"/>
         <p:cNvGrpSpPr/>
         <p:nvPr/>
       </p:nvGrpSpPr>
@@ -1786,7 +1657,7 @@
       </p:grpSpPr>
       <p:sp>
         <p:nvSpPr>
-          <p:cNvPr id="88" name="Shape 88"/>
+          <p:cNvPr id="79" name="Shape 79"/>
           <p:cNvSpPr/>
           <p:nvPr>
             <p:ph idx="2" type="sldImg"/>
@@ -1816,21 +1687,11 @@
               </a:path>
             </a:pathLst>
           </a:custGeom>
-          <a:noFill/>
-          <a:ln cap="flat" cmpd="sng" w="9525">
-            <a:solidFill>
-              <a:srgbClr val="000000"/>
-            </a:solidFill>
-            <a:prstDash val="solid"/>
-            <a:round/>
-            <a:headEnd len="med" w="med" type="none"/>
-            <a:tailEnd len="med" w="med" type="none"/>
-          </a:ln>
-        </p:spPr>
-      </p:sp>
-      <p:sp>
-        <p:nvSpPr>
-          <p:cNvPr id="89" name="Shape 89"/>
+        </p:spPr>
+      </p:sp>
+      <p:sp>
+        <p:nvSpPr>
+          <p:cNvPr id="80" name="Shape 80"/>
           <p:cNvSpPr txBox="1"/>
           <p:nvPr>
             <p:ph idx="1" type="body"/>
@@ -2323,12 +2184,12 @@
 </p:notes>
 </file>
 
-<file path=ppt/notesSlides/notesSlide5.xml><?xml version="1.0" encoding="utf-8"?>
+<file path=ppt/notesSlides/notesSlide4.xml><?xml version="1.0" encoding="utf-8"?>
 <p:notes xmlns:a="http://schemas.openxmlformats.org/drawingml/2006/main" xmlns:r="http://schemas.openxmlformats.org/officeDocument/2006/relationships" xmlns:mc="http://schemas.openxmlformats.org/markup-compatibility/2006" xmlns:mv="urn:schemas-microsoft-com:mac:vml" xmlns:p="http://schemas.openxmlformats.org/presentationml/2006/main" xmlns:c="http://schemas.openxmlformats.org/drawingml/2006/chart" xmlns:dgm="http://schemas.openxmlformats.org/drawingml/2006/diagram" xmlns:o="urn:schemas-microsoft-com:office:office" xmlns:v="urn:schemas-microsoft-com:vml" xmlns:pvml="urn:schemas-microsoft-com:office:powerpoint" xmlns:com="http://schemas.openxmlformats.org/drawingml/2006/compatibility" xmlns:p14="http://schemas.microsoft.com/office/powerpoint/2010/main" showMasterPhAnim="0" showMasterSp="0">
   <p:cSld>
     <p:spTree>
       <p:nvGrpSpPr>
-        <p:cNvPr id="98" name="Shape 98"/>
+        <p:cNvPr id="89" name="Shape 89"/>
         <p:cNvGrpSpPr/>
         <p:nvPr/>
       </p:nvGrpSpPr>
@@ -2342,7 +2203,7 @@
       </p:grpSpPr>
       <p:sp>
         <p:nvSpPr>
-          <p:cNvPr id="99" name="Shape 99"/>
+          <p:cNvPr id="90" name="Shape 90"/>
           <p:cNvSpPr/>
           <p:nvPr>
             <p:ph idx="2" type="sldImg"/>
@@ -2372,21 +2233,11 @@
               </a:path>
             </a:pathLst>
           </a:custGeom>
-          <a:noFill/>
-          <a:ln cap="flat" cmpd="sng" w="9525">
-            <a:solidFill>
-              <a:srgbClr val="000000"/>
-            </a:solidFill>
-            <a:prstDash val="solid"/>
-            <a:round/>
-            <a:headEnd len="med" w="med" type="none"/>
-            <a:tailEnd len="med" w="med" type="none"/>
-          </a:ln>
-        </p:spPr>
-      </p:sp>
-      <p:sp>
-        <p:nvSpPr>
-          <p:cNvPr id="100" name="Shape 100"/>
+        </p:spPr>
+      </p:sp>
+      <p:sp>
+        <p:nvSpPr>
+          <p:cNvPr id="91" name="Shape 91"/>
           <p:cNvSpPr txBox="1"/>
           <p:nvPr>
             <p:ph idx="1" type="body"/>
@@ -2879,12 +2730,12 @@
 </p:notes>
 </file>
 
-<file path=ppt/notesSlides/notesSlide6.xml><?xml version="1.0" encoding="utf-8"?>
+<file path=ppt/notesSlides/notesSlide5.xml><?xml version="1.0" encoding="utf-8"?>
 <p:notes xmlns:a="http://schemas.openxmlformats.org/drawingml/2006/main" xmlns:r="http://schemas.openxmlformats.org/officeDocument/2006/relationships" xmlns:mc="http://schemas.openxmlformats.org/markup-compatibility/2006" xmlns:mv="urn:schemas-microsoft-com:mac:vml" xmlns:p="http://schemas.openxmlformats.org/presentationml/2006/main" xmlns:c="http://schemas.openxmlformats.org/drawingml/2006/chart" xmlns:dgm="http://schemas.openxmlformats.org/drawingml/2006/diagram" xmlns:o="urn:schemas-microsoft-com:office:office" xmlns:v="urn:schemas-microsoft-com:vml" xmlns:pvml="urn:schemas-microsoft-com:office:powerpoint" xmlns:com="http://schemas.openxmlformats.org/drawingml/2006/compatibility" xmlns:p14="http://schemas.microsoft.com/office/powerpoint/2010/main" showMasterPhAnim="0" showMasterSp="0">
   <p:cSld>
     <p:spTree>
       <p:nvGrpSpPr>
-        <p:cNvPr id="119" name="Shape 119"/>
+        <p:cNvPr id="110" name="Shape 110"/>
         <p:cNvGrpSpPr/>
         <p:nvPr/>
       </p:nvGrpSpPr>
@@ -2898,7 +2749,7 @@
       </p:grpSpPr>
       <p:sp>
         <p:nvSpPr>
-          <p:cNvPr id="120" name="Shape 120"/>
+          <p:cNvPr id="111" name="Shape 111"/>
           <p:cNvSpPr/>
           <p:nvPr>
             <p:ph idx="2" type="sldImg"/>
@@ -2928,21 +2779,11 @@
               </a:path>
             </a:pathLst>
           </a:custGeom>
-          <a:noFill/>
-          <a:ln cap="flat" cmpd="sng" w="9525">
-            <a:solidFill>
-              <a:srgbClr val="000000"/>
-            </a:solidFill>
-            <a:prstDash val="solid"/>
-            <a:round/>
-            <a:headEnd len="med" w="med" type="none"/>
-            <a:tailEnd len="med" w="med" type="none"/>
-          </a:ln>
-        </p:spPr>
-      </p:sp>
-      <p:sp>
-        <p:nvSpPr>
-          <p:cNvPr id="121" name="Shape 121"/>
+        </p:spPr>
+      </p:sp>
+      <p:sp>
+        <p:nvSpPr>
+          <p:cNvPr id="112" name="Shape 112"/>
           <p:cNvSpPr txBox="1"/>
           <p:nvPr>
             <p:ph idx="1" type="body"/>
@@ -2984,12 +2825,12 @@
 </p:notes>
 </file>
 
-<file path=ppt/notesSlides/notesSlide7.xml><?xml version="1.0" encoding="utf-8"?>
+<file path=ppt/notesSlides/notesSlide6.xml><?xml version="1.0" encoding="utf-8"?>
 <p:notes xmlns:a="http://schemas.openxmlformats.org/drawingml/2006/main" xmlns:r="http://schemas.openxmlformats.org/officeDocument/2006/relationships" xmlns:mc="http://schemas.openxmlformats.org/markup-compatibility/2006" xmlns:mv="urn:schemas-microsoft-com:mac:vml" xmlns:p="http://schemas.openxmlformats.org/presentationml/2006/main" xmlns:c="http://schemas.openxmlformats.org/drawingml/2006/chart" xmlns:dgm="http://schemas.openxmlformats.org/drawingml/2006/diagram" xmlns:o="urn:schemas-microsoft-com:office:office" xmlns:v="urn:schemas-microsoft-com:vml" xmlns:pvml="urn:schemas-microsoft-com:office:powerpoint" xmlns:com="http://schemas.openxmlformats.org/drawingml/2006/compatibility" xmlns:p14="http://schemas.microsoft.com/office/powerpoint/2010/main" showMasterPhAnim="0" showMasterSp="0">
   <p:cSld>
     <p:spTree>
       <p:nvGrpSpPr>
-        <p:cNvPr id="125" name="Shape 125"/>
+        <p:cNvPr id="116" name="Shape 116"/>
         <p:cNvGrpSpPr/>
         <p:nvPr/>
       </p:nvGrpSpPr>
@@ -3003,7 +2844,7 @@
       </p:grpSpPr>
       <p:sp>
         <p:nvSpPr>
-          <p:cNvPr id="126" name="Shape 126"/>
+          <p:cNvPr id="117" name="Shape 117"/>
           <p:cNvSpPr/>
           <p:nvPr>
             <p:ph idx="2" type="sldImg"/>
@@ -3033,21 +2874,11 @@
               </a:path>
             </a:pathLst>
           </a:custGeom>
-          <a:noFill/>
-          <a:ln cap="flat" cmpd="sng" w="9525">
-            <a:solidFill>
-              <a:srgbClr val="000000"/>
-            </a:solidFill>
-            <a:prstDash val="solid"/>
-            <a:round/>
-            <a:headEnd len="med" w="med" type="none"/>
-            <a:tailEnd len="med" w="med" type="none"/>
-          </a:ln>
-        </p:spPr>
-      </p:sp>
-      <p:sp>
-        <p:nvSpPr>
-          <p:cNvPr id="127" name="Shape 127"/>
+        </p:spPr>
+      </p:sp>
+      <p:sp>
+        <p:nvSpPr>
+          <p:cNvPr id="118" name="Shape 118"/>
           <p:cNvSpPr txBox="1"/>
           <p:nvPr>
             <p:ph idx="1" type="body"/>
@@ -3089,12 +2920,12 @@
 </p:notes>
 </file>
 
-<file path=ppt/notesSlides/notesSlide8.xml><?xml version="1.0" encoding="utf-8"?>
+<file path=ppt/notesSlides/notesSlide7.xml><?xml version="1.0" encoding="utf-8"?>
 <p:notes xmlns:a="http://schemas.openxmlformats.org/drawingml/2006/main" xmlns:r="http://schemas.openxmlformats.org/officeDocument/2006/relationships" xmlns:mc="http://schemas.openxmlformats.org/markup-compatibility/2006" xmlns:mv="urn:schemas-microsoft-com:mac:vml" xmlns:p="http://schemas.openxmlformats.org/presentationml/2006/main" xmlns:c="http://schemas.openxmlformats.org/drawingml/2006/chart" xmlns:dgm="http://schemas.openxmlformats.org/drawingml/2006/diagram" xmlns:o="urn:schemas-microsoft-com:office:office" xmlns:v="urn:schemas-microsoft-com:vml" xmlns:pvml="urn:schemas-microsoft-com:office:powerpoint" xmlns:com="http://schemas.openxmlformats.org/drawingml/2006/compatibility" xmlns:p14="http://schemas.microsoft.com/office/powerpoint/2010/main" showMasterPhAnim="0" showMasterSp="0">
   <p:cSld>
     <p:spTree>
       <p:nvGrpSpPr>
-        <p:cNvPr id="133" name="Shape 133"/>
+        <p:cNvPr id="124" name="Shape 124"/>
         <p:cNvGrpSpPr/>
         <p:nvPr/>
       </p:nvGrpSpPr>
@@ -3108,7 +2939,7 @@
       </p:grpSpPr>
       <p:sp>
         <p:nvSpPr>
-          <p:cNvPr id="134" name="Shape 134"/>
+          <p:cNvPr id="125" name="Shape 125"/>
           <p:cNvSpPr/>
           <p:nvPr>
             <p:ph idx="2" type="sldImg"/>
@@ -3138,21 +2969,106 @@
               </a:path>
             </a:pathLst>
           </a:custGeom>
-          <a:noFill/>
-          <a:ln cap="flat" cmpd="sng" w="9525">
-            <a:solidFill>
-              <a:srgbClr val="000000"/>
-            </a:solidFill>
-            <a:prstDash val="solid"/>
-            <a:round/>
-            <a:headEnd len="med" w="med" type="none"/>
-            <a:tailEnd len="med" w="med" type="none"/>
-          </a:ln>
-        </p:spPr>
-      </p:sp>
-      <p:sp>
-        <p:nvSpPr>
-          <p:cNvPr id="135" name="Shape 135"/>
+        </p:spPr>
+      </p:sp>
+      <p:sp>
+        <p:nvSpPr>
+          <p:cNvPr id="126" name="Shape 126"/>
+          <p:cNvSpPr txBox="1"/>
+          <p:nvPr>
+            <p:ph idx="1" type="body"/>
+          </p:nvPr>
+        </p:nvSpPr>
+        <p:spPr>
+          <a:xfrm>
+            <a:off x="685800" y="4343400"/>
+            <a:ext cx="5486399" cy="4114800"/>
+          </a:xfrm>
+          <a:prstGeom prst="rect">
+            <a:avLst/>
+          </a:prstGeom>
+        </p:spPr>
+        <p:txBody>
+          <a:bodyPr anchorCtr="0" anchor="t" bIns="91425" lIns="91425" rIns="91425" tIns="91425">
+            <a:noAutofit/>
+          </a:bodyPr>
+          <a:lstStyle/>
+          <a:p>
+            <a:pPr lvl="0" rtl="0">
+              <a:spcBef>
+                <a:spcPts val="0"/>
+              </a:spcBef>
+              <a:buNone/>
+            </a:pPr>
+            <a:r>
+              <a:t/>
+            </a:r>
+            <a:endParaRPr/>
+          </a:p>
+        </p:txBody>
+      </p:sp>
+    </p:spTree>
+  </p:cSld>
+  <p:clrMapOvr>
+    <a:masterClrMapping/>
+  </p:clrMapOvr>
+</p:notes>
+</file>
+
+<file path=ppt/notesSlides/notesSlide8.xml><?xml version="1.0" encoding="utf-8"?>
+<p:notes xmlns:a="http://schemas.openxmlformats.org/drawingml/2006/main" xmlns:r="http://schemas.openxmlformats.org/officeDocument/2006/relationships" xmlns:mc="http://schemas.openxmlformats.org/markup-compatibility/2006" xmlns:mv="urn:schemas-microsoft-com:mac:vml" xmlns:p="http://schemas.openxmlformats.org/presentationml/2006/main" xmlns:c="http://schemas.openxmlformats.org/drawingml/2006/chart" xmlns:dgm="http://schemas.openxmlformats.org/drawingml/2006/diagram" xmlns:o="urn:schemas-microsoft-com:office:office" xmlns:v="urn:schemas-microsoft-com:vml" xmlns:pvml="urn:schemas-microsoft-com:office:powerpoint" xmlns:com="http://schemas.openxmlformats.org/drawingml/2006/compatibility" xmlns:p14="http://schemas.microsoft.com/office/powerpoint/2010/main" showMasterPhAnim="0" showMasterSp="0">
+  <p:cSld>
+    <p:spTree>
+      <p:nvGrpSpPr>
+        <p:cNvPr id="135" name="Shape 135"/>
+        <p:cNvGrpSpPr/>
+        <p:nvPr/>
+      </p:nvGrpSpPr>
+      <p:grpSpPr>
+        <a:xfrm>
+          <a:off x="0" y="0"/>
+          <a:ext cx="0" cy="0"/>
+          <a:chOff x="0" y="0"/>
+          <a:chExt cx="0" cy="0"/>
+        </a:xfrm>
+      </p:grpSpPr>
+      <p:sp>
+        <p:nvSpPr>
+          <p:cNvPr id="136" name="Shape 136"/>
+          <p:cNvSpPr/>
+          <p:nvPr>
+            <p:ph idx="2" type="sldImg"/>
+          </p:nvPr>
+        </p:nvSpPr>
+        <p:spPr>
+          <a:xfrm>
+            <a:off x="1143309" y="685800"/>
+            <a:ext cx="4572000" cy="3429000"/>
+          </a:xfrm>
+          <a:custGeom>
+            <a:pathLst>
+              <a:path extrusionOk="0" h="120000" w="120000">
+                <a:moveTo>
+                  <a:pt x="0" y="0"/>
+                </a:moveTo>
+                <a:lnTo>
+                  <a:pt x="120000" y="0"/>
+                </a:lnTo>
+                <a:lnTo>
+                  <a:pt x="120000" y="120000"/>
+                </a:lnTo>
+                <a:lnTo>
+                  <a:pt x="0" y="120000"/>
+                </a:lnTo>
+                <a:close/>
+              </a:path>
+            </a:pathLst>
+          </a:custGeom>
+        </p:spPr>
+      </p:sp>
+      <p:sp>
+        <p:nvSpPr>
+          <p:cNvPr id="137" name="Shape 137"/>
           <p:cNvSpPr txBox="1"/>
           <p:nvPr>
             <p:ph idx="1" type="body"/>
@@ -3243,16 +3159,6 @@
               </a:path>
             </a:pathLst>
           </a:custGeom>
-          <a:noFill/>
-          <a:ln cap="flat" cmpd="sng" w="9525">
-            <a:solidFill>
-              <a:srgbClr val="000000"/>
-            </a:solidFill>
-            <a:prstDash val="solid"/>
-            <a:round/>
-            <a:headEnd len="med" w="med" type="none"/>
-            <a:tailEnd len="med" w="med" type="none"/>
-          </a:ln>
         </p:spPr>
       </p:sp>
       <p:sp>
@@ -3599,7 +3505,7 @@
 
 <file path=ppt/slideLayouts/slideLayout1.xml><?xml version="1.0" encoding="utf-8"?>
 <p:sldLayout xmlns:a="http://schemas.openxmlformats.org/drawingml/2006/main" xmlns:r="http://schemas.openxmlformats.org/officeDocument/2006/relationships" xmlns:mc="http://schemas.openxmlformats.org/markup-compatibility/2006" xmlns:mv="urn:schemas-microsoft-com:mac:vml" xmlns:p="http://schemas.openxmlformats.org/presentationml/2006/main" xmlns:c="http://schemas.openxmlformats.org/drawingml/2006/chart" xmlns:dgm="http://schemas.openxmlformats.org/drawingml/2006/diagram" xmlns:o="urn:schemas-microsoft-com:office:office" xmlns:v="urn:schemas-microsoft-com:vml" xmlns:pvml="urn:schemas-microsoft-com:office:powerpoint" xmlns:com="http://schemas.openxmlformats.org/drawingml/2006/compatibility" xmlns:p14="http://schemas.microsoft.com/office/powerpoint/2010/main" type="secHead">
-  <p:cSld name="Section title">
+  <p:cSld name="Section header">
     <p:spTree>
       <p:nvGrpSpPr>
         <p:cNvPr id="13" name="Shape 13"/>
@@ -6980,8 +6886,8 @@
         </p:nvSpPr>
         <p:spPr>
           <a:xfrm>
-            <a:off x="0" y="1581825"/>
-            <a:ext cx="9144000" cy="2075700"/>
+            <a:off x="0" y="1429425"/>
+            <a:ext cx="9144000" cy="1046400"/>
           </a:xfrm>
           <a:prstGeom prst="rect">
             <a:avLst/>
@@ -7009,70 +6915,14 @@
                 <a:cs typeface="Open Sans"/>
                 <a:sym typeface="Open Sans"/>
               </a:rPr>
-              <a:t>Aplicacions mòbils amb </a:t>
-            </a:r>
-            <a:r>
-              <a:rPr lang="ca" sz="7200">
-                <a:solidFill>
-                  <a:srgbClr val="FFFFFF"/>
-                </a:solidFill>
-                <a:latin typeface="Open Sans"/>
-                <a:ea typeface="Open Sans"/>
-                <a:cs typeface="Open Sans"/>
-                <a:sym typeface="Open Sans"/>
-              </a:rPr>
-              <a:t>        </a:t>
-            </a:r>
-          </a:p>
-        </p:txBody>
-      </p:sp>
-      <p:sp>
-        <p:nvSpPr>
-          <p:cNvPr id="60" name="Shape 60"/>
-          <p:cNvSpPr txBox="1"/>
-          <p:nvPr>
-            <p:ph idx="1" type="subTitle"/>
-          </p:nvPr>
-        </p:nvSpPr>
-        <p:spPr>
-          <a:xfrm>
-            <a:off x="0" y="4167750"/>
-            <a:ext cx="9144000" cy="1046400"/>
-          </a:xfrm>
-          <a:prstGeom prst="rect">
-            <a:avLst/>
-          </a:prstGeom>
-        </p:spPr>
-        <p:txBody>
-          <a:bodyPr anchorCtr="0" anchor="t" bIns="91425" lIns="91425" rIns="91425" tIns="91425">
-            <a:noAutofit/>
-          </a:bodyPr>
-          <a:lstStyle/>
-          <a:p>
-            <a:pPr lvl="0" rtl="0">
-              <a:spcBef>
-                <a:spcPts val="0"/>
-              </a:spcBef>
-              <a:buNone/>
-            </a:pPr>
-            <a:r>
-              <a:rPr lang="ca">
-                <a:solidFill>
-                  <a:srgbClr val="FFFFFF"/>
-                </a:solidFill>
-                <a:latin typeface="Open Sans"/>
-                <a:ea typeface="Open Sans"/>
-                <a:cs typeface="Open Sans"/>
-                <a:sym typeface="Open Sans"/>
-              </a:rPr>
-              <a:t>Introducció a        </a:t>
+              <a:t>Apps mòbils amb</a:t>
             </a:r>
           </a:p>
         </p:txBody>
       </p:sp>
       <p:pic>
         <p:nvPicPr>
-          <p:cNvPr id="61" name="Shape 61"/>
+          <p:cNvPr id="60" name="Shape 60"/>
           <p:cNvPicPr preferRelativeResize="0"/>
           <p:nvPr/>
         </p:nvPicPr>
@@ -7086,7 +6936,7 @@
         </p:blipFill>
         <p:spPr>
           <a:xfrm>
-            <a:off x="4608092" y="2522199"/>
+            <a:off x="3066392" y="2603249"/>
             <a:ext cx="3011210" cy="1046400"/>
           </a:xfrm>
           <a:prstGeom prst="rect">
@@ -7100,7 +6950,7 @@
       </p:pic>
       <p:pic>
         <p:nvPicPr>
-          <p:cNvPr id="62" name="Shape 62"/>
+          <p:cNvPr id="61" name="Shape 61"/>
           <p:cNvPicPr preferRelativeResize="0"/>
           <p:nvPr/>
         </p:nvPicPr>
@@ -7126,6 +6976,50 @@
           </a:ln>
         </p:spPr>
       </p:pic>
+      <p:sp>
+        <p:nvSpPr>
+          <p:cNvPr id="62" name="Shape 62"/>
+          <p:cNvSpPr txBox="1"/>
+          <p:nvPr>
+            <p:ph idx="1" type="subTitle"/>
+          </p:nvPr>
+        </p:nvSpPr>
+        <p:spPr>
+          <a:xfrm>
+            <a:off x="0" y="4167750"/>
+            <a:ext cx="9144000" cy="1046400"/>
+          </a:xfrm>
+          <a:prstGeom prst="rect">
+            <a:avLst/>
+          </a:prstGeom>
+        </p:spPr>
+        <p:txBody>
+          <a:bodyPr anchorCtr="0" anchor="t" bIns="91425" lIns="91425" rIns="91425" tIns="91425">
+            <a:noAutofit/>
+          </a:bodyPr>
+          <a:lstStyle/>
+          <a:p>
+            <a:pPr lvl="0" rtl="0">
+              <a:spcBef>
+                <a:spcPts val="0"/>
+              </a:spcBef>
+              <a:buNone/>
+            </a:pPr>
+            <a:r>
+              <a:rPr lang="ca">
+                <a:solidFill>
+                  <a:srgbClr val="FFFFFF"/>
+                </a:solidFill>
+                <a:latin typeface="Open Sans"/>
+                <a:ea typeface="Open Sans"/>
+                <a:cs typeface="Open Sans"/>
+                <a:sym typeface="Open Sans"/>
+              </a:rPr>
+              <a:t>Introducció a        </a:t>
+            </a:r>
+          </a:p>
+        </p:txBody>
+      </p:sp>
       <p:pic>
         <p:nvPicPr>
           <p:cNvPr id="63" name="Shape 63"/>
@@ -7168,13 +7062,6 @@
 <file path=ppt/slides/slide1.xml><?xml version="1.0" encoding="utf-8"?>
 <p:sld xmlns:a="http://schemas.openxmlformats.org/drawingml/2006/main" xmlns:r="http://schemas.openxmlformats.org/officeDocument/2006/relationships" xmlns:mc="http://schemas.openxmlformats.org/markup-compatibility/2006" xmlns:mv="urn:schemas-microsoft-com:mac:vml" xmlns:p="http://schemas.openxmlformats.org/presentationml/2006/main" xmlns:c="http://schemas.openxmlformats.org/drawingml/2006/chart" xmlns:dgm="http://schemas.openxmlformats.org/drawingml/2006/diagram" xmlns:o="urn:schemas-microsoft-com:office:office" xmlns:v="urn:schemas-microsoft-com:vml" xmlns:pvml="urn:schemas-microsoft-com:office:powerpoint" xmlns:com="http://schemas.openxmlformats.org/drawingml/2006/compatibility" xmlns:p14="http://schemas.microsoft.com/office/powerpoint/2010/main">
   <p:cSld>
-    <p:bg>
-      <p:bgPr>
-        <a:solidFill>
-          <a:srgbClr val="FF8533"/>
-        </a:solidFill>
-      </p:bgPr>
-    </p:bg>
     <p:spTree>
       <p:nvGrpSpPr>
         <p:cNvPr id="67" name="Shape 67"/>
@@ -7194,113 +7081,152 @@
           <p:cNvPr id="68" name="Shape 68"/>
           <p:cNvSpPr txBox="1"/>
           <p:nvPr>
-            <p:ph type="ctrTitle"/>
-          </p:nvPr>
-        </p:nvSpPr>
-        <p:spPr>
-          <a:xfrm>
-            <a:off x="0" y="1429425"/>
-            <a:ext cx="9144000" cy="1046400"/>
-          </a:xfrm>
-          <a:prstGeom prst="rect">
-            <a:avLst/>
-          </a:prstGeom>
-        </p:spPr>
-        <p:txBody>
-          <a:bodyPr anchorCtr="0" anchor="b" bIns="91425" lIns="91425" rIns="91425" tIns="91425">
+            <p:ph idx="1" type="body"/>
+          </p:nvPr>
+        </p:nvSpPr>
+        <p:spPr>
+          <a:xfrm>
+            <a:off x="311650" y="1506008"/>
+            <a:ext cx="8520599" cy="4555199"/>
+          </a:xfrm>
+          <a:prstGeom prst="rect">
+            <a:avLst/>
+          </a:prstGeom>
+        </p:spPr>
+        <p:txBody>
+          <a:bodyPr anchorCtr="0" anchor="ctr" bIns="91425" lIns="91425" rIns="91425" tIns="91425">
             <a:noAutofit/>
           </a:bodyPr>
           <a:lstStyle/>
           <a:p>
+            <a:pPr indent="-457200" lvl="0" marL="457200" rtl="0">
+              <a:lnSpc>
+                <a:spcPct val="150000"/>
+              </a:lnSpc>
+              <a:spcBef>
+                <a:spcPts val="0"/>
+              </a:spcBef>
+              <a:spcAft>
+                <a:spcPts val="0"/>
+              </a:spcAft>
+              <a:buSzPct val="100000"/>
+            </a:pPr>
+            <a:r>
+              <a:rPr lang="ca" sz="3600"/>
+              <a:t>Control de versions, que aporta?</a:t>
+            </a:r>
+          </a:p>
+          <a:p>
+            <a:pPr indent="-457200" lvl="0" marL="457200" rtl="0">
+              <a:lnSpc>
+                <a:spcPct val="150000"/>
+              </a:lnSpc>
+              <a:spcBef>
+                <a:spcPts val="0"/>
+              </a:spcBef>
+              <a:spcAft>
+                <a:spcPts val="0"/>
+              </a:spcAft>
+              <a:buSzPct val="100000"/>
+            </a:pPr>
+            <a:r>
+              <a:rPr lang="ca" sz="3600"/>
+              <a:t>Per què git?</a:t>
+            </a:r>
+          </a:p>
+          <a:p>
+            <a:pPr indent="-457200" lvl="0" marL="457200" rtl="0">
+              <a:lnSpc>
+                <a:spcPct val="150000"/>
+              </a:lnSpc>
+              <a:spcBef>
+                <a:spcPts val="0"/>
+              </a:spcBef>
+              <a:spcAft>
+                <a:spcPts val="0"/>
+              </a:spcAft>
+              <a:buClr>
+                <a:schemeClr val="dk1"/>
+              </a:buClr>
+              <a:buSzPct val="100000"/>
+            </a:pPr>
+            <a:r>
+              <a:rPr lang="ca" sz="3600">
+                <a:solidFill>
+                  <a:schemeClr val="dk1"/>
+                </a:solidFill>
+              </a:rPr>
+              <a:t>Arquitectura</a:t>
+            </a:r>
+          </a:p>
+          <a:p>
+            <a:pPr indent="-457200" lvl="0" marL="457200" rtl="0">
+              <a:lnSpc>
+                <a:spcPct val="150000"/>
+              </a:lnSpc>
+              <a:spcBef>
+                <a:spcPts val="0"/>
+              </a:spcBef>
+              <a:spcAft>
+                <a:spcPts val="0"/>
+              </a:spcAft>
+              <a:buSzPct val="100000"/>
+            </a:pPr>
+            <a:r>
+              <a:rPr lang="ca" sz="3600"/>
+              <a:t>Primers passos</a:t>
+            </a:r>
+          </a:p>
+        </p:txBody>
+      </p:sp>
+      <p:sp>
+        <p:nvSpPr>
+          <p:cNvPr id="69" name="Shape 69"/>
+          <p:cNvSpPr txBox="1"/>
+          <p:nvPr>
+            <p:ph idx="12" type="sldNum"/>
+          </p:nvPr>
+        </p:nvSpPr>
+        <p:spPr>
+          <a:xfrm>
+            <a:off x="8472457" y="8290163"/>
+            <a:ext cx="548699" cy="699599"/>
+          </a:xfrm>
+          <a:prstGeom prst="rect">
+            <a:avLst/>
+          </a:prstGeom>
+        </p:spPr>
+        <p:txBody>
+          <a:bodyPr anchorCtr="0" anchor="ctr" bIns="91425" lIns="91425" rIns="91425" tIns="91425">
+            <a:noAutofit/>
+          </a:bodyPr>
+          <a:lstStyle/>
+          <a:p>
             <a:pPr lvl="0" rtl="0">
               <a:spcBef>
                 <a:spcPts val="0"/>
               </a:spcBef>
               <a:buNone/>
             </a:pPr>
-            <a:r>
-              <a:rPr lang="ca" sz="6000">
-                <a:solidFill>
-                  <a:srgbClr val="FFFFFF"/>
-                </a:solidFill>
-                <a:latin typeface="Open Sans"/>
-                <a:ea typeface="Open Sans"/>
-                <a:cs typeface="Open Sans"/>
-                <a:sym typeface="Open Sans"/>
-              </a:rPr>
-              <a:t>Apps mòbils amb</a:t>
-            </a:r>
-          </a:p>
-        </p:txBody>
-      </p:sp>
-      <p:pic>
-        <p:nvPicPr>
-          <p:cNvPr id="69" name="Shape 69"/>
-          <p:cNvPicPr preferRelativeResize="0"/>
-          <p:nvPr/>
-        </p:nvPicPr>
-        <p:blipFill>
-          <a:blip r:embed="rId3">
-            <a:alphaModFix/>
-          </a:blip>
-          <a:stretch>
-            <a:fillRect/>
-          </a:stretch>
-        </p:blipFill>
-        <p:spPr>
-          <a:xfrm>
-            <a:off x="3066392" y="2603249"/>
-            <a:ext cx="3011210" cy="1046400"/>
-          </a:xfrm>
-          <a:prstGeom prst="rect">
-            <a:avLst/>
-          </a:prstGeom>
-          <a:noFill/>
-          <a:ln>
-            <a:noFill/>
-          </a:ln>
-        </p:spPr>
-      </p:pic>
-      <p:pic>
-        <p:nvPicPr>
+            <a:fld id="{00000000-1234-1234-1234-123412341234}" type="slidenum">
+              <a:rPr lang="ca"/>
+              <a:t>‹#›</a:t>
+            </a:fld>
+          </a:p>
+        </p:txBody>
+      </p:sp>
+      <p:sp>
+        <p:nvSpPr>
           <p:cNvPr id="70" name="Shape 70"/>
-          <p:cNvPicPr preferRelativeResize="0"/>
-          <p:nvPr/>
-        </p:nvPicPr>
-        <p:blipFill>
-          <a:blip r:embed="rId4">
-            <a:alphaModFix/>
-          </a:blip>
-          <a:stretch>
-            <a:fillRect/>
-          </a:stretch>
-        </p:blipFill>
-        <p:spPr>
-          <a:xfrm>
-            <a:off x="7235601" y="5946022"/>
-            <a:ext cx="1545699" cy="541974"/>
-          </a:xfrm>
-          <a:prstGeom prst="rect">
-            <a:avLst/>
-          </a:prstGeom>
-          <a:noFill/>
-          <a:ln>
-            <a:noFill/>
-          </a:ln>
-        </p:spPr>
-      </p:pic>
-      <p:sp>
-        <p:nvSpPr>
-          <p:cNvPr id="71" name="Shape 71"/>
-          <p:cNvSpPr txBox="1"/>
-          <p:nvPr>
-            <p:ph idx="1" type="subTitle"/>
-          </p:nvPr>
-        </p:nvSpPr>
-        <p:spPr>
-          <a:xfrm>
-            <a:off x="0" y="4167750"/>
-            <a:ext cx="9144000" cy="1046400"/>
+          <p:cNvSpPr txBox="1"/>
+          <p:nvPr>
+            <p:ph type="title"/>
+          </p:nvPr>
+        </p:nvSpPr>
+        <p:spPr>
+          <a:xfrm>
+            <a:off x="311650" y="123291"/>
+            <a:ext cx="8520599" cy="763500"/>
           </a:xfrm>
           <a:prstGeom prst="rect">
             <a:avLst/>
@@ -7319,48 +7245,48 @@
               <a:buNone/>
             </a:pPr>
             <a:r>
-              <a:rPr lang="ca">
-                <a:solidFill>
-                  <a:srgbClr val="FFFFFF"/>
-                </a:solidFill>
-                <a:latin typeface="Open Sans"/>
-                <a:ea typeface="Open Sans"/>
-                <a:cs typeface="Open Sans"/>
-                <a:sym typeface="Open Sans"/>
-              </a:rPr>
-              <a:t>Introducció a        </a:t>
-            </a:r>
-          </a:p>
-        </p:txBody>
-      </p:sp>
-      <p:pic>
-        <p:nvPicPr>
-          <p:cNvPr id="72" name="Shape 72"/>
-          <p:cNvPicPr preferRelativeResize="0"/>
-          <p:nvPr/>
-        </p:nvPicPr>
-        <p:blipFill>
-          <a:blip r:embed="rId5">
-            <a:alphaModFix/>
-          </a:blip>
-          <a:stretch>
-            <a:fillRect/>
-          </a:stretch>
-        </p:blipFill>
-        <p:spPr>
-          <a:xfrm>
-            <a:off x="5448502" y="4311400"/>
-            <a:ext cx="840775" cy="351600"/>
-          </a:xfrm>
-          <a:prstGeom prst="rect">
-            <a:avLst/>
-          </a:prstGeom>
-          <a:noFill/>
-          <a:ln>
-            <a:noFill/>
-          </a:ln>
-        </p:spPr>
-      </p:pic>
+              <a:rPr lang="ca"/>
+              <a:t>Índex</a:t>
+            </a:r>
+          </a:p>
+        </p:txBody>
+      </p:sp>
+      <p:sp>
+        <p:nvSpPr>
+          <p:cNvPr id="71" name="Shape 71"/>
+          <p:cNvSpPr txBox="1"/>
+          <p:nvPr>
+            <p:ph idx="2" type="sldNum"/>
+          </p:nvPr>
+        </p:nvSpPr>
+        <p:spPr>
+          <a:xfrm>
+            <a:off x="8472457" y="6217622"/>
+            <a:ext cx="548699" cy="524699"/>
+          </a:xfrm>
+          <a:prstGeom prst="rect">
+            <a:avLst/>
+          </a:prstGeom>
+        </p:spPr>
+        <p:txBody>
+          <a:bodyPr anchorCtr="0" anchor="ctr" bIns="91425" lIns="91425" rIns="91425" tIns="91425">
+            <a:noAutofit/>
+          </a:bodyPr>
+          <a:lstStyle/>
+          <a:p>
+            <a:pPr lvl="0" rtl="0">
+              <a:spcBef>
+                <a:spcPts val="0"/>
+              </a:spcBef>
+              <a:buNone/>
+            </a:pPr>
+            <a:fld id="{00000000-1234-1234-1234-123412341234}" type="slidenum">
+              <a:rPr lang="ca"/>
+              <a:t>‹#›</a:t>
+            </a:fld>
+          </a:p>
+        </p:txBody>
+      </p:sp>
     </p:spTree>
   </p:cSld>
   <p:clrMapOvr>
@@ -7377,7 +7303,7 @@
   <p:cSld>
     <p:spTree>
       <p:nvGrpSpPr>
-        <p:cNvPr id="156" name="Shape 156"/>
+        <p:cNvPr id="155" name="Shape 155"/>
         <p:cNvGrpSpPr/>
         <p:nvPr/>
       </p:nvGrpSpPr>
@@ -7391,16 +7317,16 @@
       </p:grpSpPr>
       <p:sp>
         <p:nvSpPr>
-          <p:cNvPr id="157" name="Shape 157"/>
-          <p:cNvSpPr txBox="1"/>
-          <p:nvPr>
-            <p:ph idx="1" type="body"/>
-          </p:nvPr>
-        </p:nvSpPr>
-        <p:spPr>
-          <a:xfrm>
-            <a:off x="311650" y="1506008"/>
-            <a:ext cx="8520599" cy="4555199"/>
+          <p:cNvPr id="156" name="Shape 156"/>
+          <p:cNvSpPr txBox="1"/>
+          <p:nvPr>
+            <p:ph type="title"/>
+          </p:nvPr>
+        </p:nvSpPr>
+        <p:spPr>
+          <a:xfrm>
+            <a:off x="311700" y="274721"/>
+            <a:ext cx="8520599" cy="6196199"/>
           </a:xfrm>
           <a:prstGeom prst="rect">
             <a:avLst/>
@@ -7412,89 +7338,22 @@
           </a:bodyPr>
           <a:lstStyle/>
           <a:p>
-            <a:pPr indent="-419100" lvl="0" marL="457200" rtl="0">
-              <a:lnSpc>
-                <a:spcPct val="150000"/>
-              </a:lnSpc>
-              <a:spcBef>
-                <a:spcPts val="1000"/>
-              </a:spcBef>
-              <a:spcAft>
-                <a:spcPts val="1000"/>
-              </a:spcAft>
-              <a:buClr>
-                <a:schemeClr val="dk1"/>
-              </a:buClr>
-              <a:buSzPct val="100000"/>
-            </a:pPr>
-            <a:r>
-              <a:rPr lang="ca" sz="3000">
-                <a:solidFill>
-                  <a:schemeClr val="dk1"/>
-                </a:solidFill>
-              </a:rPr>
-              <a:t>Fàcil afegir - molt difícil esborrar/perdre</a:t>
-            </a:r>
-          </a:p>
-          <a:p>
-            <a:pPr indent="-419100" lvl="0" marL="457200" rtl="0">
-              <a:lnSpc>
-                <a:spcPct val="150000"/>
-              </a:lnSpc>
-              <a:spcBef>
-                <a:spcPts val="1000"/>
-              </a:spcBef>
-              <a:spcAft>
-                <a:spcPts val="1000"/>
-              </a:spcAft>
-              <a:buSzPct val="100000"/>
-            </a:pPr>
-            <a:r>
-              <a:rPr lang="ca" sz="3000"/>
-              <a:t>Workflow lliure</a:t>
-            </a:r>
-          </a:p>
-          <a:p>
-            <a:pPr indent="-419100" lvl="0" marL="457200" rtl="0">
-              <a:lnSpc>
-                <a:spcPct val="150000"/>
-              </a:lnSpc>
-              <a:spcBef>
-                <a:spcPts val="1000"/>
-              </a:spcBef>
-              <a:spcAft>
-                <a:spcPts val="1000"/>
-              </a:spcAft>
-              <a:buSzPct val="100000"/>
-            </a:pPr>
-            <a:r>
-              <a:rPr lang="ca" sz="3000"/>
-              <a:t>Control absolut del commit</a:t>
-            </a:r>
-          </a:p>
-          <a:p>
-            <a:pPr indent="-419100" lvl="0" marL="457200" rtl="0">
-              <a:lnSpc>
-                <a:spcPct val="150000"/>
-              </a:lnSpc>
-              <a:spcBef>
-                <a:spcPts val="1000"/>
-              </a:spcBef>
-              <a:spcAft>
-                <a:spcPts val="1000"/>
-              </a:spcAft>
-              <a:buSzPct val="100000"/>
-            </a:pPr>
-            <a:r>
-              <a:rPr lang="ca" sz="3000"/>
-              <a:t>Gran comunitat darrera de git</a:t>
-            </a:r>
-          </a:p>
-        </p:txBody>
-      </p:sp>
-      <p:sp>
-        <p:nvSpPr>
-          <p:cNvPr id="158" name="Shape 158"/>
+            <a:pPr lvl="0" rtl="0">
+              <a:spcBef>
+                <a:spcPts val="0"/>
+              </a:spcBef>
+              <a:buNone/>
+            </a:pPr>
+            <a:r>
+              <a:rPr lang="ca" sz="6000"/>
+              <a:t>Arquitectura</a:t>
+            </a:r>
+          </a:p>
+        </p:txBody>
+      </p:sp>
+      <p:sp>
+        <p:nvSpPr>
+          <p:cNvPr id="157" name="Shape 157"/>
           <p:cNvSpPr txBox="1"/>
           <p:nvPr>
             <p:ph idx="12" type="sldNum"/>
@@ -7502,8 +7361,8 @@
         </p:nvSpPr>
         <p:spPr>
           <a:xfrm>
-            <a:off x="8472457" y="8290163"/>
-            <a:ext cx="548699" cy="699599"/>
+            <a:off x="8472457" y="6217622"/>
+            <a:ext cx="548699" cy="524699"/>
           </a:xfrm>
           <a:prstGeom prst="rect">
             <a:avLst/>
@@ -7522,103 +7381,11 @@
               <a:buNone/>
             </a:pPr>
             <a:fld id="{00000000-1234-1234-1234-123412341234}" type="slidenum">
-              <a:rPr lang="ca"/>
-              <a:t>‹#›</a:t>
-            </a:fld>
-          </a:p>
-        </p:txBody>
-      </p:sp>
-      <p:sp>
-        <p:nvSpPr>
-          <p:cNvPr id="159" name="Shape 159"/>
-          <p:cNvSpPr txBox="1"/>
-          <p:nvPr>
-            <p:ph type="title"/>
-          </p:nvPr>
-        </p:nvSpPr>
-        <p:spPr>
-          <a:xfrm>
-            <a:off x="311650" y="123291"/>
-            <a:ext cx="8520599" cy="763500"/>
-          </a:xfrm>
-          <a:prstGeom prst="rect">
-            <a:avLst/>
-          </a:prstGeom>
-        </p:spPr>
-        <p:txBody>
-          <a:bodyPr anchorCtr="0" anchor="t" bIns="91425" lIns="91425" rIns="91425" tIns="91425">
-            <a:noAutofit/>
-          </a:bodyPr>
-          <a:lstStyle/>
-          <a:p>
-            <a:pPr lvl="0" rtl="0">
-              <a:spcBef>
-                <a:spcPts val="0"/>
-              </a:spcBef>
-              <a:buNone/>
-            </a:pPr>
-            <a:r>
-              <a:rPr lang="ca"/>
-              <a:t>Per què git?</a:t>
-            </a:r>
-          </a:p>
-          <a:p>
-            <a:pPr lvl="0" rtl="0">
-              <a:spcBef>
-                <a:spcPts val="0"/>
-              </a:spcBef>
-              <a:buNone/>
-            </a:pPr>
-            <a:r>
-              <a:t/>
-            </a:r>
-            <a:endParaRPr/>
-          </a:p>
-          <a:p>
-            <a:pPr lvl="0" rtl="0">
-              <a:spcBef>
-                <a:spcPts val="0"/>
-              </a:spcBef>
-              <a:buNone/>
-            </a:pPr>
-            <a:r>
-              <a:t/>
-            </a:r>
-            <a:endParaRPr/>
-          </a:p>
-        </p:txBody>
-      </p:sp>
-      <p:sp>
-        <p:nvSpPr>
-          <p:cNvPr id="160" name="Shape 160"/>
-          <p:cNvSpPr txBox="1"/>
-          <p:nvPr>
-            <p:ph idx="2" type="sldNum"/>
-          </p:nvPr>
-        </p:nvSpPr>
-        <p:spPr>
-          <a:xfrm>
-            <a:off x="8472457" y="6217622"/>
-            <a:ext cx="548699" cy="524699"/>
-          </a:xfrm>
-          <a:prstGeom prst="rect">
-            <a:avLst/>
-          </a:prstGeom>
-        </p:spPr>
-        <p:txBody>
-          <a:bodyPr anchorCtr="0" anchor="ctr" bIns="91425" lIns="91425" rIns="91425" tIns="91425">
-            <a:noAutofit/>
-          </a:bodyPr>
-          <a:lstStyle/>
-          <a:p>
-            <a:pPr lvl="0" rtl="0">
-              <a:spcBef>
-                <a:spcPts val="0"/>
-              </a:spcBef>
-              <a:buNone/>
-            </a:pPr>
-            <a:fld id="{00000000-1234-1234-1234-123412341234}" type="slidenum">
-              <a:rPr lang="ca"/>
+              <a:rPr lang="ca">
+                <a:solidFill>
+                  <a:schemeClr val="lt1"/>
+                </a:solidFill>
+              </a:rPr>
               <a:t>‹#›</a:t>
             </a:fld>
           </a:p>
@@ -7640,7 +7407,7 @@
   <p:cSld>
     <p:spTree>
       <p:nvGrpSpPr>
-        <p:cNvPr id="164" name="Shape 164"/>
+        <p:cNvPr id="161" name="Shape 161"/>
         <p:cNvGrpSpPr/>
         <p:nvPr/>
       </p:nvGrpSpPr>
@@ -7654,16 +7421,16 @@
       </p:grpSpPr>
       <p:sp>
         <p:nvSpPr>
-          <p:cNvPr id="165" name="Shape 165"/>
-          <p:cNvSpPr txBox="1"/>
-          <p:nvPr>
-            <p:ph type="title"/>
-          </p:nvPr>
-        </p:nvSpPr>
-        <p:spPr>
-          <a:xfrm>
-            <a:off x="311700" y="274721"/>
-            <a:ext cx="8520599" cy="6196199"/>
+          <p:cNvPr id="162" name="Shape 162"/>
+          <p:cNvSpPr txBox="1"/>
+          <p:nvPr>
+            <p:ph idx="12" type="sldNum"/>
+          </p:nvPr>
+        </p:nvSpPr>
+        <p:spPr>
+          <a:xfrm>
+            <a:off x="8472457" y="8290163"/>
+            <a:ext cx="548699" cy="699599"/>
           </a:xfrm>
           <a:prstGeom prst="rect">
             <a:avLst/>
@@ -7675,14 +7442,50 @@
           </a:bodyPr>
           <a:lstStyle/>
           <a:p>
-            <a:pPr lvl="0" rtl="0">
-              <a:spcBef>
-                <a:spcPts val="0"/>
-              </a:spcBef>
-              <a:buNone/>
-            </a:pPr>
-            <a:r>
-              <a:rPr lang="ca" sz="6000"/>
+            <a:pPr lvl="0">
+              <a:spcBef>
+                <a:spcPts val="0"/>
+              </a:spcBef>
+              <a:buNone/>
+            </a:pPr>
+            <a:fld id="{00000000-1234-1234-1234-123412341234}" type="slidenum">
+              <a:rPr lang="ca"/>
+              <a:t>‹#›</a:t>
+            </a:fld>
+          </a:p>
+        </p:txBody>
+      </p:sp>
+      <p:sp>
+        <p:nvSpPr>
+          <p:cNvPr id="163" name="Shape 163"/>
+          <p:cNvSpPr txBox="1"/>
+          <p:nvPr>
+            <p:ph type="title"/>
+          </p:nvPr>
+        </p:nvSpPr>
+        <p:spPr>
+          <a:xfrm>
+            <a:off x="311650" y="123291"/>
+            <a:ext cx="8520599" cy="763500"/>
+          </a:xfrm>
+          <a:prstGeom prst="rect">
+            <a:avLst/>
+          </a:prstGeom>
+        </p:spPr>
+        <p:txBody>
+          <a:bodyPr anchorCtr="0" anchor="t" bIns="91425" lIns="91425" rIns="91425" tIns="91425">
+            <a:noAutofit/>
+          </a:bodyPr>
+          <a:lstStyle/>
+          <a:p>
+            <a:pPr lvl="0">
+              <a:spcBef>
+                <a:spcPts val="0"/>
+              </a:spcBef>
+              <a:buNone/>
+            </a:pPr>
+            <a:r>
+              <a:rPr lang="ca"/>
               <a:t>Arquitectura</a:t>
             </a:r>
           </a:p>
@@ -7690,10 +7493,10 @@
       </p:sp>
       <p:sp>
         <p:nvSpPr>
-          <p:cNvPr id="166" name="Shape 166"/>
-          <p:cNvSpPr txBox="1"/>
-          <p:nvPr>
-            <p:ph idx="12" type="sldNum"/>
+          <p:cNvPr id="164" name="Shape 164"/>
+          <p:cNvSpPr txBox="1"/>
+          <p:nvPr>
+            <p:ph idx="2" type="sldNum"/>
           </p:nvPr>
         </p:nvSpPr>
         <p:spPr>
@@ -7711,23 +7514,118 @@
           </a:bodyPr>
           <a:lstStyle/>
           <a:p>
-            <a:pPr lvl="0" rtl="0">
+            <a:pPr lvl="0">
               <a:spcBef>
                 <a:spcPts val="0"/>
               </a:spcBef>
               <a:buNone/>
             </a:pPr>
             <a:fld id="{00000000-1234-1234-1234-123412341234}" type="slidenum">
-              <a:rPr lang="ca">
-                <a:solidFill>
-                  <a:schemeClr val="lt1"/>
-                </a:solidFill>
-              </a:rPr>
+              <a:rPr lang="ca"/>
               <a:t>‹#›</a:t>
             </a:fld>
           </a:p>
         </p:txBody>
       </p:sp>
+      <p:pic>
+        <p:nvPicPr>
+          <p:cNvPr id="165" name="Shape 165"/>
+          <p:cNvPicPr preferRelativeResize="0"/>
+          <p:nvPr/>
+        </p:nvPicPr>
+        <p:blipFill>
+          <a:blip r:embed="rId3">
+            <a:alphaModFix/>
+          </a:blip>
+          <a:stretch>
+            <a:fillRect/>
+          </a:stretch>
+        </p:blipFill>
+        <p:spPr>
+          <a:xfrm>
+            <a:off x="1304875" y="1831625"/>
+            <a:ext cx="6534150" cy="3771900"/>
+          </a:xfrm>
+          <a:prstGeom prst="rect">
+            <a:avLst/>
+          </a:prstGeom>
+          <a:noFill/>
+          <a:ln>
+            <a:noFill/>
+          </a:ln>
+        </p:spPr>
+      </p:pic>
+      <p:sp>
+        <p:nvSpPr>
+          <p:cNvPr id="166" name="Shape 166"/>
+          <p:cNvSpPr txBox="1"/>
+          <p:nvPr/>
+        </p:nvSpPr>
+        <p:spPr>
+          <a:xfrm>
+            <a:off x="3683825" y="5977775"/>
+            <a:ext cx="2227800" cy="524699"/>
+          </a:xfrm>
+          <a:prstGeom prst="rect">
+            <a:avLst/>
+          </a:prstGeom>
+          <a:noFill/>
+          <a:ln>
+            <a:noFill/>
+          </a:ln>
+        </p:spPr>
+        <p:txBody>
+          <a:bodyPr anchorCtr="0" anchor="ctr" bIns="91425" lIns="91425" rIns="91425" tIns="91425">
+            <a:noAutofit/>
+          </a:bodyPr>
+          <a:lstStyle/>
+          <a:p>
+            <a:pPr lvl="0">
+              <a:spcBef>
+                <a:spcPts val="0"/>
+              </a:spcBef>
+              <a:buNone/>
+            </a:pPr>
+            <a:r>
+              <a:rPr lang="ca" sz="2400">
+                <a:latin typeface="Open Sans"/>
+                <a:ea typeface="Open Sans"/>
+                <a:cs typeface="Open Sans"/>
+                <a:sym typeface="Open Sans"/>
+              </a:rPr>
+              <a:t>.gitignore</a:t>
+            </a:r>
+          </a:p>
+        </p:txBody>
+      </p:sp>
+      <p:pic>
+        <p:nvPicPr>
+          <p:cNvPr id="167" name="Shape 167"/>
+          <p:cNvPicPr preferRelativeResize="0"/>
+          <p:nvPr/>
+        </p:nvPicPr>
+        <p:blipFill>
+          <a:blip r:embed="rId4">
+            <a:alphaModFix/>
+          </a:blip>
+          <a:stretch>
+            <a:fillRect/>
+          </a:stretch>
+        </p:blipFill>
+        <p:spPr>
+          <a:xfrm>
+            <a:off x="3105125" y="5965775"/>
+            <a:ext cx="548700" cy="548700"/>
+          </a:xfrm>
+          <a:prstGeom prst="rect">
+            <a:avLst/>
+          </a:prstGeom>
+          <a:noFill/>
+          <a:ln>
+            <a:noFill/>
+          </a:ln>
+        </p:spPr>
+      </p:pic>
     </p:spTree>
   </p:cSld>
   <p:clrMapOvr>
@@ -7736,6 +7634,124 @@
   <p:transition spd="slow">
     <p:cut/>
   </p:transition>
+  <p:timing>
+    <p:tnLst>
+      <p:par>
+        <p:cTn dur="indefinite" nodeType="tmRoot" restart="never">
+          <p:childTnLst>
+            <p:seq concurrent="1" nextAc="seek">
+              <p:cTn dur="indefinite" id="2" nodeType="mainSeq">
+                <p:childTnLst>
+                  <p:par>
+                    <p:cTn fill="hold">
+                      <p:stCondLst>
+                        <p:cond delay="indefinite"/>
+                      </p:stCondLst>
+                      <p:childTnLst>
+                        <p:par>
+                          <p:cTn fill="hold">
+                            <p:stCondLst>
+                              <p:cond delay="0"/>
+                            </p:stCondLst>
+                            <p:childTnLst>
+                              <p:par>
+                                <p:cTn fill="hold" nodeType="clickEffect" presetClass="entr" presetID="10" presetSubtype="0">
+                                  <p:stCondLst>
+                                    <p:cond delay="0"/>
+                                  </p:stCondLst>
+                                  <p:childTnLst>
+                                    <p:set>
+                                      <p:cBhvr>
+                                        <p:cTn dur="1" fill="hold">
+                                          <p:stCondLst>
+                                            <p:cond delay="0"/>
+                                          </p:stCondLst>
+                                        </p:cTn>
+                                        <p:tgtEl>
+                                          <p:spTgt spid="166"/>
+                                        </p:tgtEl>
+                                        <p:attrNameLst>
+                                          <p:attrName>style.visibility</p:attrName>
+                                        </p:attrNameLst>
+                                      </p:cBhvr>
+                                      <p:to>
+                                        <p:strVal val="visible"/>
+                                      </p:to>
+                                    </p:set>
+                                    <p:animEffect filter="fade" transition="in">
+                                      <p:cBhvr>
+                                        <p:cTn dur="1000"/>
+                                        <p:tgtEl>
+                                          <p:spTgt spid="166"/>
+                                        </p:tgtEl>
+                                      </p:cBhvr>
+                                    </p:animEffect>
+                                  </p:childTnLst>
+                                </p:cTn>
+                              </p:par>
+                              <p:par>
+                                <p:cTn fill="hold" nodeType="withEffect" presetClass="entr" presetID="10" presetSubtype="0">
+                                  <p:stCondLst>
+                                    <p:cond delay="0"/>
+                                  </p:stCondLst>
+                                  <p:childTnLst>
+                                    <p:set>
+                                      <p:cBhvr>
+                                        <p:cTn dur="1" fill="hold">
+                                          <p:stCondLst>
+                                            <p:cond delay="0"/>
+                                          </p:stCondLst>
+                                        </p:cTn>
+                                        <p:tgtEl>
+                                          <p:spTgt spid="167"/>
+                                        </p:tgtEl>
+                                        <p:attrNameLst>
+                                          <p:attrName>style.visibility</p:attrName>
+                                        </p:attrNameLst>
+                                      </p:cBhvr>
+                                      <p:to>
+                                        <p:strVal val="visible"/>
+                                      </p:to>
+                                    </p:set>
+                                    <p:animEffect filter="fade" transition="in">
+                                      <p:cBhvr>
+                                        <p:cTn dur="1000"/>
+                                        <p:tgtEl>
+                                          <p:spTgt spid="167"/>
+                                        </p:tgtEl>
+                                      </p:cBhvr>
+                                    </p:animEffect>
+                                  </p:childTnLst>
+                                </p:cTn>
+                              </p:par>
+                            </p:childTnLst>
+                          </p:cTn>
+                        </p:par>
+                      </p:childTnLst>
+                    </p:cTn>
+                  </p:par>
+                </p:childTnLst>
+              </p:cTn>
+              <p:prevCondLst>
+                <p:cond evt="onPrev">
+                  <p:tgtEl>
+                    <p:sldTgt/>
+                  </p:tgtEl>
+                </p:cond>
+              </p:prevCondLst>
+              <p:nextCondLst>
+                <p:cond evt="onNext">
+                  <p:tgtEl>
+                    <p:sldTgt/>
+                  </p:tgtEl>
+                </p:cond>
+              </p:nextCondLst>
+            </p:seq>
+          </p:childTnLst>
+        </p:cTn>
+      </p:par>
+    </p:tnLst>
+  </p:timing>
 </p:sld>
 </file>
 
@@ -7744,7 +7760,7 @@
   <p:cSld>
     <p:spTree>
       <p:nvGrpSpPr>
-        <p:cNvPr id="170" name="Shape 170"/>
+        <p:cNvPr id="171" name="Shape 171"/>
         <p:cNvGrpSpPr/>
         <p:nvPr/>
       </p:nvGrpSpPr>
@@ -7758,7 +7774,7 @@
       </p:grpSpPr>
       <p:sp>
         <p:nvSpPr>
-          <p:cNvPr id="171" name="Shape 171"/>
+          <p:cNvPr id="172" name="Shape 172"/>
           <p:cNvSpPr txBox="1"/>
           <p:nvPr>
             <p:ph idx="12" type="sldNum"/>
@@ -7794,7 +7810,7 @@
       </p:sp>
       <p:sp>
         <p:nvSpPr>
-          <p:cNvPr id="172" name="Shape 172"/>
+          <p:cNvPr id="173" name="Shape 173"/>
           <p:cNvSpPr txBox="1"/>
           <p:nvPr>
             <p:ph type="title"/>
@@ -7854,7 +7870,7 @@
       </p:sp>
       <p:sp>
         <p:nvSpPr>
-          <p:cNvPr id="173" name="Shape 173"/>
+          <p:cNvPr id="174" name="Shape 174"/>
           <p:cNvSpPr txBox="1"/>
           <p:nvPr>
             <p:ph idx="2" type="sldNum"/>
@@ -7890,7 +7906,7 @@
       </p:sp>
       <p:pic>
         <p:nvPicPr>
-          <p:cNvPr id="174" name="Shape 174"/>
+          <p:cNvPr id="175" name="Shape 175"/>
           <p:cNvPicPr preferRelativeResize="0"/>
           <p:nvPr/>
         </p:nvPicPr>
@@ -7932,7 +7948,7 @@
   <p:cSld>
     <p:spTree>
       <p:nvGrpSpPr>
-        <p:cNvPr id="178" name="Shape 178"/>
+        <p:cNvPr id="179" name="Shape 179"/>
         <p:cNvGrpSpPr/>
         <p:nvPr/>
       </p:nvGrpSpPr>
@@ -7946,7 +7962,7 @@
       </p:grpSpPr>
       <p:sp>
         <p:nvSpPr>
-          <p:cNvPr id="179" name="Shape 179"/>
+          <p:cNvPr id="180" name="Shape 180"/>
           <p:cNvSpPr txBox="1"/>
           <p:nvPr>
             <p:ph type="title"/>
@@ -7982,7 +7998,7 @@
       </p:sp>
       <p:sp>
         <p:nvSpPr>
-          <p:cNvPr id="180" name="Shape 180"/>
+          <p:cNvPr id="181" name="Shape 181"/>
           <p:cNvSpPr txBox="1"/>
           <p:nvPr>
             <p:ph idx="12" type="sldNum"/>
@@ -8036,7 +8052,7 @@
   <p:cSld>
     <p:spTree>
       <p:nvGrpSpPr>
-        <p:cNvPr id="184" name="Shape 184"/>
+        <p:cNvPr id="185" name="Shape 185"/>
         <p:cNvGrpSpPr/>
         <p:nvPr/>
       </p:nvGrpSpPr>
@@ -8050,7 +8066,7 @@
       </p:grpSpPr>
       <p:sp>
         <p:nvSpPr>
-          <p:cNvPr id="185" name="Shape 185"/>
+          <p:cNvPr id="186" name="Shape 186"/>
           <p:cNvSpPr txBox="1"/>
           <p:nvPr>
             <p:ph idx="1" type="body"/>
@@ -8178,7 +8194,7 @@
       </p:sp>
       <p:sp>
         <p:nvSpPr>
-          <p:cNvPr id="186" name="Shape 186"/>
+          <p:cNvPr id="187" name="Shape 187"/>
           <p:cNvSpPr txBox="1"/>
           <p:nvPr>
             <p:ph idx="12" type="sldNum"/>
@@ -8214,7 +8230,7 @@
       </p:sp>
       <p:sp>
         <p:nvSpPr>
-          <p:cNvPr id="187" name="Shape 187"/>
+          <p:cNvPr id="188" name="Shape 188"/>
           <p:cNvSpPr txBox="1"/>
           <p:nvPr>
             <p:ph type="title"/>
@@ -8274,7 +8290,7 @@
       </p:sp>
       <p:sp>
         <p:nvSpPr>
-          <p:cNvPr id="188" name="Shape 188"/>
+          <p:cNvPr id="189" name="Shape 189"/>
           <p:cNvSpPr txBox="1"/>
           <p:nvPr>
             <p:ph idx="2" type="sldNum"/>
@@ -8310,7 +8326,7 @@
       </p:sp>
       <p:sp>
         <p:nvSpPr>
-          <p:cNvPr id="189" name="Shape 189"/>
+          <p:cNvPr id="190" name="Shape 190"/>
           <p:cNvSpPr txBox="1"/>
           <p:nvPr/>
         </p:nvSpPr>
@@ -8356,7 +8372,7 @@
       </p:sp>
       <p:sp>
         <p:nvSpPr>
-          <p:cNvPr id="190" name="Shape 190"/>
+          <p:cNvPr id="191" name="Shape 191"/>
           <p:cNvSpPr txBox="1"/>
           <p:nvPr/>
         </p:nvSpPr>
@@ -8416,6 +8432,59 @@
             <p:seq concurrent="1" nextAc="seek">
               <p:cTn dur="indefinite" id="2" nodeType="mainSeq">
                 <p:childTnLst>
+                  <p:par>
+                    <p:cTn fill="hold">
+                      <p:stCondLst>
+                        <p:cond delay="indefinite"/>
+                      </p:stCondLst>
+                      <p:childTnLst>
+                        <p:par>
+                          <p:cTn fill="hold">
+                            <p:stCondLst>
+                              <p:cond delay="0"/>
+                            </p:stCondLst>
+                            <p:childTnLst>
+                              <p:par>
+                                <p:cTn fill="hold" nodeType="clickEffect" presetClass="entr" presetID="10" presetSubtype="0">
+                                  <p:stCondLst>
+                                    <p:cond delay="0"/>
+                                  </p:stCondLst>
+                                  <p:childTnLst>
+                                    <p:set>
+                                      <p:cBhvr>
+                                        <p:cTn dur="1" fill="hold">
+                                          <p:stCondLst>
+                                            <p:cond delay="0"/>
+                                          </p:stCondLst>
+                                        </p:cTn>
+                                        <p:tgtEl>
+                                          <p:spTgt spid="191"/>
+                                        </p:tgtEl>
+                                        <p:attrNameLst>
+                                          <p:attrName>style.visibility</p:attrName>
+                                        </p:attrNameLst>
+                                      </p:cBhvr>
+                                      <p:to>
+                                        <p:strVal val="visible"/>
+                                      </p:to>
+                                    </p:set>
+                                    <p:animEffect filter="fade" transition="in">
+                                      <p:cBhvr>
+                                        <p:cTn dur="1000"/>
+                                        <p:tgtEl>
+                                          <p:spTgt spid="191"/>
+                                        </p:tgtEl>
+                                      </p:cBhvr>
+                                    </p:animEffect>
+                                  </p:childTnLst>
+                                </p:cTn>
+                              </p:par>
+                            </p:childTnLst>
+                          </p:cTn>
+                        </p:par>
+                      </p:childTnLst>
+                    </p:cTn>
+                  </p:par>
                   <p:par>
                     <p:cTn fill="hold">
                       <p:stCondLst>
@@ -8463,41 +8532,6 @@
                                   </p:childTnLst>
                                 </p:cTn>
                               </p:par>
-                              <p:par>
-                                <p:cTn fill="hold" nodeType="withEffect" presetClass="entr" presetID="10" presetSubtype="0">
-                                  <p:stCondLst>
-                                    <p:cond delay="0"/>
-                                  </p:stCondLst>
-                                  <p:childTnLst>
-                                    <p:set>
-                                      <p:cBhvr>
-                                        <p:cTn dur="1" fill="hold">
-                                          <p:stCondLst>
-                                            <p:cond delay="0"/>
-                                          </p:stCondLst>
-                                        </p:cTn>
-                                        <p:tgtEl>
-                                          <p:spTgt spid="189"/>
-                                        </p:tgtEl>
-                                        <p:attrNameLst>
-                                          <p:attrName>style.visibility</p:attrName>
-                                        </p:attrNameLst>
-                                      </p:cBhvr>
-                                      <p:to>
-                                        <p:strVal val="visible"/>
-                                      </p:to>
-                                    </p:set>
-                                    <p:animEffect filter="fade" transition="in">
-                                      <p:cBhvr>
-                                        <p:cTn dur="1000"/>
-                                        <p:tgtEl>
-                                          <p:spTgt spid="189"/>
-                                        </p:tgtEl>
-                                      </p:cBhvr>
-                                    </p:animEffect>
-                                  </p:childTnLst>
-                                </p:cTn>
-                              </p:par>
                             </p:childTnLst>
                           </p:cTn>
                         </p:par>
@@ -8534,7 +8568,7 @@
   <p:cSld>
     <p:spTree>
       <p:nvGrpSpPr>
-        <p:cNvPr id="194" name="Shape 194"/>
+        <p:cNvPr id="195" name="Shape 195"/>
         <p:cNvGrpSpPr/>
         <p:nvPr/>
       </p:nvGrpSpPr>
@@ -8548,7 +8582,7 @@
       </p:grpSpPr>
       <p:sp>
         <p:nvSpPr>
-          <p:cNvPr id="195" name="Shape 195"/>
+          <p:cNvPr id="196" name="Shape 196"/>
           <p:cNvSpPr txBox="1"/>
           <p:nvPr>
             <p:ph idx="12" type="sldNum"/>
@@ -8584,7 +8618,7 @@
       </p:sp>
       <p:sp>
         <p:nvSpPr>
-          <p:cNvPr id="196" name="Shape 196"/>
+          <p:cNvPr id="197" name="Shape 197"/>
           <p:cNvSpPr txBox="1"/>
           <p:nvPr>
             <p:ph type="title"/>
@@ -8656,7 +8690,7 @@
       </p:sp>
       <p:sp>
         <p:nvSpPr>
-          <p:cNvPr id="197" name="Shape 197"/>
+          <p:cNvPr id="198" name="Shape 198"/>
           <p:cNvSpPr txBox="1"/>
           <p:nvPr>
             <p:ph idx="2" type="sldNum"/>
@@ -8692,7 +8726,7 @@
       </p:sp>
       <p:sp>
         <p:nvSpPr>
-          <p:cNvPr id="198" name="Shape 198"/>
+          <p:cNvPr id="199" name="Shape 199"/>
           <p:cNvSpPr txBox="1"/>
           <p:nvPr>
             <p:ph idx="1" type="body"/>
@@ -8768,7 +8802,7 @@
       </p:sp>
       <p:sp>
         <p:nvSpPr>
-          <p:cNvPr id="199" name="Shape 199"/>
+          <p:cNvPr id="200" name="Shape 200"/>
           <p:cNvSpPr txBox="1"/>
           <p:nvPr/>
         </p:nvSpPr>
@@ -8854,7 +8888,7 @@
                                           </p:stCondLst>
                                         </p:cTn>
                                         <p:tgtEl>
-                                          <p:spTgt spid="199"/>
+                                          <p:spTgt spid="200"/>
                                         </p:tgtEl>
                                         <p:attrNameLst>
                                           <p:attrName>style.visibility</p:attrName>
@@ -8868,7 +8902,7 @@
                                       <p:cBhvr>
                                         <p:cTn dur="1000"/>
                                         <p:tgtEl>
-                                          <p:spTgt spid="199"/>
+                                          <p:spTgt spid="200"/>
                                         </p:tgtEl>
                                       </p:cBhvr>
                                     </p:animEffect>
@@ -8911,7 +8945,7 @@
   <p:cSld>
     <p:spTree>
       <p:nvGrpSpPr>
-        <p:cNvPr id="203" name="Shape 203"/>
+        <p:cNvPr id="204" name="Shape 204"/>
         <p:cNvGrpSpPr/>
         <p:nvPr/>
       </p:nvGrpSpPr>
@@ -8925,7 +8959,7 @@
       </p:grpSpPr>
       <p:sp>
         <p:nvSpPr>
-          <p:cNvPr id="204" name="Shape 204"/>
+          <p:cNvPr id="205" name="Shape 205"/>
           <p:cNvSpPr txBox="1"/>
           <p:nvPr>
             <p:ph idx="12" type="sldNum"/>
@@ -8961,7 +8995,7 @@
       </p:sp>
       <p:sp>
         <p:nvSpPr>
-          <p:cNvPr id="205" name="Shape 205"/>
+          <p:cNvPr id="206" name="Shape 206"/>
           <p:cNvSpPr txBox="1"/>
           <p:nvPr>
             <p:ph type="title"/>
@@ -9021,7 +9055,7 @@
       </p:sp>
       <p:sp>
         <p:nvSpPr>
-          <p:cNvPr id="206" name="Shape 206"/>
+          <p:cNvPr id="207" name="Shape 207"/>
           <p:cNvSpPr txBox="1"/>
           <p:nvPr>
             <p:ph idx="2" type="sldNum"/>
@@ -9057,7 +9091,7 @@
       </p:sp>
       <p:sp>
         <p:nvSpPr>
-          <p:cNvPr id="207" name="Shape 207"/>
+          <p:cNvPr id="208" name="Shape 208"/>
           <p:cNvSpPr txBox="1"/>
           <p:nvPr>
             <p:ph idx="1" type="body"/>
@@ -9152,6 +9186,58 @@
                 <a:cs typeface="Consolas"/>
                 <a:sym typeface="Consolas"/>
               </a:rPr>
+              <a:t>$ git status</a:t>
+            </a:r>
+          </a:p>
+          <a:p>
+            <a:pPr lvl="0" rtl="0">
+              <a:lnSpc>
+                <a:spcPct val="150000"/>
+              </a:lnSpc>
+              <a:spcBef>
+                <a:spcPts val="1000"/>
+              </a:spcBef>
+              <a:spcAft>
+                <a:spcPts val="1000"/>
+              </a:spcAft>
+              <a:buNone/>
+            </a:pPr>
+            <a:r>
+              <a:t/>
+            </a:r>
+            <a:endParaRPr sz="3000">
+              <a:solidFill>
+                <a:schemeClr val="dk1"/>
+              </a:solidFill>
+              <a:latin typeface="Consolas"/>
+              <a:ea typeface="Consolas"/>
+              <a:cs typeface="Consolas"/>
+              <a:sym typeface="Consolas"/>
+            </a:endParaRPr>
+          </a:p>
+          <a:p>
+            <a:pPr lvl="0" rtl="0">
+              <a:lnSpc>
+                <a:spcPct val="150000"/>
+              </a:lnSpc>
+              <a:spcBef>
+                <a:spcPts val="1000"/>
+              </a:spcBef>
+              <a:spcAft>
+                <a:spcPts val="1000"/>
+              </a:spcAft>
+              <a:buNone/>
+            </a:pPr>
+            <a:r>
+              <a:rPr lang="ca" sz="3000">
+                <a:solidFill>
+                  <a:schemeClr val="dk1"/>
+                </a:solidFill>
+                <a:latin typeface="Consolas"/>
+                <a:ea typeface="Consolas"/>
+                <a:cs typeface="Consolas"/>
+                <a:sym typeface="Consolas"/>
+              </a:rPr>
               <a:t>$ git commit -m "Primer commit"</a:t>
             </a:r>
           </a:p>
@@ -9159,13 +9245,13 @@
       </p:sp>
       <p:sp>
         <p:nvSpPr>
-          <p:cNvPr id="208" name="Shape 208"/>
+          <p:cNvPr id="209" name="Shape 209"/>
           <p:cNvSpPr txBox="1"/>
           <p:nvPr/>
         </p:nvSpPr>
         <p:spPr>
           <a:xfrm>
-            <a:off x="515575" y="3208500"/>
+            <a:off x="419925" y="2529175"/>
             <a:ext cx="8520599" cy="763500"/>
           </a:xfrm>
           <a:prstGeom prst="rect">
@@ -9205,13 +9291,13 @@
       </p:sp>
       <p:sp>
         <p:nvSpPr>
-          <p:cNvPr id="209" name="Shape 209"/>
+          <p:cNvPr id="210" name="Shape 210"/>
           <p:cNvSpPr txBox="1"/>
           <p:nvPr/>
         </p:nvSpPr>
         <p:spPr>
           <a:xfrm>
-            <a:off x="547200" y="4761675"/>
+            <a:off x="451550" y="5598250"/>
             <a:ext cx="7489500" cy="763500"/>
           </a:xfrm>
           <a:prstGeom prst="rect">
@@ -9245,6 +9331,52 @@
                 <a:sym typeface="Open Sans"/>
               </a:rPr>
               <a:t>→ Es crea el commit amb els canvis</a:t>
+            </a:r>
+          </a:p>
+        </p:txBody>
+      </p:sp>
+      <p:sp>
+        <p:nvSpPr>
+          <p:cNvPr id="211" name="Shape 211"/>
+          <p:cNvSpPr txBox="1"/>
+          <p:nvPr/>
+        </p:nvSpPr>
+        <p:spPr>
+          <a:xfrm>
+            <a:off x="430475" y="4101812"/>
+            <a:ext cx="7489500" cy="763500"/>
+          </a:xfrm>
+          <a:prstGeom prst="rect">
+            <a:avLst/>
+          </a:prstGeom>
+          <a:noFill/>
+          <a:ln>
+            <a:noFill/>
+          </a:ln>
+        </p:spPr>
+        <p:txBody>
+          <a:bodyPr anchorCtr="0" anchor="t" bIns="91425" lIns="91425" rIns="91425" tIns="91425">
+            <a:noAutofit/>
+          </a:bodyPr>
+          <a:lstStyle/>
+          <a:p>
+            <a:pPr lvl="0" rtl="0">
+              <a:spcBef>
+                <a:spcPts val="0"/>
+              </a:spcBef>
+              <a:buNone/>
+            </a:pPr>
+            <a:r>
+              <a:rPr lang="ca" sz="2400">
+                <a:solidFill>
+                  <a:srgbClr val="666666"/>
+                </a:solidFill>
+                <a:latin typeface="Open Sans"/>
+                <a:ea typeface="Open Sans"/>
+                <a:cs typeface="Open Sans"/>
+                <a:sym typeface="Open Sans"/>
+              </a:rPr>
+              <a:t>→ Mostra l’estat dels canvis</a:t>
             </a:r>
           </a:p>
         </p:txBody>
@@ -9291,41 +9423,6 @@
                                           </p:stCondLst>
                                         </p:cTn>
                                         <p:tgtEl>
-                                          <p:spTgt spid="208"/>
-                                        </p:tgtEl>
-                                        <p:attrNameLst>
-                                          <p:attrName>style.visibility</p:attrName>
-                                        </p:attrNameLst>
-                                      </p:cBhvr>
-                                      <p:to>
-                                        <p:strVal val="visible"/>
-                                      </p:to>
-                                    </p:set>
-                                    <p:animEffect filter="fade" transition="in">
-                                      <p:cBhvr>
-                                        <p:cTn dur="1000"/>
-                                        <p:tgtEl>
-                                          <p:spTgt spid="208"/>
-                                        </p:tgtEl>
-                                      </p:cBhvr>
-                                    </p:animEffect>
-                                  </p:childTnLst>
-                                </p:cTn>
-                              </p:par>
-                              <p:par>
-                                <p:cTn fill="hold" nodeType="withEffect" presetClass="entr" presetID="10" presetSubtype="0">
-                                  <p:stCondLst>
-                                    <p:cond delay="0"/>
-                                  </p:stCondLst>
-                                  <p:childTnLst>
-                                    <p:set>
-                                      <p:cBhvr>
-                                        <p:cTn dur="1" fill="hold">
-                                          <p:stCondLst>
-                                            <p:cond delay="0"/>
-                                          </p:stCondLst>
-                                        </p:cTn>
-                                        <p:tgtEl>
                                           <p:spTgt spid="209"/>
                                         </p:tgtEl>
                                         <p:attrNameLst>
@@ -9341,6 +9438,112 @@
                                         <p:cTn dur="1000"/>
                                         <p:tgtEl>
                                           <p:spTgt spid="209"/>
+                                        </p:tgtEl>
+                                      </p:cBhvr>
+                                    </p:animEffect>
+                                  </p:childTnLst>
+                                </p:cTn>
+                              </p:par>
+                            </p:childTnLst>
+                          </p:cTn>
+                        </p:par>
+                      </p:childTnLst>
+                    </p:cTn>
+                  </p:par>
+                  <p:par>
+                    <p:cTn fill="hold">
+                      <p:stCondLst>
+                        <p:cond delay="indefinite"/>
+                      </p:stCondLst>
+                      <p:childTnLst>
+                        <p:par>
+                          <p:cTn fill="hold">
+                            <p:stCondLst>
+                              <p:cond delay="0"/>
+                            </p:stCondLst>
+                            <p:childTnLst>
+                              <p:par>
+                                <p:cTn fill="hold" nodeType="clickEffect" presetClass="entr" presetID="10" presetSubtype="0">
+                                  <p:stCondLst>
+                                    <p:cond delay="0"/>
+                                  </p:stCondLst>
+                                  <p:childTnLst>
+                                    <p:set>
+                                      <p:cBhvr>
+                                        <p:cTn dur="1" fill="hold">
+                                          <p:stCondLst>
+                                            <p:cond delay="0"/>
+                                          </p:stCondLst>
+                                        </p:cTn>
+                                        <p:tgtEl>
+                                          <p:spTgt spid="211"/>
+                                        </p:tgtEl>
+                                        <p:attrNameLst>
+                                          <p:attrName>style.visibility</p:attrName>
+                                        </p:attrNameLst>
+                                      </p:cBhvr>
+                                      <p:to>
+                                        <p:strVal val="visible"/>
+                                      </p:to>
+                                    </p:set>
+                                    <p:animEffect filter="fade" transition="in">
+                                      <p:cBhvr>
+                                        <p:cTn dur="1000"/>
+                                        <p:tgtEl>
+                                          <p:spTgt spid="211"/>
+                                        </p:tgtEl>
+                                      </p:cBhvr>
+                                    </p:animEffect>
+                                  </p:childTnLst>
+                                </p:cTn>
+                              </p:par>
+                            </p:childTnLst>
+                          </p:cTn>
+                        </p:par>
+                      </p:childTnLst>
+                    </p:cTn>
+                  </p:par>
+                  <p:par>
+                    <p:cTn fill="hold">
+                      <p:stCondLst>
+                        <p:cond delay="indefinite"/>
+                      </p:stCondLst>
+                      <p:childTnLst>
+                        <p:par>
+                          <p:cTn fill="hold">
+                            <p:stCondLst>
+                              <p:cond delay="0"/>
+                            </p:stCondLst>
+                            <p:childTnLst>
+                              <p:par>
+                                <p:cTn fill="hold" nodeType="clickEffect" presetClass="entr" presetID="10" presetSubtype="0">
+                                  <p:stCondLst>
+                                    <p:cond delay="0"/>
+                                  </p:stCondLst>
+                                  <p:childTnLst>
+                                    <p:set>
+                                      <p:cBhvr>
+                                        <p:cTn dur="1" fill="hold">
+                                          <p:stCondLst>
+                                            <p:cond delay="0"/>
+                                          </p:stCondLst>
+                                        </p:cTn>
+                                        <p:tgtEl>
+                                          <p:spTgt spid="210"/>
+                                        </p:tgtEl>
+                                        <p:attrNameLst>
+                                          <p:attrName>style.visibility</p:attrName>
+                                        </p:attrNameLst>
+                                      </p:cBhvr>
+                                      <p:to>
+                                        <p:strVal val="visible"/>
+                                      </p:to>
+                                    </p:set>
+                                    <p:animEffect filter="fade" transition="in">
+                                      <p:cBhvr>
+                                        <p:cTn dur="1000"/>
+                                        <p:tgtEl>
+                                          <p:spTgt spid="210"/>
                                         </p:tgtEl>
                                       </p:cBhvr>
                                     </p:animEffect>
@@ -9381,16 +9584,9 @@
 <file path=ppt/slides/slide17.xml><?xml version="1.0" encoding="utf-8"?>
 <p:sld xmlns:a="http://schemas.openxmlformats.org/drawingml/2006/main" xmlns:r="http://schemas.openxmlformats.org/officeDocument/2006/relationships" xmlns:mc="http://schemas.openxmlformats.org/markup-compatibility/2006" xmlns:mv="urn:schemas-microsoft-com:mac:vml" xmlns:p="http://schemas.openxmlformats.org/presentationml/2006/main" xmlns:c="http://schemas.openxmlformats.org/drawingml/2006/chart" xmlns:dgm="http://schemas.openxmlformats.org/drawingml/2006/diagram" xmlns:o="urn:schemas-microsoft-com:office:office" xmlns:v="urn:schemas-microsoft-com:vml" xmlns:pvml="urn:schemas-microsoft-com:office:powerpoint" xmlns:com="http://schemas.openxmlformats.org/drawingml/2006/compatibility" xmlns:p14="http://schemas.microsoft.com/office/powerpoint/2010/main">
   <p:cSld>
-    <p:bg>
-      <p:bgPr>
-        <a:solidFill>
-          <a:srgbClr val="FF8533"/>
-        </a:solidFill>
-      </p:bgPr>
-    </p:bg>
     <p:spTree>
       <p:nvGrpSpPr>
-        <p:cNvPr id="213" name="Shape 213"/>
+        <p:cNvPr id="215" name="Shape 215"/>
         <p:cNvGrpSpPr/>
         <p:nvPr/>
       </p:nvGrpSpPr>
@@ -9404,7 +9600,504 @@
       </p:grpSpPr>
       <p:sp>
         <p:nvSpPr>
-          <p:cNvPr id="214" name="Shape 214"/>
+          <p:cNvPr id="216" name="Shape 216"/>
+          <p:cNvSpPr txBox="1"/>
+          <p:nvPr>
+            <p:ph idx="12" type="sldNum"/>
+          </p:nvPr>
+        </p:nvSpPr>
+        <p:spPr>
+          <a:xfrm>
+            <a:off x="8472457" y="8290163"/>
+            <a:ext cx="548699" cy="699599"/>
+          </a:xfrm>
+          <a:prstGeom prst="rect">
+            <a:avLst/>
+          </a:prstGeom>
+        </p:spPr>
+        <p:txBody>
+          <a:bodyPr anchorCtr="0" anchor="ctr" bIns="91425" lIns="91425" rIns="91425" tIns="91425">
+            <a:noAutofit/>
+          </a:bodyPr>
+          <a:lstStyle/>
+          <a:p>
+            <a:pPr lvl="0" rtl="0">
+              <a:spcBef>
+                <a:spcPts val="0"/>
+              </a:spcBef>
+              <a:buNone/>
+            </a:pPr>
+            <a:fld id="{00000000-1234-1234-1234-123412341234}" type="slidenum">
+              <a:rPr lang="ca"/>
+              <a:t>‹#›</a:t>
+            </a:fld>
+          </a:p>
+        </p:txBody>
+      </p:sp>
+      <p:sp>
+        <p:nvSpPr>
+          <p:cNvPr id="217" name="Shape 217"/>
+          <p:cNvSpPr txBox="1"/>
+          <p:nvPr>
+            <p:ph type="title"/>
+          </p:nvPr>
+        </p:nvSpPr>
+        <p:spPr>
+          <a:xfrm>
+            <a:off x="311650" y="123291"/>
+            <a:ext cx="8520599" cy="763500"/>
+          </a:xfrm>
+          <a:prstGeom prst="rect">
+            <a:avLst/>
+          </a:prstGeom>
+        </p:spPr>
+        <p:txBody>
+          <a:bodyPr anchorCtr="0" anchor="t" bIns="91425" lIns="91425" rIns="91425" tIns="91425">
+            <a:noAutofit/>
+          </a:bodyPr>
+          <a:lstStyle/>
+          <a:p>
+            <a:pPr lvl="0" rtl="0">
+              <a:spcBef>
+                <a:spcPts val="0"/>
+              </a:spcBef>
+              <a:buNone/>
+            </a:pPr>
+            <a:r>
+              <a:rPr lang="ca"/>
+              <a:t>Primers passos</a:t>
+            </a:r>
+          </a:p>
+          <a:p>
+            <a:pPr lvl="0" rtl="0">
+              <a:spcBef>
+                <a:spcPts val="0"/>
+              </a:spcBef>
+              <a:buNone/>
+            </a:pPr>
+            <a:r>
+              <a:t/>
+            </a:r>
+            <a:endParaRPr/>
+          </a:p>
+          <a:p>
+            <a:pPr lvl="0" rtl="0">
+              <a:spcBef>
+                <a:spcPts val="0"/>
+              </a:spcBef>
+              <a:buNone/>
+            </a:pPr>
+            <a:r>
+              <a:t/>
+            </a:r>
+            <a:endParaRPr/>
+          </a:p>
+        </p:txBody>
+      </p:sp>
+      <p:sp>
+        <p:nvSpPr>
+          <p:cNvPr id="218" name="Shape 218"/>
+          <p:cNvSpPr txBox="1"/>
+          <p:nvPr>
+            <p:ph idx="2" type="sldNum"/>
+          </p:nvPr>
+        </p:nvSpPr>
+        <p:spPr>
+          <a:xfrm>
+            <a:off x="8472457" y="6217622"/>
+            <a:ext cx="548699" cy="524699"/>
+          </a:xfrm>
+          <a:prstGeom prst="rect">
+            <a:avLst/>
+          </a:prstGeom>
+        </p:spPr>
+        <p:txBody>
+          <a:bodyPr anchorCtr="0" anchor="ctr" bIns="91425" lIns="91425" rIns="91425" tIns="91425">
+            <a:noAutofit/>
+          </a:bodyPr>
+          <a:lstStyle/>
+          <a:p>
+            <a:pPr lvl="0" rtl="0">
+              <a:spcBef>
+                <a:spcPts val="0"/>
+              </a:spcBef>
+              <a:buNone/>
+            </a:pPr>
+            <a:fld id="{00000000-1234-1234-1234-123412341234}" type="slidenum">
+              <a:rPr lang="ca"/>
+              <a:t>‹#›</a:t>
+            </a:fld>
+          </a:p>
+        </p:txBody>
+      </p:sp>
+      <p:sp>
+        <p:nvSpPr>
+          <p:cNvPr id="219" name="Shape 219"/>
+          <p:cNvSpPr txBox="1"/>
+          <p:nvPr>
+            <p:ph idx="1" type="body"/>
+          </p:nvPr>
+        </p:nvSpPr>
+        <p:spPr>
+          <a:xfrm>
+            <a:off x="311650" y="1506008"/>
+            <a:ext cx="8520599" cy="4555199"/>
+          </a:xfrm>
+          <a:prstGeom prst="rect">
+            <a:avLst/>
+          </a:prstGeom>
+        </p:spPr>
+        <p:txBody>
+          <a:bodyPr anchorCtr="0" anchor="ctr" bIns="91425" lIns="91425" rIns="91425" tIns="91425">
+            <a:noAutofit/>
+          </a:bodyPr>
+          <a:lstStyle/>
+          <a:p>
+            <a:pPr lvl="0" rtl="0">
+              <a:lnSpc>
+                <a:spcPct val="150000"/>
+              </a:lnSpc>
+              <a:spcBef>
+                <a:spcPts val="1000"/>
+              </a:spcBef>
+              <a:spcAft>
+                <a:spcPts val="1000"/>
+              </a:spcAft>
+              <a:buNone/>
+            </a:pPr>
+            <a:r>
+              <a:rPr lang="ca" sz="3000">
+                <a:solidFill>
+                  <a:schemeClr val="dk1"/>
+                </a:solidFill>
+                <a:latin typeface="Consolas"/>
+                <a:ea typeface="Consolas"/>
+                <a:cs typeface="Consolas"/>
+                <a:sym typeface="Consolas"/>
+              </a:rPr>
+              <a:t>$ git push origin master</a:t>
+            </a:r>
+          </a:p>
+          <a:p>
+            <a:pPr lvl="0" rtl="0">
+              <a:lnSpc>
+                <a:spcPct val="150000"/>
+              </a:lnSpc>
+              <a:spcBef>
+                <a:spcPts val="1000"/>
+              </a:spcBef>
+              <a:spcAft>
+                <a:spcPts val="1000"/>
+              </a:spcAft>
+              <a:buNone/>
+            </a:pPr>
+            <a:r>
+              <a:t/>
+            </a:r>
+            <a:endParaRPr sz="3000">
+              <a:solidFill>
+                <a:schemeClr val="dk1"/>
+              </a:solidFill>
+              <a:latin typeface="Consolas"/>
+              <a:ea typeface="Consolas"/>
+              <a:cs typeface="Consolas"/>
+              <a:sym typeface="Consolas"/>
+            </a:endParaRPr>
+          </a:p>
+          <a:p>
+            <a:pPr lvl="0" rtl="0">
+              <a:lnSpc>
+                <a:spcPct val="150000"/>
+              </a:lnSpc>
+              <a:spcBef>
+                <a:spcPts val="1000"/>
+              </a:spcBef>
+              <a:spcAft>
+                <a:spcPts val="1000"/>
+              </a:spcAft>
+              <a:buNone/>
+            </a:pPr>
+            <a:r>
+              <a:rPr lang="ca" sz="3000">
+                <a:solidFill>
+                  <a:schemeClr val="dk1"/>
+                </a:solidFill>
+                <a:latin typeface="Consolas"/>
+                <a:ea typeface="Consolas"/>
+                <a:cs typeface="Consolas"/>
+                <a:sym typeface="Consolas"/>
+              </a:rPr>
+              <a:t>$ git pull origin master</a:t>
+            </a:r>
+          </a:p>
+        </p:txBody>
+      </p:sp>
+      <p:sp>
+        <p:nvSpPr>
+          <p:cNvPr id="220" name="Shape 220"/>
+          <p:cNvSpPr txBox="1"/>
+          <p:nvPr/>
+        </p:nvSpPr>
+        <p:spPr>
+          <a:xfrm>
+            <a:off x="515575" y="3208500"/>
+            <a:ext cx="8520599" cy="763500"/>
+          </a:xfrm>
+          <a:prstGeom prst="rect">
+            <a:avLst/>
+          </a:prstGeom>
+          <a:noFill/>
+          <a:ln>
+            <a:noFill/>
+          </a:ln>
+        </p:spPr>
+        <p:txBody>
+          <a:bodyPr anchorCtr="0" anchor="t" bIns="91425" lIns="91425" rIns="91425" tIns="91425">
+            <a:noAutofit/>
+          </a:bodyPr>
+          <a:lstStyle/>
+          <a:p>
+            <a:pPr lvl="0" rtl="0">
+              <a:spcBef>
+                <a:spcPts val="0"/>
+              </a:spcBef>
+              <a:buNone/>
+            </a:pPr>
+            <a:r>
+              <a:rPr lang="ca" sz="2400">
+                <a:solidFill>
+                  <a:srgbClr val="666666"/>
+                </a:solidFill>
+                <a:latin typeface="Open Sans"/>
+                <a:ea typeface="Open Sans"/>
+                <a:cs typeface="Open Sans"/>
+                <a:sym typeface="Open Sans"/>
+              </a:rPr>
+              <a:t>→ S’envien els canvis al remote “origin”</a:t>
+            </a:r>
+          </a:p>
+        </p:txBody>
+      </p:sp>
+      <p:sp>
+        <p:nvSpPr>
+          <p:cNvPr id="221" name="Shape 221"/>
+          <p:cNvSpPr txBox="1"/>
+          <p:nvPr/>
+        </p:nvSpPr>
+        <p:spPr>
+          <a:xfrm>
+            <a:off x="547200" y="4761675"/>
+            <a:ext cx="7489500" cy="763500"/>
+          </a:xfrm>
+          <a:prstGeom prst="rect">
+            <a:avLst/>
+          </a:prstGeom>
+          <a:noFill/>
+          <a:ln>
+            <a:noFill/>
+          </a:ln>
+        </p:spPr>
+        <p:txBody>
+          <a:bodyPr anchorCtr="0" anchor="t" bIns="91425" lIns="91425" rIns="91425" tIns="91425">
+            <a:noAutofit/>
+          </a:bodyPr>
+          <a:lstStyle/>
+          <a:p>
+            <a:pPr lvl="0" rtl="0">
+              <a:spcBef>
+                <a:spcPts val="0"/>
+              </a:spcBef>
+              <a:buNone/>
+            </a:pPr>
+            <a:r>
+              <a:rPr lang="ca" sz="2400">
+                <a:solidFill>
+                  <a:srgbClr val="666666"/>
+                </a:solidFill>
+                <a:latin typeface="Open Sans"/>
+                <a:ea typeface="Open Sans"/>
+                <a:cs typeface="Open Sans"/>
+                <a:sym typeface="Open Sans"/>
+              </a:rPr>
+              <a:t>→ Es recuperen els canvis d’”origin”</a:t>
+            </a:r>
+          </a:p>
+        </p:txBody>
+      </p:sp>
+    </p:spTree>
+  </p:cSld>
+  <p:clrMapOvr>
+    <a:masterClrMapping/>
+  </p:clrMapOvr>
+  <p:transition spd="slow">
+    <p:cut/>
+  </p:transition>
+  <p:timing>
+    <p:tnLst>
+      <p:par>
+        <p:cTn dur="indefinite" nodeType="tmRoot" restart="never">
+          <p:childTnLst>
+            <p:seq concurrent="1" nextAc="seek">
+              <p:cTn dur="indefinite" id="2" nodeType="mainSeq">
+                <p:childTnLst>
+                  <p:par>
+                    <p:cTn fill="hold">
+                      <p:stCondLst>
+                        <p:cond delay="indefinite"/>
+                      </p:stCondLst>
+                      <p:childTnLst>
+                        <p:par>
+                          <p:cTn fill="hold">
+                            <p:stCondLst>
+                              <p:cond delay="0"/>
+                            </p:stCondLst>
+                            <p:childTnLst>
+                              <p:par>
+                                <p:cTn fill="hold" nodeType="clickEffect" presetClass="entr" presetID="10" presetSubtype="0">
+                                  <p:stCondLst>
+                                    <p:cond delay="0"/>
+                                  </p:stCondLst>
+                                  <p:childTnLst>
+                                    <p:set>
+                                      <p:cBhvr>
+                                        <p:cTn dur="1" fill="hold">
+                                          <p:stCondLst>
+                                            <p:cond delay="0"/>
+                                          </p:stCondLst>
+                                        </p:cTn>
+                                        <p:tgtEl>
+                                          <p:spTgt spid="220"/>
+                                        </p:tgtEl>
+                                        <p:attrNameLst>
+                                          <p:attrName>style.visibility</p:attrName>
+                                        </p:attrNameLst>
+                                      </p:cBhvr>
+                                      <p:to>
+                                        <p:strVal val="visible"/>
+                                      </p:to>
+                                    </p:set>
+                                    <p:animEffect filter="fade" transition="in">
+                                      <p:cBhvr>
+                                        <p:cTn dur="1000"/>
+                                        <p:tgtEl>
+                                          <p:spTgt spid="220"/>
+                                        </p:tgtEl>
+                                      </p:cBhvr>
+                                    </p:animEffect>
+                                  </p:childTnLst>
+                                </p:cTn>
+                              </p:par>
+                            </p:childTnLst>
+                          </p:cTn>
+                        </p:par>
+                      </p:childTnLst>
+                    </p:cTn>
+                  </p:par>
+                  <p:par>
+                    <p:cTn fill="hold">
+                      <p:stCondLst>
+                        <p:cond delay="indefinite"/>
+                      </p:stCondLst>
+                      <p:childTnLst>
+                        <p:par>
+                          <p:cTn fill="hold">
+                            <p:stCondLst>
+                              <p:cond delay="0"/>
+                            </p:stCondLst>
+                            <p:childTnLst>
+                              <p:par>
+                                <p:cTn fill="hold" nodeType="clickEffect" presetClass="entr" presetID="10" presetSubtype="0">
+                                  <p:stCondLst>
+                                    <p:cond delay="0"/>
+                                  </p:stCondLst>
+                                  <p:childTnLst>
+                                    <p:set>
+                                      <p:cBhvr>
+                                        <p:cTn dur="1" fill="hold">
+                                          <p:stCondLst>
+                                            <p:cond delay="0"/>
+                                          </p:stCondLst>
+                                        </p:cTn>
+                                        <p:tgtEl>
+                                          <p:spTgt spid="221"/>
+                                        </p:tgtEl>
+                                        <p:attrNameLst>
+                                          <p:attrName>style.visibility</p:attrName>
+                                        </p:attrNameLst>
+                                      </p:cBhvr>
+                                      <p:to>
+                                        <p:strVal val="visible"/>
+                                      </p:to>
+                                    </p:set>
+                                    <p:animEffect filter="fade" transition="in">
+                                      <p:cBhvr>
+                                        <p:cTn dur="1000"/>
+                                        <p:tgtEl>
+                                          <p:spTgt spid="221"/>
+                                        </p:tgtEl>
+                                      </p:cBhvr>
+                                    </p:animEffect>
+                                  </p:childTnLst>
+                                </p:cTn>
+                              </p:par>
+                            </p:childTnLst>
+                          </p:cTn>
+                        </p:par>
+                      </p:childTnLst>
+                    </p:cTn>
+                  </p:par>
+                </p:childTnLst>
+              </p:cTn>
+              <p:prevCondLst>
+                <p:cond evt="onPrev">
+                  <p:tgtEl>
+                    <p:sldTgt/>
+                  </p:tgtEl>
+                </p:cond>
+              </p:prevCondLst>
+              <p:nextCondLst>
+                <p:cond evt="onNext">
+                  <p:tgtEl>
+                    <p:sldTgt/>
+                  </p:tgtEl>
+                </p:cond>
+              </p:nextCondLst>
+            </p:seq>
+          </p:childTnLst>
+        </p:cTn>
+      </p:par>
+    </p:tnLst>
+  </p:timing>
+</p:sld>
+</file>
+
+<file path=ppt/slides/slide18.xml><?xml version="1.0" encoding="utf-8"?>
+<p:sld xmlns:a="http://schemas.openxmlformats.org/drawingml/2006/main" xmlns:r="http://schemas.openxmlformats.org/officeDocument/2006/relationships" xmlns:mc="http://schemas.openxmlformats.org/markup-compatibility/2006" xmlns:mv="urn:schemas-microsoft-com:mac:vml" xmlns:p="http://schemas.openxmlformats.org/presentationml/2006/main" xmlns:c="http://schemas.openxmlformats.org/drawingml/2006/chart" xmlns:dgm="http://schemas.openxmlformats.org/drawingml/2006/diagram" xmlns:o="urn:schemas-microsoft-com:office:office" xmlns:v="urn:schemas-microsoft-com:vml" xmlns:pvml="urn:schemas-microsoft-com:office:powerpoint" xmlns:com="http://schemas.openxmlformats.org/drawingml/2006/compatibility" xmlns:p14="http://schemas.microsoft.com/office/powerpoint/2010/main">
+  <p:cSld>
+    <p:bg>
+      <p:bgPr>
+        <a:solidFill>
+          <a:srgbClr val="FF8533"/>
+        </a:solidFill>
+      </p:bgPr>
+    </p:bg>
+    <p:spTree>
+      <p:nvGrpSpPr>
+        <p:cNvPr id="225" name="Shape 225"/>
+        <p:cNvGrpSpPr/>
+        <p:nvPr/>
+      </p:nvGrpSpPr>
+      <p:grpSpPr>
+        <a:xfrm>
+          <a:off x="0" y="0"/>
+          <a:ext cx="0" cy="0"/>
+          <a:chOff x="0" y="0"/>
+          <a:chExt cx="0" cy="0"/>
+        </a:xfrm>
+      </p:grpSpPr>
+      <p:sp>
+        <p:nvSpPr>
+          <p:cNvPr id="226" name="Shape 226"/>
           <p:cNvSpPr txBox="1"/>
           <p:nvPr>
             <p:ph type="title"/>
@@ -9448,7 +10141,7 @@
       </p:sp>
       <p:sp>
         <p:nvSpPr>
-          <p:cNvPr id="215" name="Shape 215"/>
+          <p:cNvPr id="227" name="Shape 227"/>
           <p:cNvSpPr txBox="1"/>
           <p:nvPr>
             <p:ph idx="12" type="sldNum"/>
@@ -9493,12 +10186,12 @@
 </p:sld>
 </file>
 
-<file path=ppt/slides/slide18.xml><?xml version="1.0" encoding="utf-8"?>
+<file path=ppt/slides/slide19.xml><?xml version="1.0" encoding="utf-8"?>
 <p:sld xmlns:a="http://schemas.openxmlformats.org/drawingml/2006/main" xmlns:r="http://schemas.openxmlformats.org/officeDocument/2006/relationships" xmlns:mc="http://schemas.openxmlformats.org/markup-compatibility/2006" xmlns:mv="urn:schemas-microsoft-com:mac:vml" xmlns:p="http://schemas.openxmlformats.org/presentationml/2006/main" xmlns:c="http://schemas.openxmlformats.org/drawingml/2006/chart" xmlns:dgm="http://schemas.openxmlformats.org/drawingml/2006/diagram" xmlns:o="urn:schemas-microsoft-com:office:office" xmlns:v="urn:schemas-microsoft-com:vml" xmlns:pvml="urn:schemas-microsoft-com:office:powerpoint" xmlns:com="http://schemas.openxmlformats.org/drawingml/2006/compatibility" xmlns:p14="http://schemas.microsoft.com/office/powerpoint/2010/main">
   <p:cSld>
     <p:spTree>
       <p:nvGrpSpPr>
-        <p:cNvPr id="219" name="Shape 219"/>
+        <p:cNvPr id="231" name="Shape 231"/>
         <p:cNvGrpSpPr/>
         <p:nvPr/>
       </p:nvGrpSpPr>
@@ -9512,7 +10205,7 @@
       </p:grpSpPr>
       <p:sp>
         <p:nvSpPr>
-          <p:cNvPr id="220" name="Shape 220"/>
+          <p:cNvPr id="232" name="Shape 232"/>
           <p:cNvSpPr txBox="1"/>
           <p:nvPr>
             <p:ph type="title"/>
@@ -9548,10 +10241,10 @@
       </p:sp>
       <p:sp>
         <p:nvSpPr>
-          <p:cNvPr id="221" name="Shape 221"/>
-          <p:cNvSpPr txBox="1"/>
-          <p:nvPr>
-            <p:ph idx="12" type="sldNum"/>
+          <p:cNvPr id="233" name="Shape 233"/>
+          <p:cNvSpPr txBox="1"/>
+          <p:nvPr>
+            <p:ph idx="2" type="sldNum"/>
           </p:nvPr>
         </p:nvSpPr>
         <p:spPr>
@@ -9588,7 +10281,7 @@
       </p:sp>
       <p:sp>
         <p:nvSpPr>
-          <p:cNvPr id="222" name="Shape 222"/>
+          <p:cNvPr id="234" name="Shape 234"/>
           <p:cNvSpPr txBox="1"/>
           <p:nvPr>
             <p:ph idx="1" type="body"/>
@@ -9643,7 +10336,11 @@
                 </a:solidFill>
                 <a:hlinkClick r:id="rId4"/>
               </a:rPr>
-              <a:t>http://jlord.us/git-it/challenges/branches_arent_just_for_birds.html</a:t>
+              <a:t>https://git-scm.com/about/staging-area</a:t>
+            </a:r>
+            <a:r>
+              <a:rPr lang="ca"/>
+              <a:t> </a:t>
             </a:r>
           </a:p>
           <a:p>
@@ -9654,9 +10351,6 @@
               <a:spcBef>
                 <a:spcPts val="0"/>
               </a:spcBef>
-              <a:buClr>
-                <a:schemeClr val="dk1"/>
-              </a:buClr>
             </a:pPr>
             <a:r>
               <a:rPr lang="ca" u="sng">
@@ -9665,6 +10359,28 @@
                 </a:solidFill>
                 <a:hlinkClick r:id="rId5"/>
               </a:rPr>
+              <a:t>http://jlord.us/git-it/challenges/branches_arent_just_for_birds.html</a:t>
+            </a:r>
+          </a:p>
+          <a:p>
+            <a:pPr indent="-228600" lvl="0" marL="457200" rtl="0">
+              <a:lnSpc>
+                <a:spcPct val="150000"/>
+              </a:lnSpc>
+              <a:spcBef>
+                <a:spcPts val="0"/>
+              </a:spcBef>
+              <a:buClr>
+                <a:schemeClr val="dk1"/>
+              </a:buClr>
+            </a:pPr>
+            <a:r>
+              <a:rPr lang="ca" u="sng">
+                <a:solidFill>
+                  <a:schemeClr val="hlink"/>
+                </a:solidFill>
+                <a:hlinkClick r:id="rId6"/>
+              </a:rPr>
               <a:t>http://codicesoftware.blogspot.com/2010/11/version-control-timeline.html</a:t>
             </a:r>
             <a:r>
@@ -9690,7 +10406,7 @@
                 <a:solidFill>
                   <a:schemeClr val="hlink"/>
                 </a:solidFill>
-                <a:hlinkClick r:id="rId6"/>
+                <a:hlinkClick r:id="rId7"/>
               </a:rPr>
               <a:t>https://pixabay.com</a:t>
             </a:r>
@@ -9709,7 +10425,7 @@
                 <a:solidFill>
                   <a:schemeClr val="hlink"/>
                 </a:solidFill>
-                <a:hlinkClick r:id="rId7"/>
+                <a:hlinkClick r:id="rId8"/>
               </a:rPr>
               <a:t>https://www.iconfinder.com/</a:t>
             </a:r>
@@ -9726,10 +10442,10 @@
       </p:sp>
       <p:sp>
         <p:nvSpPr>
-          <p:cNvPr id="223" name="Shape 223"/>
-          <p:cNvSpPr txBox="1"/>
-          <p:nvPr>
-            <p:ph idx="2" type="sldNum"/>
+          <p:cNvPr id="235" name="Shape 235"/>
+          <p:cNvSpPr txBox="1"/>
+          <p:nvPr>
+            <p:ph idx="12" type="sldNum"/>
           </p:nvPr>
         </p:nvSpPr>
         <p:spPr>
@@ -9776,7 +10492,7 @@
   <p:cSld>
     <p:spTree>
       <p:nvGrpSpPr>
-        <p:cNvPr id="76" name="Shape 76"/>
+        <p:cNvPr id="75" name="Shape 75"/>
         <p:cNvGrpSpPr/>
         <p:nvPr/>
       </p:nvGrpSpPr>
@@ -9790,16 +10506,16 @@
       </p:grpSpPr>
       <p:sp>
         <p:nvSpPr>
-          <p:cNvPr id="77" name="Shape 77"/>
-          <p:cNvSpPr txBox="1"/>
-          <p:nvPr>
-            <p:ph idx="1" type="body"/>
-          </p:nvPr>
-        </p:nvSpPr>
-        <p:spPr>
-          <a:xfrm>
-            <a:off x="311650" y="1506008"/>
-            <a:ext cx="8520599" cy="4555199"/>
+          <p:cNvPr id="76" name="Shape 76"/>
+          <p:cNvSpPr txBox="1"/>
+          <p:nvPr>
+            <p:ph type="title"/>
+          </p:nvPr>
+        </p:nvSpPr>
+        <p:spPr>
+          <a:xfrm>
+            <a:off x="311700" y="274721"/>
+            <a:ext cx="8520599" cy="6196199"/>
           </a:xfrm>
           <a:prstGeom prst="rect">
             <a:avLst/>
@@ -9811,89 +10527,22 @@
           </a:bodyPr>
           <a:lstStyle/>
           <a:p>
-            <a:pPr indent="-457200" lvl="0" marL="457200" rtl="0">
-              <a:lnSpc>
-                <a:spcPct val="150000"/>
-              </a:lnSpc>
-              <a:spcBef>
-                <a:spcPts val="0"/>
-              </a:spcBef>
-              <a:spcAft>
-                <a:spcPts val="0"/>
-              </a:spcAft>
-              <a:buSzPct val="100000"/>
-            </a:pPr>
-            <a:r>
-              <a:rPr lang="ca" sz="3600"/>
+            <a:pPr lvl="0" rtl="0">
+              <a:spcBef>
+                <a:spcPts val="0"/>
+              </a:spcBef>
+              <a:buNone/>
+            </a:pPr>
+            <a:r>
+              <a:rPr lang="ca" sz="6000"/>
               <a:t>Control de versions, que aporta?</a:t>
             </a:r>
           </a:p>
-          <a:p>
-            <a:pPr indent="-457200" lvl="0" marL="457200" rtl="0">
-              <a:lnSpc>
-                <a:spcPct val="150000"/>
-              </a:lnSpc>
-              <a:spcBef>
-                <a:spcPts val="0"/>
-              </a:spcBef>
-              <a:spcAft>
-                <a:spcPts val="0"/>
-              </a:spcAft>
-              <a:buSzPct val="100000"/>
-            </a:pPr>
-            <a:r>
-              <a:rPr lang="ca" sz="3600"/>
-              <a:t>Per què git?</a:t>
-            </a:r>
-          </a:p>
-          <a:p>
-            <a:pPr indent="-457200" lvl="0" marL="457200" rtl="0">
-              <a:lnSpc>
-                <a:spcPct val="150000"/>
-              </a:lnSpc>
-              <a:spcBef>
-                <a:spcPts val="0"/>
-              </a:spcBef>
-              <a:spcAft>
-                <a:spcPts val="0"/>
-              </a:spcAft>
-              <a:buClr>
-                <a:schemeClr val="dk1"/>
-              </a:buClr>
-              <a:buSzPct val="100000"/>
-            </a:pPr>
-            <a:r>
-              <a:rPr lang="ca" sz="3600">
-                <a:solidFill>
-                  <a:schemeClr val="dk1"/>
-                </a:solidFill>
-              </a:rPr>
-              <a:t>Arquitectura</a:t>
-            </a:r>
-          </a:p>
-          <a:p>
-            <a:pPr indent="-457200" lvl="0" marL="457200" rtl="0">
-              <a:lnSpc>
-                <a:spcPct val="150000"/>
-              </a:lnSpc>
-              <a:spcBef>
-                <a:spcPts val="0"/>
-              </a:spcBef>
-              <a:spcAft>
-                <a:spcPts val="0"/>
-              </a:spcAft>
-              <a:buSzPct val="100000"/>
-            </a:pPr>
-            <a:r>
-              <a:rPr lang="ca" sz="3600"/>
-              <a:t>Primers passos</a:t>
-            </a:r>
-          </a:p>
-        </p:txBody>
-      </p:sp>
-      <p:sp>
-        <p:nvSpPr>
-          <p:cNvPr id="78" name="Shape 78"/>
+        </p:txBody>
+      </p:sp>
+      <p:sp>
+        <p:nvSpPr>
+          <p:cNvPr id="77" name="Shape 77"/>
           <p:cNvSpPr txBox="1"/>
           <p:nvPr>
             <p:ph idx="12" type="sldNum"/>
@@ -9901,8 +10550,8 @@
         </p:nvSpPr>
         <p:spPr>
           <a:xfrm>
-            <a:off x="8472457" y="8290163"/>
-            <a:ext cx="548699" cy="699599"/>
+            <a:off x="8472457" y="6217622"/>
+            <a:ext cx="548699" cy="524699"/>
           </a:xfrm>
           <a:prstGeom prst="rect">
             <a:avLst/>
@@ -9914,86 +10563,18 @@
           </a:bodyPr>
           <a:lstStyle/>
           <a:p>
-            <a:pPr lvl="0" rtl="0">
+            <a:pPr lvl="0">
               <a:spcBef>
                 <a:spcPts val="0"/>
               </a:spcBef>
               <a:buNone/>
             </a:pPr>
             <a:fld id="{00000000-1234-1234-1234-123412341234}" type="slidenum">
-              <a:rPr lang="ca"/>
-              <a:t>‹#›</a:t>
-            </a:fld>
-          </a:p>
-        </p:txBody>
-      </p:sp>
-      <p:sp>
-        <p:nvSpPr>
-          <p:cNvPr id="79" name="Shape 79"/>
-          <p:cNvSpPr txBox="1"/>
-          <p:nvPr>
-            <p:ph type="title"/>
-          </p:nvPr>
-        </p:nvSpPr>
-        <p:spPr>
-          <a:xfrm>
-            <a:off x="311650" y="123291"/>
-            <a:ext cx="8520599" cy="763500"/>
-          </a:xfrm>
-          <a:prstGeom prst="rect">
-            <a:avLst/>
-          </a:prstGeom>
-        </p:spPr>
-        <p:txBody>
-          <a:bodyPr anchorCtr="0" anchor="t" bIns="91425" lIns="91425" rIns="91425" tIns="91425">
-            <a:noAutofit/>
-          </a:bodyPr>
-          <a:lstStyle/>
-          <a:p>
-            <a:pPr lvl="0" rtl="0">
-              <a:spcBef>
-                <a:spcPts val="0"/>
-              </a:spcBef>
-              <a:buNone/>
-            </a:pPr>
-            <a:r>
-              <a:rPr lang="ca"/>
-              <a:t>Índex</a:t>
-            </a:r>
-          </a:p>
-        </p:txBody>
-      </p:sp>
-      <p:sp>
-        <p:nvSpPr>
-          <p:cNvPr id="80" name="Shape 80"/>
-          <p:cNvSpPr txBox="1"/>
-          <p:nvPr>
-            <p:ph idx="2" type="sldNum"/>
-          </p:nvPr>
-        </p:nvSpPr>
-        <p:spPr>
-          <a:xfrm>
-            <a:off x="8472457" y="6217622"/>
-            <a:ext cx="548699" cy="524699"/>
-          </a:xfrm>
-          <a:prstGeom prst="rect">
-            <a:avLst/>
-          </a:prstGeom>
-        </p:spPr>
-        <p:txBody>
-          <a:bodyPr anchorCtr="0" anchor="ctr" bIns="91425" lIns="91425" rIns="91425" tIns="91425">
-            <a:noAutofit/>
-          </a:bodyPr>
-          <a:lstStyle/>
-          <a:p>
-            <a:pPr lvl="0" rtl="0">
-              <a:spcBef>
-                <a:spcPts val="0"/>
-              </a:spcBef>
-              <a:buNone/>
-            </a:pPr>
-            <a:fld id="{00000000-1234-1234-1234-123412341234}" type="slidenum">
-              <a:rPr lang="ca"/>
+              <a:rPr lang="ca">
+                <a:solidFill>
+                  <a:schemeClr val="lt1"/>
+                </a:solidFill>
+              </a:rPr>
               <a:t>‹#›</a:t>
             </a:fld>
           </a:p>
@@ -10015,7 +10596,7 @@
   <p:cSld>
     <p:spTree>
       <p:nvGrpSpPr>
-        <p:cNvPr id="84" name="Shape 84"/>
+        <p:cNvPr id="81" name="Shape 81"/>
         <p:cNvGrpSpPr/>
         <p:nvPr/>
       </p:nvGrpSpPr>
@@ -10029,16 +10610,16 @@
       </p:grpSpPr>
       <p:sp>
         <p:nvSpPr>
-          <p:cNvPr id="85" name="Shape 85"/>
-          <p:cNvSpPr txBox="1"/>
-          <p:nvPr>
-            <p:ph type="title"/>
-          </p:nvPr>
-        </p:nvSpPr>
-        <p:spPr>
-          <a:xfrm>
-            <a:off x="311700" y="274721"/>
-            <a:ext cx="8520599" cy="6196199"/>
+          <p:cNvPr id="82" name="Shape 82"/>
+          <p:cNvSpPr txBox="1"/>
+          <p:nvPr>
+            <p:ph idx="12" type="sldNum"/>
+          </p:nvPr>
+        </p:nvSpPr>
+        <p:spPr>
+          <a:xfrm>
+            <a:off x="8472457" y="8290163"/>
+            <a:ext cx="548699" cy="699599"/>
           </a:xfrm>
           <a:prstGeom prst="rect">
             <a:avLst/>
@@ -10056,19 +10637,89 @@
               </a:spcBef>
               <a:buNone/>
             </a:pPr>
-            <a:r>
-              <a:rPr lang="ca" sz="6000"/>
+            <a:fld id="{00000000-1234-1234-1234-123412341234}" type="slidenum">
+              <a:rPr lang="ca"/>
+              <a:t>‹#›</a:t>
+            </a:fld>
+          </a:p>
+        </p:txBody>
+      </p:sp>
+      <p:sp>
+        <p:nvSpPr>
+          <p:cNvPr id="83" name="Shape 83"/>
+          <p:cNvSpPr txBox="1"/>
+          <p:nvPr>
+            <p:ph type="title"/>
+          </p:nvPr>
+        </p:nvSpPr>
+        <p:spPr>
+          <a:xfrm>
+            <a:off x="311650" y="123291"/>
+            <a:ext cx="8520599" cy="763500"/>
+          </a:xfrm>
+          <a:prstGeom prst="rect">
+            <a:avLst/>
+          </a:prstGeom>
+        </p:spPr>
+        <p:txBody>
+          <a:bodyPr anchorCtr="0" anchor="t" bIns="91425" lIns="91425" rIns="91425" tIns="91425">
+            <a:noAutofit/>
+          </a:bodyPr>
+          <a:lstStyle/>
+          <a:p>
+            <a:pPr lvl="0" rtl="0">
+              <a:spcBef>
+                <a:spcPts val="0"/>
+              </a:spcBef>
+              <a:buClr>
+                <a:schemeClr val="dk1"/>
+              </a:buClr>
+              <a:buSzPct val="30555"/>
+              <a:buFont typeface="Arial"/>
+              <a:buNone/>
+            </a:pPr>
+            <a:r>
+              <a:rPr lang="ca"/>
               <a:t>Control de versions, que aporta?</a:t>
             </a:r>
           </a:p>
-        </p:txBody>
-      </p:sp>
-      <p:sp>
-        <p:nvSpPr>
-          <p:cNvPr id="86" name="Shape 86"/>
-          <p:cNvSpPr txBox="1"/>
-          <p:nvPr>
-            <p:ph idx="12" type="sldNum"/>
+          <a:p>
+            <a:pPr lvl="0" rtl="0">
+              <a:spcBef>
+                <a:spcPts val="0"/>
+              </a:spcBef>
+              <a:buClr>
+                <a:schemeClr val="dk1"/>
+              </a:buClr>
+              <a:buSzPct val="30555"/>
+              <a:buFont typeface="Arial"/>
+              <a:buNone/>
+            </a:pPr>
+            <a:r>
+              <a:t/>
+            </a:r>
+            <a:endParaRPr/>
+          </a:p>
+          <a:p>
+            <a:pPr lvl="0" rtl="0">
+              <a:spcBef>
+                <a:spcPts val="0"/>
+              </a:spcBef>
+              <a:buNone/>
+            </a:pPr>
+            <a:r>
+              <a:t/>
+            </a:r>
+            <a:endParaRPr/>
+          </a:p>
+        </p:txBody>
+      </p:sp>
+      <p:sp>
+        <p:nvSpPr>
+          <p:cNvPr id="84" name="Shape 84"/>
+          <p:cNvSpPr txBox="1"/>
+          <p:nvPr>
+            <p:ph idx="2" type="sldNum"/>
           </p:nvPr>
         </p:nvSpPr>
         <p:spPr>
@@ -10086,23 +10737,159 @@
           </a:bodyPr>
           <a:lstStyle/>
           <a:p>
-            <a:pPr lvl="0">
+            <a:pPr lvl="0" rtl="0">
               <a:spcBef>
                 <a:spcPts val="0"/>
               </a:spcBef>
               <a:buNone/>
             </a:pPr>
             <a:fld id="{00000000-1234-1234-1234-123412341234}" type="slidenum">
-              <a:rPr lang="ca">
-                <a:solidFill>
-                  <a:schemeClr val="lt1"/>
-                </a:solidFill>
-              </a:rPr>
+              <a:rPr lang="ca"/>
               <a:t>‹#›</a:t>
             </a:fld>
           </a:p>
         </p:txBody>
       </p:sp>
+      <p:pic>
+        <p:nvPicPr>
+          <p:cNvPr id="85" name="Shape 85"/>
+          <p:cNvPicPr preferRelativeResize="0"/>
+          <p:nvPr/>
+        </p:nvPicPr>
+        <p:blipFill>
+          <a:blip r:embed="rId3">
+            <a:alphaModFix/>
+          </a:blip>
+          <a:stretch>
+            <a:fillRect/>
+          </a:stretch>
+        </p:blipFill>
+        <p:spPr>
+          <a:xfrm>
+            <a:off x="5482139" y="2324275"/>
+            <a:ext cx="2129749" cy="2129775"/>
+          </a:xfrm>
+          <a:prstGeom prst="rect">
+            <a:avLst/>
+          </a:prstGeom>
+          <a:noFill/>
+          <a:ln>
+            <a:noFill/>
+          </a:ln>
+        </p:spPr>
+      </p:pic>
+      <p:sp>
+        <p:nvSpPr>
+          <p:cNvPr id="86" name="Shape 86"/>
+          <p:cNvSpPr txBox="1"/>
+          <p:nvPr>
+            <p:ph idx="1" type="body"/>
+          </p:nvPr>
+        </p:nvSpPr>
+        <p:spPr>
+          <a:xfrm>
+            <a:off x="1427462" y="4663300"/>
+            <a:ext cx="2207699" cy="699599"/>
+          </a:xfrm>
+          <a:prstGeom prst="rect">
+            <a:avLst/>
+          </a:prstGeom>
+        </p:spPr>
+        <p:txBody>
+          <a:bodyPr anchorCtr="0" anchor="ctr" bIns="91425" lIns="91425" rIns="91425" tIns="91425">
+            <a:noAutofit/>
+          </a:bodyPr>
+          <a:lstStyle/>
+          <a:p>
+            <a:pPr lvl="0" rtl="0" algn="ctr">
+              <a:lnSpc>
+                <a:spcPct val="100000"/>
+              </a:lnSpc>
+              <a:spcBef>
+                <a:spcPts val="0"/>
+              </a:spcBef>
+              <a:spcAft>
+                <a:spcPts val="0"/>
+              </a:spcAft>
+              <a:buNone/>
+            </a:pPr>
+            <a:r>
+              <a:rPr lang="ca"/>
+              <a:t>Còpia de seguretat</a:t>
+            </a:r>
+          </a:p>
+        </p:txBody>
+      </p:sp>
+      <p:sp>
+        <p:nvSpPr>
+          <p:cNvPr id="87" name="Shape 87"/>
+          <p:cNvSpPr txBox="1"/>
+          <p:nvPr>
+            <p:ph idx="1" type="body"/>
+          </p:nvPr>
+        </p:nvSpPr>
+        <p:spPr>
+          <a:xfrm>
+            <a:off x="5422777" y="4752700"/>
+            <a:ext cx="2248499" cy="763500"/>
+          </a:xfrm>
+          <a:prstGeom prst="rect">
+            <a:avLst/>
+          </a:prstGeom>
+        </p:spPr>
+        <p:txBody>
+          <a:bodyPr anchorCtr="0" anchor="ctr" bIns="91425" lIns="91425" rIns="91425" tIns="91425">
+            <a:noAutofit/>
+          </a:bodyPr>
+          <a:lstStyle/>
+          <a:p>
+            <a:pPr lvl="0" rtl="0" algn="ctr">
+              <a:lnSpc>
+                <a:spcPct val="100000"/>
+              </a:lnSpc>
+              <a:spcBef>
+                <a:spcPts val="0"/>
+              </a:spcBef>
+              <a:spcAft>
+                <a:spcPts val="0"/>
+              </a:spcAft>
+              <a:buNone/>
+            </a:pPr>
+            <a:r>
+              <a:rPr lang="ca"/>
+              <a:t>Treball en equip</a:t>
+            </a:r>
+          </a:p>
+        </p:txBody>
+      </p:sp>
+      <p:pic>
+        <p:nvPicPr>
+          <p:cNvPr id="88" name="Shape 88"/>
+          <p:cNvPicPr preferRelativeResize="0"/>
+          <p:nvPr/>
+        </p:nvPicPr>
+        <p:blipFill>
+          <a:blip r:embed="rId4">
+            <a:alphaModFix/>
+          </a:blip>
+          <a:stretch>
+            <a:fillRect/>
+          </a:stretch>
+        </p:blipFill>
+        <p:spPr>
+          <a:xfrm>
+            <a:off x="1532100" y="2128037"/>
+            <a:ext cx="1998449" cy="2207087"/>
+          </a:xfrm>
+          <a:prstGeom prst="rect">
+            <a:avLst/>
+          </a:prstGeom>
+          <a:noFill/>
+          <a:ln>
+            <a:noFill/>
+          </a:ln>
+        </p:spPr>
+      </p:pic>
     </p:spTree>
   </p:cSld>
   <p:clrMapOvr>
@@ -10119,7 +10906,7 @@
   <p:cSld>
     <p:spTree>
       <p:nvGrpSpPr>
-        <p:cNvPr id="90" name="Shape 90"/>
+        <p:cNvPr id="92" name="Shape 92"/>
         <p:cNvGrpSpPr/>
         <p:nvPr/>
       </p:nvGrpSpPr>
@@ -10133,7 +10920,7 @@
       </p:grpSpPr>
       <p:sp>
         <p:nvSpPr>
-          <p:cNvPr id="91" name="Shape 91"/>
+          <p:cNvPr id="93" name="Shape 93"/>
           <p:cNvSpPr txBox="1"/>
           <p:nvPr>
             <p:ph idx="12" type="sldNum"/>
@@ -10169,7 +10956,7 @@
       </p:sp>
       <p:sp>
         <p:nvSpPr>
-          <p:cNvPr id="92" name="Shape 92"/>
+          <p:cNvPr id="94" name="Shape 94"/>
           <p:cNvSpPr txBox="1"/>
           <p:nvPr>
             <p:ph type="title"/>
@@ -10194,11 +10981,6 @@
               <a:spcBef>
                 <a:spcPts val="0"/>
               </a:spcBef>
-              <a:buClr>
-                <a:schemeClr val="dk1"/>
-              </a:buClr>
-              <a:buSzPct val="30555"/>
-              <a:buFont typeface="Arial"/>
               <a:buNone/>
             </a:pPr>
             <a:r>
@@ -10211,11 +10993,6 @@
               <a:spcBef>
                 <a:spcPts val="0"/>
               </a:spcBef>
-              <a:buClr>
-                <a:schemeClr val="dk1"/>
-              </a:buClr>
-              <a:buSzPct val="30555"/>
-              <a:buFont typeface="Arial"/>
               <a:buNone/>
             </a:pPr>
             <a:r>
@@ -10239,7 +11016,7 @@
       </p:sp>
       <p:sp>
         <p:nvSpPr>
-          <p:cNvPr id="93" name="Shape 93"/>
+          <p:cNvPr id="95" name="Shape 95"/>
           <p:cNvSpPr txBox="1"/>
           <p:nvPr>
             <p:ph idx="2" type="sldNum"/>
@@ -10275,7 +11052,7 @@
       </p:sp>
       <p:pic>
         <p:nvPicPr>
-          <p:cNvPr id="94" name="Shape 94"/>
+          <p:cNvPr id="96" name="Shape 96"/>
           <p:cNvPicPr preferRelativeResize="0"/>
           <p:nvPr/>
         </p:nvPicPr>
@@ -10289,8 +11066,8 @@
         </p:blipFill>
         <p:spPr>
           <a:xfrm>
-            <a:off x="5482139" y="2324275"/>
-            <a:ext cx="2129749" cy="2129775"/>
+            <a:off x="2732649" y="1707225"/>
+            <a:ext cx="1136878" cy="1136899"/>
           </a:xfrm>
           <a:prstGeom prst="rect">
             <a:avLst/>
@@ -10301,90 +11078,6 @@
           </a:ln>
         </p:spPr>
       </p:pic>
-      <p:sp>
-        <p:nvSpPr>
-          <p:cNvPr id="95" name="Shape 95"/>
-          <p:cNvSpPr txBox="1"/>
-          <p:nvPr>
-            <p:ph idx="1" type="body"/>
-          </p:nvPr>
-        </p:nvSpPr>
-        <p:spPr>
-          <a:xfrm>
-            <a:off x="1427462" y="4663300"/>
-            <a:ext cx="2207699" cy="699599"/>
-          </a:xfrm>
-          <a:prstGeom prst="rect">
-            <a:avLst/>
-          </a:prstGeom>
-        </p:spPr>
-        <p:txBody>
-          <a:bodyPr anchorCtr="0" anchor="ctr" bIns="91425" lIns="91425" rIns="91425" tIns="91425">
-            <a:noAutofit/>
-          </a:bodyPr>
-          <a:lstStyle/>
-          <a:p>
-            <a:pPr lvl="0" rtl="0" algn="ctr">
-              <a:lnSpc>
-                <a:spcPct val="100000"/>
-              </a:lnSpc>
-              <a:spcBef>
-                <a:spcPts val="0"/>
-              </a:spcBef>
-              <a:spcAft>
-                <a:spcPts val="0"/>
-              </a:spcAft>
-              <a:buNone/>
-            </a:pPr>
-            <a:r>
-              <a:rPr lang="ca"/>
-              <a:t>Còpia de seguretat</a:t>
-            </a:r>
-          </a:p>
-        </p:txBody>
-      </p:sp>
-      <p:sp>
-        <p:nvSpPr>
-          <p:cNvPr id="96" name="Shape 96"/>
-          <p:cNvSpPr txBox="1"/>
-          <p:nvPr>
-            <p:ph idx="3" type="body"/>
-          </p:nvPr>
-        </p:nvSpPr>
-        <p:spPr>
-          <a:xfrm>
-            <a:off x="5422777" y="4752700"/>
-            <a:ext cx="2248499" cy="763500"/>
-          </a:xfrm>
-          <a:prstGeom prst="rect">
-            <a:avLst/>
-          </a:prstGeom>
-        </p:spPr>
-        <p:txBody>
-          <a:bodyPr anchorCtr="0" anchor="ctr" bIns="91425" lIns="91425" rIns="91425" tIns="91425">
-            <a:noAutofit/>
-          </a:bodyPr>
-          <a:lstStyle/>
-          <a:p>
-            <a:pPr lvl="0" rtl="0" algn="ctr">
-              <a:lnSpc>
-                <a:spcPct val="100000"/>
-              </a:lnSpc>
-              <a:spcBef>
-                <a:spcPts val="0"/>
-              </a:spcBef>
-              <a:spcAft>
-                <a:spcPts val="0"/>
-              </a:spcAft>
-              <a:buNone/>
-            </a:pPr>
-            <a:r>
-              <a:rPr lang="ca"/>
-              <a:t>Treball en equip</a:t>
-            </a:r>
-          </a:p>
-        </p:txBody>
-      </p:sp>
       <p:pic>
         <p:nvPicPr>
           <p:cNvPr id="97" name="Shape 97"/>
@@ -10401,8 +11094,454 @@
         </p:blipFill>
         <p:spPr>
           <a:xfrm>
-            <a:off x="1532100" y="2128037"/>
-            <a:ext cx="1998449" cy="2207087"/>
+            <a:off x="5033308" y="1819224"/>
+            <a:ext cx="1177942" cy="912900"/>
+          </a:xfrm>
+          <a:prstGeom prst="rect">
+            <a:avLst/>
+          </a:prstGeom>
+          <a:noFill/>
+          <a:ln>
+            <a:noFill/>
+          </a:ln>
+        </p:spPr>
+      </p:pic>
+      <p:pic>
+        <p:nvPicPr>
+          <p:cNvPr id="98" name="Shape 98"/>
+          <p:cNvPicPr preferRelativeResize="0"/>
+          <p:nvPr/>
+        </p:nvPicPr>
+        <p:blipFill>
+          <a:blip r:embed="rId5">
+            <a:alphaModFix/>
+          </a:blip>
+          <a:stretch>
+            <a:fillRect/>
+          </a:stretch>
+        </p:blipFill>
+        <p:spPr>
+          <a:xfrm>
+            <a:off x="6368012" y="4518812"/>
+            <a:ext cx="1825875" cy="912924"/>
+          </a:xfrm>
+          <a:prstGeom prst="rect">
+            <a:avLst/>
+          </a:prstGeom>
+          <a:noFill/>
+          <a:ln>
+            <a:noFill/>
+          </a:ln>
+        </p:spPr>
+      </p:pic>
+      <p:pic>
+        <p:nvPicPr>
+          <p:cNvPr id="99" name="Shape 99"/>
+          <p:cNvPicPr preferRelativeResize="0"/>
+          <p:nvPr/>
+        </p:nvPicPr>
+        <p:blipFill>
+          <a:blip r:embed="rId6">
+            <a:alphaModFix/>
+          </a:blip>
+          <a:stretch>
+            <a:fillRect/>
+          </a:stretch>
+        </p:blipFill>
+        <p:spPr>
+          <a:xfrm>
+            <a:off x="1330575" y="4462137"/>
+            <a:ext cx="1385437" cy="1026250"/>
+          </a:xfrm>
+          <a:prstGeom prst="rect">
+            <a:avLst/>
+          </a:prstGeom>
+          <a:noFill/>
+          <a:ln>
+            <a:noFill/>
+          </a:ln>
+        </p:spPr>
+      </p:pic>
+      <p:pic>
+        <p:nvPicPr>
+          <p:cNvPr id="100" name="Shape 100"/>
+          <p:cNvPicPr preferRelativeResize="0"/>
+          <p:nvPr/>
+        </p:nvPicPr>
+        <p:blipFill>
+          <a:blip r:embed="rId7">
+            <a:alphaModFix/>
+          </a:blip>
+          <a:stretch>
+            <a:fillRect/>
+          </a:stretch>
+        </p:blipFill>
+        <p:spPr>
+          <a:xfrm>
+            <a:off x="6956825" y="1790200"/>
+            <a:ext cx="1752899" cy="970925"/>
+          </a:xfrm>
+          <a:prstGeom prst="rect">
+            <a:avLst/>
+          </a:prstGeom>
+          <a:noFill/>
+          <a:ln>
+            <a:noFill/>
+          </a:ln>
+        </p:spPr>
+      </p:pic>
+      <p:sp>
+        <p:nvSpPr>
+          <p:cNvPr id="101" name="Shape 101"/>
+          <p:cNvSpPr txBox="1"/>
+          <p:nvPr>
+            <p:ph idx="1" type="body"/>
+          </p:nvPr>
+        </p:nvSpPr>
+        <p:spPr>
+          <a:xfrm>
+            <a:off x="311650" y="3043650"/>
+            <a:ext cx="2207699" cy="699599"/>
+          </a:xfrm>
+          <a:prstGeom prst="rect">
+            <a:avLst/>
+          </a:prstGeom>
+        </p:spPr>
+        <p:txBody>
+          <a:bodyPr anchorCtr="0" anchor="ctr" bIns="91425" lIns="91425" rIns="91425" tIns="91425">
+            <a:noAutofit/>
+          </a:bodyPr>
+          <a:lstStyle/>
+          <a:p>
+            <a:pPr lvl="0" rtl="0" algn="ctr">
+              <a:lnSpc>
+                <a:spcPct val="100000"/>
+              </a:lnSpc>
+              <a:spcBef>
+                <a:spcPts val="0"/>
+              </a:spcBef>
+              <a:spcAft>
+                <a:spcPts val="0"/>
+              </a:spcAft>
+              <a:buNone/>
+            </a:pPr>
+            <a:r>
+              <a:rPr lang="ca"/>
+              <a:t>Còpia de seguretat</a:t>
+            </a:r>
+          </a:p>
+        </p:txBody>
+      </p:sp>
+      <p:sp>
+        <p:nvSpPr>
+          <p:cNvPr id="102" name="Shape 102"/>
+          <p:cNvSpPr txBox="1"/>
+          <p:nvPr>
+            <p:ph idx="1" type="body"/>
+          </p:nvPr>
+        </p:nvSpPr>
+        <p:spPr>
+          <a:xfrm>
+            <a:off x="2467925" y="3035725"/>
+            <a:ext cx="1886699" cy="763500"/>
+          </a:xfrm>
+          <a:prstGeom prst="rect">
+            <a:avLst/>
+          </a:prstGeom>
+        </p:spPr>
+        <p:txBody>
+          <a:bodyPr anchorCtr="0" anchor="ctr" bIns="91425" lIns="91425" rIns="91425" tIns="91425">
+            <a:noAutofit/>
+          </a:bodyPr>
+          <a:lstStyle/>
+          <a:p>
+            <a:pPr lvl="0" rtl="0" algn="ctr">
+              <a:lnSpc>
+                <a:spcPct val="100000"/>
+              </a:lnSpc>
+              <a:spcBef>
+                <a:spcPts val="0"/>
+              </a:spcBef>
+              <a:spcAft>
+                <a:spcPts val="0"/>
+              </a:spcAft>
+              <a:buNone/>
+            </a:pPr>
+            <a:r>
+              <a:rPr lang="ca"/>
+              <a:t>Treball en equip</a:t>
+            </a:r>
+          </a:p>
+        </p:txBody>
+      </p:sp>
+      <p:sp>
+        <p:nvSpPr>
+          <p:cNvPr id="103" name="Shape 103"/>
+          <p:cNvSpPr txBox="1"/>
+          <p:nvPr>
+            <p:ph idx="1" type="body"/>
+          </p:nvPr>
+        </p:nvSpPr>
+        <p:spPr>
+          <a:xfrm>
+            <a:off x="4540775" y="3047250"/>
+            <a:ext cx="2163000" cy="763500"/>
+          </a:xfrm>
+          <a:prstGeom prst="rect">
+            <a:avLst/>
+          </a:prstGeom>
+        </p:spPr>
+        <p:txBody>
+          <a:bodyPr anchorCtr="0" anchor="ctr" bIns="91425" lIns="91425" rIns="91425" tIns="91425">
+            <a:noAutofit/>
+          </a:bodyPr>
+          <a:lstStyle/>
+          <a:p>
+            <a:pPr lvl="0" rtl="0" algn="ctr">
+              <a:lnSpc>
+                <a:spcPct val="100000"/>
+              </a:lnSpc>
+              <a:spcBef>
+                <a:spcPts val="0"/>
+              </a:spcBef>
+              <a:spcAft>
+                <a:spcPts val="0"/>
+              </a:spcAft>
+              <a:buNone/>
+            </a:pPr>
+            <a:r>
+              <a:rPr lang="ca"/>
+              <a:t>Desfer (curt/</a:t>
+            </a:r>
+            <a:r>
+              <a:rPr lang="ca">
+                <a:solidFill>
+                  <a:schemeClr val="dk1"/>
+                </a:solidFill>
+              </a:rPr>
+              <a:t>llarg</a:t>
+            </a:r>
+            <a:r>
+              <a:rPr lang="ca"/>
+              <a:t> termini)</a:t>
+            </a:r>
+          </a:p>
+        </p:txBody>
+      </p:sp>
+      <p:sp>
+        <p:nvSpPr>
+          <p:cNvPr id="104" name="Shape 104"/>
+          <p:cNvSpPr txBox="1"/>
+          <p:nvPr>
+            <p:ph idx="1" type="body"/>
+          </p:nvPr>
+        </p:nvSpPr>
+        <p:spPr>
+          <a:xfrm>
+            <a:off x="6889925" y="3011700"/>
+            <a:ext cx="1886699" cy="763500"/>
+          </a:xfrm>
+          <a:prstGeom prst="rect">
+            <a:avLst/>
+          </a:prstGeom>
+        </p:spPr>
+        <p:txBody>
+          <a:bodyPr anchorCtr="0" anchor="ctr" bIns="91425" lIns="91425" rIns="91425" tIns="91425">
+            <a:noAutofit/>
+          </a:bodyPr>
+          <a:lstStyle/>
+          <a:p>
+            <a:pPr lvl="0" rtl="0" algn="ctr">
+              <a:lnSpc>
+                <a:spcPct val="100000"/>
+              </a:lnSpc>
+              <a:spcBef>
+                <a:spcPts val="0"/>
+              </a:spcBef>
+              <a:spcAft>
+                <a:spcPts val="0"/>
+              </a:spcAft>
+              <a:buNone/>
+            </a:pPr>
+            <a:r>
+              <a:rPr lang="ca"/>
+              <a:t>Control de Canvis</a:t>
+            </a:r>
+          </a:p>
+        </p:txBody>
+      </p:sp>
+      <p:sp>
+        <p:nvSpPr>
+          <p:cNvPr id="105" name="Shape 105"/>
+          <p:cNvSpPr txBox="1"/>
+          <p:nvPr>
+            <p:ph idx="1" type="body"/>
+          </p:nvPr>
+        </p:nvSpPr>
+        <p:spPr>
+          <a:xfrm>
+            <a:off x="927550" y="5541800"/>
+            <a:ext cx="1886699" cy="699599"/>
+          </a:xfrm>
+          <a:prstGeom prst="rect">
+            <a:avLst/>
+          </a:prstGeom>
+        </p:spPr>
+        <p:txBody>
+          <a:bodyPr anchorCtr="0" anchor="ctr" bIns="91425" lIns="91425" rIns="91425" tIns="91425">
+            <a:noAutofit/>
+          </a:bodyPr>
+          <a:lstStyle/>
+          <a:p>
+            <a:pPr lvl="0" rtl="0" algn="ctr">
+              <a:lnSpc>
+                <a:spcPct val="100000"/>
+              </a:lnSpc>
+              <a:spcBef>
+                <a:spcPts val="0"/>
+              </a:spcBef>
+              <a:spcAft>
+                <a:spcPts val="0"/>
+              </a:spcAft>
+              <a:buNone/>
+            </a:pPr>
+            <a:r>
+              <a:rPr lang="ca"/>
+              <a:t>Autoria</a:t>
+            </a:r>
+          </a:p>
+        </p:txBody>
+      </p:sp>
+      <p:sp>
+        <p:nvSpPr>
+          <p:cNvPr id="106" name="Shape 106"/>
+          <p:cNvSpPr txBox="1"/>
+          <p:nvPr>
+            <p:ph idx="1" type="body"/>
+          </p:nvPr>
+        </p:nvSpPr>
+        <p:spPr>
+          <a:xfrm>
+            <a:off x="6337600" y="5591450"/>
+            <a:ext cx="1886699" cy="699599"/>
+          </a:xfrm>
+          <a:prstGeom prst="rect">
+            <a:avLst/>
+          </a:prstGeom>
+        </p:spPr>
+        <p:txBody>
+          <a:bodyPr anchorCtr="0" anchor="ctr" bIns="91425" lIns="91425" rIns="91425" tIns="91425">
+            <a:noAutofit/>
+          </a:bodyPr>
+          <a:lstStyle/>
+          <a:p>
+            <a:pPr lvl="0" rtl="0" algn="ctr">
+              <a:lnSpc>
+                <a:spcPct val="100000"/>
+              </a:lnSpc>
+              <a:spcBef>
+                <a:spcPts val="0"/>
+              </a:spcBef>
+              <a:spcAft>
+                <a:spcPts val="0"/>
+              </a:spcAft>
+              <a:buNone/>
+            </a:pPr>
+            <a:r>
+              <a:rPr lang="ca"/>
+              <a:t>Branques</a:t>
+            </a:r>
+          </a:p>
+        </p:txBody>
+      </p:sp>
+      <p:pic>
+        <p:nvPicPr>
+          <p:cNvPr id="107" name="Shape 107"/>
+          <p:cNvPicPr preferRelativeResize="0"/>
+          <p:nvPr/>
+        </p:nvPicPr>
+        <p:blipFill>
+          <a:blip r:embed="rId8">
+            <a:alphaModFix/>
+          </a:blip>
+          <a:stretch>
+            <a:fillRect/>
+          </a:stretch>
+        </p:blipFill>
+        <p:spPr>
+          <a:xfrm>
+            <a:off x="4064375" y="4408724"/>
+            <a:ext cx="1136874" cy="1133076"/>
+          </a:xfrm>
+          <a:prstGeom prst="rect">
+            <a:avLst/>
+          </a:prstGeom>
+          <a:noFill/>
+          <a:ln>
+            <a:noFill/>
+          </a:ln>
+        </p:spPr>
+      </p:pic>
+      <p:sp>
+        <p:nvSpPr>
+          <p:cNvPr id="108" name="Shape 108"/>
+          <p:cNvSpPr txBox="1"/>
+          <p:nvPr>
+            <p:ph idx="1" type="body"/>
+          </p:nvPr>
+        </p:nvSpPr>
+        <p:spPr>
+          <a:xfrm>
+            <a:off x="3708762" y="5591450"/>
+            <a:ext cx="1886699" cy="699599"/>
+          </a:xfrm>
+          <a:prstGeom prst="rect">
+            <a:avLst/>
+          </a:prstGeom>
+        </p:spPr>
+        <p:txBody>
+          <a:bodyPr anchorCtr="0" anchor="ctr" bIns="91425" lIns="91425" rIns="91425" tIns="91425">
+            <a:noAutofit/>
+          </a:bodyPr>
+          <a:lstStyle/>
+          <a:p>
+            <a:pPr lvl="0" rtl="0" algn="ctr">
+              <a:lnSpc>
+                <a:spcPct val="100000"/>
+              </a:lnSpc>
+              <a:spcBef>
+                <a:spcPts val="0"/>
+              </a:spcBef>
+              <a:spcAft>
+                <a:spcPts val="0"/>
+              </a:spcAft>
+              <a:buNone/>
+            </a:pPr>
+            <a:r>
+              <a:rPr lang="ca"/>
+              <a:t>Assegurança personal</a:t>
+            </a:r>
+          </a:p>
+        </p:txBody>
+      </p:sp>
+      <p:pic>
+        <p:nvPicPr>
+          <p:cNvPr id="109" name="Shape 109"/>
+          <p:cNvPicPr preferRelativeResize="0"/>
+          <p:nvPr/>
+        </p:nvPicPr>
+        <p:blipFill>
+          <a:blip r:embed="rId9">
+            <a:alphaModFix/>
+          </a:blip>
+          <a:stretch>
+            <a:fillRect/>
+          </a:stretch>
+        </p:blipFill>
+        <p:spPr>
+          <a:xfrm>
+            <a:off x="919625" y="1728018"/>
+            <a:ext cx="991750" cy="1095296"/>
           </a:xfrm>
           <a:prstGeom prst="rect">
             <a:avLst/>
@@ -10429,7 +11568,7 @@
   <p:cSld>
     <p:spTree>
       <p:nvGrpSpPr>
-        <p:cNvPr id="101" name="Shape 101"/>
+        <p:cNvPr id="113" name="Shape 113"/>
         <p:cNvGrpSpPr/>
         <p:nvPr/>
       </p:nvGrpSpPr>
@@ -10443,16 +11582,16 @@
       </p:grpSpPr>
       <p:sp>
         <p:nvSpPr>
-          <p:cNvPr id="102" name="Shape 102"/>
-          <p:cNvSpPr txBox="1"/>
-          <p:nvPr>
-            <p:ph idx="12" type="sldNum"/>
-          </p:nvPr>
-        </p:nvSpPr>
-        <p:spPr>
-          <a:xfrm>
-            <a:off x="8472457" y="8290163"/>
-            <a:ext cx="548699" cy="699599"/>
+          <p:cNvPr id="114" name="Shape 114"/>
+          <p:cNvSpPr txBox="1"/>
+          <p:nvPr>
+            <p:ph type="title"/>
+          </p:nvPr>
+        </p:nvSpPr>
+        <p:spPr>
+          <a:xfrm>
+            <a:off x="311700" y="274721"/>
+            <a:ext cx="8520599" cy="6196199"/>
           </a:xfrm>
           <a:prstGeom prst="rect">
             <a:avLst/>
@@ -10470,79 +11609,19 @@
               </a:spcBef>
               <a:buNone/>
             </a:pPr>
-            <a:fld id="{00000000-1234-1234-1234-123412341234}" type="slidenum">
-              <a:rPr lang="ca"/>
-              <a:t>‹#›</a:t>
-            </a:fld>
-          </a:p>
-        </p:txBody>
-      </p:sp>
-      <p:sp>
-        <p:nvSpPr>
-          <p:cNvPr id="103" name="Shape 103"/>
-          <p:cNvSpPr txBox="1"/>
-          <p:nvPr>
-            <p:ph type="title"/>
-          </p:nvPr>
-        </p:nvSpPr>
-        <p:spPr>
-          <a:xfrm>
-            <a:off x="311650" y="123291"/>
-            <a:ext cx="8520599" cy="763500"/>
-          </a:xfrm>
-          <a:prstGeom prst="rect">
-            <a:avLst/>
-          </a:prstGeom>
-        </p:spPr>
-        <p:txBody>
-          <a:bodyPr anchorCtr="0" anchor="t" bIns="91425" lIns="91425" rIns="91425" tIns="91425">
-            <a:noAutofit/>
-          </a:bodyPr>
-          <a:lstStyle/>
-          <a:p>
-            <a:pPr lvl="0" rtl="0">
-              <a:spcBef>
-                <a:spcPts val="0"/>
-              </a:spcBef>
-              <a:buNone/>
-            </a:pPr>
-            <a:r>
-              <a:rPr lang="ca"/>
-              <a:t>Control de versions, que aporta?</a:t>
-            </a:r>
-          </a:p>
-          <a:p>
-            <a:pPr lvl="0" rtl="0">
-              <a:spcBef>
-                <a:spcPts val="0"/>
-              </a:spcBef>
-              <a:buNone/>
-            </a:pPr>
-            <a:r>
-              <a:t/>
-            </a:r>
-            <a:endParaRPr/>
-          </a:p>
-          <a:p>
-            <a:pPr lvl="0" rtl="0">
-              <a:spcBef>
-                <a:spcPts val="0"/>
-              </a:spcBef>
-              <a:buNone/>
-            </a:pPr>
-            <a:r>
-              <a:t/>
-            </a:r>
-            <a:endParaRPr/>
-          </a:p>
-        </p:txBody>
-      </p:sp>
-      <p:sp>
-        <p:nvSpPr>
-          <p:cNvPr id="104" name="Shape 104"/>
-          <p:cNvSpPr txBox="1"/>
-          <p:nvPr>
-            <p:ph idx="2" type="sldNum"/>
+            <a:r>
+              <a:rPr lang="ca" sz="6000"/>
+              <a:t>Per què git?</a:t>
+            </a:r>
+          </a:p>
+        </p:txBody>
+      </p:sp>
+      <p:sp>
+        <p:nvSpPr>
+          <p:cNvPr id="115" name="Shape 115"/>
+          <p:cNvSpPr txBox="1"/>
+          <p:nvPr>
+            <p:ph idx="12" type="sldNum"/>
           </p:nvPr>
         </p:nvSpPr>
         <p:spPr>
@@ -10567,514 +11646,16 @@
               <a:buNone/>
             </a:pPr>
             <a:fld id="{00000000-1234-1234-1234-123412341234}" type="slidenum">
-              <a:rPr lang="ca"/>
+              <a:rPr lang="ca">
+                <a:solidFill>
+                  <a:schemeClr val="lt1"/>
+                </a:solidFill>
+              </a:rPr>
               <a:t>‹#›</a:t>
             </a:fld>
           </a:p>
         </p:txBody>
       </p:sp>
-      <p:pic>
-        <p:nvPicPr>
-          <p:cNvPr id="105" name="Shape 105"/>
-          <p:cNvPicPr preferRelativeResize="0"/>
-          <p:nvPr/>
-        </p:nvPicPr>
-        <p:blipFill>
-          <a:blip r:embed="rId3">
-            <a:alphaModFix/>
-          </a:blip>
-          <a:stretch>
-            <a:fillRect/>
-          </a:stretch>
-        </p:blipFill>
-        <p:spPr>
-          <a:xfrm>
-            <a:off x="2732649" y="1707225"/>
-            <a:ext cx="1136878" cy="1136899"/>
-          </a:xfrm>
-          <a:prstGeom prst="rect">
-            <a:avLst/>
-          </a:prstGeom>
-          <a:noFill/>
-          <a:ln>
-            <a:noFill/>
-          </a:ln>
-        </p:spPr>
-      </p:pic>
-      <p:pic>
-        <p:nvPicPr>
-          <p:cNvPr id="106" name="Shape 106"/>
-          <p:cNvPicPr preferRelativeResize="0"/>
-          <p:nvPr/>
-        </p:nvPicPr>
-        <p:blipFill>
-          <a:blip r:embed="rId4">
-            <a:alphaModFix/>
-          </a:blip>
-          <a:stretch>
-            <a:fillRect/>
-          </a:stretch>
-        </p:blipFill>
-        <p:spPr>
-          <a:xfrm>
-            <a:off x="5033308" y="1819224"/>
-            <a:ext cx="1177942" cy="912900"/>
-          </a:xfrm>
-          <a:prstGeom prst="rect">
-            <a:avLst/>
-          </a:prstGeom>
-          <a:noFill/>
-          <a:ln>
-            <a:noFill/>
-          </a:ln>
-        </p:spPr>
-      </p:pic>
-      <p:pic>
-        <p:nvPicPr>
-          <p:cNvPr id="107" name="Shape 107"/>
-          <p:cNvPicPr preferRelativeResize="0"/>
-          <p:nvPr/>
-        </p:nvPicPr>
-        <p:blipFill>
-          <a:blip r:embed="rId5">
-            <a:alphaModFix/>
-          </a:blip>
-          <a:stretch>
-            <a:fillRect/>
-          </a:stretch>
-        </p:blipFill>
-        <p:spPr>
-          <a:xfrm>
-            <a:off x="6368012" y="4518812"/>
-            <a:ext cx="1825875" cy="912924"/>
-          </a:xfrm>
-          <a:prstGeom prst="rect">
-            <a:avLst/>
-          </a:prstGeom>
-          <a:noFill/>
-          <a:ln>
-            <a:noFill/>
-          </a:ln>
-        </p:spPr>
-      </p:pic>
-      <p:pic>
-        <p:nvPicPr>
-          <p:cNvPr id="108" name="Shape 108"/>
-          <p:cNvPicPr preferRelativeResize="0"/>
-          <p:nvPr/>
-        </p:nvPicPr>
-        <p:blipFill>
-          <a:blip r:embed="rId6">
-            <a:alphaModFix/>
-          </a:blip>
-          <a:stretch>
-            <a:fillRect/>
-          </a:stretch>
-        </p:blipFill>
-        <p:spPr>
-          <a:xfrm>
-            <a:off x="1330575" y="4462137"/>
-            <a:ext cx="1385437" cy="1026250"/>
-          </a:xfrm>
-          <a:prstGeom prst="rect">
-            <a:avLst/>
-          </a:prstGeom>
-          <a:noFill/>
-          <a:ln>
-            <a:noFill/>
-          </a:ln>
-        </p:spPr>
-      </p:pic>
-      <p:pic>
-        <p:nvPicPr>
-          <p:cNvPr id="109" name="Shape 109"/>
-          <p:cNvPicPr preferRelativeResize="0"/>
-          <p:nvPr/>
-        </p:nvPicPr>
-        <p:blipFill>
-          <a:blip r:embed="rId7">
-            <a:alphaModFix/>
-          </a:blip>
-          <a:stretch>
-            <a:fillRect/>
-          </a:stretch>
-        </p:blipFill>
-        <p:spPr>
-          <a:xfrm>
-            <a:off x="6956825" y="1790200"/>
-            <a:ext cx="1752899" cy="970925"/>
-          </a:xfrm>
-          <a:prstGeom prst="rect">
-            <a:avLst/>
-          </a:prstGeom>
-          <a:noFill/>
-          <a:ln>
-            <a:noFill/>
-          </a:ln>
-        </p:spPr>
-      </p:pic>
-      <p:sp>
-        <p:nvSpPr>
-          <p:cNvPr id="110" name="Shape 110"/>
-          <p:cNvSpPr txBox="1"/>
-          <p:nvPr>
-            <p:ph idx="1" type="body"/>
-          </p:nvPr>
-        </p:nvSpPr>
-        <p:spPr>
-          <a:xfrm>
-            <a:off x="311650" y="3043650"/>
-            <a:ext cx="2207699" cy="699599"/>
-          </a:xfrm>
-          <a:prstGeom prst="rect">
-            <a:avLst/>
-          </a:prstGeom>
-        </p:spPr>
-        <p:txBody>
-          <a:bodyPr anchorCtr="0" anchor="ctr" bIns="91425" lIns="91425" rIns="91425" tIns="91425">
-            <a:noAutofit/>
-          </a:bodyPr>
-          <a:lstStyle/>
-          <a:p>
-            <a:pPr lvl="0" rtl="0" algn="ctr">
-              <a:lnSpc>
-                <a:spcPct val="100000"/>
-              </a:lnSpc>
-              <a:spcBef>
-                <a:spcPts val="0"/>
-              </a:spcBef>
-              <a:spcAft>
-                <a:spcPts val="0"/>
-              </a:spcAft>
-              <a:buNone/>
-            </a:pPr>
-            <a:r>
-              <a:rPr lang="ca"/>
-              <a:t>Còpia de seguretat</a:t>
-            </a:r>
-          </a:p>
-        </p:txBody>
-      </p:sp>
-      <p:sp>
-        <p:nvSpPr>
-          <p:cNvPr id="111" name="Shape 111"/>
-          <p:cNvSpPr txBox="1"/>
-          <p:nvPr>
-            <p:ph idx="3" type="body"/>
-          </p:nvPr>
-        </p:nvSpPr>
-        <p:spPr>
-          <a:xfrm>
-            <a:off x="2467925" y="3035725"/>
-            <a:ext cx="1886699" cy="763500"/>
-          </a:xfrm>
-          <a:prstGeom prst="rect">
-            <a:avLst/>
-          </a:prstGeom>
-        </p:spPr>
-        <p:txBody>
-          <a:bodyPr anchorCtr="0" anchor="ctr" bIns="91425" lIns="91425" rIns="91425" tIns="91425">
-            <a:noAutofit/>
-          </a:bodyPr>
-          <a:lstStyle/>
-          <a:p>
-            <a:pPr lvl="0" rtl="0" algn="ctr">
-              <a:lnSpc>
-                <a:spcPct val="100000"/>
-              </a:lnSpc>
-              <a:spcBef>
-                <a:spcPts val="0"/>
-              </a:spcBef>
-              <a:spcAft>
-                <a:spcPts val="0"/>
-              </a:spcAft>
-              <a:buNone/>
-            </a:pPr>
-            <a:r>
-              <a:rPr lang="ca"/>
-              <a:t>Treball en equip</a:t>
-            </a:r>
-          </a:p>
-        </p:txBody>
-      </p:sp>
-      <p:sp>
-        <p:nvSpPr>
-          <p:cNvPr id="112" name="Shape 112"/>
-          <p:cNvSpPr txBox="1"/>
-          <p:nvPr>
-            <p:ph idx="4" type="body"/>
-          </p:nvPr>
-        </p:nvSpPr>
-        <p:spPr>
-          <a:xfrm>
-            <a:off x="4540775" y="3047250"/>
-            <a:ext cx="2163000" cy="763500"/>
-          </a:xfrm>
-          <a:prstGeom prst="rect">
-            <a:avLst/>
-          </a:prstGeom>
-        </p:spPr>
-        <p:txBody>
-          <a:bodyPr anchorCtr="0" anchor="ctr" bIns="91425" lIns="91425" rIns="91425" tIns="91425">
-            <a:noAutofit/>
-          </a:bodyPr>
-          <a:lstStyle/>
-          <a:p>
-            <a:pPr lvl="0" rtl="0" algn="ctr">
-              <a:lnSpc>
-                <a:spcPct val="100000"/>
-              </a:lnSpc>
-              <a:spcBef>
-                <a:spcPts val="0"/>
-              </a:spcBef>
-              <a:spcAft>
-                <a:spcPts val="0"/>
-              </a:spcAft>
-              <a:buNone/>
-            </a:pPr>
-            <a:r>
-              <a:rPr lang="ca"/>
-              <a:t>Desfer (curt/</a:t>
-            </a:r>
-            <a:r>
-              <a:rPr lang="ca">
-                <a:solidFill>
-                  <a:schemeClr val="dk1"/>
-                </a:solidFill>
-              </a:rPr>
-              <a:t>llarg</a:t>
-            </a:r>
-            <a:r>
-              <a:rPr lang="ca"/>
-              <a:t> termini)</a:t>
-            </a:r>
-          </a:p>
-        </p:txBody>
-      </p:sp>
-      <p:sp>
-        <p:nvSpPr>
-          <p:cNvPr id="113" name="Shape 113"/>
-          <p:cNvSpPr txBox="1"/>
-          <p:nvPr>
-            <p:ph idx="5" type="body"/>
-          </p:nvPr>
-        </p:nvSpPr>
-        <p:spPr>
-          <a:xfrm>
-            <a:off x="6889925" y="3011700"/>
-            <a:ext cx="1886699" cy="763500"/>
-          </a:xfrm>
-          <a:prstGeom prst="rect">
-            <a:avLst/>
-          </a:prstGeom>
-        </p:spPr>
-        <p:txBody>
-          <a:bodyPr anchorCtr="0" anchor="ctr" bIns="91425" lIns="91425" rIns="91425" tIns="91425">
-            <a:noAutofit/>
-          </a:bodyPr>
-          <a:lstStyle/>
-          <a:p>
-            <a:pPr lvl="0" rtl="0" algn="ctr">
-              <a:lnSpc>
-                <a:spcPct val="100000"/>
-              </a:lnSpc>
-              <a:spcBef>
-                <a:spcPts val="0"/>
-              </a:spcBef>
-              <a:spcAft>
-                <a:spcPts val="0"/>
-              </a:spcAft>
-              <a:buNone/>
-            </a:pPr>
-            <a:r>
-              <a:rPr lang="ca"/>
-              <a:t>Canvis</a:t>
-            </a:r>
-          </a:p>
-        </p:txBody>
-      </p:sp>
-      <p:sp>
-        <p:nvSpPr>
-          <p:cNvPr id="114" name="Shape 114"/>
-          <p:cNvSpPr txBox="1"/>
-          <p:nvPr>
-            <p:ph idx="6" type="body"/>
-          </p:nvPr>
-        </p:nvSpPr>
-        <p:spPr>
-          <a:xfrm>
-            <a:off x="927550" y="5541800"/>
-            <a:ext cx="1886699" cy="699599"/>
-          </a:xfrm>
-          <a:prstGeom prst="rect">
-            <a:avLst/>
-          </a:prstGeom>
-        </p:spPr>
-        <p:txBody>
-          <a:bodyPr anchorCtr="0" anchor="ctr" bIns="91425" lIns="91425" rIns="91425" tIns="91425">
-            <a:noAutofit/>
-          </a:bodyPr>
-          <a:lstStyle/>
-          <a:p>
-            <a:pPr lvl="0" rtl="0" algn="ctr">
-              <a:lnSpc>
-                <a:spcPct val="100000"/>
-              </a:lnSpc>
-              <a:spcBef>
-                <a:spcPts val="0"/>
-              </a:spcBef>
-              <a:spcAft>
-                <a:spcPts val="0"/>
-              </a:spcAft>
-              <a:buNone/>
-            </a:pPr>
-            <a:r>
-              <a:rPr lang="ca"/>
-              <a:t>Autoria</a:t>
-            </a:r>
-          </a:p>
-        </p:txBody>
-      </p:sp>
-      <p:sp>
-        <p:nvSpPr>
-          <p:cNvPr id="115" name="Shape 115"/>
-          <p:cNvSpPr txBox="1"/>
-          <p:nvPr>
-            <p:ph idx="7" type="body"/>
-          </p:nvPr>
-        </p:nvSpPr>
-        <p:spPr>
-          <a:xfrm>
-            <a:off x="6337600" y="5591450"/>
-            <a:ext cx="1886699" cy="699599"/>
-          </a:xfrm>
-          <a:prstGeom prst="rect">
-            <a:avLst/>
-          </a:prstGeom>
-        </p:spPr>
-        <p:txBody>
-          <a:bodyPr anchorCtr="0" anchor="ctr" bIns="91425" lIns="91425" rIns="91425" tIns="91425">
-            <a:noAutofit/>
-          </a:bodyPr>
-          <a:lstStyle/>
-          <a:p>
-            <a:pPr lvl="0" rtl="0" algn="ctr">
-              <a:lnSpc>
-                <a:spcPct val="100000"/>
-              </a:lnSpc>
-              <a:spcBef>
-                <a:spcPts val="0"/>
-              </a:spcBef>
-              <a:spcAft>
-                <a:spcPts val="0"/>
-              </a:spcAft>
-              <a:buNone/>
-            </a:pPr>
-            <a:r>
-              <a:rPr lang="ca"/>
-              <a:t>Branques</a:t>
-            </a:r>
-          </a:p>
-        </p:txBody>
-      </p:sp>
-      <p:pic>
-        <p:nvPicPr>
-          <p:cNvPr id="116" name="Shape 116"/>
-          <p:cNvPicPr preferRelativeResize="0"/>
-          <p:nvPr/>
-        </p:nvPicPr>
-        <p:blipFill>
-          <a:blip r:embed="rId8">
-            <a:alphaModFix/>
-          </a:blip>
-          <a:stretch>
-            <a:fillRect/>
-          </a:stretch>
-        </p:blipFill>
-        <p:spPr>
-          <a:xfrm>
-            <a:off x="4064375" y="4408724"/>
-            <a:ext cx="1136874" cy="1133076"/>
-          </a:xfrm>
-          <a:prstGeom prst="rect">
-            <a:avLst/>
-          </a:prstGeom>
-          <a:noFill/>
-          <a:ln>
-            <a:noFill/>
-          </a:ln>
-        </p:spPr>
-      </p:pic>
-      <p:sp>
-        <p:nvSpPr>
-          <p:cNvPr id="117" name="Shape 117"/>
-          <p:cNvSpPr txBox="1"/>
-          <p:nvPr>
-            <p:ph idx="8" type="body"/>
-          </p:nvPr>
-        </p:nvSpPr>
-        <p:spPr>
-          <a:xfrm>
-            <a:off x="3708762" y="5591450"/>
-            <a:ext cx="1886699" cy="699599"/>
-          </a:xfrm>
-          <a:prstGeom prst="rect">
-            <a:avLst/>
-          </a:prstGeom>
-        </p:spPr>
-        <p:txBody>
-          <a:bodyPr anchorCtr="0" anchor="ctr" bIns="91425" lIns="91425" rIns="91425" tIns="91425">
-            <a:noAutofit/>
-          </a:bodyPr>
-          <a:lstStyle/>
-          <a:p>
-            <a:pPr lvl="0" rtl="0" algn="ctr">
-              <a:lnSpc>
-                <a:spcPct val="100000"/>
-              </a:lnSpc>
-              <a:spcBef>
-                <a:spcPts val="0"/>
-              </a:spcBef>
-              <a:spcAft>
-                <a:spcPts val="0"/>
-              </a:spcAft>
-              <a:buNone/>
-            </a:pPr>
-            <a:r>
-              <a:rPr lang="ca"/>
-              <a:t>Assegurança personal</a:t>
-            </a:r>
-          </a:p>
-        </p:txBody>
-      </p:sp>
-      <p:pic>
-        <p:nvPicPr>
-          <p:cNvPr id="118" name="Shape 118"/>
-          <p:cNvPicPr preferRelativeResize="0"/>
-          <p:nvPr/>
-        </p:nvPicPr>
-        <p:blipFill>
-          <a:blip r:embed="rId9">
-            <a:alphaModFix/>
-          </a:blip>
-          <a:stretch>
-            <a:fillRect/>
-          </a:stretch>
-        </p:blipFill>
-        <p:spPr>
-          <a:xfrm>
-            <a:off x="919625" y="1728018"/>
-            <a:ext cx="991750" cy="1095296"/>
-          </a:xfrm>
-          <a:prstGeom prst="rect">
-            <a:avLst/>
-          </a:prstGeom>
-          <a:noFill/>
-          <a:ln>
-            <a:noFill/>
-          </a:ln>
-        </p:spPr>
-      </p:pic>
     </p:spTree>
   </p:cSld>
   <p:clrMapOvr>
@@ -11091,7 +11672,7 @@
   <p:cSld>
     <p:spTree>
       <p:nvGrpSpPr>
-        <p:cNvPr id="122" name="Shape 122"/>
+        <p:cNvPr id="119" name="Shape 119"/>
         <p:cNvGrpSpPr/>
         <p:nvPr/>
       </p:nvGrpSpPr>
@@ -11105,16 +11686,16 @@
       </p:grpSpPr>
       <p:sp>
         <p:nvSpPr>
-          <p:cNvPr id="123" name="Shape 123"/>
-          <p:cNvSpPr txBox="1"/>
-          <p:nvPr>
-            <p:ph type="title"/>
-          </p:nvPr>
-        </p:nvSpPr>
-        <p:spPr>
-          <a:xfrm>
-            <a:off x="311700" y="274721"/>
-            <a:ext cx="8520599" cy="6196199"/>
+          <p:cNvPr id="120" name="Shape 120"/>
+          <p:cNvSpPr txBox="1"/>
+          <p:nvPr>
+            <p:ph idx="12" type="sldNum"/>
+          </p:nvPr>
+        </p:nvSpPr>
+        <p:spPr>
+          <a:xfrm>
+            <a:off x="8472457" y="8290163"/>
+            <a:ext cx="548699" cy="699599"/>
           </a:xfrm>
           <a:prstGeom prst="rect">
             <a:avLst/>
@@ -11132,19 +11713,79 @@
               </a:spcBef>
               <a:buNone/>
             </a:pPr>
-            <a:r>
-              <a:rPr lang="ca" sz="6000"/>
+            <a:fld id="{00000000-1234-1234-1234-123412341234}" type="slidenum">
+              <a:rPr lang="ca"/>
+              <a:t>‹#›</a:t>
+            </a:fld>
+          </a:p>
+        </p:txBody>
+      </p:sp>
+      <p:sp>
+        <p:nvSpPr>
+          <p:cNvPr id="121" name="Shape 121"/>
+          <p:cNvSpPr txBox="1"/>
+          <p:nvPr>
+            <p:ph type="title"/>
+          </p:nvPr>
+        </p:nvSpPr>
+        <p:spPr>
+          <a:xfrm>
+            <a:off x="311650" y="123291"/>
+            <a:ext cx="8520599" cy="763500"/>
+          </a:xfrm>
+          <a:prstGeom prst="rect">
+            <a:avLst/>
+          </a:prstGeom>
+        </p:spPr>
+        <p:txBody>
+          <a:bodyPr anchorCtr="0" anchor="t" bIns="91425" lIns="91425" rIns="91425" tIns="91425">
+            <a:noAutofit/>
+          </a:bodyPr>
+          <a:lstStyle/>
+          <a:p>
+            <a:pPr lvl="0" rtl="0">
+              <a:spcBef>
+                <a:spcPts val="0"/>
+              </a:spcBef>
+              <a:buNone/>
+            </a:pPr>
+            <a:r>
+              <a:rPr lang="ca"/>
               <a:t>Per què git?</a:t>
             </a:r>
           </a:p>
-        </p:txBody>
-      </p:sp>
-      <p:sp>
-        <p:nvSpPr>
-          <p:cNvPr id="124" name="Shape 124"/>
-          <p:cNvSpPr txBox="1"/>
-          <p:nvPr>
-            <p:ph idx="12" type="sldNum"/>
+          <a:p>
+            <a:pPr lvl="0" rtl="0">
+              <a:spcBef>
+                <a:spcPts val="0"/>
+              </a:spcBef>
+              <a:buNone/>
+            </a:pPr>
+            <a:r>
+              <a:t/>
+            </a:r>
+            <a:endParaRPr/>
+          </a:p>
+          <a:p>
+            <a:pPr lvl="0" rtl="0">
+              <a:spcBef>
+                <a:spcPts val="0"/>
+              </a:spcBef>
+              <a:buNone/>
+            </a:pPr>
+            <a:r>
+              <a:t/>
+            </a:r>
+            <a:endParaRPr/>
+          </a:p>
+        </p:txBody>
+      </p:sp>
+      <p:sp>
+        <p:nvSpPr>
+          <p:cNvPr id="122" name="Shape 122"/>
+          <p:cNvSpPr txBox="1"/>
+          <p:nvPr>
+            <p:ph idx="2" type="sldNum"/>
           </p:nvPr>
         </p:nvSpPr>
         <p:spPr>
@@ -11169,16 +11810,40 @@
               <a:buNone/>
             </a:pPr>
             <a:fld id="{00000000-1234-1234-1234-123412341234}" type="slidenum">
-              <a:rPr lang="ca">
-                <a:solidFill>
-                  <a:schemeClr val="lt1"/>
-                </a:solidFill>
-              </a:rPr>
+              <a:rPr lang="ca"/>
               <a:t>‹#›</a:t>
             </a:fld>
           </a:p>
         </p:txBody>
       </p:sp>
+      <p:pic>
+        <p:nvPicPr>
+          <p:cNvPr id="123" name="Shape 123"/>
+          <p:cNvPicPr preferRelativeResize="0"/>
+          <p:nvPr/>
+        </p:nvPicPr>
+        <p:blipFill>
+          <a:blip r:embed="rId3">
+            <a:alphaModFix/>
+          </a:blip>
+          <a:stretch>
+            <a:fillRect/>
+          </a:stretch>
+        </p:blipFill>
+        <p:spPr>
+          <a:xfrm>
+            <a:off x="624200" y="1328300"/>
+            <a:ext cx="7916675" cy="5066399"/>
+          </a:xfrm>
+          <a:prstGeom prst="rect">
+            <a:avLst/>
+          </a:prstGeom>
+          <a:noFill/>
+          <a:ln>
+            <a:noFill/>
+          </a:ln>
+        </p:spPr>
+      </p:pic>
     </p:spTree>
   </p:cSld>
   <p:clrMapOvr>
@@ -11195,7 +11860,7 @@
   <p:cSld>
     <p:spTree>
       <p:nvGrpSpPr>
-        <p:cNvPr id="128" name="Shape 128"/>
+        <p:cNvPr id="127" name="Shape 127"/>
         <p:cNvGrpSpPr/>
         <p:nvPr/>
       </p:nvGrpSpPr>
@@ -11209,7 +11874,7 @@
       </p:grpSpPr>
       <p:sp>
         <p:nvSpPr>
-          <p:cNvPr id="129" name="Shape 129"/>
+          <p:cNvPr id="128" name="Shape 128"/>
           <p:cNvSpPr txBox="1"/>
           <p:nvPr>
             <p:ph idx="12" type="sldNum"/>
@@ -11245,7 +11910,7 @@
       </p:sp>
       <p:sp>
         <p:nvSpPr>
-          <p:cNvPr id="130" name="Shape 130"/>
+          <p:cNvPr id="129" name="Shape 129"/>
           <p:cNvSpPr txBox="1"/>
           <p:nvPr>
             <p:ph type="title"/>
@@ -11305,7 +11970,7 @@
       </p:sp>
       <p:sp>
         <p:nvSpPr>
-          <p:cNvPr id="131" name="Shape 131"/>
+          <p:cNvPr id="130" name="Shape 130"/>
           <p:cNvSpPr txBox="1"/>
           <p:nvPr>
             <p:ph idx="2" type="sldNum"/>
@@ -11341,7 +12006,7 @@
       </p:sp>
       <p:pic>
         <p:nvPicPr>
-          <p:cNvPr id="132" name="Shape 132"/>
+          <p:cNvPr id="131" name="Shape 131"/>
           <p:cNvPicPr preferRelativeResize="0"/>
           <p:nvPr/>
         </p:nvPicPr>
@@ -11355,8 +12020,8 @@
         </p:blipFill>
         <p:spPr>
           <a:xfrm>
-            <a:off x="624200" y="1328300"/>
-            <a:ext cx="7916675" cy="5066399"/>
+            <a:off x="4542825" y="1428550"/>
+            <a:ext cx="4478324" cy="2821416"/>
           </a:xfrm>
           <a:prstGeom prst="rect">
             <a:avLst/>
@@ -11367,6 +12032,138 @@
           </a:ln>
         </p:spPr>
       </p:pic>
+      <p:pic>
+        <p:nvPicPr>
+          <p:cNvPr id="132" name="Shape 132"/>
+          <p:cNvPicPr preferRelativeResize="0"/>
+          <p:nvPr/>
+        </p:nvPicPr>
+        <p:blipFill>
+          <a:blip r:embed="rId4">
+            <a:alphaModFix/>
+          </a:blip>
+          <a:stretch>
+            <a:fillRect/>
+          </a:stretch>
+        </p:blipFill>
+        <p:spPr>
+          <a:xfrm>
+            <a:off x="235450" y="1462175"/>
+            <a:ext cx="4307374" cy="2569025"/>
+          </a:xfrm>
+          <a:prstGeom prst="rect">
+            <a:avLst/>
+          </a:prstGeom>
+          <a:noFill/>
+          <a:ln>
+            <a:noFill/>
+          </a:ln>
+        </p:spPr>
+      </p:pic>
+      <p:sp>
+        <p:nvSpPr>
+          <p:cNvPr id="133" name="Shape 133"/>
+          <p:cNvSpPr txBox="1"/>
+          <p:nvPr>
+            <p:ph idx="1" type="body"/>
+          </p:nvPr>
+        </p:nvSpPr>
+        <p:spPr>
+          <a:xfrm>
+            <a:off x="895275" y="4424975"/>
+            <a:ext cx="2207699" cy="699599"/>
+          </a:xfrm>
+          <a:prstGeom prst="rect">
+            <a:avLst/>
+          </a:prstGeom>
+        </p:spPr>
+        <p:txBody>
+          <a:bodyPr anchorCtr="0" anchor="ctr" bIns="91425" lIns="91425" rIns="91425" tIns="91425">
+            <a:noAutofit/>
+          </a:bodyPr>
+          <a:lstStyle/>
+          <a:p>
+            <a:pPr lvl="0" rtl="0" algn="ctr">
+              <a:lnSpc>
+                <a:spcPct val="100000"/>
+              </a:lnSpc>
+              <a:spcBef>
+                <a:spcPts val="0"/>
+              </a:spcBef>
+              <a:spcAft>
+                <a:spcPts val="0"/>
+              </a:spcAft>
+              <a:buNone/>
+            </a:pPr>
+            <a:r>
+              <a:rPr lang="ca" sz="3600">
+                <a:solidFill>
+                  <a:schemeClr val="dk1"/>
+                </a:solidFill>
+              </a:rPr>
+              <a:t>Distribuït</a:t>
+            </a:r>
+          </a:p>
+        </p:txBody>
+      </p:sp>
+      <p:sp>
+        <p:nvSpPr>
+          <p:cNvPr id="134" name="Shape 134"/>
+          <p:cNvSpPr txBox="1"/>
+          <p:nvPr>
+            <p:ph idx="1" type="body"/>
+          </p:nvPr>
+        </p:nvSpPr>
+        <p:spPr>
+          <a:xfrm>
+            <a:off x="1440050" y="5223575"/>
+            <a:ext cx="4688400" cy="1052400"/>
+          </a:xfrm>
+          <a:prstGeom prst="rect">
+            <a:avLst/>
+          </a:prstGeom>
+        </p:spPr>
+        <p:txBody>
+          <a:bodyPr anchorCtr="0" anchor="ctr" bIns="91425" lIns="91425" rIns="91425" tIns="91425">
+            <a:noAutofit/>
+          </a:bodyPr>
+          <a:lstStyle/>
+          <a:p>
+            <a:pPr indent="-228600" lvl="0" marL="457200" rtl="0">
+              <a:lnSpc>
+                <a:spcPct val="150000"/>
+              </a:lnSpc>
+              <a:spcBef>
+                <a:spcPts val="1000"/>
+              </a:spcBef>
+              <a:spcAft>
+                <a:spcPts val="1000"/>
+              </a:spcAft>
+            </a:pPr>
+            <a:r>
+              <a:rPr lang="ca"/>
+              <a:t>Treballar sense connexió</a:t>
+            </a:r>
+          </a:p>
+          <a:p>
+            <a:pPr indent="-228600" lvl="0" marL="457200" rtl="0">
+              <a:lnSpc>
+                <a:spcPct val="150000"/>
+              </a:lnSpc>
+              <a:spcBef>
+                <a:spcPts val="1000"/>
+              </a:spcBef>
+              <a:spcAft>
+                <a:spcPts val="1000"/>
+              </a:spcAft>
+            </a:pPr>
+            <a:r>
+              <a:rPr lang="ca"/>
+              <a:t>Moltes copies independents</a:t>
+            </a:r>
+          </a:p>
+        </p:txBody>
+      </p:sp>
     </p:spTree>
   </p:cSld>
   <p:clrMapOvr>
@@ -11383,7 +12180,7 @@
   <p:cSld>
     <p:spTree>
       <p:nvGrpSpPr>
-        <p:cNvPr id="136" name="Shape 136"/>
+        <p:cNvPr id="138" name="Shape 138"/>
         <p:cNvGrpSpPr/>
         <p:nvPr/>
       </p:nvGrpSpPr>
@@ -11397,7 +12194,7 @@
       </p:grpSpPr>
       <p:sp>
         <p:nvSpPr>
-          <p:cNvPr id="137" name="Shape 137"/>
+          <p:cNvPr id="139" name="Shape 139"/>
           <p:cNvSpPr txBox="1"/>
           <p:nvPr>
             <p:ph idx="12" type="sldNum"/>
@@ -11433,7 +12230,7 @@
       </p:sp>
       <p:sp>
         <p:nvSpPr>
-          <p:cNvPr id="138" name="Shape 138"/>
+          <p:cNvPr id="140" name="Shape 140"/>
           <p:cNvSpPr txBox="1"/>
           <p:nvPr>
             <p:ph type="title"/>
@@ -11493,7 +12290,7 @@
       </p:sp>
       <p:sp>
         <p:nvSpPr>
-          <p:cNvPr id="139" name="Shape 139"/>
+          <p:cNvPr id="141" name="Shape 141"/>
           <p:cNvSpPr txBox="1"/>
           <p:nvPr>
             <p:ph idx="2" type="sldNum"/>
@@ -11527,9 +12324,55 @@
           </a:p>
         </p:txBody>
       </p:sp>
+      <p:sp>
+        <p:nvSpPr>
+          <p:cNvPr id="142" name="Shape 142"/>
+          <p:cNvSpPr txBox="1"/>
+          <p:nvPr>
+            <p:ph idx="1" type="body"/>
+          </p:nvPr>
+        </p:nvSpPr>
+        <p:spPr>
+          <a:xfrm>
+            <a:off x="525625" y="5271275"/>
+            <a:ext cx="4221599" cy="886199"/>
+          </a:xfrm>
+          <a:prstGeom prst="rect">
+            <a:avLst/>
+          </a:prstGeom>
+        </p:spPr>
+        <p:txBody>
+          <a:bodyPr anchorCtr="0" anchor="ctr" bIns="91425" lIns="91425" rIns="91425" tIns="91425">
+            <a:noAutofit/>
+          </a:bodyPr>
+          <a:lstStyle/>
+          <a:p>
+            <a:pPr lvl="0" rtl="0" algn="ctr">
+              <a:lnSpc>
+                <a:spcPct val="100000"/>
+              </a:lnSpc>
+              <a:spcBef>
+                <a:spcPts val="0"/>
+              </a:spcBef>
+              <a:spcAft>
+                <a:spcPts val="0"/>
+              </a:spcAft>
+              <a:buNone/>
+            </a:pPr>
+            <a:r>
+              <a:rPr lang="ca" sz="3600">
+                <a:solidFill>
+                  <a:schemeClr val="dk1"/>
+                </a:solidFill>
+              </a:rPr>
+              <a:t>Branques aïllades</a:t>
+            </a:r>
+          </a:p>
+        </p:txBody>
+      </p:sp>
       <p:pic>
         <p:nvPicPr>
-          <p:cNvPr id="140" name="Shape 140"/>
+          <p:cNvPr id="143" name="Shape 143"/>
           <p:cNvPicPr preferRelativeResize="0"/>
           <p:nvPr/>
         </p:nvPicPr>
@@ -11543,8 +12386,8 @@
         </p:blipFill>
         <p:spPr>
           <a:xfrm>
-            <a:off x="4542825" y="1428550"/>
-            <a:ext cx="4478324" cy="2821416"/>
+            <a:off x="975962" y="1653123"/>
+            <a:ext cx="7191975" cy="3048574"/>
           </a:xfrm>
           <a:prstGeom prst="rect">
             <a:avLst/>
@@ -11555,138 +12398,6 @@
           </a:ln>
         </p:spPr>
       </p:pic>
-      <p:pic>
-        <p:nvPicPr>
-          <p:cNvPr id="141" name="Shape 141"/>
-          <p:cNvPicPr preferRelativeResize="0"/>
-          <p:nvPr/>
-        </p:nvPicPr>
-        <p:blipFill>
-          <a:blip r:embed="rId4">
-            <a:alphaModFix/>
-          </a:blip>
-          <a:stretch>
-            <a:fillRect/>
-          </a:stretch>
-        </p:blipFill>
-        <p:spPr>
-          <a:xfrm>
-            <a:off x="235450" y="1462175"/>
-            <a:ext cx="4307374" cy="2569025"/>
-          </a:xfrm>
-          <a:prstGeom prst="rect">
-            <a:avLst/>
-          </a:prstGeom>
-          <a:noFill/>
-          <a:ln>
-            <a:noFill/>
-          </a:ln>
-        </p:spPr>
-      </p:pic>
-      <p:sp>
-        <p:nvSpPr>
-          <p:cNvPr id="142" name="Shape 142"/>
-          <p:cNvSpPr txBox="1"/>
-          <p:nvPr>
-            <p:ph idx="1" type="body"/>
-          </p:nvPr>
-        </p:nvSpPr>
-        <p:spPr>
-          <a:xfrm>
-            <a:off x="895275" y="4424975"/>
-            <a:ext cx="2207699" cy="699599"/>
-          </a:xfrm>
-          <a:prstGeom prst="rect">
-            <a:avLst/>
-          </a:prstGeom>
-        </p:spPr>
-        <p:txBody>
-          <a:bodyPr anchorCtr="0" anchor="ctr" bIns="91425" lIns="91425" rIns="91425" tIns="91425">
-            <a:noAutofit/>
-          </a:bodyPr>
-          <a:lstStyle/>
-          <a:p>
-            <a:pPr lvl="0" rtl="0" algn="ctr">
-              <a:lnSpc>
-                <a:spcPct val="100000"/>
-              </a:lnSpc>
-              <a:spcBef>
-                <a:spcPts val="0"/>
-              </a:spcBef>
-              <a:spcAft>
-                <a:spcPts val="0"/>
-              </a:spcAft>
-              <a:buNone/>
-            </a:pPr>
-            <a:r>
-              <a:rPr lang="ca" sz="3600">
-                <a:solidFill>
-                  <a:schemeClr val="dk1"/>
-                </a:solidFill>
-              </a:rPr>
-              <a:t>Distribuït</a:t>
-            </a:r>
-          </a:p>
-        </p:txBody>
-      </p:sp>
-      <p:sp>
-        <p:nvSpPr>
-          <p:cNvPr id="143" name="Shape 143"/>
-          <p:cNvSpPr txBox="1"/>
-          <p:nvPr>
-            <p:ph idx="3" type="body"/>
-          </p:nvPr>
-        </p:nvSpPr>
-        <p:spPr>
-          <a:xfrm>
-            <a:off x="1440050" y="5223575"/>
-            <a:ext cx="4688400" cy="1052400"/>
-          </a:xfrm>
-          <a:prstGeom prst="rect">
-            <a:avLst/>
-          </a:prstGeom>
-        </p:spPr>
-        <p:txBody>
-          <a:bodyPr anchorCtr="0" anchor="ctr" bIns="91425" lIns="91425" rIns="91425" tIns="91425">
-            <a:noAutofit/>
-          </a:bodyPr>
-          <a:lstStyle/>
-          <a:p>
-            <a:pPr indent="-228600" lvl="0" marL="457200" rtl="0">
-              <a:lnSpc>
-                <a:spcPct val="150000"/>
-              </a:lnSpc>
-              <a:spcBef>
-                <a:spcPts val="1000"/>
-              </a:spcBef>
-              <a:spcAft>
-                <a:spcPts val="1000"/>
-              </a:spcAft>
-            </a:pPr>
-            <a:r>
-              <a:rPr lang="ca"/>
-              <a:t>Treballar sense connexió</a:t>
-            </a:r>
-          </a:p>
-          <a:p>
-            <a:pPr indent="-228600" lvl="0" marL="457200" rtl="0">
-              <a:lnSpc>
-                <a:spcPct val="150000"/>
-              </a:lnSpc>
-              <a:spcBef>
-                <a:spcPts val="1000"/>
-              </a:spcBef>
-              <a:spcAft>
-                <a:spcPts val="1000"/>
-              </a:spcAft>
-            </a:pPr>
-            <a:r>
-              <a:rPr lang="ca"/>
-              <a:t>Moltes copies independents</a:t>
-            </a:r>
-          </a:p>
-        </p:txBody>
-      </p:sp>
     </p:spTree>
   </p:cSld>
   <p:clrMapOvr>
@@ -11720,13 +12431,13 @@
           <p:cNvPr id="148" name="Shape 148"/>
           <p:cNvSpPr txBox="1"/>
           <p:nvPr>
-            <p:ph idx="12" type="sldNum"/>
-          </p:nvPr>
-        </p:nvSpPr>
-        <p:spPr>
-          <a:xfrm>
-            <a:off x="8472457" y="8290163"/>
-            <a:ext cx="548699" cy="699599"/>
+            <p:ph idx="1" type="body"/>
+          </p:nvPr>
+        </p:nvSpPr>
+        <p:spPr>
+          <a:xfrm>
+            <a:off x="311650" y="1506008"/>
+            <a:ext cx="8520599" cy="4555199"/>
           </a:xfrm>
           <a:prstGeom prst="rect">
             <a:avLst/>
@@ -11738,6 +12449,109 @@
           </a:bodyPr>
           <a:lstStyle/>
           <a:p>
+            <a:pPr indent="-419100" lvl="0" marL="457200" rtl="0">
+              <a:lnSpc>
+                <a:spcPct val="150000"/>
+              </a:lnSpc>
+              <a:spcBef>
+                <a:spcPts val="1000"/>
+              </a:spcBef>
+              <a:spcAft>
+                <a:spcPts val="1000"/>
+              </a:spcAft>
+              <a:buClr>
+                <a:schemeClr val="dk1"/>
+              </a:buClr>
+              <a:buSzPct val="100000"/>
+            </a:pPr>
+            <a:r>
+              <a:rPr lang="ca" sz="3000">
+                <a:solidFill>
+                  <a:schemeClr val="dk1"/>
+                </a:solidFill>
+              </a:rPr>
+              <a:t>Fàcil afegir - molt difícil esborrar/perdre</a:t>
+            </a:r>
+          </a:p>
+          <a:p>
+            <a:pPr indent="-419100" lvl="0" marL="457200" rtl="0">
+              <a:lnSpc>
+                <a:spcPct val="150000"/>
+              </a:lnSpc>
+              <a:spcBef>
+                <a:spcPts val="1000"/>
+              </a:spcBef>
+              <a:spcAft>
+                <a:spcPts val="1000"/>
+              </a:spcAft>
+              <a:buSzPct val="100000"/>
+            </a:pPr>
+            <a:r>
+              <a:rPr lang="ca" sz="3000"/>
+              <a:t>Workflow lliure</a:t>
+            </a:r>
+          </a:p>
+          <a:p>
+            <a:pPr indent="-419100" lvl="0" marL="457200" rtl="0">
+              <a:lnSpc>
+                <a:spcPct val="150000"/>
+              </a:lnSpc>
+              <a:spcBef>
+                <a:spcPts val="1000"/>
+              </a:spcBef>
+              <a:spcAft>
+                <a:spcPts val="1000"/>
+              </a:spcAft>
+              <a:buSzPct val="100000"/>
+            </a:pPr>
+            <a:r>
+              <a:rPr lang="ca" sz="3000"/>
+              <a:t>Control absolut del commit</a:t>
+            </a:r>
+          </a:p>
+          <a:p>
+            <a:pPr indent="-419100" lvl="0" marL="457200" rtl="0">
+              <a:lnSpc>
+                <a:spcPct val="150000"/>
+              </a:lnSpc>
+              <a:spcBef>
+                <a:spcPts val="1000"/>
+              </a:spcBef>
+              <a:spcAft>
+                <a:spcPts val="1000"/>
+              </a:spcAft>
+              <a:buSzPct val="100000"/>
+            </a:pPr>
+            <a:r>
+              <a:rPr lang="ca" sz="3000"/>
+              <a:t>Gran comunitat darrera de git</a:t>
+            </a:r>
+          </a:p>
+        </p:txBody>
+      </p:sp>
+      <p:sp>
+        <p:nvSpPr>
+          <p:cNvPr id="149" name="Shape 149"/>
+          <p:cNvSpPr txBox="1"/>
+          <p:nvPr>
+            <p:ph idx="12" type="sldNum"/>
+          </p:nvPr>
+        </p:nvSpPr>
+        <p:spPr>
+          <a:xfrm>
+            <a:off x="8472457" y="8290163"/>
+            <a:ext cx="548699" cy="699599"/>
+          </a:xfrm>
+          <a:prstGeom prst="rect">
+            <a:avLst/>
+          </a:prstGeom>
+        </p:spPr>
+        <p:txBody>
+          <a:bodyPr anchorCtr="0" anchor="ctr" bIns="91425" lIns="91425" rIns="91425" tIns="91425">
+            <a:noAutofit/>
+          </a:bodyPr>
+          <a:lstStyle/>
+          <a:p>
             <a:pPr lvl="0" rtl="0">
               <a:spcBef>
                 <a:spcPts val="0"/>
@@ -11753,7 +12567,7 @@
       </p:sp>
       <p:sp>
         <p:nvSpPr>
-          <p:cNvPr id="149" name="Shape 149"/>
+          <p:cNvPr id="150" name="Shape 150"/>
           <p:cNvSpPr txBox="1"/>
           <p:nvPr>
             <p:ph type="title"/>
@@ -11813,7 +12627,7 @@
       </p:sp>
       <p:sp>
         <p:nvSpPr>
-          <p:cNvPr id="150" name="Shape 150"/>
+          <p:cNvPr id="151" name="Shape 151"/>
           <p:cNvSpPr txBox="1"/>
           <p:nvPr>
             <p:ph idx="2" type="sldNum"/>
@@ -11847,80 +12661,6 @@
           </a:p>
         </p:txBody>
       </p:sp>
-      <p:sp>
-        <p:nvSpPr>
-          <p:cNvPr id="151" name="Shape 151"/>
-          <p:cNvSpPr txBox="1"/>
-          <p:nvPr>
-            <p:ph idx="1" type="body"/>
-          </p:nvPr>
-        </p:nvSpPr>
-        <p:spPr>
-          <a:xfrm>
-            <a:off x="525625" y="5271275"/>
-            <a:ext cx="4221599" cy="886199"/>
-          </a:xfrm>
-          <a:prstGeom prst="rect">
-            <a:avLst/>
-          </a:prstGeom>
-        </p:spPr>
-        <p:txBody>
-          <a:bodyPr anchorCtr="0" anchor="ctr" bIns="91425" lIns="91425" rIns="91425" tIns="91425">
-            <a:noAutofit/>
-          </a:bodyPr>
-          <a:lstStyle/>
-          <a:p>
-            <a:pPr lvl="0" rtl="0" algn="ctr">
-              <a:lnSpc>
-                <a:spcPct val="100000"/>
-              </a:lnSpc>
-              <a:spcBef>
-                <a:spcPts val="0"/>
-              </a:spcBef>
-              <a:spcAft>
-                <a:spcPts val="0"/>
-              </a:spcAft>
-              <a:buNone/>
-            </a:pPr>
-            <a:r>
-              <a:rPr lang="ca" sz="3600">
-                <a:solidFill>
-                  <a:schemeClr val="dk1"/>
-                </a:solidFill>
-              </a:rPr>
-              <a:t>Branques aïllades</a:t>
-            </a:r>
-          </a:p>
-        </p:txBody>
-      </p:sp>
-      <p:pic>
-        <p:nvPicPr>
-          <p:cNvPr id="152" name="Shape 152"/>
-          <p:cNvPicPr preferRelativeResize="0"/>
-          <p:nvPr/>
-        </p:nvPicPr>
-        <p:blipFill>
-          <a:blip r:embed="rId3">
-            <a:alphaModFix/>
-          </a:blip>
-          <a:stretch>
-            <a:fillRect/>
-          </a:stretch>
-        </p:blipFill>
-        <p:spPr>
-          <a:xfrm>
-            <a:off x="975962" y="1653123"/>
-            <a:ext cx="7191975" cy="3048574"/>
-          </a:xfrm>
-          <a:prstGeom prst="rect">
-            <a:avLst/>
-          </a:prstGeom>
-          <a:noFill/>
-          <a:ln>
-            <a:noFill/>
-          </a:ln>
-        </p:spPr>
-      </p:pic>
     </p:spTree>
   </p:cSld>
   <p:clrMapOvr>
@@ -11933,6 +12673,285 @@
 </file>
 
 <file path=ppt/theme/theme.xml><?xml version="1.0" encoding="utf-8"?>
+<a:theme xmlns:a="http://schemas.openxmlformats.org/drawingml/2006/main" xmlns:r="http://schemas.openxmlformats.org/officeDocument/2006/relationships" name="simple-light-2">
+  <a:themeElements>
+    <a:clrScheme name="Simple Light">
+      <a:dk1>
+        <a:srgbClr val="000000"/>
+      </a:dk1>
+      <a:lt1>
+        <a:srgbClr val="FFFFFF"/>
+      </a:lt1>
+      <a:dk2>
+        <a:srgbClr val="595959"/>
+      </a:dk2>
+      <a:lt2>
+        <a:srgbClr val="EEEEEE"/>
+      </a:lt2>
+      <a:accent1>
+        <a:srgbClr val="FFAB40"/>
+      </a:accent1>
+      <a:accent2>
+        <a:srgbClr val="212121"/>
+      </a:accent2>
+      <a:accent3>
+        <a:srgbClr val="78909C"/>
+      </a:accent3>
+      <a:accent4>
+        <a:srgbClr val="FFAB40"/>
+      </a:accent4>
+      <a:accent5>
+        <a:srgbClr val="0097A7"/>
+      </a:accent5>
+      <a:accent6>
+        <a:srgbClr val="EEFF41"/>
+      </a:accent6>
+      <a:hlink>
+        <a:srgbClr val="0097A7"/>
+      </a:hlink>
+      <a:folHlink>
+        <a:srgbClr val="0097A7"/>
+      </a:folHlink>
+    </a:clrScheme>
+    <a:fontScheme name="Office">
+      <a:majorFont>
+        <a:latin typeface="Arial"/>
+        <a:ea typeface=""/>
+        <a:cs typeface=""/>
+        <a:font script="Jpan" typeface="ＭＳ Ｐゴシック"/>
+        <a:font script="Hang" typeface="맑은 고딕"/>
+        <a:font script="Hans" typeface="宋体"/>
+        <a:font script="Hant" typeface="新細明體"/>
+        <a:font script="Arab" typeface="Times New Roman"/>
+        <a:font script="Hebr" typeface="Times New Roman"/>
+        <a:font script="Thai" typeface="Angsana New"/>
+        <a:font script="Ethi" typeface="Nyala"/>
+        <a:font script="Beng" typeface="Vrinda"/>
+        <a:font script="Gujr" typeface="Shruti"/>
+        <a:font script="Khmr" typeface="MoolBoran"/>
+        <a:font script="Knda" typeface="Tunga"/>
+        <a:font script="Guru" typeface="Raavi"/>
+        <a:font script="Cans" typeface="Euphemia"/>
+        <a:font script="Cher" typeface="Plantagenet Cherokee"/>
+        <a:font script="Yiii" typeface="Microsoft Yi Baiti"/>
+        <a:font script="Tibt" typeface="Microsoft Himalaya"/>
+        <a:font script="Thaa" typeface="MV Boli"/>
+        <a:font script="Deva" typeface="Mangal"/>
+        <a:font script="Telu" typeface="Gautami"/>
+        <a:font script="Taml" typeface="Latha"/>
+        <a:font script="Syrc" typeface="Estrangelo Edessa"/>
+        <a:font script="Orya" typeface="Kalinga"/>
+        <a:font script="Mlym" typeface="Kartika"/>
+        <a:font script="Laoo" typeface="DokChampa"/>
+        <a:font script="Sinh" typeface="Iskoola Pota"/>
+        <a:font script="Mong" typeface="Mongolian Baiti"/>
+        <a:font script="Viet" typeface="Times New Roman"/>
+        <a:font script="Uigh" typeface="Microsoft Uighur"/>
+        <a:font script="Geor" typeface="Sylfaen"/>
+      </a:majorFont>
+      <a:minorFont>
+        <a:latin typeface="Arial"/>
+        <a:ea typeface=""/>
+        <a:cs typeface=""/>
+        <a:font script="Jpan" typeface="ＭＳ Ｐゴシック"/>
+        <a:font script="Hang" typeface="맑은 고딕"/>
+        <a:font script="Hans" typeface="宋体"/>
+        <a:font script="Hant" typeface="新細明體"/>
+        <a:font script="Arab" typeface="Arial"/>
+        <a:font script="Hebr" typeface="Arial"/>
+        <a:font script="Thai" typeface="Cordia New"/>
+        <a:font script="Ethi" typeface="Nyala"/>
+        <a:font script="Beng" typeface="Vrinda"/>
+        <a:font script="Gujr" typeface="Shruti"/>
+        <a:font script="Khmr" typeface="DaunPenh"/>
+        <a:font script="Knda" typeface="Tunga"/>
+        <a:font script="Guru" typeface="Raavi"/>
+        <a:font script="Cans" typeface="Euphemia"/>
+        <a:font script="Cher" typeface="Plantagenet Cherokee"/>
+        <a:font script="Yiii" typeface="Microsoft Yi Baiti"/>
+        <a:font script="Tibt" typeface="Microsoft Himalaya"/>
+        <a:font script="Thaa" typeface="MV Boli"/>
+        <a:font script="Deva" typeface="Mangal"/>
+        <a:font script="Telu" typeface="Gautami"/>
+        <a:font script="Taml" typeface="Latha"/>
+        <a:font script="Syrc" typeface="Estrangelo Edessa"/>
+        <a:font script="Orya" typeface="Kalinga"/>
+        <a:font script="Mlym" typeface="Kartika"/>
+        <a:font script="Laoo" typeface="DokChampa"/>
+        <a:font script="Sinh" typeface="Iskoola Pota"/>
+        <a:font script="Mong" typeface="Mongolian Baiti"/>
+        <a:font script="Viet" typeface="Arial"/>
+        <a:font script="Uigh" typeface="Microsoft Uighur"/>
+        <a:font script="Geor" typeface="Sylfaen"/>
+      </a:minorFont>
+    </a:fontScheme>
+    <a:fmtScheme name="Office">
+      <a:fillStyleLst>
+        <a:solidFill>
+          <a:schemeClr val="phClr"/>
+        </a:solidFill>
+        <a:gradFill rotWithShape="1">
+          <a:gsLst>
+            <a:gs pos="0">
+              <a:schemeClr val="phClr">
+                <a:tint val="50000"/>
+                <a:satMod val="300000"/>
+              </a:schemeClr>
+            </a:gs>
+            <a:gs pos="35000">
+              <a:schemeClr val="phClr">
+                <a:tint val="37000"/>
+                <a:satMod val="300000"/>
+              </a:schemeClr>
+            </a:gs>
+            <a:gs pos="100000">
+              <a:schemeClr val="phClr">
+                <a:tint val="15000"/>
+                <a:satMod val="350000"/>
+              </a:schemeClr>
+            </a:gs>
+          </a:gsLst>
+          <a:lin ang="16200000" scaled="1"/>
+        </a:gradFill>
+        <a:gradFill rotWithShape="1">
+          <a:gsLst>
+            <a:gs pos="0">
+              <a:schemeClr val="phClr">
+                <a:tint val="100000"/>
+                <a:shade val="100000"/>
+                <a:satMod val="130000"/>
+              </a:schemeClr>
+            </a:gs>
+            <a:gs pos="100000">
+              <a:schemeClr val="phClr">
+                <a:tint val="50000"/>
+                <a:shade val="100000"/>
+                <a:satMod val="350000"/>
+              </a:schemeClr>
+            </a:gs>
+          </a:gsLst>
+          <a:lin ang="16200000" scaled="0"/>
+        </a:gradFill>
+      </a:fillStyleLst>
+      <a:lnStyleLst>
+        <a:ln w="9525" cap="flat" cmpd="sng" algn="ctr">
+          <a:solidFill>
+            <a:schemeClr val="phClr">
+              <a:shade val="95000"/>
+              <a:satMod val="105000"/>
+            </a:schemeClr>
+          </a:solidFill>
+          <a:prstDash val="solid"/>
+        </a:ln>
+        <a:ln w="25400" cap="flat" cmpd="sng" algn="ctr">
+          <a:solidFill>
+            <a:schemeClr val="phClr"/>
+          </a:solidFill>
+          <a:prstDash val="solid"/>
+        </a:ln>
+        <a:ln w="38100" cap="flat" cmpd="sng" algn="ctr">
+          <a:solidFill>
+            <a:schemeClr val="phClr"/>
+          </a:solidFill>
+          <a:prstDash val="solid"/>
+        </a:ln>
+      </a:lnStyleLst>
+      <a:effectStyleLst>
+        <a:effectStyle>
+          <a:effectLst>
+            <a:outerShdw blurRad="40000" dist="20000" dir="5400000" rotWithShape="0">
+              <a:srgbClr val="000000">
+                <a:alpha val="38000"/>
+              </a:srgbClr>
+            </a:outerShdw>
+          </a:effectLst>
+        </a:effectStyle>
+        <a:effectStyle>
+          <a:effectLst>
+            <a:outerShdw blurRad="40000" dist="23000" dir="5400000" rotWithShape="0">
+              <a:srgbClr val="000000">
+                <a:alpha val="35000"/>
+              </a:srgbClr>
+            </a:outerShdw>
+          </a:effectLst>
+        </a:effectStyle>
+        <a:effectStyle>
+          <a:effectLst>
+            <a:outerShdw blurRad="40000" dist="23000" dir="5400000" rotWithShape="0">
+              <a:srgbClr val="000000">
+                <a:alpha val="35000"/>
+              </a:srgbClr>
+            </a:outerShdw>
+          </a:effectLst>
+          <a:scene3d>
+            <a:camera prst="orthographicFront">
+              <a:rot lat="0" lon="0" rev="0"/>
+            </a:camera>
+            <a:lightRig rig="threePt" dir="t">
+              <a:rot lat="0" lon="0" rev="1200000"/>
+            </a:lightRig>
+          </a:scene3d>
+          <a:sp3d>
+            <a:bevelT w="63500" h="25400"/>
+          </a:sp3d>
+        </a:effectStyle>
+      </a:effectStyleLst>
+      <a:bgFillStyleLst>
+        <a:solidFill>
+          <a:schemeClr val="phClr"/>
+        </a:solidFill>
+        <a:gradFill rotWithShape="1">
+          <a:gsLst>
+            <a:gs pos="0">
+              <a:schemeClr val="phClr">
+                <a:tint val="40000"/>
+                <a:satMod val="350000"/>
+              </a:schemeClr>
+            </a:gs>
+            <a:gs pos="40000">
+              <a:schemeClr val="phClr">
+                <a:tint val="45000"/>
+                <a:shade val="99000"/>
+                <a:satMod val="350000"/>
+              </a:schemeClr>
+            </a:gs>
+            <a:gs pos="100000">
+              <a:schemeClr val="phClr">
+                <a:shade val="20000"/>
+                <a:satMod val="255000"/>
+              </a:schemeClr>
+            </a:gs>
+          </a:gsLst>
+          <a:path path="circle">
+            <a:fillToRect l="50000" t="-80000" r="50000" b="180000"/>
+          </a:path>
+        </a:gradFill>
+        <a:gradFill rotWithShape="1">
+          <a:gsLst>
+            <a:gs pos="0">
+              <a:schemeClr val="phClr">
+                <a:tint val="80000"/>
+                <a:satMod val="300000"/>
+              </a:schemeClr>
+            </a:gs>
+            <a:gs pos="100000">
+              <a:schemeClr val="phClr">
+                <a:shade val="30000"/>
+                <a:satMod val="200000"/>
+              </a:schemeClr>
+            </a:gs>
+          </a:gsLst>
+          <a:path path="circle">
+            <a:fillToRect l="50000" t="50000" r="50000" b="50000"/>
+          </a:path>
+        </a:gradFill>
+      </a:bgFillStyleLst>
+    </a:fmtScheme>
+  </a:themeElements>
+</a:theme>
+</file>
+
+<file path=ppt/theme/theme1.xml><?xml version="1.0" encoding="utf-8"?>
 <a:theme xmlns:a="http://schemas.openxmlformats.org/drawingml/2006/main" xmlns:r="http://schemas.openxmlformats.org/officeDocument/2006/relationships" name="Custom Theme">
   <a:themeElements>
     <a:clrScheme name="Default">
@@ -12209,283 +13228,4 @@
     </a:fmtScheme>
   </a:themeElements>
 </a:theme>
-</file>
-
-<file path=ppt/theme/theme1.xml><?xml version="1.0" encoding="utf-8"?>
-<a:theme xmlns:a="http://schemas.openxmlformats.org/drawingml/2006/main" xmlns:r="http://schemas.openxmlformats.org/officeDocument/2006/relationships" name="simple-light-2">
-  <a:themeElements>
-    <a:clrScheme name="Simple Light">
-      <a:dk1>
-        <a:srgbClr val="000000"/>
-      </a:dk1>
-      <a:lt1>
-        <a:srgbClr val="FFFFFF"/>
-      </a:lt1>
-      <a:dk2>
-        <a:srgbClr val="595959"/>
-      </a:dk2>
-      <a:lt2>
-        <a:srgbClr val="EEEEEE"/>
-      </a:lt2>
-      <a:accent1>
-        <a:srgbClr val="FFAB40"/>
-      </a:accent1>
-      <a:accent2>
-        <a:srgbClr val="212121"/>
-      </a:accent2>
-      <a:accent3>
-        <a:srgbClr val="78909C"/>
-      </a:accent3>
-      <a:accent4>
-        <a:srgbClr val="FFAB40"/>
-      </a:accent4>
-      <a:accent5>
-        <a:srgbClr val="0097A7"/>
-      </a:accent5>
-      <a:accent6>
-        <a:srgbClr val="EEFF41"/>
-      </a:accent6>
-      <a:hlink>
-        <a:srgbClr val="0097A7"/>
-      </a:hlink>
-      <a:folHlink>
-        <a:srgbClr val="0097A7"/>
-      </a:folHlink>
-    </a:clrScheme>
-    <a:fontScheme name="Office">
-      <a:majorFont>
-        <a:latin typeface="Arial"/>
-        <a:ea typeface=""/>
-        <a:cs typeface=""/>
-        <a:font script="Jpan" typeface="ＭＳ Ｐゴシック"/>
-        <a:font script="Hang" typeface="맑은 고딕"/>
-        <a:font script="Hans" typeface="宋体"/>
-        <a:font script="Hant" typeface="新細明體"/>
-        <a:font script="Arab" typeface="Times New Roman"/>
-        <a:font script="Hebr" typeface="Times New Roman"/>
-        <a:font script="Thai" typeface="Angsana New"/>
-        <a:font script="Ethi" typeface="Nyala"/>
-        <a:font script="Beng" typeface="Vrinda"/>
-        <a:font script="Gujr" typeface="Shruti"/>
-        <a:font script="Khmr" typeface="MoolBoran"/>
-        <a:font script="Knda" typeface="Tunga"/>
-        <a:font script="Guru" typeface="Raavi"/>
-        <a:font script="Cans" typeface="Euphemia"/>
-        <a:font script="Cher" typeface="Plantagenet Cherokee"/>
-        <a:font script="Yiii" typeface="Microsoft Yi Baiti"/>
-        <a:font script="Tibt" typeface="Microsoft Himalaya"/>
-        <a:font script="Thaa" typeface="MV Boli"/>
-        <a:font script="Deva" typeface="Mangal"/>
-        <a:font script="Telu" typeface="Gautami"/>
-        <a:font script="Taml" typeface="Latha"/>
-        <a:font script="Syrc" typeface="Estrangelo Edessa"/>
-        <a:font script="Orya" typeface="Kalinga"/>
-        <a:font script="Mlym" typeface="Kartika"/>
-        <a:font script="Laoo" typeface="DokChampa"/>
-        <a:font script="Sinh" typeface="Iskoola Pota"/>
-        <a:font script="Mong" typeface="Mongolian Baiti"/>
-        <a:font script="Viet" typeface="Times New Roman"/>
-        <a:font script="Uigh" typeface="Microsoft Uighur"/>
-        <a:font script="Geor" typeface="Sylfaen"/>
-      </a:majorFont>
-      <a:minorFont>
-        <a:latin typeface="Arial"/>
-        <a:ea typeface=""/>
-        <a:cs typeface=""/>
-        <a:font script="Jpan" typeface="ＭＳ Ｐゴシック"/>
-        <a:font script="Hang" typeface="맑은 고딕"/>
-        <a:font script="Hans" typeface="宋体"/>
-        <a:font script="Hant" typeface="新細明體"/>
-        <a:font script="Arab" typeface="Arial"/>
-        <a:font script="Hebr" typeface="Arial"/>
-        <a:font script="Thai" typeface="Cordia New"/>
-        <a:font script="Ethi" typeface="Nyala"/>
-        <a:font script="Beng" typeface="Vrinda"/>
-        <a:font script="Gujr" typeface="Shruti"/>
-        <a:font script="Khmr" typeface="DaunPenh"/>
-        <a:font script="Knda" typeface="Tunga"/>
-        <a:font script="Guru" typeface="Raavi"/>
-        <a:font script="Cans" typeface="Euphemia"/>
-        <a:font script="Cher" typeface="Plantagenet Cherokee"/>
-        <a:font script="Yiii" typeface="Microsoft Yi Baiti"/>
-        <a:font script="Tibt" typeface="Microsoft Himalaya"/>
-        <a:font script="Thaa" typeface="MV Boli"/>
-        <a:font script="Deva" typeface="Mangal"/>
-        <a:font script="Telu" typeface="Gautami"/>
-        <a:font script="Taml" typeface="Latha"/>
-        <a:font script="Syrc" typeface="Estrangelo Edessa"/>
-        <a:font script="Orya" typeface="Kalinga"/>
-        <a:font script="Mlym" typeface="Kartika"/>
-        <a:font script="Laoo" typeface="DokChampa"/>
-        <a:font script="Sinh" typeface="Iskoola Pota"/>
-        <a:font script="Mong" typeface="Mongolian Baiti"/>
-        <a:font script="Viet" typeface="Arial"/>
-        <a:font script="Uigh" typeface="Microsoft Uighur"/>
-        <a:font script="Geor" typeface="Sylfaen"/>
-      </a:minorFont>
-    </a:fontScheme>
-    <a:fmtScheme name="Office">
-      <a:fillStyleLst>
-        <a:solidFill>
-          <a:schemeClr val="phClr"/>
-        </a:solidFill>
-        <a:gradFill rotWithShape="1">
-          <a:gsLst>
-            <a:gs pos="0">
-              <a:schemeClr val="phClr">
-                <a:tint val="50000"/>
-                <a:satMod val="300000"/>
-              </a:schemeClr>
-            </a:gs>
-            <a:gs pos="35000">
-              <a:schemeClr val="phClr">
-                <a:tint val="37000"/>
-                <a:satMod val="300000"/>
-              </a:schemeClr>
-            </a:gs>
-            <a:gs pos="100000">
-              <a:schemeClr val="phClr">
-                <a:tint val="15000"/>
-                <a:satMod val="350000"/>
-              </a:schemeClr>
-            </a:gs>
-          </a:gsLst>
-          <a:lin ang="16200000" scaled="1"/>
-        </a:gradFill>
-        <a:gradFill rotWithShape="1">
-          <a:gsLst>
-            <a:gs pos="0">
-              <a:schemeClr val="phClr">
-                <a:tint val="100000"/>
-                <a:shade val="100000"/>
-                <a:satMod val="130000"/>
-              </a:schemeClr>
-            </a:gs>
-            <a:gs pos="100000">
-              <a:schemeClr val="phClr">
-                <a:tint val="50000"/>
-                <a:shade val="100000"/>
-                <a:satMod val="350000"/>
-              </a:schemeClr>
-            </a:gs>
-          </a:gsLst>
-          <a:lin ang="16200000" scaled="0"/>
-        </a:gradFill>
-      </a:fillStyleLst>
-      <a:lnStyleLst>
-        <a:ln w="9525" cap="flat" cmpd="sng" algn="ctr">
-          <a:solidFill>
-            <a:schemeClr val="phClr">
-              <a:shade val="95000"/>
-              <a:satMod val="105000"/>
-            </a:schemeClr>
-          </a:solidFill>
-          <a:prstDash val="solid"/>
-        </a:ln>
-        <a:ln w="25400" cap="flat" cmpd="sng" algn="ctr">
-          <a:solidFill>
-            <a:schemeClr val="phClr"/>
-          </a:solidFill>
-          <a:prstDash val="solid"/>
-        </a:ln>
-        <a:ln w="38100" cap="flat" cmpd="sng" algn="ctr">
-          <a:solidFill>
-            <a:schemeClr val="phClr"/>
-          </a:solidFill>
-          <a:prstDash val="solid"/>
-        </a:ln>
-      </a:lnStyleLst>
-      <a:effectStyleLst>
-        <a:effectStyle>
-          <a:effectLst>
-            <a:outerShdw blurRad="40000" dist="20000" dir="5400000" rotWithShape="0">
-              <a:srgbClr val="000000">
-                <a:alpha val="38000"/>
-              </a:srgbClr>
-            </a:outerShdw>
-          </a:effectLst>
-        </a:effectStyle>
-        <a:effectStyle>
-          <a:effectLst>
-            <a:outerShdw blurRad="40000" dist="23000" dir="5400000" rotWithShape="0">
-              <a:srgbClr val="000000">
-                <a:alpha val="35000"/>
-              </a:srgbClr>
-            </a:outerShdw>
-          </a:effectLst>
-        </a:effectStyle>
-        <a:effectStyle>
-          <a:effectLst>
-            <a:outerShdw blurRad="40000" dist="23000" dir="5400000" rotWithShape="0">
-              <a:srgbClr val="000000">
-                <a:alpha val="35000"/>
-              </a:srgbClr>
-            </a:outerShdw>
-          </a:effectLst>
-          <a:scene3d>
-            <a:camera prst="orthographicFront">
-              <a:rot lat="0" lon="0" rev="0"/>
-            </a:camera>
-            <a:lightRig rig="threePt" dir="t">
-              <a:rot lat="0" lon="0" rev="1200000"/>
-            </a:lightRig>
-          </a:scene3d>
-          <a:sp3d>
-            <a:bevelT w="63500" h="25400"/>
-          </a:sp3d>
-        </a:effectStyle>
-      </a:effectStyleLst>
-      <a:bgFillStyleLst>
-        <a:solidFill>
-          <a:schemeClr val="phClr"/>
-        </a:solidFill>
-        <a:gradFill rotWithShape="1">
-          <a:gsLst>
-            <a:gs pos="0">
-              <a:schemeClr val="phClr">
-                <a:tint val="40000"/>
-                <a:satMod val="350000"/>
-              </a:schemeClr>
-            </a:gs>
-            <a:gs pos="40000">
-              <a:schemeClr val="phClr">
-                <a:tint val="45000"/>
-                <a:shade val="99000"/>
-                <a:satMod val="350000"/>
-              </a:schemeClr>
-            </a:gs>
-            <a:gs pos="100000">
-              <a:schemeClr val="phClr">
-                <a:shade val="20000"/>
-                <a:satMod val="255000"/>
-              </a:schemeClr>
-            </a:gs>
-          </a:gsLst>
-          <a:path path="circle">
-            <a:fillToRect l="50000" t="-80000" r="50000" b="180000"/>
-          </a:path>
-        </a:gradFill>
-        <a:gradFill rotWithShape="1">
-          <a:gsLst>
-            <a:gs pos="0">
-              <a:schemeClr val="phClr">
-                <a:tint val="80000"/>
-                <a:satMod val="300000"/>
-              </a:schemeClr>
-            </a:gs>
-            <a:gs pos="100000">
-              <a:schemeClr val="phClr">
-                <a:shade val="30000"/>
-                <a:satMod val="200000"/>
-              </a:schemeClr>
-            </a:gs>
-          </a:gsLst>
-          <a:path path="circle">
-            <a:fillToRect l="50000" t="50000" r="50000" b="50000"/>
-          </a:path>
-        </a:gradFill>
-      </a:bgFillStyleLst>
-    </a:fmtScheme>
-  </a:themeElements>
-</a:theme>
 </file>